--- a/assets/public/Chapter_2_Recording_accounting_transactions/documents/resources/Media/2.1.pptx
+++ b/assets/public/Chapter_2_Recording_accounting_transactions/documents/resources/Media/2.1.pptx
@@ -7,6 +7,7 @@
   <p:sldIdLst>
     <p:sldId id="257" r:id="rId2"/>
     <p:sldId id="256" r:id="rId3"/>
+    <p:sldId id="258" r:id="rId4"/>
   </p:sldIdLst>
   <p:sldSz cx="12192000" cy="6858000"/>
   <p:notesSz cx="6858000" cy="9144000"/>
@@ -155,10 +156,9 @@
           </a:lstStyle>
           <a:p>
             <a:r>
-              <a:rPr lang="en-US" smtClean="0"/>
+              <a:rPr lang="en-US"/>
               <a:t>Click to edit Master title style</a:t>
             </a:r>
-            <a:endParaRPr lang="en-US"/>
           </a:p>
         </p:txBody>
       </p:sp>
@@ -220,10 +220,9 @@
           </a:lstStyle>
           <a:p>
             <a:r>
-              <a:rPr lang="en-US" smtClean="0"/>
+              <a:rPr lang="en-US"/>
               <a:t>Click to edit Master subtitle style</a:t>
             </a:r>
-            <a:endParaRPr lang="en-US"/>
           </a:p>
         </p:txBody>
       </p:sp>
@@ -244,7 +243,7 @@
           <a:p>
             <a:fld id="{9D8FFB7D-DD01-4AC1-AF71-ECA9A4F6FF1C}" type="datetimeFigureOut">
               <a:rPr lang="en-US" smtClean="0"/>
-              <a:t>11/11/2019</a:t>
+              <a:t>11/13/2019</a:t>
             </a:fld>
             <a:endParaRPr lang="en-US"/>
           </a:p>
@@ -338,10 +337,9 @@
           <a:lstStyle/>
           <a:p>
             <a:r>
-              <a:rPr lang="en-US" smtClean="0"/>
+              <a:rPr lang="en-US"/>
               <a:t>Click to edit Master title style</a:t>
             </a:r>
-            <a:endParaRPr lang="en-US"/>
           </a:p>
         </p:txBody>
       </p:sp>
@@ -362,38 +360,37 @@
           <a:p>
             <a:pPr lvl="0"/>
             <a:r>
-              <a:rPr lang="en-US" smtClean="0"/>
+              <a:rPr lang="en-US"/>
               <a:t>Edit Master text styles</a:t>
             </a:r>
           </a:p>
           <a:p>
             <a:pPr lvl="1"/>
             <a:r>
-              <a:rPr lang="en-US" smtClean="0"/>
+              <a:rPr lang="en-US"/>
               <a:t>Second level</a:t>
             </a:r>
           </a:p>
           <a:p>
             <a:pPr lvl="2"/>
             <a:r>
-              <a:rPr lang="en-US" smtClean="0"/>
+              <a:rPr lang="en-US"/>
               <a:t>Third level</a:t>
             </a:r>
           </a:p>
           <a:p>
             <a:pPr lvl="3"/>
             <a:r>
-              <a:rPr lang="en-US" smtClean="0"/>
+              <a:rPr lang="en-US"/>
               <a:t>Fourth level</a:t>
             </a:r>
           </a:p>
           <a:p>
             <a:pPr lvl="4"/>
             <a:r>
-              <a:rPr lang="en-US" smtClean="0"/>
+              <a:rPr lang="en-US"/>
               <a:t>Fifth level</a:t>
             </a:r>
-            <a:endParaRPr lang="en-US"/>
           </a:p>
         </p:txBody>
       </p:sp>
@@ -414,7 +411,7 @@
           <a:p>
             <a:fld id="{9D8FFB7D-DD01-4AC1-AF71-ECA9A4F6FF1C}" type="datetimeFigureOut">
               <a:rPr lang="en-US" smtClean="0"/>
-              <a:t>11/11/2019</a:t>
+              <a:t>11/13/2019</a:t>
             </a:fld>
             <a:endParaRPr lang="en-US"/>
           </a:p>
@@ -513,10 +510,9 @@
           <a:lstStyle/>
           <a:p>
             <a:r>
-              <a:rPr lang="en-US" smtClean="0"/>
+              <a:rPr lang="en-US"/>
               <a:t>Click to edit Master title style</a:t>
             </a:r>
-            <a:endParaRPr lang="en-US"/>
           </a:p>
         </p:txBody>
       </p:sp>
@@ -542,38 +538,37 @@
           <a:p>
             <a:pPr lvl="0"/>
             <a:r>
-              <a:rPr lang="en-US" smtClean="0"/>
+              <a:rPr lang="en-US"/>
               <a:t>Edit Master text styles</a:t>
             </a:r>
           </a:p>
           <a:p>
             <a:pPr lvl="1"/>
             <a:r>
-              <a:rPr lang="en-US" smtClean="0"/>
+              <a:rPr lang="en-US"/>
               <a:t>Second level</a:t>
             </a:r>
           </a:p>
           <a:p>
             <a:pPr lvl="2"/>
             <a:r>
-              <a:rPr lang="en-US" smtClean="0"/>
+              <a:rPr lang="en-US"/>
               <a:t>Third level</a:t>
             </a:r>
           </a:p>
           <a:p>
             <a:pPr lvl="3"/>
             <a:r>
-              <a:rPr lang="en-US" smtClean="0"/>
+              <a:rPr lang="en-US"/>
               <a:t>Fourth level</a:t>
             </a:r>
           </a:p>
           <a:p>
             <a:pPr lvl="4"/>
             <a:r>
-              <a:rPr lang="en-US" smtClean="0"/>
+              <a:rPr lang="en-US"/>
               <a:t>Fifth level</a:t>
             </a:r>
-            <a:endParaRPr lang="en-US"/>
           </a:p>
         </p:txBody>
       </p:sp>
@@ -594,7 +589,7 @@
           <a:p>
             <a:fld id="{9D8FFB7D-DD01-4AC1-AF71-ECA9A4F6FF1C}" type="datetimeFigureOut">
               <a:rPr lang="en-US" smtClean="0"/>
-              <a:t>11/11/2019</a:t>
+              <a:t>11/13/2019</a:t>
             </a:fld>
             <a:endParaRPr lang="en-US"/>
           </a:p>
@@ -688,10 +683,9 @@
           <a:lstStyle/>
           <a:p>
             <a:r>
-              <a:rPr lang="en-US" smtClean="0"/>
+              <a:rPr lang="en-US"/>
               <a:t>Click to edit Master title style</a:t>
             </a:r>
-            <a:endParaRPr lang="en-US"/>
           </a:p>
         </p:txBody>
       </p:sp>
@@ -712,38 +706,37 @@
           <a:p>
             <a:pPr lvl="0"/>
             <a:r>
-              <a:rPr lang="en-US" smtClean="0"/>
+              <a:rPr lang="en-US"/>
               <a:t>Edit Master text styles</a:t>
             </a:r>
           </a:p>
           <a:p>
             <a:pPr lvl="1"/>
             <a:r>
-              <a:rPr lang="en-US" smtClean="0"/>
+              <a:rPr lang="en-US"/>
               <a:t>Second level</a:t>
             </a:r>
           </a:p>
           <a:p>
             <a:pPr lvl="2"/>
             <a:r>
-              <a:rPr lang="en-US" smtClean="0"/>
+              <a:rPr lang="en-US"/>
               <a:t>Third level</a:t>
             </a:r>
           </a:p>
           <a:p>
             <a:pPr lvl="3"/>
             <a:r>
-              <a:rPr lang="en-US" smtClean="0"/>
+              <a:rPr lang="en-US"/>
               <a:t>Fourth level</a:t>
             </a:r>
           </a:p>
           <a:p>
             <a:pPr lvl="4"/>
             <a:r>
-              <a:rPr lang="en-US" smtClean="0"/>
+              <a:rPr lang="en-US"/>
               <a:t>Fifth level</a:t>
             </a:r>
-            <a:endParaRPr lang="en-US"/>
           </a:p>
         </p:txBody>
       </p:sp>
@@ -764,7 +757,7 @@
           <a:p>
             <a:fld id="{9D8FFB7D-DD01-4AC1-AF71-ECA9A4F6FF1C}" type="datetimeFigureOut">
               <a:rPr lang="en-US" smtClean="0"/>
-              <a:t>11/11/2019</a:t>
+              <a:t>11/13/2019</a:t>
             </a:fld>
             <a:endParaRPr lang="en-US"/>
           </a:p>
@@ -867,10 +860,9 @@
           </a:lstStyle>
           <a:p>
             <a:r>
-              <a:rPr lang="en-US" smtClean="0"/>
+              <a:rPr lang="en-US"/>
               <a:t>Click to edit Master title style</a:t>
             </a:r>
-            <a:endParaRPr lang="en-US"/>
           </a:p>
         </p:txBody>
       </p:sp>
@@ -987,7 +979,7 @@
           <a:p>
             <a:pPr lvl="0"/>
             <a:r>
-              <a:rPr lang="en-US" smtClean="0"/>
+              <a:rPr lang="en-US"/>
               <a:t>Edit Master text styles</a:t>
             </a:r>
           </a:p>
@@ -1010,7 +1002,7 @@
           <a:p>
             <a:fld id="{9D8FFB7D-DD01-4AC1-AF71-ECA9A4F6FF1C}" type="datetimeFigureOut">
               <a:rPr lang="en-US" smtClean="0"/>
-              <a:t>11/11/2019</a:t>
+              <a:t>11/13/2019</a:t>
             </a:fld>
             <a:endParaRPr lang="en-US"/>
           </a:p>
@@ -1104,10 +1096,9 @@
           <a:lstStyle/>
           <a:p>
             <a:r>
-              <a:rPr lang="en-US" smtClean="0"/>
+              <a:rPr lang="en-US"/>
               <a:t>Click to edit Master title style</a:t>
             </a:r>
-            <a:endParaRPr lang="en-US"/>
           </a:p>
         </p:txBody>
       </p:sp>
@@ -1133,38 +1124,37 @@
           <a:p>
             <a:pPr lvl="0"/>
             <a:r>
-              <a:rPr lang="en-US" smtClean="0"/>
+              <a:rPr lang="en-US"/>
               <a:t>Edit Master text styles</a:t>
             </a:r>
           </a:p>
           <a:p>
             <a:pPr lvl="1"/>
             <a:r>
-              <a:rPr lang="en-US" smtClean="0"/>
+              <a:rPr lang="en-US"/>
               <a:t>Second level</a:t>
             </a:r>
           </a:p>
           <a:p>
             <a:pPr lvl="2"/>
             <a:r>
-              <a:rPr lang="en-US" smtClean="0"/>
+              <a:rPr lang="en-US"/>
               <a:t>Third level</a:t>
             </a:r>
           </a:p>
           <a:p>
             <a:pPr lvl="3"/>
             <a:r>
-              <a:rPr lang="en-US" smtClean="0"/>
+              <a:rPr lang="en-US"/>
               <a:t>Fourth level</a:t>
             </a:r>
           </a:p>
           <a:p>
             <a:pPr lvl="4"/>
             <a:r>
-              <a:rPr lang="en-US" smtClean="0"/>
+              <a:rPr lang="en-US"/>
               <a:t>Fifth level</a:t>
             </a:r>
-            <a:endParaRPr lang="en-US"/>
           </a:p>
         </p:txBody>
       </p:sp>
@@ -1190,38 +1180,37 @@
           <a:p>
             <a:pPr lvl="0"/>
             <a:r>
-              <a:rPr lang="en-US" smtClean="0"/>
+              <a:rPr lang="en-US"/>
               <a:t>Edit Master text styles</a:t>
             </a:r>
           </a:p>
           <a:p>
             <a:pPr lvl="1"/>
             <a:r>
-              <a:rPr lang="en-US" smtClean="0"/>
+              <a:rPr lang="en-US"/>
               <a:t>Second level</a:t>
             </a:r>
           </a:p>
           <a:p>
             <a:pPr lvl="2"/>
             <a:r>
-              <a:rPr lang="en-US" smtClean="0"/>
+              <a:rPr lang="en-US"/>
               <a:t>Third level</a:t>
             </a:r>
           </a:p>
           <a:p>
             <a:pPr lvl="3"/>
             <a:r>
-              <a:rPr lang="en-US" smtClean="0"/>
+              <a:rPr lang="en-US"/>
               <a:t>Fourth level</a:t>
             </a:r>
           </a:p>
           <a:p>
             <a:pPr lvl="4"/>
             <a:r>
-              <a:rPr lang="en-US" smtClean="0"/>
+              <a:rPr lang="en-US"/>
               <a:t>Fifth level</a:t>
             </a:r>
-            <a:endParaRPr lang="en-US"/>
           </a:p>
         </p:txBody>
       </p:sp>
@@ -1242,7 +1231,7 @@
           <a:p>
             <a:fld id="{9D8FFB7D-DD01-4AC1-AF71-ECA9A4F6FF1C}" type="datetimeFigureOut">
               <a:rPr lang="en-US" smtClean="0"/>
-              <a:t>11/11/2019</a:t>
+              <a:t>11/13/2019</a:t>
             </a:fld>
             <a:endParaRPr lang="en-US"/>
           </a:p>
@@ -1341,10 +1330,9 @@
           <a:lstStyle/>
           <a:p>
             <a:r>
-              <a:rPr lang="en-US" smtClean="0"/>
+              <a:rPr lang="en-US"/>
               <a:t>Click to edit Master title style</a:t>
             </a:r>
-            <a:endParaRPr lang="en-US"/>
           </a:p>
         </p:txBody>
       </p:sp>
@@ -1407,7 +1395,7 @@
           <a:p>
             <a:pPr lvl="0"/>
             <a:r>
-              <a:rPr lang="en-US" smtClean="0"/>
+              <a:rPr lang="en-US"/>
               <a:t>Edit Master text styles</a:t>
             </a:r>
           </a:p>
@@ -1435,38 +1423,37 @@
           <a:p>
             <a:pPr lvl="0"/>
             <a:r>
-              <a:rPr lang="en-US" smtClean="0"/>
+              <a:rPr lang="en-US"/>
               <a:t>Edit Master text styles</a:t>
             </a:r>
           </a:p>
           <a:p>
             <a:pPr lvl="1"/>
             <a:r>
-              <a:rPr lang="en-US" smtClean="0"/>
+              <a:rPr lang="en-US"/>
               <a:t>Second level</a:t>
             </a:r>
           </a:p>
           <a:p>
             <a:pPr lvl="2"/>
             <a:r>
-              <a:rPr lang="en-US" smtClean="0"/>
+              <a:rPr lang="en-US"/>
               <a:t>Third level</a:t>
             </a:r>
           </a:p>
           <a:p>
             <a:pPr lvl="3"/>
             <a:r>
-              <a:rPr lang="en-US" smtClean="0"/>
+              <a:rPr lang="en-US"/>
               <a:t>Fourth level</a:t>
             </a:r>
           </a:p>
           <a:p>
             <a:pPr lvl="4"/>
             <a:r>
-              <a:rPr lang="en-US" smtClean="0"/>
+              <a:rPr lang="en-US"/>
               <a:t>Fifth level</a:t>
             </a:r>
-            <a:endParaRPr lang="en-US"/>
           </a:p>
         </p:txBody>
       </p:sp>
@@ -1529,7 +1516,7 @@
           <a:p>
             <a:pPr lvl="0"/>
             <a:r>
-              <a:rPr lang="en-US" smtClean="0"/>
+              <a:rPr lang="en-US"/>
               <a:t>Edit Master text styles</a:t>
             </a:r>
           </a:p>
@@ -1557,38 +1544,37 @@
           <a:p>
             <a:pPr lvl="0"/>
             <a:r>
-              <a:rPr lang="en-US" smtClean="0"/>
+              <a:rPr lang="en-US"/>
               <a:t>Edit Master text styles</a:t>
             </a:r>
           </a:p>
           <a:p>
             <a:pPr lvl="1"/>
             <a:r>
-              <a:rPr lang="en-US" smtClean="0"/>
+              <a:rPr lang="en-US"/>
               <a:t>Second level</a:t>
             </a:r>
           </a:p>
           <a:p>
             <a:pPr lvl="2"/>
             <a:r>
-              <a:rPr lang="en-US" smtClean="0"/>
+              <a:rPr lang="en-US"/>
               <a:t>Third level</a:t>
             </a:r>
           </a:p>
           <a:p>
             <a:pPr lvl="3"/>
             <a:r>
-              <a:rPr lang="en-US" smtClean="0"/>
+              <a:rPr lang="en-US"/>
               <a:t>Fourth level</a:t>
             </a:r>
           </a:p>
           <a:p>
             <a:pPr lvl="4"/>
             <a:r>
-              <a:rPr lang="en-US" smtClean="0"/>
+              <a:rPr lang="en-US"/>
               <a:t>Fifth level</a:t>
             </a:r>
-            <a:endParaRPr lang="en-US"/>
           </a:p>
         </p:txBody>
       </p:sp>
@@ -1609,7 +1595,7 @@
           <a:p>
             <a:fld id="{9D8FFB7D-DD01-4AC1-AF71-ECA9A4F6FF1C}" type="datetimeFigureOut">
               <a:rPr lang="en-US" smtClean="0"/>
-              <a:t>11/11/2019</a:t>
+              <a:t>11/13/2019</a:t>
             </a:fld>
             <a:endParaRPr lang="en-US"/>
           </a:p>
@@ -1703,10 +1689,9 @@
           <a:lstStyle/>
           <a:p>
             <a:r>
-              <a:rPr lang="en-US" smtClean="0"/>
+              <a:rPr lang="en-US"/>
               <a:t>Click to edit Master title style</a:t>
             </a:r>
-            <a:endParaRPr lang="en-US"/>
           </a:p>
         </p:txBody>
       </p:sp>
@@ -1727,7 +1712,7 @@
           <a:p>
             <a:fld id="{9D8FFB7D-DD01-4AC1-AF71-ECA9A4F6FF1C}" type="datetimeFigureOut">
               <a:rPr lang="en-US" smtClean="0"/>
-              <a:t>11/11/2019</a:t>
+              <a:t>11/13/2019</a:t>
             </a:fld>
             <a:endParaRPr lang="en-US"/>
           </a:p>
@@ -1822,7 +1807,7 @@
           <a:p>
             <a:fld id="{9D8FFB7D-DD01-4AC1-AF71-ECA9A4F6FF1C}" type="datetimeFigureOut">
               <a:rPr lang="en-US" smtClean="0"/>
-              <a:t>11/11/2019</a:t>
+              <a:t>11/13/2019</a:t>
             </a:fld>
             <a:endParaRPr lang="en-US"/>
           </a:p>
@@ -1925,10 +1910,9 @@
           </a:lstStyle>
           <a:p>
             <a:r>
-              <a:rPr lang="en-US" smtClean="0"/>
+              <a:rPr lang="en-US"/>
               <a:t>Click to edit Master title style</a:t>
             </a:r>
-            <a:endParaRPr lang="en-US"/>
           </a:p>
         </p:txBody>
       </p:sp>
@@ -1982,38 +1966,37 @@
           <a:p>
             <a:pPr lvl="0"/>
             <a:r>
-              <a:rPr lang="en-US" smtClean="0"/>
+              <a:rPr lang="en-US"/>
               <a:t>Edit Master text styles</a:t>
             </a:r>
           </a:p>
           <a:p>
             <a:pPr lvl="1"/>
             <a:r>
-              <a:rPr lang="en-US" smtClean="0"/>
+              <a:rPr lang="en-US"/>
               <a:t>Second level</a:t>
             </a:r>
           </a:p>
           <a:p>
             <a:pPr lvl="2"/>
             <a:r>
-              <a:rPr lang="en-US" smtClean="0"/>
+              <a:rPr lang="en-US"/>
               <a:t>Third level</a:t>
             </a:r>
           </a:p>
           <a:p>
             <a:pPr lvl="3"/>
             <a:r>
-              <a:rPr lang="en-US" smtClean="0"/>
+              <a:rPr lang="en-US"/>
               <a:t>Fourth level</a:t>
             </a:r>
           </a:p>
           <a:p>
             <a:pPr lvl="4"/>
             <a:r>
-              <a:rPr lang="en-US" smtClean="0"/>
+              <a:rPr lang="en-US"/>
               <a:t>Fifth level</a:t>
             </a:r>
-            <a:endParaRPr lang="en-US"/>
           </a:p>
         </p:txBody>
       </p:sp>
@@ -2076,7 +2059,7 @@
           <a:p>
             <a:pPr lvl="0"/>
             <a:r>
-              <a:rPr lang="en-US" smtClean="0"/>
+              <a:rPr lang="en-US"/>
               <a:t>Edit Master text styles</a:t>
             </a:r>
           </a:p>
@@ -2099,7 +2082,7 @@
           <a:p>
             <a:fld id="{9D8FFB7D-DD01-4AC1-AF71-ECA9A4F6FF1C}" type="datetimeFigureOut">
               <a:rPr lang="en-US" smtClean="0"/>
-              <a:t>11/11/2019</a:t>
+              <a:t>11/13/2019</a:t>
             </a:fld>
             <a:endParaRPr lang="en-US"/>
           </a:p>
@@ -2202,10 +2185,9 @@
           </a:lstStyle>
           <a:p>
             <a:r>
-              <a:rPr lang="en-US" smtClean="0"/>
+              <a:rPr lang="en-US"/>
               <a:t>Click to edit Master title style</a:t>
             </a:r>
-            <a:endParaRPr lang="en-US"/>
           </a:p>
         </p:txBody>
       </p:sp>
@@ -2329,7 +2311,7 @@
           <a:p>
             <a:pPr lvl="0"/>
             <a:r>
-              <a:rPr lang="en-US" smtClean="0"/>
+              <a:rPr lang="en-US"/>
               <a:t>Edit Master text styles</a:t>
             </a:r>
           </a:p>
@@ -2352,7 +2334,7 @@
           <a:p>
             <a:fld id="{9D8FFB7D-DD01-4AC1-AF71-ECA9A4F6FF1C}" type="datetimeFigureOut">
               <a:rPr lang="en-US" smtClean="0"/>
-              <a:t>11/11/2019</a:t>
+              <a:t>11/13/2019</a:t>
             </a:fld>
             <a:endParaRPr lang="en-US"/>
           </a:p>
@@ -2461,10 +2443,9 @@
           <a:lstStyle/>
           <a:p>
             <a:r>
-              <a:rPr lang="en-US" smtClean="0"/>
+              <a:rPr lang="en-US"/>
               <a:t>Click to edit Master title style</a:t>
             </a:r>
-            <a:endParaRPr lang="en-US"/>
           </a:p>
         </p:txBody>
       </p:sp>
@@ -2495,38 +2476,37 @@
           <a:p>
             <a:pPr lvl="0"/>
             <a:r>
-              <a:rPr lang="en-US" smtClean="0"/>
+              <a:rPr lang="en-US"/>
               <a:t>Edit Master text styles</a:t>
             </a:r>
           </a:p>
           <a:p>
             <a:pPr lvl="1"/>
             <a:r>
-              <a:rPr lang="en-US" smtClean="0"/>
+              <a:rPr lang="en-US"/>
               <a:t>Second level</a:t>
             </a:r>
           </a:p>
           <a:p>
             <a:pPr lvl="2"/>
             <a:r>
-              <a:rPr lang="en-US" smtClean="0"/>
+              <a:rPr lang="en-US"/>
               <a:t>Third level</a:t>
             </a:r>
           </a:p>
           <a:p>
             <a:pPr lvl="3"/>
             <a:r>
-              <a:rPr lang="en-US" smtClean="0"/>
+              <a:rPr lang="en-US"/>
               <a:t>Fourth level</a:t>
             </a:r>
           </a:p>
           <a:p>
             <a:pPr lvl="4"/>
             <a:r>
-              <a:rPr lang="en-US" smtClean="0"/>
+              <a:rPr lang="en-US"/>
               <a:t>Fifth level</a:t>
             </a:r>
-            <a:endParaRPr lang="en-US"/>
           </a:p>
         </p:txBody>
       </p:sp>
@@ -2565,7 +2545,7 @@
           <a:p>
             <a:fld id="{9D8FFB7D-DD01-4AC1-AF71-ECA9A4F6FF1C}" type="datetimeFigureOut">
               <a:rPr lang="en-US" smtClean="0"/>
-              <a:t>11/11/2019</a:t>
+              <a:t>11/13/2019</a:t>
             </a:fld>
             <a:endParaRPr lang="en-US"/>
           </a:p>
@@ -3702,7 +3682,7 @@
           <a:lstStyle/>
           <a:p>
             <a:r>
-              <a:rPr lang="en-US" dirty="0" smtClean="0">
+              <a:rPr lang="en-US" dirty="0">
                 <a:ln w="0"/>
                 <a:solidFill>
                   <a:schemeClr val="accent1">
@@ -3721,7 +3701,7 @@
             </a:r>
           </a:p>
           <a:p>
-            <a:endParaRPr lang="en-US" dirty="0" smtClean="0">
+            <a:endParaRPr lang="en-US" dirty="0">
               <a:ln w="0"/>
               <a:solidFill>
                 <a:schemeClr val="accent1">
@@ -3739,7 +3719,7 @@
           </a:p>
           <a:p>
             <a:r>
-              <a:rPr lang="en-US" dirty="0" smtClean="0">
+              <a:rPr lang="en-US" dirty="0">
                 <a:ln w="0"/>
                 <a:solidFill>
                   <a:schemeClr val="accent1">
@@ -3758,7 +3738,7 @@
             </a:r>
           </a:p>
           <a:p>
-            <a:endParaRPr lang="en-US" dirty="0" smtClean="0">
+            <a:endParaRPr lang="en-US" dirty="0">
               <a:ln w="0"/>
               <a:solidFill>
                 <a:schemeClr val="accent1">
@@ -3776,7 +3756,7 @@
           </a:p>
           <a:p>
             <a:r>
-              <a:rPr lang="en-US" dirty="0" smtClean="0">
+              <a:rPr lang="en-US" dirty="0">
                 <a:ln>
                   <a:solidFill>
                     <a:schemeClr val="accent2">
@@ -3789,7 +3769,7 @@
             </a:r>
           </a:p>
           <a:p>
-            <a:endParaRPr lang="en-US" dirty="0" smtClean="0">
+            <a:endParaRPr lang="en-US" dirty="0">
               <a:ln>
                 <a:solidFill>
                   <a:schemeClr val="accent2">
@@ -3801,7 +3781,7 @@
           </a:p>
           <a:p>
             <a:r>
-              <a:rPr lang="en-US" dirty="0" smtClean="0">
+              <a:rPr lang="en-US" dirty="0">
                 <a:ln>
                   <a:solidFill>
                     <a:schemeClr val="accent2">
@@ -3814,7 +3794,7 @@
             </a:r>
           </a:p>
           <a:p>
-            <a:endParaRPr lang="en-US" dirty="0" smtClean="0">
+            <a:endParaRPr lang="en-US" dirty="0">
               <a:ln>
                 <a:solidFill>
                   <a:schemeClr val="accent2">
@@ -3826,7 +3806,7 @@
           </a:p>
           <a:p>
             <a:r>
-              <a:rPr lang="en-US" dirty="0" smtClean="0">
+              <a:rPr lang="en-US" dirty="0">
                 <a:ln>
                   <a:solidFill>
                     <a:schemeClr val="accent2">
@@ -3866,7 +3846,7 @@
           <a:lstStyle/>
           <a:p>
             <a:r>
-              <a:rPr lang="en-US" dirty="0" smtClean="0">
+              <a:rPr lang="en-US" dirty="0">
                 <a:ln w="0"/>
                 <a:solidFill>
                   <a:schemeClr val="accent1">
@@ -3885,7 +3865,7 @@
             </a:r>
           </a:p>
           <a:p>
-            <a:endParaRPr lang="en-US" dirty="0" smtClean="0">
+            <a:endParaRPr lang="en-US" dirty="0">
               <a:ln w="0"/>
               <a:solidFill>
                 <a:schemeClr val="accent1">
@@ -3903,7 +3883,7 @@
           </a:p>
           <a:p>
             <a:r>
-              <a:rPr lang="en-US" dirty="0" smtClean="0">
+              <a:rPr lang="en-US" dirty="0">
                 <a:ln w="0"/>
                 <a:solidFill>
                   <a:schemeClr val="accent1">
@@ -3922,7 +3902,7 @@
             </a:r>
           </a:p>
           <a:p>
-            <a:endParaRPr lang="en-US" dirty="0" smtClean="0">
+            <a:endParaRPr lang="en-US" dirty="0">
               <a:ln w="0"/>
               <a:solidFill>
                 <a:schemeClr val="accent1">
@@ -3940,7 +3920,7 @@
           </a:p>
           <a:p>
             <a:r>
-              <a:rPr lang="en-US" dirty="0" smtClean="0">
+              <a:rPr lang="en-US" dirty="0">
                 <a:ln>
                   <a:solidFill>
                     <a:schemeClr val="accent2">
@@ -3953,7 +3933,7 @@
             </a:r>
           </a:p>
           <a:p>
-            <a:endParaRPr lang="en-US" dirty="0" smtClean="0">
+            <a:endParaRPr lang="en-US" dirty="0">
               <a:ln>
                 <a:solidFill>
                   <a:schemeClr val="accent2">
@@ -3965,7 +3945,7 @@
           </a:p>
           <a:p>
             <a:r>
-              <a:rPr lang="en-US" dirty="0" smtClean="0">
+              <a:rPr lang="en-US" dirty="0">
                 <a:ln>
                   <a:solidFill>
                     <a:schemeClr val="accent2">
@@ -3978,7 +3958,7 @@
             </a:r>
           </a:p>
           <a:p>
-            <a:endParaRPr lang="en-US" dirty="0" smtClean="0">
+            <a:endParaRPr lang="en-US" dirty="0">
               <a:ln>
                 <a:solidFill>
                   <a:schemeClr val="accent2">
@@ -3990,7 +3970,7 @@
           </a:p>
           <a:p>
             <a:r>
-              <a:rPr lang="en-US" dirty="0" smtClean="0">
+              <a:rPr lang="en-US" dirty="0">
                 <a:ln>
                   <a:solidFill>
                     <a:schemeClr val="accent2">
@@ -4030,7 +4010,7 @@
           <a:lstStyle/>
           <a:p>
             <a:r>
-              <a:rPr lang="en-US" dirty="0" smtClean="0">
+              <a:rPr lang="en-US" dirty="0">
                 <a:ln w="0"/>
                 <a:solidFill>
                   <a:schemeClr val="accent1">
@@ -4049,7 +4029,7 @@
             </a:r>
           </a:p>
           <a:p>
-            <a:endParaRPr lang="en-US" dirty="0" smtClean="0">
+            <a:endParaRPr lang="en-US" dirty="0">
               <a:ln w="0"/>
               <a:solidFill>
                 <a:schemeClr val="accent1">
@@ -4067,7 +4047,7 @@
           </a:p>
           <a:p>
             <a:r>
-              <a:rPr lang="en-US" dirty="0" smtClean="0">
+              <a:rPr lang="en-US" dirty="0">
                 <a:ln w="0"/>
                 <a:solidFill>
                   <a:schemeClr val="accent1">
@@ -4086,7 +4066,7 @@
             </a:r>
           </a:p>
           <a:p>
-            <a:endParaRPr lang="en-US" dirty="0" smtClean="0">
+            <a:endParaRPr lang="en-US" dirty="0">
               <a:ln w="0"/>
               <a:solidFill>
                 <a:schemeClr val="accent1">
@@ -4104,7 +4084,7 @@
           </a:p>
           <a:p>
             <a:r>
-              <a:rPr lang="en-US" dirty="0" smtClean="0">
+              <a:rPr lang="en-US" dirty="0">
                 <a:ln>
                   <a:solidFill>
                     <a:schemeClr val="accent2">
@@ -4117,7 +4097,7 @@
             </a:r>
           </a:p>
           <a:p>
-            <a:endParaRPr lang="en-US" dirty="0" smtClean="0">
+            <a:endParaRPr lang="en-US" dirty="0">
               <a:ln>
                 <a:solidFill>
                   <a:schemeClr val="accent2">
@@ -4129,7 +4109,7 @@
           </a:p>
           <a:p>
             <a:r>
-              <a:rPr lang="en-US" dirty="0" smtClean="0">
+              <a:rPr lang="en-US" dirty="0">
                 <a:ln>
                   <a:solidFill>
                     <a:schemeClr val="accent2">
@@ -4142,7 +4122,7 @@
             </a:r>
           </a:p>
           <a:p>
-            <a:endParaRPr lang="en-US" dirty="0" smtClean="0">
+            <a:endParaRPr lang="en-US" dirty="0">
               <a:ln>
                 <a:solidFill>
                   <a:schemeClr val="accent2">
@@ -4154,7 +4134,7 @@
           </a:p>
           <a:p>
             <a:r>
-              <a:rPr lang="en-US" dirty="0" smtClean="0">
+              <a:rPr lang="en-US" dirty="0">
                 <a:ln>
                   <a:solidFill>
                     <a:schemeClr val="accent2">
@@ -4194,7 +4174,7 @@
           <a:lstStyle/>
           <a:p>
             <a:r>
-              <a:rPr lang="en-US" dirty="0" smtClean="0">
+              <a:rPr lang="en-US" dirty="0">
                 <a:ln w="0"/>
                 <a:solidFill>
                   <a:schemeClr val="accent1">
@@ -4213,7 +4193,7 @@
             </a:r>
           </a:p>
           <a:p>
-            <a:endParaRPr lang="en-US" dirty="0" smtClean="0">
+            <a:endParaRPr lang="en-US" dirty="0">
               <a:ln w="0"/>
               <a:solidFill>
                 <a:schemeClr val="accent1">
@@ -4231,7 +4211,7 @@
           </a:p>
           <a:p>
             <a:r>
-              <a:rPr lang="en-US" dirty="0" smtClean="0">
+              <a:rPr lang="en-US" dirty="0">
                 <a:ln w="0"/>
                 <a:solidFill>
                   <a:schemeClr val="accent1">
@@ -4250,7 +4230,7 @@
             </a:r>
           </a:p>
           <a:p>
-            <a:endParaRPr lang="en-US" dirty="0" smtClean="0">
+            <a:endParaRPr lang="en-US" dirty="0">
               <a:ln w="0"/>
               <a:solidFill>
                 <a:schemeClr val="accent1">
@@ -4268,7 +4248,7 @@
           </a:p>
           <a:p>
             <a:r>
-              <a:rPr lang="en-US" dirty="0" smtClean="0">
+              <a:rPr lang="en-US" dirty="0">
                 <a:ln>
                   <a:solidFill>
                     <a:schemeClr val="accent2">
@@ -4281,7 +4261,7 @@
             </a:r>
           </a:p>
           <a:p>
-            <a:endParaRPr lang="en-US" dirty="0" smtClean="0">
+            <a:endParaRPr lang="en-US" dirty="0">
               <a:ln>
                 <a:solidFill>
                   <a:schemeClr val="accent2">
@@ -4293,7 +4273,7 @@
           </a:p>
           <a:p>
             <a:r>
-              <a:rPr lang="en-US" dirty="0" smtClean="0">
+              <a:rPr lang="en-US" dirty="0">
                 <a:ln>
                   <a:solidFill>
                     <a:schemeClr val="accent2">
@@ -4306,7 +4286,7 @@
             </a:r>
           </a:p>
           <a:p>
-            <a:endParaRPr lang="en-US" dirty="0" smtClean="0">
+            <a:endParaRPr lang="en-US" dirty="0">
               <a:ln>
                 <a:solidFill>
                   <a:schemeClr val="accent2">
@@ -4318,7 +4298,7 @@
           </a:p>
           <a:p>
             <a:r>
-              <a:rPr lang="en-US" dirty="0" smtClean="0">
+              <a:rPr lang="en-US" dirty="0">
                 <a:ln>
                   <a:solidFill>
                     <a:schemeClr val="accent2">
@@ -4358,7 +4338,7 @@
           <a:lstStyle/>
           <a:p>
             <a:r>
-              <a:rPr lang="en-US" dirty="0" smtClean="0">
+              <a:rPr lang="en-US" dirty="0">
                 <a:ln w="0"/>
                 <a:effectLst>
                   <a:outerShdw blurRad="38100" dist="25400" dir="5400000" algn="ctr" rotWithShape="0">
@@ -4397,7 +4377,7 @@
           <a:lstStyle/>
           <a:p>
             <a:r>
-              <a:rPr lang="en-US" dirty="0" smtClean="0">
+              <a:rPr lang="en-US" dirty="0">
                 <a:ln w="0"/>
                 <a:effectLst>
                   <a:outerShdw blurRad="38100" dist="25400" dir="5400000" algn="ctr" rotWithShape="0">
@@ -4417,6 +4397,680 @@
     <p:extLst>
       <p:ext uri="{BB962C8B-B14F-4D97-AF65-F5344CB8AC3E}">
         <p14:creationId xmlns:p14="http://schemas.microsoft.com/office/powerpoint/2010/main" val="105797281"/>
+      </p:ext>
+    </p:extLst>
+  </p:cSld>
+  <p:clrMapOvr>
+    <a:masterClrMapping/>
+  </p:clrMapOvr>
+</p:sld>
+</file>
+
+<file path=ppt/slides/slide3.xml><?xml version="1.0" encoding="utf-8"?>
+<p:sld xmlns:a="http://schemas.openxmlformats.org/drawingml/2006/main" xmlns:r="http://schemas.openxmlformats.org/officeDocument/2006/relationships" xmlns:p="http://schemas.openxmlformats.org/presentationml/2006/main">
+  <p:cSld>
+    <p:spTree>
+      <p:nvGrpSpPr>
+        <p:cNvPr id="1" name=""/>
+        <p:cNvGrpSpPr/>
+        <p:nvPr/>
+      </p:nvGrpSpPr>
+      <p:grpSpPr>
+        <a:xfrm>
+          <a:off x="0" y="0"/>
+          <a:ext cx="0" cy="0"/>
+          <a:chOff x="0" y="0"/>
+          <a:chExt cx="0" cy="0"/>
+        </a:xfrm>
+      </p:grpSpPr>
+      <p:sp>
+        <p:nvSpPr>
+          <p:cNvPr id="4" name="TextBox 3">
+            <a:extLst>
+              <a:ext uri="{FF2B5EF4-FFF2-40B4-BE49-F238E27FC236}">
+                <a16:creationId xmlns:a16="http://schemas.microsoft.com/office/drawing/2014/main" id="{0B887B30-D4D6-4EE2-A3E6-415416B55607}"/>
+              </a:ext>
+            </a:extLst>
+          </p:cNvPr>
+          <p:cNvSpPr txBox="1"/>
+          <p:nvPr/>
+        </p:nvSpPr>
+        <p:spPr>
+          <a:xfrm>
+            <a:off x="5353823" y="795182"/>
+            <a:ext cx="1359016" cy="369332"/>
+          </a:xfrm>
+          <a:prstGeom prst="rect">
+            <a:avLst/>
+          </a:prstGeom>
+          <a:noFill/>
+        </p:spPr>
+        <p:txBody>
+          <a:bodyPr wrap="square" rtlCol="0">
+            <a:spAutoFit/>
+          </a:bodyPr>
+          <a:lstStyle/>
+          <a:p>
+            <a:r>
+              <a:rPr lang="en-US" dirty="0"/>
+              <a:t>Trial Balance</a:t>
+            </a:r>
+          </a:p>
+        </p:txBody>
+      </p:sp>
+      <p:sp>
+        <p:nvSpPr>
+          <p:cNvPr id="6" name="Rectangle 5">
+            <a:extLst>
+              <a:ext uri="{FF2B5EF4-FFF2-40B4-BE49-F238E27FC236}">
+                <a16:creationId xmlns:a16="http://schemas.microsoft.com/office/drawing/2014/main" id="{C2E284FD-3CCF-498C-930B-E61F6E068BDA}"/>
+              </a:ext>
+            </a:extLst>
+          </p:cNvPr>
+          <p:cNvSpPr/>
+          <p:nvPr/>
+        </p:nvSpPr>
+        <p:spPr>
+          <a:xfrm>
+            <a:off x="4503634" y="1447665"/>
+            <a:ext cx="3059394" cy="369332"/>
+          </a:xfrm>
+          <a:prstGeom prst="rect">
+            <a:avLst/>
+          </a:prstGeom>
+          <a:solidFill>
+            <a:schemeClr val="accent1">
+              <a:lumMod val="20000"/>
+              <a:lumOff val="80000"/>
+            </a:schemeClr>
+          </a:solidFill>
+          <a:ln>
+            <a:noFill/>
+          </a:ln>
+        </p:spPr>
+        <p:style>
+          <a:lnRef idx="1">
+            <a:schemeClr val="accent1"/>
+          </a:lnRef>
+          <a:fillRef idx="2">
+            <a:schemeClr val="accent1"/>
+          </a:fillRef>
+          <a:effectRef idx="1">
+            <a:schemeClr val="accent1"/>
+          </a:effectRef>
+          <a:fontRef idx="minor">
+            <a:schemeClr val="dk1"/>
+          </a:fontRef>
+        </p:style>
+        <p:txBody>
+          <a:bodyPr rtlCol="0" anchor="ctr"/>
+          <a:lstStyle/>
+          <a:p>
+            <a:pPr algn="ctr"/>
+            <a:r>
+              <a:rPr lang="en-US" sz="1600" dirty="0"/>
+              <a:t>Ledgers</a:t>
+            </a:r>
+          </a:p>
+        </p:txBody>
+      </p:sp>
+      <p:sp>
+        <p:nvSpPr>
+          <p:cNvPr id="7" name="Rectangle 6">
+            <a:extLst>
+              <a:ext uri="{FF2B5EF4-FFF2-40B4-BE49-F238E27FC236}">
+                <a16:creationId xmlns:a16="http://schemas.microsoft.com/office/drawing/2014/main" id="{7E08CEAF-A3D9-4AF2-91DE-C43F0DFA4086}"/>
+              </a:ext>
+            </a:extLst>
+          </p:cNvPr>
+          <p:cNvSpPr/>
+          <p:nvPr/>
+        </p:nvSpPr>
+        <p:spPr>
+          <a:xfrm>
+            <a:off x="4503634" y="2175194"/>
+            <a:ext cx="3059394" cy="781651"/>
+          </a:xfrm>
+          <a:prstGeom prst="rect">
+            <a:avLst/>
+          </a:prstGeom>
+          <a:solidFill>
+            <a:schemeClr val="accent1">
+              <a:lumMod val="40000"/>
+              <a:lumOff val="60000"/>
+            </a:schemeClr>
+          </a:solidFill>
+          <a:ln>
+            <a:noFill/>
+          </a:ln>
+        </p:spPr>
+        <p:style>
+          <a:lnRef idx="1">
+            <a:schemeClr val="accent1"/>
+          </a:lnRef>
+          <a:fillRef idx="2">
+            <a:schemeClr val="accent1"/>
+          </a:fillRef>
+          <a:effectRef idx="1">
+            <a:schemeClr val="accent1"/>
+          </a:effectRef>
+          <a:fontRef idx="minor">
+            <a:schemeClr val="dk1"/>
+          </a:fontRef>
+        </p:style>
+        <p:txBody>
+          <a:bodyPr rtlCol="0" anchor="ctr"/>
+          <a:lstStyle/>
+          <a:p>
+            <a:pPr algn="ctr"/>
+            <a:r>
+              <a:rPr lang="en-US" sz="1600" dirty="0"/>
+              <a:t>Assets, Liabilities, Stockholder equity, revenue, expense</a:t>
+            </a:r>
+          </a:p>
+        </p:txBody>
+      </p:sp>
+      <p:sp>
+        <p:nvSpPr>
+          <p:cNvPr id="8" name="Rectangle 7">
+            <a:extLst>
+              <a:ext uri="{FF2B5EF4-FFF2-40B4-BE49-F238E27FC236}">
+                <a16:creationId xmlns:a16="http://schemas.microsoft.com/office/drawing/2014/main" id="{B5715B14-7152-4888-8644-284B5558EDC1}"/>
+              </a:ext>
+            </a:extLst>
+          </p:cNvPr>
+          <p:cNvSpPr/>
+          <p:nvPr/>
+        </p:nvSpPr>
+        <p:spPr>
+          <a:xfrm>
+            <a:off x="3871244" y="3330712"/>
+            <a:ext cx="1717705" cy="444381"/>
+          </a:xfrm>
+          <a:prstGeom prst="rect">
+            <a:avLst/>
+          </a:prstGeom>
+          <a:solidFill>
+            <a:schemeClr val="accent6">
+              <a:lumMod val="60000"/>
+              <a:lumOff val="40000"/>
+            </a:schemeClr>
+          </a:solidFill>
+          <a:ln>
+            <a:noFill/>
+          </a:ln>
+        </p:spPr>
+        <p:style>
+          <a:lnRef idx="2">
+            <a:schemeClr val="accent1">
+              <a:shade val="50000"/>
+            </a:schemeClr>
+          </a:lnRef>
+          <a:fillRef idx="1">
+            <a:schemeClr val="accent1"/>
+          </a:fillRef>
+          <a:effectRef idx="0">
+            <a:schemeClr val="accent1"/>
+          </a:effectRef>
+          <a:fontRef idx="minor">
+            <a:schemeClr val="lt1"/>
+          </a:fontRef>
+        </p:style>
+        <p:txBody>
+          <a:bodyPr rtlCol="0" anchor="ctr"/>
+          <a:lstStyle/>
+          <a:p>
+            <a:pPr algn="ctr"/>
+            <a:r>
+              <a:rPr lang="en-US" dirty="0">
+                <a:solidFill>
+                  <a:schemeClr val="tx1"/>
+                </a:solidFill>
+              </a:rPr>
+              <a:t>Total debit</a:t>
+            </a:r>
+          </a:p>
+        </p:txBody>
+      </p:sp>
+      <p:sp>
+        <p:nvSpPr>
+          <p:cNvPr id="9" name="Rectangle 8">
+            <a:extLst>
+              <a:ext uri="{FF2B5EF4-FFF2-40B4-BE49-F238E27FC236}">
+                <a16:creationId xmlns:a16="http://schemas.microsoft.com/office/drawing/2014/main" id="{C9A262AA-8B24-460B-B9ED-43D2908FAB60}"/>
+              </a:ext>
+            </a:extLst>
+          </p:cNvPr>
+          <p:cNvSpPr/>
+          <p:nvPr/>
+        </p:nvSpPr>
+        <p:spPr>
+          <a:xfrm>
+            <a:off x="6477712" y="3330712"/>
+            <a:ext cx="1717705" cy="444381"/>
+          </a:xfrm>
+          <a:prstGeom prst="rect">
+            <a:avLst/>
+          </a:prstGeom>
+          <a:solidFill>
+            <a:schemeClr val="accent2">
+              <a:lumMod val="60000"/>
+              <a:lumOff val="40000"/>
+            </a:schemeClr>
+          </a:solidFill>
+          <a:ln>
+            <a:noFill/>
+          </a:ln>
+        </p:spPr>
+        <p:style>
+          <a:lnRef idx="2">
+            <a:schemeClr val="accent1">
+              <a:shade val="50000"/>
+            </a:schemeClr>
+          </a:lnRef>
+          <a:fillRef idx="1">
+            <a:schemeClr val="accent1"/>
+          </a:fillRef>
+          <a:effectRef idx="0">
+            <a:schemeClr val="accent1"/>
+          </a:effectRef>
+          <a:fontRef idx="minor">
+            <a:schemeClr val="lt1"/>
+          </a:fontRef>
+        </p:style>
+        <p:txBody>
+          <a:bodyPr rtlCol="0" anchor="ctr"/>
+          <a:lstStyle/>
+          <a:p>
+            <a:pPr algn="ctr"/>
+            <a:r>
+              <a:rPr lang="en-US" dirty="0">
+                <a:solidFill>
+                  <a:schemeClr val="tx1"/>
+                </a:solidFill>
+              </a:rPr>
+              <a:t>Total credit</a:t>
+            </a:r>
+          </a:p>
+        </p:txBody>
+      </p:sp>
+      <p:sp>
+        <p:nvSpPr>
+          <p:cNvPr id="10" name="Rectangle 9">
+            <a:extLst>
+              <a:ext uri="{FF2B5EF4-FFF2-40B4-BE49-F238E27FC236}">
+                <a16:creationId xmlns:a16="http://schemas.microsoft.com/office/drawing/2014/main" id="{64956BE4-0B6E-4787-A19A-8D5B068EA001}"/>
+              </a:ext>
+            </a:extLst>
+          </p:cNvPr>
+          <p:cNvSpPr/>
+          <p:nvPr/>
+        </p:nvSpPr>
+        <p:spPr>
+          <a:xfrm>
+            <a:off x="3871244" y="4101228"/>
+            <a:ext cx="4324173" cy="369332"/>
+          </a:xfrm>
+          <a:prstGeom prst="rect">
+            <a:avLst/>
+          </a:prstGeom>
+          <a:solidFill>
+            <a:schemeClr val="bg1">
+              <a:lumMod val="85000"/>
+            </a:schemeClr>
+          </a:solidFill>
+          <a:ln>
+            <a:noFill/>
+          </a:ln>
+        </p:spPr>
+        <p:style>
+          <a:lnRef idx="1">
+            <a:schemeClr val="accent1"/>
+          </a:lnRef>
+          <a:fillRef idx="2">
+            <a:schemeClr val="accent1"/>
+          </a:fillRef>
+          <a:effectRef idx="1">
+            <a:schemeClr val="accent1"/>
+          </a:effectRef>
+          <a:fontRef idx="minor">
+            <a:schemeClr val="dk1"/>
+          </a:fontRef>
+        </p:style>
+        <p:txBody>
+          <a:bodyPr rtlCol="0" anchor="ctr"/>
+          <a:lstStyle/>
+          <a:p>
+            <a:pPr algn="ctr"/>
+            <a:r>
+              <a:rPr lang="en-US" sz="1600" dirty="0"/>
+              <a:t>Trial balance</a:t>
+            </a:r>
+          </a:p>
+        </p:txBody>
+      </p:sp>
+      <p:sp>
+        <p:nvSpPr>
+          <p:cNvPr id="11" name="Isosceles Triangle 10">
+            <a:extLst>
+              <a:ext uri="{FF2B5EF4-FFF2-40B4-BE49-F238E27FC236}">
+                <a16:creationId xmlns:a16="http://schemas.microsoft.com/office/drawing/2014/main" id="{6AD11A63-33BF-4499-8F94-23EF26DEC903}"/>
+              </a:ext>
+            </a:extLst>
+          </p:cNvPr>
+          <p:cNvSpPr/>
+          <p:nvPr/>
+        </p:nvSpPr>
+        <p:spPr>
+          <a:xfrm>
+            <a:off x="5869536" y="4497592"/>
+            <a:ext cx="452927" cy="299103"/>
+          </a:xfrm>
+          <a:prstGeom prst="triangle">
+            <a:avLst/>
+          </a:prstGeom>
+          <a:solidFill>
+            <a:schemeClr val="bg1">
+              <a:lumMod val="85000"/>
+            </a:schemeClr>
+          </a:solidFill>
+          <a:ln>
+            <a:noFill/>
+          </a:ln>
+        </p:spPr>
+        <p:style>
+          <a:lnRef idx="2">
+            <a:schemeClr val="accent1">
+              <a:shade val="50000"/>
+            </a:schemeClr>
+          </a:lnRef>
+          <a:fillRef idx="1">
+            <a:schemeClr val="accent1"/>
+          </a:fillRef>
+          <a:effectRef idx="0">
+            <a:schemeClr val="accent1"/>
+          </a:effectRef>
+          <a:fontRef idx="minor">
+            <a:schemeClr val="lt1"/>
+          </a:fontRef>
+        </p:style>
+        <p:txBody>
+          <a:bodyPr rtlCol="0" anchor="ctr"/>
+          <a:lstStyle/>
+          <a:p>
+            <a:pPr algn="ctr"/>
+            <a:endParaRPr lang="en-US"/>
+          </a:p>
+        </p:txBody>
+      </p:sp>
+      <p:cxnSp>
+        <p:nvCxnSpPr>
+          <p:cNvPr id="14" name="Straight Arrow Connector 13">
+            <a:extLst>
+              <a:ext uri="{FF2B5EF4-FFF2-40B4-BE49-F238E27FC236}">
+                <a16:creationId xmlns:a16="http://schemas.microsoft.com/office/drawing/2014/main" id="{A2F88EF7-2F96-486D-A3F7-37C5695B3C93}"/>
+              </a:ext>
+            </a:extLst>
+          </p:cNvPr>
+          <p:cNvCxnSpPr>
+            <a:cxnSpLocks/>
+          </p:cNvCxnSpPr>
+          <p:nvPr/>
+        </p:nvCxnSpPr>
+        <p:spPr>
+          <a:xfrm>
+            <a:off x="4730096" y="2956845"/>
+            <a:ext cx="0" cy="363618"/>
+          </a:xfrm>
+          <a:prstGeom prst="straightConnector1">
+            <a:avLst/>
+          </a:prstGeom>
+          <a:ln>
+            <a:solidFill>
+              <a:schemeClr val="tx1"/>
+            </a:solidFill>
+            <a:tailEnd type="triangle"/>
+          </a:ln>
+        </p:spPr>
+        <p:style>
+          <a:lnRef idx="1">
+            <a:schemeClr val="accent1"/>
+          </a:lnRef>
+          <a:fillRef idx="0">
+            <a:schemeClr val="accent1"/>
+          </a:fillRef>
+          <a:effectRef idx="0">
+            <a:schemeClr val="accent1"/>
+          </a:effectRef>
+          <a:fontRef idx="minor">
+            <a:schemeClr val="tx1"/>
+          </a:fontRef>
+        </p:style>
+      </p:cxnSp>
+      <p:cxnSp>
+        <p:nvCxnSpPr>
+          <p:cNvPr id="16" name="Straight Arrow Connector 15">
+            <a:extLst>
+              <a:ext uri="{FF2B5EF4-FFF2-40B4-BE49-F238E27FC236}">
+                <a16:creationId xmlns:a16="http://schemas.microsoft.com/office/drawing/2014/main" id="{0BBD5695-7C07-41C2-9048-37D94EA15B6C}"/>
+              </a:ext>
+            </a:extLst>
+          </p:cNvPr>
+          <p:cNvCxnSpPr>
+            <a:cxnSpLocks/>
+          </p:cNvCxnSpPr>
+          <p:nvPr/>
+        </p:nvCxnSpPr>
+        <p:spPr>
+          <a:xfrm>
+            <a:off x="7403506" y="2967094"/>
+            <a:ext cx="0" cy="363618"/>
+          </a:xfrm>
+          <a:prstGeom prst="straightConnector1">
+            <a:avLst/>
+          </a:prstGeom>
+          <a:ln>
+            <a:solidFill>
+              <a:schemeClr val="tx1"/>
+            </a:solidFill>
+            <a:tailEnd type="triangle"/>
+          </a:ln>
+        </p:spPr>
+        <p:style>
+          <a:lnRef idx="1">
+            <a:schemeClr val="accent1"/>
+          </a:lnRef>
+          <a:fillRef idx="0">
+            <a:schemeClr val="accent1"/>
+          </a:fillRef>
+          <a:effectRef idx="0">
+            <a:schemeClr val="accent1"/>
+          </a:effectRef>
+          <a:fontRef idx="minor">
+            <a:schemeClr val="tx1"/>
+          </a:fontRef>
+        </p:style>
+      </p:cxnSp>
+      <p:cxnSp>
+        <p:nvCxnSpPr>
+          <p:cNvPr id="17" name="Straight Arrow Connector 16">
+            <a:extLst>
+              <a:ext uri="{FF2B5EF4-FFF2-40B4-BE49-F238E27FC236}">
+                <a16:creationId xmlns:a16="http://schemas.microsoft.com/office/drawing/2014/main" id="{A81DE7A7-9951-4AA3-9E65-B4B214EC2D80}"/>
+              </a:ext>
+            </a:extLst>
+          </p:cNvPr>
+          <p:cNvCxnSpPr>
+            <a:cxnSpLocks/>
+          </p:cNvCxnSpPr>
+          <p:nvPr/>
+        </p:nvCxnSpPr>
+        <p:spPr>
+          <a:xfrm>
+            <a:off x="4730096" y="3737610"/>
+            <a:ext cx="0" cy="363618"/>
+          </a:xfrm>
+          <a:prstGeom prst="straightConnector1">
+            <a:avLst/>
+          </a:prstGeom>
+          <a:ln>
+            <a:solidFill>
+              <a:schemeClr val="tx1"/>
+            </a:solidFill>
+            <a:tailEnd type="triangle"/>
+          </a:ln>
+        </p:spPr>
+        <p:style>
+          <a:lnRef idx="1">
+            <a:schemeClr val="accent1"/>
+          </a:lnRef>
+          <a:fillRef idx="0">
+            <a:schemeClr val="accent1"/>
+          </a:fillRef>
+          <a:effectRef idx="0">
+            <a:schemeClr val="accent1"/>
+          </a:effectRef>
+          <a:fontRef idx="minor">
+            <a:schemeClr val="tx1"/>
+          </a:fontRef>
+        </p:style>
+      </p:cxnSp>
+      <p:cxnSp>
+        <p:nvCxnSpPr>
+          <p:cNvPr id="18" name="Straight Arrow Connector 17">
+            <a:extLst>
+              <a:ext uri="{FF2B5EF4-FFF2-40B4-BE49-F238E27FC236}">
+                <a16:creationId xmlns:a16="http://schemas.microsoft.com/office/drawing/2014/main" id="{0425193F-6276-47B9-BA5B-7392BEDA3B8A}"/>
+              </a:ext>
+            </a:extLst>
+          </p:cNvPr>
+          <p:cNvCxnSpPr>
+            <a:cxnSpLocks/>
+          </p:cNvCxnSpPr>
+          <p:nvPr/>
+        </p:nvCxnSpPr>
+        <p:spPr>
+          <a:xfrm>
+            <a:off x="7406353" y="3737610"/>
+            <a:ext cx="0" cy="363618"/>
+          </a:xfrm>
+          <a:prstGeom prst="straightConnector1">
+            <a:avLst/>
+          </a:prstGeom>
+          <a:ln>
+            <a:solidFill>
+              <a:schemeClr val="tx1"/>
+            </a:solidFill>
+            <a:tailEnd type="triangle"/>
+          </a:ln>
+        </p:spPr>
+        <p:style>
+          <a:lnRef idx="1">
+            <a:schemeClr val="accent1"/>
+          </a:lnRef>
+          <a:fillRef idx="0">
+            <a:schemeClr val="accent1"/>
+          </a:fillRef>
+          <a:effectRef idx="0">
+            <a:schemeClr val="accent1"/>
+          </a:effectRef>
+          <a:fontRef idx="minor">
+            <a:schemeClr val="tx1"/>
+          </a:fontRef>
+        </p:style>
+      </p:cxnSp>
+      <p:cxnSp>
+        <p:nvCxnSpPr>
+          <p:cNvPr id="21" name="Straight Arrow Connector 20">
+            <a:extLst>
+              <a:ext uri="{FF2B5EF4-FFF2-40B4-BE49-F238E27FC236}">
+                <a16:creationId xmlns:a16="http://schemas.microsoft.com/office/drawing/2014/main" id="{BA908569-7179-48F1-BD76-79252D0B490D}"/>
+              </a:ext>
+            </a:extLst>
+          </p:cNvPr>
+          <p:cNvCxnSpPr>
+            <a:cxnSpLocks/>
+          </p:cNvCxnSpPr>
+          <p:nvPr/>
+        </p:nvCxnSpPr>
+        <p:spPr>
+          <a:xfrm>
+            <a:off x="6026206" y="1816997"/>
+            <a:ext cx="0" cy="363618"/>
+          </a:xfrm>
+          <a:prstGeom prst="straightConnector1">
+            <a:avLst/>
+          </a:prstGeom>
+          <a:ln>
+            <a:solidFill>
+              <a:schemeClr val="tx1"/>
+            </a:solidFill>
+            <a:tailEnd type="triangle"/>
+          </a:ln>
+        </p:spPr>
+        <p:style>
+          <a:lnRef idx="1">
+            <a:schemeClr val="accent1"/>
+          </a:lnRef>
+          <a:fillRef idx="0">
+            <a:schemeClr val="accent1"/>
+          </a:fillRef>
+          <a:effectRef idx="0">
+            <a:schemeClr val="accent1"/>
+          </a:effectRef>
+          <a:fontRef idx="minor">
+            <a:schemeClr val="tx1"/>
+          </a:fontRef>
+        </p:style>
+      </p:cxnSp>
+      <p:cxnSp>
+        <p:nvCxnSpPr>
+          <p:cNvPr id="22" name="Straight Arrow Connector 21">
+            <a:extLst>
+              <a:ext uri="{FF2B5EF4-FFF2-40B4-BE49-F238E27FC236}">
+                <a16:creationId xmlns:a16="http://schemas.microsoft.com/office/drawing/2014/main" id="{2C1D07A1-343D-41DD-8B0C-ED2F65E4EFB5}"/>
+              </a:ext>
+            </a:extLst>
+          </p:cNvPr>
+          <p:cNvCxnSpPr>
+            <a:cxnSpLocks/>
+          </p:cNvCxnSpPr>
+          <p:nvPr/>
+        </p:nvCxnSpPr>
+        <p:spPr>
+          <a:xfrm>
+            <a:off x="6026206" y="1084047"/>
+            <a:ext cx="0" cy="363618"/>
+          </a:xfrm>
+          <a:prstGeom prst="straightConnector1">
+            <a:avLst/>
+          </a:prstGeom>
+          <a:ln>
+            <a:solidFill>
+              <a:schemeClr val="tx1"/>
+            </a:solidFill>
+            <a:tailEnd type="triangle"/>
+          </a:ln>
+        </p:spPr>
+        <p:style>
+          <a:lnRef idx="1">
+            <a:schemeClr val="accent1"/>
+          </a:lnRef>
+          <a:fillRef idx="0">
+            <a:schemeClr val="accent1"/>
+          </a:fillRef>
+          <a:effectRef idx="0">
+            <a:schemeClr val="accent1"/>
+          </a:effectRef>
+          <a:fontRef idx="minor">
+            <a:schemeClr val="tx1"/>
+          </a:fontRef>
+        </p:style>
+      </p:cxnSp>
+    </p:spTree>
+    <p:extLst>
+      <p:ext uri="{BB962C8B-B14F-4D97-AF65-F5344CB8AC3E}">
+        <p14:creationId xmlns:p14="http://schemas.microsoft.com/office/powerpoint/2010/main" val="2585305979"/>
       </p:ext>
     </p:extLst>
   </p:cSld>

--- a/assets/public/Chapter_2_Recording_accounting_transactions/documents/resources/Media/2.1.pptx
+++ b/assets/public/Chapter_2_Recording_accounting_transactions/documents/resources/Media/2.1.pptx
@@ -4565,8 +4565,13 @@
             <a:pPr algn="ctr"/>
             <a:r>
               <a:rPr lang="en-US" sz="1600" dirty="0"/>
-              <a:t>Assets, Liabilities, Stockholder equity, revenue, expense</a:t>
-            </a:r>
+              <a:t>Assets, Liabilities, Stockholder equity</a:t>
+            </a:r>
+            <a:r>
+              <a:rPr lang="en-US" sz="1600"/>
+              <a:t>, Revenue, Expense</a:t>
+            </a:r>
+            <a:endParaRPr lang="en-US" sz="1600" dirty="0"/>
           </a:p>
         </p:txBody>
       </p:sp>

--- a/assets/public/Chapter_2_Recording_accounting_transactions/documents/resources/Media/2.1.pptx
+++ b/assets/public/Chapter_2_Recording_accounting_transactions/documents/resources/Media/2.1.pptx
@@ -243,7 +243,7 @@
           <a:p>
             <a:fld id="{9D8FFB7D-DD01-4AC1-AF71-ECA9A4F6FF1C}" type="datetimeFigureOut">
               <a:rPr lang="en-US" smtClean="0"/>
-              <a:t>11/13/2019</a:t>
+              <a:t>11/14/2019</a:t>
             </a:fld>
             <a:endParaRPr lang="en-US"/>
           </a:p>
@@ -411,7 +411,7 @@
           <a:p>
             <a:fld id="{9D8FFB7D-DD01-4AC1-AF71-ECA9A4F6FF1C}" type="datetimeFigureOut">
               <a:rPr lang="en-US" smtClean="0"/>
-              <a:t>11/13/2019</a:t>
+              <a:t>11/14/2019</a:t>
             </a:fld>
             <a:endParaRPr lang="en-US"/>
           </a:p>
@@ -589,7 +589,7 @@
           <a:p>
             <a:fld id="{9D8FFB7D-DD01-4AC1-AF71-ECA9A4F6FF1C}" type="datetimeFigureOut">
               <a:rPr lang="en-US" smtClean="0"/>
-              <a:t>11/13/2019</a:t>
+              <a:t>11/14/2019</a:t>
             </a:fld>
             <a:endParaRPr lang="en-US"/>
           </a:p>
@@ -757,7 +757,7 @@
           <a:p>
             <a:fld id="{9D8FFB7D-DD01-4AC1-AF71-ECA9A4F6FF1C}" type="datetimeFigureOut">
               <a:rPr lang="en-US" smtClean="0"/>
-              <a:t>11/13/2019</a:t>
+              <a:t>11/14/2019</a:t>
             </a:fld>
             <a:endParaRPr lang="en-US"/>
           </a:p>
@@ -1002,7 +1002,7 @@
           <a:p>
             <a:fld id="{9D8FFB7D-DD01-4AC1-AF71-ECA9A4F6FF1C}" type="datetimeFigureOut">
               <a:rPr lang="en-US" smtClean="0"/>
-              <a:t>11/13/2019</a:t>
+              <a:t>11/14/2019</a:t>
             </a:fld>
             <a:endParaRPr lang="en-US"/>
           </a:p>
@@ -1231,7 +1231,7 @@
           <a:p>
             <a:fld id="{9D8FFB7D-DD01-4AC1-AF71-ECA9A4F6FF1C}" type="datetimeFigureOut">
               <a:rPr lang="en-US" smtClean="0"/>
-              <a:t>11/13/2019</a:t>
+              <a:t>11/14/2019</a:t>
             </a:fld>
             <a:endParaRPr lang="en-US"/>
           </a:p>
@@ -1595,7 +1595,7 @@
           <a:p>
             <a:fld id="{9D8FFB7D-DD01-4AC1-AF71-ECA9A4F6FF1C}" type="datetimeFigureOut">
               <a:rPr lang="en-US" smtClean="0"/>
-              <a:t>11/13/2019</a:t>
+              <a:t>11/14/2019</a:t>
             </a:fld>
             <a:endParaRPr lang="en-US"/>
           </a:p>
@@ -1712,7 +1712,7 @@
           <a:p>
             <a:fld id="{9D8FFB7D-DD01-4AC1-AF71-ECA9A4F6FF1C}" type="datetimeFigureOut">
               <a:rPr lang="en-US" smtClean="0"/>
-              <a:t>11/13/2019</a:t>
+              <a:t>11/14/2019</a:t>
             </a:fld>
             <a:endParaRPr lang="en-US"/>
           </a:p>
@@ -1807,7 +1807,7 @@
           <a:p>
             <a:fld id="{9D8FFB7D-DD01-4AC1-AF71-ECA9A4F6FF1C}" type="datetimeFigureOut">
               <a:rPr lang="en-US" smtClean="0"/>
-              <a:t>11/13/2019</a:t>
+              <a:t>11/14/2019</a:t>
             </a:fld>
             <a:endParaRPr lang="en-US"/>
           </a:p>
@@ -2082,7 +2082,7 @@
           <a:p>
             <a:fld id="{9D8FFB7D-DD01-4AC1-AF71-ECA9A4F6FF1C}" type="datetimeFigureOut">
               <a:rPr lang="en-US" smtClean="0"/>
-              <a:t>11/13/2019</a:t>
+              <a:t>11/14/2019</a:t>
             </a:fld>
             <a:endParaRPr lang="en-US"/>
           </a:p>
@@ -2334,7 +2334,7 @@
           <a:p>
             <a:fld id="{9D8FFB7D-DD01-4AC1-AF71-ECA9A4F6FF1C}" type="datetimeFigureOut">
               <a:rPr lang="en-US" smtClean="0"/>
-              <a:t>11/13/2019</a:t>
+              <a:t>11/14/2019</a:t>
             </a:fld>
             <a:endParaRPr lang="en-US"/>
           </a:p>
@@ -2545,7 +2545,7 @@
           <a:p>
             <a:fld id="{9D8FFB7D-DD01-4AC1-AF71-ECA9A4F6FF1C}" type="datetimeFigureOut">
               <a:rPr lang="en-US" smtClean="0"/>
-              <a:t>11/13/2019</a:t>
+              <a:t>11/14/2019</a:t>
             </a:fld>
             <a:endParaRPr lang="en-US"/>
           </a:p>
@@ -4508,9 +4508,10 @@
           <a:p>
             <a:pPr algn="ctr"/>
             <a:r>
-              <a:rPr lang="en-US" sz="1600" dirty="0"/>
+              <a:rPr lang="en-US" sz="1600" dirty="0" smtClean="0"/>
               <a:t>Ledgers</a:t>
             </a:r>
+            <a:endParaRPr lang="en-US" sz="1600" dirty="0"/>
           </a:p>
         </p:txBody>
       </p:sp>
@@ -4564,12 +4565,8 @@
           <a:p>
             <a:pPr algn="ctr"/>
             <a:r>
-              <a:rPr lang="en-US" sz="1600" dirty="0"/>
-              <a:t>Assets, Liabilities, Stockholder equity</a:t>
-            </a:r>
-            <a:r>
-              <a:rPr lang="en-US" sz="1600"/>
-              <a:t>, Revenue, Expense</a:t>
+              <a:rPr lang="en-US" sz="1600" dirty="0" smtClean="0"/>
+              <a:t>Assets, Liabilities, Stockholder equity, Revenue, Expense</a:t>
             </a:r>
             <a:endParaRPr lang="en-US" sz="1600" dirty="0"/>
           </a:p>
@@ -4768,8 +4765,8 @@
         </p:nvSpPr>
         <p:spPr>
           <a:xfrm>
-            <a:off x="5869536" y="4497592"/>
-            <a:ext cx="452927" cy="299103"/>
+            <a:off x="5660968" y="4497592"/>
+            <a:ext cx="661496" cy="980495"/>
           </a:xfrm>
           <a:prstGeom prst="triangle">
             <a:avLst/>

--- a/assets/public/Chapter_2_Recording_accounting_transactions/documents/resources/Media/2.1.pptx
+++ b/assets/public/Chapter_2_Recording_accounting_transactions/documents/resources/Media/2.1.pptx
@@ -8,6 +8,7 @@
     <p:sldId id="257" r:id="rId2"/>
     <p:sldId id="256" r:id="rId3"/>
     <p:sldId id="258" r:id="rId4"/>
+    <p:sldId id="259" r:id="rId5"/>
   </p:sldIdLst>
   <p:sldSz cx="12192000" cy="6858000"/>
   <p:notesSz cx="6858000" cy="9144000"/>
@@ -243,7 +244,7 @@
           <a:p>
             <a:fld id="{9D8FFB7D-DD01-4AC1-AF71-ECA9A4F6FF1C}" type="datetimeFigureOut">
               <a:rPr lang="en-US" smtClean="0"/>
-              <a:t>11/14/2019</a:t>
+              <a:t>11/19/19</a:t>
             </a:fld>
             <a:endParaRPr lang="en-US"/>
           </a:p>
@@ -411,7 +412,7 @@
           <a:p>
             <a:fld id="{9D8FFB7D-DD01-4AC1-AF71-ECA9A4F6FF1C}" type="datetimeFigureOut">
               <a:rPr lang="en-US" smtClean="0"/>
-              <a:t>11/14/2019</a:t>
+              <a:t>11/19/19</a:t>
             </a:fld>
             <a:endParaRPr lang="en-US"/>
           </a:p>
@@ -589,7 +590,7 @@
           <a:p>
             <a:fld id="{9D8FFB7D-DD01-4AC1-AF71-ECA9A4F6FF1C}" type="datetimeFigureOut">
               <a:rPr lang="en-US" smtClean="0"/>
-              <a:t>11/14/2019</a:t>
+              <a:t>11/19/19</a:t>
             </a:fld>
             <a:endParaRPr lang="en-US"/>
           </a:p>
@@ -757,7 +758,7 @@
           <a:p>
             <a:fld id="{9D8FFB7D-DD01-4AC1-AF71-ECA9A4F6FF1C}" type="datetimeFigureOut">
               <a:rPr lang="en-US" smtClean="0"/>
-              <a:t>11/14/2019</a:t>
+              <a:t>11/19/19</a:t>
             </a:fld>
             <a:endParaRPr lang="en-US"/>
           </a:p>
@@ -1002,7 +1003,7 @@
           <a:p>
             <a:fld id="{9D8FFB7D-DD01-4AC1-AF71-ECA9A4F6FF1C}" type="datetimeFigureOut">
               <a:rPr lang="en-US" smtClean="0"/>
-              <a:t>11/14/2019</a:t>
+              <a:t>11/19/19</a:t>
             </a:fld>
             <a:endParaRPr lang="en-US"/>
           </a:p>
@@ -1231,7 +1232,7 @@
           <a:p>
             <a:fld id="{9D8FFB7D-DD01-4AC1-AF71-ECA9A4F6FF1C}" type="datetimeFigureOut">
               <a:rPr lang="en-US" smtClean="0"/>
-              <a:t>11/14/2019</a:t>
+              <a:t>11/19/19</a:t>
             </a:fld>
             <a:endParaRPr lang="en-US"/>
           </a:p>
@@ -1595,7 +1596,7 @@
           <a:p>
             <a:fld id="{9D8FFB7D-DD01-4AC1-AF71-ECA9A4F6FF1C}" type="datetimeFigureOut">
               <a:rPr lang="en-US" smtClean="0"/>
-              <a:t>11/14/2019</a:t>
+              <a:t>11/19/19</a:t>
             </a:fld>
             <a:endParaRPr lang="en-US"/>
           </a:p>
@@ -1712,7 +1713,7 @@
           <a:p>
             <a:fld id="{9D8FFB7D-DD01-4AC1-AF71-ECA9A4F6FF1C}" type="datetimeFigureOut">
               <a:rPr lang="en-US" smtClean="0"/>
-              <a:t>11/14/2019</a:t>
+              <a:t>11/19/19</a:t>
             </a:fld>
             <a:endParaRPr lang="en-US"/>
           </a:p>
@@ -1807,7 +1808,7 @@
           <a:p>
             <a:fld id="{9D8FFB7D-DD01-4AC1-AF71-ECA9A4F6FF1C}" type="datetimeFigureOut">
               <a:rPr lang="en-US" smtClean="0"/>
-              <a:t>11/14/2019</a:t>
+              <a:t>11/19/19</a:t>
             </a:fld>
             <a:endParaRPr lang="en-US"/>
           </a:p>
@@ -2082,7 +2083,7 @@
           <a:p>
             <a:fld id="{9D8FFB7D-DD01-4AC1-AF71-ECA9A4F6FF1C}" type="datetimeFigureOut">
               <a:rPr lang="en-US" smtClean="0"/>
-              <a:t>11/14/2019</a:t>
+              <a:t>11/19/19</a:t>
             </a:fld>
             <a:endParaRPr lang="en-US"/>
           </a:p>
@@ -2334,7 +2335,7 @@
           <a:p>
             <a:fld id="{9D8FFB7D-DD01-4AC1-AF71-ECA9A4F6FF1C}" type="datetimeFigureOut">
               <a:rPr lang="en-US" smtClean="0"/>
-              <a:t>11/14/2019</a:t>
+              <a:t>11/19/19</a:t>
             </a:fld>
             <a:endParaRPr lang="en-US"/>
           </a:p>
@@ -2545,7 +2546,7 @@
           <a:p>
             <a:fld id="{9D8FFB7D-DD01-4AC1-AF71-ECA9A4F6FF1C}" type="datetimeFigureOut">
               <a:rPr lang="en-US" smtClean="0"/>
-              <a:t>11/14/2019</a:t>
+              <a:t>11/19/19</a:t>
             </a:fld>
             <a:endParaRPr lang="en-US"/>
           </a:p>
@@ -4508,10 +4509,9 @@
           <a:p>
             <a:pPr algn="ctr"/>
             <a:r>
-              <a:rPr lang="en-US" sz="1600" dirty="0" smtClean="0"/>
+              <a:rPr lang="en-US" sz="1600" dirty="0"/>
               <a:t>Ledgers</a:t>
             </a:r>
-            <a:endParaRPr lang="en-US" sz="1600" dirty="0"/>
           </a:p>
         </p:txBody>
       </p:sp>
@@ -4565,10 +4565,9 @@
           <a:p>
             <a:pPr algn="ctr"/>
             <a:r>
-              <a:rPr lang="en-US" sz="1600" dirty="0" smtClean="0"/>
+              <a:rPr lang="en-US" sz="1600" dirty="0"/>
               <a:t>Assets, Liabilities, Stockholder equity, Revenue, Expense</a:t>
             </a:r>
-            <a:endParaRPr lang="en-US" sz="1600" dirty="0"/>
           </a:p>
         </p:txBody>
       </p:sp>
@@ -5073,6 +5072,1024 @@
     <p:extLst>
       <p:ext uri="{BB962C8B-B14F-4D97-AF65-F5344CB8AC3E}">
         <p14:creationId xmlns:p14="http://schemas.microsoft.com/office/powerpoint/2010/main" val="2585305979"/>
+      </p:ext>
+    </p:extLst>
+  </p:cSld>
+  <p:clrMapOvr>
+    <a:masterClrMapping/>
+  </p:clrMapOvr>
+</p:sld>
+</file>
+
+<file path=ppt/slides/slide4.xml><?xml version="1.0" encoding="utf-8"?>
+<p:sld xmlns:a="http://schemas.openxmlformats.org/drawingml/2006/main" xmlns:r="http://schemas.openxmlformats.org/officeDocument/2006/relationships" xmlns:p="http://schemas.openxmlformats.org/presentationml/2006/main">
+  <p:cSld>
+    <p:spTree>
+      <p:nvGrpSpPr>
+        <p:cNvPr id="1" name=""/>
+        <p:cNvGrpSpPr/>
+        <p:nvPr/>
+      </p:nvGrpSpPr>
+      <p:grpSpPr>
+        <a:xfrm>
+          <a:off x="0" y="0"/>
+          <a:ext cx="0" cy="0"/>
+          <a:chOff x="0" y="0"/>
+          <a:chExt cx="0" cy="0"/>
+        </a:xfrm>
+      </p:grpSpPr>
+      <p:sp>
+        <p:nvSpPr>
+          <p:cNvPr id="2" name="Title 1">
+            <a:extLst>
+              <a:ext uri="{FF2B5EF4-FFF2-40B4-BE49-F238E27FC236}">
+                <a16:creationId xmlns:a16="http://schemas.microsoft.com/office/drawing/2014/main" id="{FE2C41F8-5449-4F42-BF28-2412C78B88C7}"/>
+              </a:ext>
+            </a:extLst>
+          </p:cNvPr>
+          <p:cNvSpPr>
+            <a:spLocks noGrp="1"/>
+          </p:cNvSpPr>
+          <p:nvPr>
+            <p:ph type="title"/>
+          </p:nvPr>
+        </p:nvSpPr>
+        <p:spPr/>
+        <p:txBody>
+          <a:bodyPr/>
+          <a:lstStyle/>
+          <a:p>
+            <a:r>
+              <a:rPr lang="en-US" dirty="0"/>
+              <a:t>Section 2.1 – Graphic 1</a:t>
+            </a:r>
+          </a:p>
+        </p:txBody>
+      </p:sp>
+      <p:pic>
+        <p:nvPicPr>
+          <p:cNvPr id="6" name="Content Placeholder 5">
+            <a:extLst>
+              <a:ext uri="{FF2B5EF4-FFF2-40B4-BE49-F238E27FC236}">
+                <a16:creationId xmlns:a16="http://schemas.microsoft.com/office/drawing/2014/main" id="{66B3BEC1-596B-084D-8640-7A92D22BC6A2}"/>
+              </a:ext>
+            </a:extLst>
+          </p:cNvPr>
+          <p:cNvPicPr>
+            <a:picLocks noGrp="1" noChangeAspect="1"/>
+          </p:cNvPicPr>
+          <p:nvPr>
+            <p:ph idx="1"/>
+          </p:nvPr>
+        </p:nvPicPr>
+        <p:blipFill>
+          <a:blip r:embed="rId2">
+            <a:extLst>
+              <a:ext uri="{28A0092B-C50C-407E-A947-70E740481C1C}">
+                <a14:useLocalDpi xmlns:a14="http://schemas.microsoft.com/office/drawing/2010/main" val="0"/>
+              </a:ext>
+              <a:ext uri="{837473B0-CC2E-450A-ABE3-18F120FF3D39}">
+                <a1611:picAttrSrcUrl xmlns:a1611="http://schemas.microsoft.com/office/drawing/2016/11/main" r:id="rId3"/>
+              </a:ext>
+            </a:extLst>
+          </a:blip>
+          <a:stretch>
+            <a:fillRect/>
+          </a:stretch>
+        </p:blipFill>
+        <p:spPr>
+          <a:xfrm>
+            <a:off x="0" y="2768065"/>
+            <a:ext cx="3528268" cy="1984651"/>
+          </a:xfrm>
+        </p:spPr>
+      </p:pic>
+      <p:sp>
+        <p:nvSpPr>
+          <p:cNvPr id="4" name="Cloud 3">
+            <a:extLst>
+              <a:ext uri="{FF2B5EF4-FFF2-40B4-BE49-F238E27FC236}">
+                <a16:creationId xmlns:a16="http://schemas.microsoft.com/office/drawing/2014/main" id="{CEEB763F-921B-EB42-98C1-26C6FB81B491}"/>
+              </a:ext>
+            </a:extLst>
+          </p:cNvPr>
+          <p:cNvSpPr/>
+          <p:nvPr/>
+        </p:nvSpPr>
+        <p:spPr>
+          <a:xfrm>
+            <a:off x="4942114" y="3222172"/>
+            <a:ext cx="2394857" cy="1600201"/>
+          </a:xfrm>
+          <a:prstGeom prst="cloud">
+            <a:avLst/>
+          </a:prstGeom>
+        </p:spPr>
+        <p:style>
+          <a:lnRef idx="2">
+            <a:schemeClr val="accent1">
+              <a:shade val="50000"/>
+            </a:schemeClr>
+          </a:lnRef>
+          <a:fillRef idx="1">
+            <a:schemeClr val="accent1"/>
+          </a:fillRef>
+          <a:effectRef idx="0">
+            <a:schemeClr val="accent1"/>
+          </a:effectRef>
+          <a:fontRef idx="minor">
+            <a:schemeClr val="lt1"/>
+          </a:fontRef>
+        </p:style>
+        <p:txBody>
+          <a:bodyPr rtlCol="0" anchor="ctr"/>
+          <a:lstStyle/>
+          <a:p>
+            <a:pPr algn="ctr"/>
+            <a:r>
+              <a:rPr lang="en-US" dirty="0"/>
+              <a:t>Core Fitness Logo</a:t>
+            </a:r>
+          </a:p>
+        </p:txBody>
+      </p:sp>
+      <p:cxnSp>
+        <p:nvCxnSpPr>
+          <p:cNvPr id="9" name="Straight Arrow Connector 8">
+            <a:extLst>
+              <a:ext uri="{FF2B5EF4-FFF2-40B4-BE49-F238E27FC236}">
+                <a16:creationId xmlns:a16="http://schemas.microsoft.com/office/drawing/2014/main" id="{EF5FD567-C021-2747-90F9-610F58073044}"/>
+              </a:ext>
+            </a:extLst>
+          </p:cNvPr>
+          <p:cNvCxnSpPr/>
+          <p:nvPr/>
+        </p:nvCxnSpPr>
+        <p:spPr>
+          <a:xfrm>
+            <a:off x="2325511" y="3760390"/>
+            <a:ext cx="2449689" cy="0"/>
+          </a:xfrm>
+          <a:prstGeom prst="straightConnector1">
+            <a:avLst/>
+          </a:prstGeom>
+          <a:ln>
+            <a:tailEnd type="triangle"/>
+          </a:ln>
+        </p:spPr>
+        <p:style>
+          <a:lnRef idx="1">
+            <a:schemeClr val="accent1"/>
+          </a:lnRef>
+          <a:fillRef idx="0">
+            <a:schemeClr val="accent1"/>
+          </a:fillRef>
+          <a:effectRef idx="0">
+            <a:schemeClr val="accent1"/>
+          </a:effectRef>
+          <a:fontRef idx="minor">
+            <a:schemeClr val="tx1"/>
+          </a:fontRef>
+        </p:style>
+      </p:cxnSp>
+      <p:cxnSp>
+        <p:nvCxnSpPr>
+          <p:cNvPr id="11" name="Straight Arrow Connector 10">
+            <a:extLst>
+              <a:ext uri="{FF2B5EF4-FFF2-40B4-BE49-F238E27FC236}">
+                <a16:creationId xmlns:a16="http://schemas.microsoft.com/office/drawing/2014/main" id="{83335DFC-775E-2B47-8DE8-FDAD69C6DF58}"/>
+              </a:ext>
+            </a:extLst>
+          </p:cNvPr>
+          <p:cNvCxnSpPr>
+            <a:cxnSpLocks/>
+          </p:cNvCxnSpPr>
+          <p:nvPr/>
+        </p:nvCxnSpPr>
+        <p:spPr>
+          <a:xfrm flipV="1">
+            <a:off x="6208889" y="1609548"/>
+            <a:ext cx="1309511" cy="1325564"/>
+          </a:xfrm>
+          <a:prstGeom prst="straightConnector1">
+            <a:avLst/>
+          </a:prstGeom>
+          <a:ln>
+            <a:tailEnd type="triangle"/>
+          </a:ln>
+        </p:spPr>
+        <p:style>
+          <a:lnRef idx="1">
+            <a:schemeClr val="accent1"/>
+          </a:lnRef>
+          <a:fillRef idx="0">
+            <a:schemeClr val="accent1"/>
+          </a:fillRef>
+          <a:effectRef idx="0">
+            <a:schemeClr val="accent1"/>
+          </a:effectRef>
+          <a:fontRef idx="minor">
+            <a:schemeClr val="tx1"/>
+          </a:fontRef>
+        </p:style>
+      </p:cxnSp>
+      <p:sp>
+        <p:nvSpPr>
+          <p:cNvPr id="18" name="TextBox 17">
+            <a:extLst>
+              <a:ext uri="{FF2B5EF4-FFF2-40B4-BE49-F238E27FC236}">
+                <a16:creationId xmlns:a16="http://schemas.microsoft.com/office/drawing/2014/main" id="{52DBB05B-EAAE-1346-9FC0-09DA72BFF1F4}"/>
+              </a:ext>
+            </a:extLst>
+          </p:cNvPr>
+          <p:cNvSpPr txBox="1"/>
+          <p:nvPr/>
+        </p:nvSpPr>
+        <p:spPr>
+          <a:xfrm>
+            <a:off x="7792834" y="3075637"/>
+            <a:ext cx="681049" cy="369332"/>
+          </a:xfrm>
+          <a:prstGeom prst="rect">
+            <a:avLst/>
+          </a:prstGeom>
+          <a:noFill/>
+        </p:spPr>
+        <p:txBody>
+          <a:bodyPr wrap="square" rtlCol="0">
+            <a:spAutoFit/>
+          </a:bodyPr>
+          <a:lstStyle/>
+          <a:p>
+            <a:pPr algn="ctr"/>
+            <a:r>
+              <a:rPr lang="en-US" dirty="0">
+                <a:solidFill>
+                  <a:schemeClr val="accent5"/>
+                </a:solidFill>
+              </a:rPr>
+              <a:t>$</a:t>
+            </a:r>
+          </a:p>
+        </p:txBody>
+      </p:sp>
+      <p:pic>
+        <p:nvPicPr>
+          <p:cNvPr id="21" name="Picture 20">
+            <a:extLst>
+              <a:ext uri="{FF2B5EF4-FFF2-40B4-BE49-F238E27FC236}">
+                <a16:creationId xmlns:a16="http://schemas.microsoft.com/office/drawing/2014/main" id="{5F9695A1-028F-D240-9848-095A767701CF}"/>
+              </a:ext>
+            </a:extLst>
+          </p:cNvPr>
+          <p:cNvPicPr>
+            <a:picLocks noChangeAspect="1"/>
+          </p:cNvPicPr>
+          <p:nvPr/>
+        </p:nvPicPr>
+        <p:blipFill>
+          <a:blip r:embed="rId4">
+            <a:extLst>
+              <a:ext uri="{28A0092B-C50C-407E-A947-70E740481C1C}">
+                <a14:useLocalDpi xmlns:a14="http://schemas.microsoft.com/office/drawing/2010/main" val="0"/>
+              </a:ext>
+              <a:ext uri="{837473B0-CC2E-450A-ABE3-18F120FF3D39}">
+                <a1611:picAttrSrcUrl xmlns:a1611="http://schemas.microsoft.com/office/drawing/2016/11/main" r:id="rId5"/>
+              </a:ext>
+            </a:extLst>
+          </a:blip>
+          <a:stretch>
+            <a:fillRect/>
+          </a:stretch>
+        </p:blipFill>
+        <p:spPr>
+          <a:xfrm>
+            <a:off x="3052018" y="2698409"/>
+            <a:ext cx="952500" cy="889000"/>
+          </a:xfrm>
+          <a:prstGeom prst="rect">
+            <a:avLst/>
+          </a:prstGeom>
+        </p:spPr>
+      </p:pic>
+      <p:pic>
+        <p:nvPicPr>
+          <p:cNvPr id="26" name="Picture 25">
+            <a:extLst>
+              <a:ext uri="{FF2B5EF4-FFF2-40B4-BE49-F238E27FC236}">
+                <a16:creationId xmlns:a16="http://schemas.microsoft.com/office/drawing/2014/main" id="{A3657F70-9A4F-A04C-9B54-CF8B8A6D8EC9}"/>
+              </a:ext>
+            </a:extLst>
+          </p:cNvPr>
+          <p:cNvPicPr>
+            <a:picLocks noChangeAspect="1"/>
+          </p:cNvPicPr>
+          <p:nvPr/>
+        </p:nvPicPr>
+        <p:blipFill>
+          <a:blip r:embed="rId6">
+            <a:extLst>
+              <a:ext uri="{28A0092B-C50C-407E-A947-70E740481C1C}">
+                <a14:useLocalDpi xmlns:a14="http://schemas.microsoft.com/office/drawing/2010/main" val="0"/>
+              </a:ext>
+              <a:ext uri="{837473B0-CC2E-450A-ABE3-18F120FF3D39}">
+                <a1611:picAttrSrcUrl xmlns:a1611="http://schemas.microsoft.com/office/drawing/2016/11/main" r:id="rId7"/>
+              </a:ext>
+            </a:extLst>
+          </a:blip>
+          <a:stretch>
+            <a:fillRect/>
+          </a:stretch>
+        </p:blipFill>
+        <p:spPr>
+          <a:xfrm>
+            <a:off x="6775922" y="2083443"/>
+            <a:ext cx="851668" cy="851668"/>
+          </a:xfrm>
+          <a:prstGeom prst="rect">
+            <a:avLst/>
+          </a:prstGeom>
+        </p:spPr>
+      </p:pic>
+      <p:pic>
+        <p:nvPicPr>
+          <p:cNvPr id="29" name="Content Placeholder 5">
+            <a:extLst>
+              <a:ext uri="{FF2B5EF4-FFF2-40B4-BE49-F238E27FC236}">
+                <a16:creationId xmlns:a16="http://schemas.microsoft.com/office/drawing/2014/main" id="{D7730156-1C99-224C-B526-98E880FCD321}"/>
+              </a:ext>
+            </a:extLst>
+          </p:cNvPr>
+          <p:cNvPicPr>
+            <a:picLocks noChangeAspect="1"/>
+          </p:cNvPicPr>
+          <p:nvPr/>
+        </p:nvPicPr>
+        <p:blipFill>
+          <a:blip r:embed="rId2">
+            <a:extLst>
+              <a:ext uri="{28A0092B-C50C-407E-A947-70E740481C1C}">
+                <a14:useLocalDpi xmlns:a14="http://schemas.microsoft.com/office/drawing/2010/main" val="0"/>
+              </a:ext>
+              <a:ext uri="{837473B0-CC2E-450A-ABE3-18F120FF3D39}">
+                <a1611:picAttrSrcUrl xmlns:a1611="http://schemas.microsoft.com/office/drawing/2016/11/main" r:id="rId3"/>
+              </a:ext>
+            </a:extLst>
+          </a:blip>
+          <a:stretch>
+            <a:fillRect/>
+          </a:stretch>
+        </p:blipFill>
+        <p:spPr>
+          <a:xfrm>
+            <a:off x="-925934" y="3455997"/>
+            <a:ext cx="3528268" cy="1984651"/>
+          </a:xfrm>
+          <a:prstGeom prst="rect">
+            <a:avLst/>
+          </a:prstGeom>
+        </p:spPr>
+      </p:pic>
+      <p:pic>
+        <p:nvPicPr>
+          <p:cNvPr id="30" name="Content Placeholder 5">
+            <a:extLst>
+              <a:ext uri="{FF2B5EF4-FFF2-40B4-BE49-F238E27FC236}">
+                <a16:creationId xmlns:a16="http://schemas.microsoft.com/office/drawing/2014/main" id="{B65D8CBA-E585-C041-9A9C-F718CD6FDDA6}"/>
+              </a:ext>
+            </a:extLst>
+          </p:cNvPr>
+          <p:cNvPicPr>
+            <a:picLocks noChangeAspect="1"/>
+          </p:cNvPicPr>
+          <p:nvPr/>
+        </p:nvPicPr>
+        <p:blipFill>
+          <a:blip r:embed="rId2">
+            <a:extLst>
+              <a:ext uri="{28A0092B-C50C-407E-A947-70E740481C1C}">
+                <a14:useLocalDpi xmlns:a14="http://schemas.microsoft.com/office/drawing/2010/main" val="0"/>
+              </a:ext>
+              <a:ext uri="{837473B0-CC2E-450A-ABE3-18F120FF3D39}">
+                <a1611:picAttrSrcUrl xmlns:a1611="http://schemas.microsoft.com/office/drawing/2016/11/main" r:id="rId3"/>
+              </a:ext>
+            </a:extLst>
+          </a:blip>
+          <a:stretch>
+            <a:fillRect/>
+          </a:stretch>
+        </p:blipFill>
+        <p:spPr>
+          <a:xfrm>
+            <a:off x="-871339" y="1689248"/>
+            <a:ext cx="3528268" cy="1984651"/>
+          </a:xfrm>
+          <a:prstGeom prst="rect">
+            <a:avLst/>
+          </a:prstGeom>
+        </p:spPr>
+      </p:pic>
+      <p:pic>
+        <p:nvPicPr>
+          <p:cNvPr id="32" name="Picture 31">
+            <a:extLst>
+              <a:ext uri="{FF2B5EF4-FFF2-40B4-BE49-F238E27FC236}">
+                <a16:creationId xmlns:a16="http://schemas.microsoft.com/office/drawing/2014/main" id="{31509BCD-04CB-C54B-AE21-0BEF248A7A41}"/>
+              </a:ext>
+            </a:extLst>
+          </p:cNvPr>
+          <p:cNvPicPr>
+            <a:picLocks noChangeAspect="1"/>
+          </p:cNvPicPr>
+          <p:nvPr/>
+        </p:nvPicPr>
+        <p:blipFill>
+          <a:blip r:embed="rId8">
+            <a:extLst>
+              <a:ext uri="{28A0092B-C50C-407E-A947-70E740481C1C}">
+                <a14:useLocalDpi xmlns:a14="http://schemas.microsoft.com/office/drawing/2010/main" val="0"/>
+              </a:ext>
+              <a:ext uri="{837473B0-CC2E-450A-ABE3-18F120FF3D39}">
+                <a1611:picAttrSrcUrl xmlns:a1611="http://schemas.microsoft.com/office/drawing/2016/11/main" r:id="rId9"/>
+              </a:ext>
+            </a:extLst>
+          </a:blip>
+          <a:stretch>
+            <a:fillRect/>
+          </a:stretch>
+        </p:blipFill>
+        <p:spPr>
+          <a:xfrm>
+            <a:off x="7572416" y="1301620"/>
+            <a:ext cx="724548" cy="540996"/>
+          </a:xfrm>
+          <a:prstGeom prst="rect">
+            <a:avLst/>
+          </a:prstGeom>
+        </p:spPr>
+      </p:pic>
+      <p:sp>
+        <p:nvSpPr>
+          <p:cNvPr id="33" name="TextBox 32">
+            <a:extLst>
+              <a:ext uri="{FF2B5EF4-FFF2-40B4-BE49-F238E27FC236}">
+                <a16:creationId xmlns:a16="http://schemas.microsoft.com/office/drawing/2014/main" id="{BD523A67-1BBB-9442-92CB-9F1279819367}"/>
+              </a:ext>
+            </a:extLst>
+          </p:cNvPr>
+          <p:cNvSpPr txBox="1"/>
+          <p:nvPr/>
+        </p:nvSpPr>
+        <p:spPr>
+          <a:xfrm>
+            <a:off x="8390360" y="1285982"/>
+            <a:ext cx="2679999" cy="307777"/>
+          </a:xfrm>
+          <a:prstGeom prst="rect">
+            <a:avLst/>
+          </a:prstGeom>
+          <a:noFill/>
+        </p:spPr>
+        <p:txBody>
+          <a:bodyPr wrap="square" rtlCol="0">
+            <a:spAutoFit/>
+          </a:bodyPr>
+          <a:lstStyle/>
+          <a:p>
+            <a:r>
+              <a:rPr lang="en-US" sz="1400" dirty="0">
+                <a:solidFill>
+                  <a:schemeClr val="accent5"/>
+                </a:solidFill>
+              </a:rPr>
+              <a:t>Gym Equipment</a:t>
+            </a:r>
+          </a:p>
+        </p:txBody>
+      </p:sp>
+      <p:sp>
+        <p:nvSpPr>
+          <p:cNvPr id="35" name="TextBox 34">
+            <a:extLst>
+              <a:ext uri="{FF2B5EF4-FFF2-40B4-BE49-F238E27FC236}">
+                <a16:creationId xmlns:a16="http://schemas.microsoft.com/office/drawing/2014/main" id="{ECC734CB-660D-6A42-A45E-F53C9E91D60D}"/>
+              </a:ext>
+            </a:extLst>
+          </p:cNvPr>
+          <p:cNvSpPr txBox="1"/>
+          <p:nvPr/>
+        </p:nvSpPr>
+        <p:spPr>
+          <a:xfrm>
+            <a:off x="8551195" y="2487210"/>
+            <a:ext cx="2679999" cy="307777"/>
+          </a:xfrm>
+          <a:prstGeom prst="rect">
+            <a:avLst/>
+          </a:prstGeom>
+          <a:noFill/>
+        </p:spPr>
+        <p:txBody>
+          <a:bodyPr wrap="square" rtlCol="0">
+            <a:spAutoFit/>
+          </a:bodyPr>
+          <a:lstStyle/>
+          <a:p>
+            <a:r>
+              <a:rPr lang="en-US" sz="1400" dirty="0">
+                <a:solidFill>
+                  <a:schemeClr val="accent5"/>
+                </a:solidFill>
+              </a:rPr>
+              <a:t>Building </a:t>
+            </a:r>
+          </a:p>
+        </p:txBody>
+      </p:sp>
+      <p:cxnSp>
+        <p:nvCxnSpPr>
+          <p:cNvPr id="36" name="Straight Arrow Connector 35">
+            <a:extLst>
+              <a:ext uri="{FF2B5EF4-FFF2-40B4-BE49-F238E27FC236}">
+                <a16:creationId xmlns:a16="http://schemas.microsoft.com/office/drawing/2014/main" id="{1891D6BE-0A11-DC4F-9330-E9A50BEB2EE5}"/>
+              </a:ext>
+            </a:extLst>
+          </p:cNvPr>
+          <p:cNvCxnSpPr>
+            <a:cxnSpLocks/>
+          </p:cNvCxnSpPr>
+          <p:nvPr/>
+        </p:nvCxnSpPr>
+        <p:spPr>
+          <a:xfrm flipV="1">
+            <a:off x="7372862" y="2627183"/>
+            <a:ext cx="1074158" cy="960226"/>
+          </a:xfrm>
+          <a:prstGeom prst="straightConnector1">
+            <a:avLst/>
+          </a:prstGeom>
+          <a:ln>
+            <a:tailEnd type="triangle"/>
+          </a:ln>
+        </p:spPr>
+        <p:style>
+          <a:lnRef idx="1">
+            <a:schemeClr val="accent1"/>
+          </a:lnRef>
+          <a:fillRef idx="0">
+            <a:schemeClr val="accent1"/>
+          </a:fillRef>
+          <a:effectRef idx="0">
+            <a:schemeClr val="accent1"/>
+          </a:effectRef>
+          <a:fontRef idx="minor">
+            <a:schemeClr val="tx1"/>
+          </a:fontRef>
+        </p:style>
+      </p:cxnSp>
+      <p:sp>
+        <p:nvSpPr>
+          <p:cNvPr id="38" name="TextBox 37">
+            <a:extLst>
+              <a:ext uri="{FF2B5EF4-FFF2-40B4-BE49-F238E27FC236}">
+                <a16:creationId xmlns:a16="http://schemas.microsoft.com/office/drawing/2014/main" id="{6442AE6A-766A-B24E-AE5C-86158801E605}"/>
+              </a:ext>
+            </a:extLst>
+          </p:cNvPr>
+          <p:cNvSpPr txBox="1"/>
+          <p:nvPr/>
+        </p:nvSpPr>
+        <p:spPr>
+          <a:xfrm>
+            <a:off x="8774282" y="3673899"/>
+            <a:ext cx="2679999" cy="523220"/>
+          </a:xfrm>
+          <a:prstGeom prst="rect">
+            <a:avLst/>
+          </a:prstGeom>
+          <a:noFill/>
+        </p:spPr>
+        <p:txBody>
+          <a:bodyPr wrap="square" rtlCol="0">
+            <a:spAutoFit/>
+          </a:bodyPr>
+          <a:lstStyle/>
+          <a:p>
+            <a:r>
+              <a:rPr lang="en-US" sz="1400" dirty="0">
+                <a:solidFill>
+                  <a:schemeClr val="accent5"/>
+                </a:solidFill>
+              </a:rPr>
+              <a:t>Utilities – electricity, water</a:t>
+            </a:r>
+          </a:p>
+          <a:p>
+            <a:r>
+              <a:rPr lang="en-US" sz="1400" dirty="0">
+                <a:solidFill>
+                  <a:schemeClr val="accent5"/>
+                </a:solidFill>
+              </a:rPr>
+              <a:t> </a:t>
+            </a:r>
+          </a:p>
+        </p:txBody>
+      </p:sp>
+      <p:cxnSp>
+        <p:nvCxnSpPr>
+          <p:cNvPr id="39" name="Straight Arrow Connector 38">
+            <a:extLst>
+              <a:ext uri="{FF2B5EF4-FFF2-40B4-BE49-F238E27FC236}">
+                <a16:creationId xmlns:a16="http://schemas.microsoft.com/office/drawing/2014/main" id="{EEABC4B7-40B1-434B-B4BF-B8BF422FCA16}"/>
+              </a:ext>
+            </a:extLst>
+          </p:cNvPr>
+          <p:cNvCxnSpPr>
+            <a:cxnSpLocks/>
+          </p:cNvCxnSpPr>
+          <p:nvPr/>
+        </p:nvCxnSpPr>
+        <p:spPr>
+          <a:xfrm flipV="1">
+            <a:off x="7515901" y="3798288"/>
+            <a:ext cx="1234916" cy="73318"/>
+          </a:xfrm>
+          <a:prstGeom prst="straightConnector1">
+            <a:avLst/>
+          </a:prstGeom>
+          <a:ln>
+            <a:tailEnd type="triangle"/>
+          </a:ln>
+        </p:spPr>
+        <p:style>
+          <a:lnRef idx="1">
+            <a:schemeClr val="accent1"/>
+          </a:lnRef>
+          <a:fillRef idx="0">
+            <a:schemeClr val="accent1"/>
+          </a:fillRef>
+          <a:effectRef idx="0">
+            <a:schemeClr val="accent1"/>
+          </a:effectRef>
+          <a:fontRef idx="minor">
+            <a:schemeClr val="tx1"/>
+          </a:fontRef>
+        </p:style>
+      </p:cxnSp>
+      <p:sp>
+        <p:nvSpPr>
+          <p:cNvPr id="48" name="TextBox 47">
+            <a:extLst>
+              <a:ext uri="{FF2B5EF4-FFF2-40B4-BE49-F238E27FC236}">
+                <a16:creationId xmlns:a16="http://schemas.microsoft.com/office/drawing/2014/main" id="{AA7E3EEC-3518-5742-9A42-C656F9D1DAF0}"/>
+              </a:ext>
+            </a:extLst>
+          </p:cNvPr>
+          <p:cNvSpPr txBox="1"/>
+          <p:nvPr/>
+        </p:nvSpPr>
+        <p:spPr>
+          <a:xfrm>
+            <a:off x="7801912" y="3822470"/>
+            <a:ext cx="681049" cy="369332"/>
+          </a:xfrm>
+          <a:prstGeom prst="rect">
+            <a:avLst/>
+          </a:prstGeom>
+          <a:noFill/>
+        </p:spPr>
+        <p:txBody>
+          <a:bodyPr wrap="square" rtlCol="0">
+            <a:spAutoFit/>
+          </a:bodyPr>
+          <a:lstStyle/>
+          <a:p>
+            <a:pPr algn="ctr"/>
+            <a:r>
+              <a:rPr lang="en-US" dirty="0">
+                <a:solidFill>
+                  <a:schemeClr val="accent5"/>
+                </a:solidFill>
+              </a:rPr>
+              <a:t>$</a:t>
+            </a:r>
+          </a:p>
+        </p:txBody>
+      </p:sp>
+      <p:sp>
+        <p:nvSpPr>
+          <p:cNvPr id="49" name="TextBox 48">
+            <a:extLst>
+              <a:ext uri="{FF2B5EF4-FFF2-40B4-BE49-F238E27FC236}">
+                <a16:creationId xmlns:a16="http://schemas.microsoft.com/office/drawing/2014/main" id="{F9DA3644-45C2-1042-9477-6BF1D532F4A2}"/>
+              </a:ext>
+            </a:extLst>
+          </p:cNvPr>
+          <p:cNvSpPr txBox="1"/>
+          <p:nvPr/>
+        </p:nvSpPr>
+        <p:spPr>
+          <a:xfrm>
+            <a:off x="7569416" y="4359951"/>
+            <a:ext cx="681049" cy="369332"/>
+          </a:xfrm>
+          <a:prstGeom prst="rect">
+            <a:avLst/>
+          </a:prstGeom>
+          <a:noFill/>
+        </p:spPr>
+        <p:txBody>
+          <a:bodyPr wrap="square" rtlCol="0">
+            <a:spAutoFit/>
+          </a:bodyPr>
+          <a:lstStyle/>
+          <a:p>
+            <a:pPr algn="ctr"/>
+            <a:r>
+              <a:rPr lang="en-US" dirty="0">
+                <a:solidFill>
+                  <a:schemeClr val="accent5"/>
+                </a:solidFill>
+              </a:rPr>
+              <a:t>$</a:t>
+            </a:r>
+          </a:p>
+        </p:txBody>
+      </p:sp>
+      <p:cxnSp>
+        <p:nvCxnSpPr>
+          <p:cNvPr id="50" name="Straight Arrow Connector 49">
+            <a:extLst>
+              <a:ext uri="{FF2B5EF4-FFF2-40B4-BE49-F238E27FC236}">
+                <a16:creationId xmlns:a16="http://schemas.microsoft.com/office/drawing/2014/main" id="{D6258F04-11CD-9741-B87B-90425F4056DA}"/>
+              </a:ext>
+            </a:extLst>
+          </p:cNvPr>
+          <p:cNvCxnSpPr>
+            <a:cxnSpLocks/>
+          </p:cNvCxnSpPr>
+          <p:nvPr/>
+        </p:nvCxnSpPr>
+        <p:spPr>
+          <a:xfrm>
+            <a:off x="7499614" y="4597694"/>
+            <a:ext cx="1203981" cy="307422"/>
+          </a:xfrm>
+          <a:prstGeom prst="straightConnector1">
+            <a:avLst/>
+          </a:prstGeom>
+          <a:ln>
+            <a:tailEnd type="triangle"/>
+          </a:ln>
+        </p:spPr>
+        <p:style>
+          <a:lnRef idx="1">
+            <a:schemeClr val="accent1"/>
+          </a:lnRef>
+          <a:fillRef idx="0">
+            <a:schemeClr val="accent1"/>
+          </a:fillRef>
+          <a:effectRef idx="0">
+            <a:schemeClr val="accent1"/>
+          </a:effectRef>
+          <a:fontRef idx="minor">
+            <a:schemeClr val="tx1"/>
+          </a:fontRef>
+        </p:style>
+      </p:cxnSp>
+      <p:sp>
+        <p:nvSpPr>
+          <p:cNvPr id="51" name="TextBox 50">
+            <a:extLst>
+              <a:ext uri="{FF2B5EF4-FFF2-40B4-BE49-F238E27FC236}">
+                <a16:creationId xmlns:a16="http://schemas.microsoft.com/office/drawing/2014/main" id="{D8B85FB5-63B5-094B-A71A-982CACE14336}"/>
+              </a:ext>
+            </a:extLst>
+          </p:cNvPr>
+          <p:cNvSpPr txBox="1"/>
+          <p:nvPr/>
+        </p:nvSpPr>
+        <p:spPr>
+          <a:xfrm>
+            <a:off x="8703594" y="4793377"/>
+            <a:ext cx="2679999" cy="523220"/>
+          </a:xfrm>
+          <a:prstGeom prst="rect">
+            <a:avLst/>
+          </a:prstGeom>
+          <a:noFill/>
+        </p:spPr>
+        <p:txBody>
+          <a:bodyPr wrap="square" rtlCol="0">
+            <a:spAutoFit/>
+          </a:bodyPr>
+          <a:lstStyle/>
+          <a:p>
+            <a:r>
+              <a:rPr lang="en-US" sz="1400" dirty="0">
+                <a:solidFill>
+                  <a:schemeClr val="accent5"/>
+                </a:solidFill>
+              </a:rPr>
+              <a:t>Computers + supplies</a:t>
+            </a:r>
+          </a:p>
+          <a:p>
+            <a:r>
+              <a:rPr lang="en-US" sz="1400" dirty="0">
+                <a:solidFill>
+                  <a:schemeClr val="accent5"/>
+                </a:solidFill>
+              </a:rPr>
+              <a:t> </a:t>
+            </a:r>
+          </a:p>
+        </p:txBody>
+      </p:sp>
+      <p:cxnSp>
+        <p:nvCxnSpPr>
+          <p:cNvPr id="53" name="Straight Arrow Connector 52">
+            <a:extLst>
+              <a:ext uri="{FF2B5EF4-FFF2-40B4-BE49-F238E27FC236}">
+                <a16:creationId xmlns:a16="http://schemas.microsoft.com/office/drawing/2014/main" id="{F29AD106-7BA9-F44F-A5E8-A09A5F11D93B}"/>
+              </a:ext>
+            </a:extLst>
+          </p:cNvPr>
+          <p:cNvCxnSpPr>
+            <a:cxnSpLocks/>
+          </p:cNvCxnSpPr>
+          <p:nvPr/>
+        </p:nvCxnSpPr>
+        <p:spPr>
+          <a:xfrm>
+            <a:off x="6810135" y="4934760"/>
+            <a:ext cx="1203981" cy="307422"/>
+          </a:xfrm>
+          <a:prstGeom prst="straightConnector1">
+            <a:avLst/>
+          </a:prstGeom>
+          <a:ln>
+            <a:tailEnd type="triangle"/>
+          </a:ln>
+        </p:spPr>
+        <p:style>
+          <a:lnRef idx="1">
+            <a:schemeClr val="accent1"/>
+          </a:lnRef>
+          <a:fillRef idx="0">
+            <a:schemeClr val="accent1"/>
+          </a:fillRef>
+          <a:effectRef idx="0">
+            <a:schemeClr val="accent1"/>
+          </a:effectRef>
+          <a:fontRef idx="minor">
+            <a:schemeClr val="tx1"/>
+          </a:fontRef>
+        </p:style>
+      </p:cxnSp>
+      <p:sp>
+        <p:nvSpPr>
+          <p:cNvPr id="54" name="TextBox 53">
+            <a:extLst>
+              <a:ext uri="{FF2B5EF4-FFF2-40B4-BE49-F238E27FC236}">
+                <a16:creationId xmlns:a16="http://schemas.microsoft.com/office/drawing/2014/main" id="{DC70BCAB-4AA0-854D-A82D-1CCADAE9CA92}"/>
+              </a:ext>
+            </a:extLst>
+          </p:cNvPr>
+          <p:cNvSpPr txBox="1"/>
+          <p:nvPr/>
+        </p:nvSpPr>
+        <p:spPr>
+          <a:xfrm>
+            <a:off x="8014115" y="5130443"/>
+            <a:ext cx="2679999" cy="523220"/>
+          </a:xfrm>
+          <a:prstGeom prst="rect">
+            <a:avLst/>
+          </a:prstGeom>
+          <a:noFill/>
+        </p:spPr>
+        <p:txBody>
+          <a:bodyPr wrap="square" rtlCol="0">
+            <a:spAutoFit/>
+          </a:bodyPr>
+          <a:lstStyle/>
+          <a:p>
+            <a:r>
+              <a:rPr lang="en-US" sz="1400" dirty="0">
+                <a:solidFill>
+                  <a:schemeClr val="accent5"/>
+                </a:solidFill>
+              </a:rPr>
+              <a:t>Trainers</a:t>
+            </a:r>
+          </a:p>
+          <a:p>
+            <a:r>
+              <a:rPr lang="en-US" sz="1400" dirty="0">
+                <a:solidFill>
+                  <a:schemeClr val="accent5"/>
+                </a:solidFill>
+              </a:rPr>
+              <a:t> </a:t>
+            </a:r>
+          </a:p>
+        </p:txBody>
+      </p:sp>
+      <p:sp>
+        <p:nvSpPr>
+          <p:cNvPr id="55" name="TextBox 54">
+            <a:extLst>
+              <a:ext uri="{FF2B5EF4-FFF2-40B4-BE49-F238E27FC236}">
+                <a16:creationId xmlns:a16="http://schemas.microsoft.com/office/drawing/2014/main" id="{F74A3DA1-BD29-A841-933E-C6D48D742402}"/>
+              </a:ext>
+            </a:extLst>
+          </p:cNvPr>
+          <p:cNvSpPr txBox="1"/>
+          <p:nvPr/>
+        </p:nvSpPr>
+        <p:spPr>
+          <a:xfrm>
+            <a:off x="7032337" y="5092492"/>
+            <a:ext cx="681049" cy="369332"/>
+          </a:xfrm>
+          <a:prstGeom prst="rect">
+            <a:avLst/>
+          </a:prstGeom>
+          <a:noFill/>
+        </p:spPr>
+        <p:txBody>
+          <a:bodyPr wrap="square" rtlCol="0">
+            <a:spAutoFit/>
+          </a:bodyPr>
+          <a:lstStyle/>
+          <a:p>
+            <a:pPr algn="ctr"/>
+            <a:r>
+              <a:rPr lang="en-US" dirty="0">
+                <a:solidFill>
+                  <a:schemeClr val="accent5"/>
+                </a:solidFill>
+              </a:rPr>
+              <a:t>$</a:t>
+            </a:r>
+          </a:p>
+        </p:txBody>
+      </p:sp>
+      <p:sp>
+        <p:nvSpPr>
+          <p:cNvPr id="56" name="TextBox 55">
+            <a:extLst>
+              <a:ext uri="{FF2B5EF4-FFF2-40B4-BE49-F238E27FC236}">
+                <a16:creationId xmlns:a16="http://schemas.microsoft.com/office/drawing/2014/main" id="{5E11A970-DF74-C640-A02A-8A99BF3FA283}"/>
+              </a:ext>
+            </a:extLst>
+          </p:cNvPr>
+          <p:cNvSpPr txBox="1"/>
+          <p:nvPr/>
+        </p:nvSpPr>
+        <p:spPr>
+          <a:xfrm>
+            <a:off x="666120" y="5568483"/>
+            <a:ext cx="2679999" cy="523220"/>
+          </a:xfrm>
+          <a:prstGeom prst="rect">
+            <a:avLst/>
+          </a:prstGeom>
+          <a:noFill/>
+        </p:spPr>
+        <p:txBody>
+          <a:bodyPr wrap="square" rtlCol="0">
+            <a:spAutoFit/>
+          </a:bodyPr>
+          <a:lstStyle/>
+          <a:p>
+            <a:r>
+              <a:rPr lang="en-US" sz="1400" dirty="0">
+                <a:solidFill>
+                  <a:schemeClr val="accent5"/>
+                </a:solidFill>
+              </a:rPr>
+              <a:t>Members</a:t>
+            </a:r>
+          </a:p>
+          <a:p>
+            <a:r>
+              <a:rPr lang="en-US" sz="1400" dirty="0">
+                <a:solidFill>
+                  <a:schemeClr val="accent5"/>
+                </a:solidFill>
+              </a:rPr>
+              <a:t> </a:t>
+            </a:r>
+          </a:p>
+        </p:txBody>
+      </p:sp>
+    </p:spTree>
+    <p:extLst>
+      <p:ext uri="{BB962C8B-B14F-4D97-AF65-F5344CB8AC3E}">
+        <p14:creationId xmlns:p14="http://schemas.microsoft.com/office/powerpoint/2010/main" val="4012875544"/>
       </p:ext>
     </p:extLst>
   </p:cSld>

--- a/assets/public/Chapter_2_Recording_accounting_transactions/documents/resources/Media/2.1.pptx
+++ b/assets/public/Chapter_2_Recording_accounting_transactions/documents/resources/Media/2.1.pptx
@@ -5601,7 +5601,7 @@
                   <a:schemeClr val="accent5"/>
                 </a:solidFill>
               </a:rPr>
-              <a:t>Building </a:t>
+              <a:t>Fitness Studio</a:t>
             </a:r>
           </a:p>
         </p:txBody>
@@ -6086,6 +6086,45 @@
           </a:p>
         </p:txBody>
       </p:sp>
+      <p:pic>
+        <p:nvPicPr>
+          <p:cNvPr id="27" name="Picture 26">
+            <a:extLst>
+              <a:ext uri="{FF2B5EF4-FFF2-40B4-BE49-F238E27FC236}">
+                <a16:creationId xmlns:a16="http://schemas.microsoft.com/office/drawing/2014/main" id="{566502FD-F3D8-4A41-9C13-125BDE5BFFD9}"/>
+              </a:ext>
+            </a:extLst>
+          </p:cNvPr>
+          <p:cNvPicPr>
+            <a:picLocks noChangeAspect="1"/>
+          </p:cNvPicPr>
+          <p:nvPr/>
+        </p:nvPicPr>
+        <p:blipFill>
+          <a:blip r:embed="rId6">
+            <a:extLst>
+              <a:ext uri="{28A0092B-C50C-407E-A947-70E740481C1C}">
+                <a14:useLocalDpi xmlns:a14="http://schemas.microsoft.com/office/drawing/2010/main" val="0"/>
+              </a:ext>
+              <a:ext uri="{837473B0-CC2E-450A-ABE3-18F120FF3D39}">
+                <a1611:picAttrSrcUrl xmlns:a1611="http://schemas.microsoft.com/office/drawing/2016/11/main" r:id="rId7"/>
+              </a:ext>
+            </a:extLst>
+          </a:blip>
+          <a:stretch>
+            <a:fillRect/>
+          </a:stretch>
+        </p:blipFill>
+        <p:spPr>
+          <a:xfrm>
+            <a:off x="2886656" y="3780886"/>
+            <a:ext cx="851668" cy="851668"/>
+          </a:xfrm>
+          <a:prstGeom prst="rect">
+            <a:avLst/>
+          </a:prstGeom>
+        </p:spPr>
+      </p:pic>
     </p:spTree>
     <p:extLst>
       <p:ext uri="{BB962C8B-B14F-4D97-AF65-F5344CB8AC3E}">

--- a/assets/public/Chapter_2_Recording_accounting_transactions/documents/resources/Media/2.1.pptx
+++ b/assets/public/Chapter_2_Recording_accounting_transactions/documents/resources/Media/2.1.pptx
@@ -9,6 +9,7 @@
     <p:sldId id="256" r:id="rId3"/>
     <p:sldId id="258" r:id="rId4"/>
     <p:sldId id="259" r:id="rId5"/>
+    <p:sldId id="260" r:id="rId6"/>
   </p:sldIdLst>
   <p:sldSz cx="12192000" cy="6858000"/>
   <p:notesSz cx="6858000" cy="9144000"/>
@@ -115,6 +116,4374 @@
 </p:presentation>
 </file>
 
+<file path=ppt/diagrams/colors1.xml><?xml version="1.0" encoding="utf-8"?>
+<dgm:colorsDef xmlns:dgm="http://schemas.openxmlformats.org/drawingml/2006/diagram" xmlns:a="http://schemas.openxmlformats.org/drawingml/2006/main" uniqueId="urn:microsoft.com/office/officeart/2005/8/colors/colorful1">
+  <dgm:title val=""/>
+  <dgm:desc val=""/>
+  <dgm:catLst>
+    <dgm:cat type="colorful" pri="10100"/>
+  </dgm:catLst>
+  <dgm:styleLbl name="node0">
+    <dgm:fillClrLst meth="repeat">
+      <a:schemeClr val="accent1"/>
+    </dgm:fillClrLst>
+    <dgm:linClrLst meth="repeat">
+      <a:schemeClr val="lt1"/>
+    </dgm:linClrLst>
+    <dgm:effectClrLst/>
+    <dgm:txLinClrLst/>
+    <dgm:txFillClrLst/>
+    <dgm:txEffectClrLst/>
+  </dgm:styleLbl>
+  <dgm:styleLbl name="node1">
+    <dgm:fillClrLst meth="repeat">
+      <a:schemeClr val="accent2"/>
+      <a:schemeClr val="accent3"/>
+      <a:schemeClr val="accent4"/>
+      <a:schemeClr val="accent5"/>
+      <a:schemeClr val="accent6"/>
+    </dgm:fillClrLst>
+    <dgm:linClrLst meth="repeat">
+      <a:schemeClr val="lt1"/>
+    </dgm:linClrLst>
+    <dgm:effectClrLst/>
+    <dgm:txLinClrLst/>
+    <dgm:txFillClrLst/>
+    <dgm:txEffectClrLst/>
+  </dgm:styleLbl>
+  <dgm:styleLbl name="alignNode1">
+    <dgm:fillClrLst meth="repeat">
+      <a:schemeClr val="accent2"/>
+      <a:schemeClr val="accent3"/>
+      <a:schemeClr val="accent4"/>
+      <a:schemeClr val="accent5"/>
+      <a:schemeClr val="accent6"/>
+    </dgm:fillClrLst>
+    <dgm:linClrLst meth="repeat">
+      <a:schemeClr val="accent2"/>
+      <a:schemeClr val="accent3"/>
+      <a:schemeClr val="accent4"/>
+      <a:schemeClr val="accent5"/>
+      <a:schemeClr val="accent6"/>
+    </dgm:linClrLst>
+    <dgm:effectClrLst/>
+    <dgm:txLinClrLst/>
+    <dgm:txFillClrLst/>
+    <dgm:txEffectClrLst/>
+  </dgm:styleLbl>
+  <dgm:styleLbl name="lnNode1">
+    <dgm:fillClrLst meth="repeat">
+      <a:schemeClr val="accent2"/>
+      <a:schemeClr val="accent3"/>
+      <a:schemeClr val="accent4"/>
+      <a:schemeClr val="accent5"/>
+      <a:schemeClr val="accent6"/>
+    </dgm:fillClrLst>
+    <dgm:linClrLst meth="repeat">
+      <a:schemeClr val="lt1"/>
+    </dgm:linClrLst>
+    <dgm:effectClrLst/>
+    <dgm:txLinClrLst/>
+    <dgm:txFillClrLst/>
+    <dgm:txEffectClrLst/>
+  </dgm:styleLbl>
+  <dgm:styleLbl name="vennNode1">
+    <dgm:fillClrLst meth="repeat">
+      <a:schemeClr val="accent2">
+        <a:alpha val="50000"/>
+      </a:schemeClr>
+      <a:schemeClr val="accent3">
+        <a:alpha val="50000"/>
+      </a:schemeClr>
+      <a:schemeClr val="accent4">
+        <a:alpha val="50000"/>
+      </a:schemeClr>
+      <a:schemeClr val="accent5">
+        <a:alpha val="50000"/>
+      </a:schemeClr>
+      <a:schemeClr val="accent6">
+        <a:alpha val="50000"/>
+      </a:schemeClr>
+    </dgm:fillClrLst>
+    <dgm:linClrLst meth="repeat">
+      <a:schemeClr val="lt1"/>
+    </dgm:linClrLst>
+    <dgm:effectClrLst/>
+    <dgm:txLinClrLst/>
+    <dgm:txFillClrLst/>
+    <dgm:txEffectClrLst/>
+  </dgm:styleLbl>
+  <dgm:styleLbl name="node2">
+    <dgm:fillClrLst>
+      <a:schemeClr val="accent2"/>
+    </dgm:fillClrLst>
+    <dgm:linClrLst meth="repeat">
+      <a:schemeClr val="lt1"/>
+    </dgm:linClrLst>
+    <dgm:effectClrLst/>
+    <dgm:txLinClrLst/>
+    <dgm:txFillClrLst/>
+    <dgm:txEffectClrLst/>
+  </dgm:styleLbl>
+  <dgm:styleLbl name="node3">
+    <dgm:fillClrLst>
+      <a:schemeClr val="accent3"/>
+    </dgm:fillClrLst>
+    <dgm:linClrLst meth="repeat">
+      <a:schemeClr val="lt1"/>
+    </dgm:linClrLst>
+    <dgm:effectClrLst/>
+    <dgm:txLinClrLst/>
+    <dgm:txFillClrLst/>
+    <dgm:txEffectClrLst/>
+  </dgm:styleLbl>
+  <dgm:styleLbl name="node4">
+    <dgm:fillClrLst>
+      <a:schemeClr val="accent4"/>
+    </dgm:fillClrLst>
+    <dgm:linClrLst meth="repeat">
+      <a:schemeClr val="lt1"/>
+    </dgm:linClrLst>
+    <dgm:effectClrLst/>
+    <dgm:txLinClrLst/>
+    <dgm:txFillClrLst/>
+    <dgm:txEffectClrLst/>
+  </dgm:styleLbl>
+  <dgm:styleLbl name="fgImgPlace1">
+    <dgm:fillClrLst meth="repeat">
+      <a:schemeClr val="accent2">
+        <a:tint val="50000"/>
+      </a:schemeClr>
+      <a:schemeClr val="accent3">
+        <a:tint val="50000"/>
+      </a:schemeClr>
+      <a:schemeClr val="accent4">
+        <a:tint val="50000"/>
+      </a:schemeClr>
+      <a:schemeClr val="accent5">
+        <a:tint val="50000"/>
+      </a:schemeClr>
+      <a:schemeClr val="accent6">
+        <a:tint val="50000"/>
+      </a:schemeClr>
+    </dgm:fillClrLst>
+    <dgm:linClrLst meth="repeat">
+      <a:schemeClr val="lt1"/>
+    </dgm:linClrLst>
+    <dgm:effectClrLst/>
+    <dgm:txLinClrLst/>
+    <dgm:txFillClrLst meth="repeat">
+      <a:schemeClr val="lt1"/>
+    </dgm:txFillClrLst>
+    <dgm:txEffectClrLst/>
+  </dgm:styleLbl>
+  <dgm:styleLbl name="alignImgPlace1">
+    <dgm:fillClrLst>
+      <a:schemeClr val="accent1">
+        <a:tint val="50000"/>
+      </a:schemeClr>
+      <a:schemeClr val="accent2">
+        <a:tint val="20000"/>
+      </a:schemeClr>
+    </dgm:fillClrLst>
+    <dgm:linClrLst meth="repeat">
+      <a:schemeClr val="lt1"/>
+    </dgm:linClrLst>
+    <dgm:effectClrLst/>
+    <dgm:txLinClrLst/>
+    <dgm:txFillClrLst meth="repeat">
+      <a:schemeClr val="lt1"/>
+    </dgm:txFillClrLst>
+    <dgm:txEffectClrLst/>
+  </dgm:styleLbl>
+  <dgm:styleLbl name="bgImgPlace1">
+    <dgm:fillClrLst>
+      <a:schemeClr val="accent1">
+        <a:tint val="50000"/>
+      </a:schemeClr>
+      <a:schemeClr val="accent2">
+        <a:tint val="20000"/>
+      </a:schemeClr>
+    </dgm:fillClrLst>
+    <dgm:linClrLst meth="repeat">
+      <a:schemeClr val="lt1"/>
+    </dgm:linClrLst>
+    <dgm:effectClrLst/>
+    <dgm:txLinClrLst/>
+    <dgm:txFillClrLst meth="repeat">
+      <a:schemeClr val="lt1"/>
+    </dgm:txFillClrLst>
+    <dgm:txEffectClrLst/>
+  </dgm:styleLbl>
+  <dgm:styleLbl name="sibTrans2D1">
+    <dgm:fillClrLst meth="repeat">
+      <a:schemeClr val="accent2"/>
+      <a:schemeClr val="accent3"/>
+      <a:schemeClr val="accent4"/>
+      <a:schemeClr val="accent5"/>
+      <a:schemeClr val="accent6"/>
+    </dgm:fillClrLst>
+    <dgm:linClrLst meth="cycle">
+      <a:schemeClr val="lt1"/>
+    </dgm:linClrLst>
+    <dgm:effectClrLst/>
+    <dgm:txLinClrLst/>
+    <dgm:txFillClrLst/>
+    <dgm:txEffectClrLst/>
+  </dgm:styleLbl>
+  <dgm:styleLbl name="fgSibTrans2D1">
+    <dgm:fillClrLst meth="repeat">
+      <a:schemeClr val="accent2"/>
+      <a:schemeClr val="accent3"/>
+      <a:schemeClr val="accent4"/>
+      <a:schemeClr val="accent5"/>
+      <a:schemeClr val="accent6"/>
+    </dgm:fillClrLst>
+    <dgm:linClrLst meth="cycle">
+      <a:schemeClr val="lt1"/>
+    </dgm:linClrLst>
+    <dgm:effectClrLst/>
+    <dgm:txLinClrLst/>
+    <dgm:txFillClrLst meth="repeat">
+      <a:schemeClr val="lt1"/>
+    </dgm:txFillClrLst>
+    <dgm:txEffectClrLst/>
+  </dgm:styleLbl>
+  <dgm:styleLbl name="bgSibTrans2D1">
+    <dgm:fillClrLst meth="repeat">
+      <a:schemeClr val="accent2"/>
+      <a:schemeClr val="accent3"/>
+      <a:schemeClr val="accent4"/>
+      <a:schemeClr val="accent5"/>
+      <a:schemeClr val="accent6"/>
+    </dgm:fillClrLst>
+    <dgm:linClrLst meth="cycle">
+      <a:schemeClr val="lt1"/>
+    </dgm:linClrLst>
+    <dgm:effectClrLst/>
+    <dgm:txLinClrLst/>
+    <dgm:txFillClrLst meth="repeat">
+      <a:schemeClr val="lt1"/>
+    </dgm:txFillClrLst>
+    <dgm:txEffectClrLst/>
+  </dgm:styleLbl>
+  <dgm:styleLbl name="sibTrans1D1">
+    <dgm:fillClrLst meth="repeat">
+      <a:schemeClr val="accent2"/>
+      <a:schemeClr val="accent3"/>
+      <a:schemeClr val="accent4"/>
+      <a:schemeClr val="accent5"/>
+      <a:schemeClr val="accent6"/>
+    </dgm:fillClrLst>
+    <dgm:linClrLst meth="repeat">
+      <a:schemeClr val="accent2"/>
+      <a:schemeClr val="accent3"/>
+      <a:schemeClr val="accent4"/>
+      <a:schemeClr val="accent5"/>
+      <a:schemeClr val="accent6"/>
+    </dgm:linClrLst>
+    <dgm:effectClrLst/>
+    <dgm:txLinClrLst/>
+    <dgm:txFillClrLst meth="repeat">
+      <a:schemeClr val="tx1"/>
+    </dgm:txFillClrLst>
+    <dgm:txEffectClrLst/>
+  </dgm:styleLbl>
+  <dgm:styleLbl name="callout">
+    <dgm:fillClrLst meth="repeat">
+      <a:schemeClr val="accent2"/>
+    </dgm:fillClrLst>
+    <dgm:linClrLst meth="repeat">
+      <a:schemeClr val="accent2">
+        <a:tint val="50000"/>
+      </a:schemeClr>
+    </dgm:linClrLst>
+    <dgm:effectClrLst/>
+    <dgm:txLinClrLst/>
+    <dgm:txFillClrLst meth="repeat">
+      <a:schemeClr val="tx1"/>
+    </dgm:txFillClrLst>
+    <dgm:txEffectClrLst/>
+  </dgm:styleLbl>
+  <dgm:styleLbl name="asst0">
+    <dgm:fillClrLst meth="repeat">
+      <a:schemeClr val="accent1"/>
+    </dgm:fillClrLst>
+    <dgm:linClrLst meth="repeat">
+      <a:schemeClr val="lt1"/>
+    </dgm:linClrLst>
+    <dgm:effectClrLst/>
+    <dgm:txLinClrLst/>
+    <dgm:txFillClrLst/>
+    <dgm:txEffectClrLst/>
+  </dgm:styleLbl>
+  <dgm:styleLbl name="asst1">
+    <dgm:fillClrLst meth="repeat">
+      <a:schemeClr val="accent2"/>
+    </dgm:fillClrLst>
+    <dgm:linClrLst meth="repeat">
+      <a:schemeClr val="lt1"/>
+    </dgm:linClrLst>
+    <dgm:effectClrLst/>
+    <dgm:txLinClrLst/>
+    <dgm:txFillClrLst/>
+    <dgm:txEffectClrLst/>
+  </dgm:styleLbl>
+  <dgm:styleLbl name="asst2">
+    <dgm:fillClrLst>
+      <a:schemeClr val="accent3"/>
+    </dgm:fillClrLst>
+    <dgm:linClrLst meth="repeat">
+      <a:schemeClr val="lt1"/>
+    </dgm:linClrLst>
+    <dgm:effectClrLst/>
+    <dgm:txLinClrLst/>
+    <dgm:txFillClrLst/>
+    <dgm:txEffectClrLst/>
+  </dgm:styleLbl>
+  <dgm:styleLbl name="asst3">
+    <dgm:fillClrLst>
+      <a:schemeClr val="accent4"/>
+    </dgm:fillClrLst>
+    <dgm:linClrLst meth="repeat">
+      <a:schemeClr val="lt1"/>
+    </dgm:linClrLst>
+    <dgm:effectClrLst/>
+    <dgm:txLinClrLst/>
+    <dgm:txFillClrLst/>
+    <dgm:txEffectClrLst/>
+  </dgm:styleLbl>
+  <dgm:styleLbl name="asst4">
+    <dgm:fillClrLst>
+      <a:schemeClr val="accent5"/>
+    </dgm:fillClrLst>
+    <dgm:linClrLst meth="repeat">
+      <a:schemeClr val="lt1"/>
+    </dgm:linClrLst>
+    <dgm:effectClrLst/>
+    <dgm:txLinClrLst/>
+    <dgm:txFillClrLst/>
+    <dgm:txEffectClrLst/>
+  </dgm:styleLbl>
+  <dgm:styleLbl name="parChTrans2D1">
+    <dgm:fillClrLst meth="repeat">
+      <a:schemeClr val="accent2"/>
+    </dgm:fillClrLst>
+    <dgm:linClrLst meth="repeat">
+      <a:schemeClr val="lt1"/>
+    </dgm:linClrLst>
+    <dgm:effectClrLst/>
+    <dgm:txLinClrLst/>
+    <dgm:txFillClrLst meth="repeat">
+      <a:schemeClr val="lt1"/>
+    </dgm:txFillClrLst>
+    <dgm:txEffectClrLst/>
+  </dgm:styleLbl>
+  <dgm:styleLbl name="parChTrans2D2">
+    <dgm:fillClrLst meth="repeat">
+      <a:schemeClr val="accent3"/>
+    </dgm:fillClrLst>
+    <dgm:linClrLst meth="repeat">
+      <a:schemeClr val="lt1"/>
+    </dgm:linClrLst>
+    <dgm:effectClrLst/>
+    <dgm:txLinClrLst/>
+    <dgm:txFillClrLst/>
+    <dgm:txEffectClrLst/>
+  </dgm:styleLbl>
+  <dgm:styleLbl name="parChTrans2D3">
+    <dgm:fillClrLst meth="repeat">
+      <a:schemeClr val="accent4"/>
+    </dgm:fillClrLst>
+    <dgm:linClrLst meth="repeat">
+      <a:schemeClr val="lt1"/>
+    </dgm:linClrLst>
+    <dgm:effectClrLst/>
+    <dgm:txLinClrLst/>
+    <dgm:txFillClrLst/>
+    <dgm:txEffectClrLst/>
+  </dgm:styleLbl>
+  <dgm:styleLbl name="parChTrans2D4">
+    <dgm:fillClrLst meth="repeat">
+      <a:schemeClr val="accent5"/>
+    </dgm:fillClrLst>
+    <dgm:linClrLst meth="repeat">
+      <a:schemeClr val="lt1"/>
+    </dgm:linClrLst>
+    <dgm:effectClrLst/>
+    <dgm:txLinClrLst/>
+    <dgm:txFillClrLst meth="repeat">
+      <a:schemeClr val="lt1"/>
+    </dgm:txFillClrLst>
+    <dgm:txEffectClrLst/>
+  </dgm:styleLbl>
+  <dgm:styleLbl name="parChTrans1D1">
+    <dgm:fillClrLst meth="repeat">
+      <a:schemeClr val="accent2"/>
+    </dgm:fillClrLst>
+    <dgm:linClrLst meth="repeat">
+      <a:schemeClr val="accent1"/>
+    </dgm:linClrLst>
+    <dgm:effectClrLst/>
+    <dgm:txLinClrLst/>
+    <dgm:txFillClrLst meth="repeat">
+      <a:schemeClr val="tx1"/>
+    </dgm:txFillClrLst>
+    <dgm:txEffectClrLst/>
+  </dgm:styleLbl>
+  <dgm:styleLbl name="parChTrans1D2">
+    <dgm:fillClrLst meth="repeat">
+      <a:schemeClr val="accent3">
+        <a:tint val="90000"/>
+      </a:schemeClr>
+    </dgm:fillClrLst>
+    <dgm:linClrLst meth="repeat">
+      <a:schemeClr val="accent2"/>
+    </dgm:linClrLst>
+    <dgm:effectClrLst/>
+    <dgm:txLinClrLst/>
+    <dgm:txFillClrLst meth="repeat">
+      <a:schemeClr val="tx1"/>
+    </dgm:txFillClrLst>
+    <dgm:txEffectClrLst/>
+  </dgm:styleLbl>
+  <dgm:styleLbl name="parChTrans1D3">
+    <dgm:fillClrLst meth="repeat">
+      <a:schemeClr val="accent4">
+        <a:tint val="70000"/>
+      </a:schemeClr>
+    </dgm:fillClrLst>
+    <dgm:linClrLst meth="repeat">
+      <a:schemeClr val="accent3"/>
+    </dgm:linClrLst>
+    <dgm:effectClrLst/>
+    <dgm:txLinClrLst/>
+    <dgm:txFillClrLst meth="repeat">
+      <a:schemeClr val="tx1"/>
+    </dgm:txFillClrLst>
+    <dgm:txEffectClrLst/>
+  </dgm:styleLbl>
+  <dgm:styleLbl name="parChTrans1D4">
+    <dgm:fillClrLst meth="repeat">
+      <a:schemeClr val="accent5">
+        <a:tint val="50000"/>
+      </a:schemeClr>
+    </dgm:fillClrLst>
+    <dgm:linClrLst meth="repeat">
+      <a:schemeClr val="accent4"/>
+    </dgm:linClrLst>
+    <dgm:effectClrLst/>
+    <dgm:txLinClrLst/>
+    <dgm:txFillClrLst meth="repeat">
+      <a:schemeClr val="tx1"/>
+    </dgm:txFillClrLst>
+    <dgm:txEffectClrLst/>
+  </dgm:styleLbl>
+  <dgm:styleLbl name="fgAcc1">
+    <dgm:fillClrLst meth="repeat">
+      <a:schemeClr val="lt1">
+        <a:alpha val="90000"/>
+      </a:schemeClr>
+    </dgm:fillClrLst>
+    <dgm:linClrLst meth="repeat">
+      <a:schemeClr val="accent2"/>
+      <a:schemeClr val="accent3"/>
+      <a:schemeClr val="accent4"/>
+      <a:schemeClr val="accent5"/>
+      <a:schemeClr val="accent6"/>
+    </dgm:linClrLst>
+    <dgm:effectClrLst/>
+    <dgm:txLinClrLst/>
+    <dgm:txFillClrLst meth="repeat">
+      <a:schemeClr val="dk1"/>
+    </dgm:txFillClrLst>
+    <dgm:txEffectClrLst/>
+  </dgm:styleLbl>
+  <dgm:styleLbl name="conFgAcc1">
+    <dgm:fillClrLst meth="repeat">
+      <a:schemeClr val="lt1">
+        <a:alpha val="90000"/>
+      </a:schemeClr>
+    </dgm:fillClrLst>
+    <dgm:linClrLst meth="repeat">
+      <a:schemeClr val="accent2"/>
+      <a:schemeClr val="accent3"/>
+      <a:schemeClr val="accent4"/>
+      <a:schemeClr val="accent5"/>
+      <a:schemeClr val="accent6"/>
+    </dgm:linClrLst>
+    <dgm:effectClrLst/>
+    <dgm:txLinClrLst/>
+    <dgm:txFillClrLst meth="repeat">
+      <a:schemeClr val="dk1"/>
+    </dgm:txFillClrLst>
+    <dgm:txEffectClrLst/>
+  </dgm:styleLbl>
+  <dgm:styleLbl name="alignAcc1">
+    <dgm:fillClrLst meth="repeat">
+      <a:schemeClr val="lt1">
+        <a:alpha val="90000"/>
+      </a:schemeClr>
+    </dgm:fillClrLst>
+    <dgm:linClrLst meth="repeat">
+      <a:schemeClr val="accent2"/>
+      <a:schemeClr val="accent3"/>
+      <a:schemeClr val="accent4"/>
+      <a:schemeClr val="accent5"/>
+      <a:schemeClr val="accent6"/>
+    </dgm:linClrLst>
+    <dgm:effectClrLst/>
+    <dgm:txLinClrLst/>
+    <dgm:txFillClrLst meth="repeat">
+      <a:schemeClr val="dk1"/>
+    </dgm:txFillClrLst>
+    <dgm:txEffectClrLst/>
+  </dgm:styleLbl>
+  <dgm:styleLbl name="trAlignAcc1">
+    <dgm:fillClrLst meth="repeat">
+      <a:schemeClr val="lt1">
+        <a:alpha val="40000"/>
+      </a:schemeClr>
+    </dgm:fillClrLst>
+    <dgm:linClrLst meth="repeat">
+      <a:schemeClr val="accent1"/>
+    </dgm:linClrLst>
+    <dgm:effectClrLst/>
+    <dgm:txLinClrLst/>
+    <dgm:txFillClrLst meth="repeat">
+      <a:schemeClr val="dk1"/>
+    </dgm:txFillClrLst>
+    <dgm:txEffectClrLst/>
+  </dgm:styleLbl>
+  <dgm:styleLbl name="bgAcc1">
+    <dgm:fillClrLst meth="repeat">
+      <a:schemeClr val="lt1">
+        <a:alpha val="90000"/>
+      </a:schemeClr>
+    </dgm:fillClrLst>
+    <dgm:linClrLst meth="repeat">
+      <a:schemeClr val="accent2"/>
+      <a:schemeClr val="accent3"/>
+      <a:schemeClr val="accent4"/>
+      <a:schemeClr val="accent5"/>
+      <a:schemeClr val="accent6"/>
+    </dgm:linClrLst>
+    <dgm:effectClrLst/>
+    <dgm:txLinClrLst/>
+    <dgm:txFillClrLst meth="repeat">
+      <a:schemeClr val="dk1"/>
+    </dgm:txFillClrLst>
+    <dgm:txEffectClrLst/>
+  </dgm:styleLbl>
+  <dgm:styleLbl name="solidFgAcc1">
+    <dgm:fillClrLst meth="repeat">
+      <a:schemeClr val="lt1"/>
+    </dgm:fillClrLst>
+    <dgm:linClrLst meth="repeat">
+      <a:schemeClr val="accent2"/>
+      <a:schemeClr val="accent3"/>
+      <a:schemeClr val="accent4"/>
+      <a:schemeClr val="accent5"/>
+      <a:schemeClr val="accent6"/>
+    </dgm:linClrLst>
+    <dgm:effectClrLst/>
+    <dgm:txLinClrLst/>
+    <dgm:txFillClrLst meth="repeat">
+      <a:schemeClr val="dk1"/>
+    </dgm:txFillClrLst>
+    <dgm:txEffectClrLst/>
+  </dgm:styleLbl>
+  <dgm:styleLbl name="solidAlignAcc1">
+    <dgm:fillClrLst meth="repeat">
+      <a:schemeClr val="lt1"/>
+    </dgm:fillClrLst>
+    <dgm:linClrLst meth="repeat">
+      <a:schemeClr val="accent2"/>
+      <a:schemeClr val="accent3"/>
+      <a:schemeClr val="accent4"/>
+      <a:schemeClr val="accent5"/>
+      <a:schemeClr val="accent6"/>
+    </dgm:linClrLst>
+    <dgm:effectClrLst/>
+    <dgm:txLinClrLst/>
+    <dgm:txFillClrLst meth="repeat">
+      <a:schemeClr val="dk1"/>
+    </dgm:txFillClrLst>
+    <dgm:txEffectClrLst/>
+  </dgm:styleLbl>
+  <dgm:styleLbl name="solidBgAcc1">
+    <dgm:fillClrLst meth="repeat">
+      <a:schemeClr val="lt1"/>
+    </dgm:fillClrLst>
+    <dgm:linClrLst meth="repeat">
+      <a:schemeClr val="accent2"/>
+      <a:schemeClr val="accent3"/>
+      <a:schemeClr val="accent4"/>
+      <a:schemeClr val="accent5"/>
+      <a:schemeClr val="accent6"/>
+    </dgm:linClrLst>
+    <dgm:effectClrLst/>
+    <dgm:txLinClrLst/>
+    <dgm:txFillClrLst meth="repeat">
+      <a:schemeClr val="dk1"/>
+    </dgm:txFillClrLst>
+    <dgm:txEffectClrLst/>
+  </dgm:styleLbl>
+  <dgm:styleLbl name="fgAccFollowNode1">
+    <dgm:fillClrLst meth="repeat">
+      <a:schemeClr val="accent2">
+        <a:tint val="40000"/>
+        <a:alpha val="90000"/>
+      </a:schemeClr>
+      <a:schemeClr val="accent3">
+        <a:tint val="40000"/>
+        <a:alpha val="90000"/>
+      </a:schemeClr>
+      <a:schemeClr val="accent4">
+        <a:tint val="40000"/>
+        <a:alpha val="90000"/>
+      </a:schemeClr>
+      <a:schemeClr val="accent5">
+        <a:tint val="40000"/>
+        <a:alpha val="90000"/>
+      </a:schemeClr>
+      <a:schemeClr val="accent6">
+        <a:tint val="40000"/>
+        <a:alpha val="90000"/>
+      </a:schemeClr>
+    </dgm:fillClrLst>
+    <dgm:linClrLst meth="repeat">
+      <a:schemeClr val="accent2">
+        <a:tint val="40000"/>
+        <a:alpha val="90000"/>
+      </a:schemeClr>
+      <a:schemeClr val="accent3">
+        <a:tint val="40000"/>
+        <a:alpha val="90000"/>
+      </a:schemeClr>
+      <a:schemeClr val="accent4">
+        <a:tint val="40000"/>
+        <a:alpha val="90000"/>
+      </a:schemeClr>
+      <a:schemeClr val="accent5">
+        <a:tint val="40000"/>
+        <a:alpha val="90000"/>
+      </a:schemeClr>
+      <a:schemeClr val="accent6">
+        <a:tint val="40000"/>
+        <a:alpha val="90000"/>
+      </a:schemeClr>
+    </dgm:linClrLst>
+    <dgm:effectClrLst/>
+    <dgm:txLinClrLst/>
+    <dgm:txFillClrLst meth="repeat">
+      <a:schemeClr val="dk1"/>
+    </dgm:txFillClrLst>
+    <dgm:txEffectClrLst/>
+  </dgm:styleLbl>
+  <dgm:styleLbl name="alignAccFollowNode1">
+    <dgm:fillClrLst meth="repeat">
+      <a:schemeClr val="accent2">
+        <a:tint val="40000"/>
+        <a:alpha val="90000"/>
+      </a:schemeClr>
+      <a:schemeClr val="accent3">
+        <a:tint val="40000"/>
+        <a:alpha val="90000"/>
+      </a:schemeClr>
+      <a:schemeClr val="accent4">
+        <a:tint val="40000"/>
+        <a:alpha val="90000"/>
+      </a:schemeClr>
+      <a:schemeClr val="accent5">
+        <a:tint val="40000"/>
+        <a:alpha val="90000"/>
+      </a:schemeClr>
+      <a:schemeClr val="accent6">
+        <a:tint val="40000"/>
+        <a:alpha val="90000"/>
+      </a:schemeClr>
+    </dgm:fillClrLst>
+    <dgm:linClrLst meth="repeat">
+      <a:schemeClr val="accent2">
+        <a:tint val="40000"/>
+        <a:alpha val="90000"/>
+      </a:schemeClr>
+      <a:schemeClr val="accent3">
+        <a:tint val="40000"/>
+        <a:alpha val="90000"/>
+      </a:schemeClr>
+      <a:schemeClr val="accent4">
+        <a:tint val="40000"/>
+        <a:alpha val="90000"/>
+      </a:schemeClr>
+      <a:schemeClr val="accent5">
+        <a:tint val="40000"/>
+        <a:alpha val="90000"/>
+      </a:schemeClr>
+      <a:schemeClr val="accent6">
+        <a:tint val="40000"/>
+        <a:alpha val="90000"/>
+      </a:schemeClr>
+    </dgm:linClrLst>
+    <dgm:effectClrLst/>
+    <dgm:txLinClrLst/>
+    <dgm:txFillClrLst meth="repeat">
+      <a:schemeClr val="dk1"/>
+    </dgm:txFillClrLst>
+    <dgm:txEffectClrLst/>
+  </dgm:styleLbl>
+  <dgm:styleLbl name="bgAccFollowNode1">
+    <dgm:fillClrLst meth="repeat">
+      <a:schemeClr val="accent2">
+        <a:tint val="40000"/>
+        <a:alpha val="90000"/>
+      </a:schemeClr>
+      <a:schemeClr val="accent3">
+        <a:tint val="40000"/>
+        <a:alpha val="90000"/>
+      </a:schemeClr>
+      <a:schemeClr val="accent4">
+        <a:tint val="40000"/>
+        <a:alpha val="90000"/>
+      </a:schemeClr>
+      <a:schemeClr val="accent5">
+        <a:tint val="40000"/>
+        <a:alpha val="90000"/>
+      </a:schemeClr>
+      <a:schemeClr val="accent6">
+        <a:tint val="40000"/>
+        <a:alpha val="90000"/>
+      </a:schemeClr>
+    </dgm:fillClrLst>
+    <dgm:linClrLst meth="repeat">
+      <a:schemeClr val="accent2">
+        <a:tint val="40000"/>
+        <a:alpha val="90000"/>
+      </a:schemeClr>
+      <a:schemeClr val="accent3">
+        <a:tint val="40000"/>
+        <a:alpha val="90000"/>
+      </a:schemeClr>
+      <a:schemeClr val="accent4">
+        <a:tint val="40000"/>
+        <a:alpha val="90000"/>
+      </a:schemeClr>
+      <a:schemeClr val="accent5">
+        <a:tint val="40000"/>
+        <a:alpha val="90000"/>
+      </a:schemeClr>
+      <a:schemeClr val="accent6">
+        <a:tint val="40000"/>
+        <a:alpha val="90000"/>
+      </a:schemeClr>
+    </dgm:linClrLst>
+    <dgm:effectClrLst/>
+    <dgm:txLinClrLst/>
+    <dgm:txFillClrLst meth="repeat">
+      <a:schemeClr val="dk1"/>
+    </dgm:txFillClrLst>
+    <dgm:txEffectClrLst/>
+  </dgm:styleLbl>
+  <dgm:styleLbl name="fgAcc0">
+    <dgm:fillClrLst meth="repeat">
+      <a:schemeClr val="lt1">
+        <a:alpha val="90000"/>
+      </a:schemeClr>
+    </dgm:fillClrLst>
+    <dgm:linClrLst>
+      <a:schemeClr val="accent1"/>
+    </dgm:linClrLst>
+    <dgm:effectClrLst/>
+    <dgm:txLinClrLst/>
+    <dgm:txFillClrLst meth="repeat">
+      <a:schemeClr val="dk1"/>
+    </dgm:txFillClrLst>
+    <dgm:txEffectClrLst/>
+  </dgm:styleLbl>
+  <dgm:styleLbl name="fgAcc2">
+    <dgm:fillClrLst meth="repeat">
+      <a:schemeClr val="lt1">
+        <a:alpha val="90000"/>
+      </a:schemeClr>
+    </dgm:fillClrLst>
+    <dgm:linClrLst>
+      <a:schemeClr val="accent2"/>
+    </dgm:linClrLst>
+    <dgm:effectClrLst/>
+    <dgm:txLinClrLst/>
+    <dgm:txFillClrLst meth="repeat">
+      <a:schemeClr val="dk1"/>
+    </dgm:txFillClrLst>
+    <dgm:txEffectClrLst/>
+  </dgm:styleLbl>
+  <dgm:styleLbl name="fgAcc3">
+    <dgm:fillClrLst meth="repeat">
+      <a:schemeClr val="lt1">
+        <a:alpha val="90000"/>
+      </a:schemeClr>
+    </dgm:fillClrLst>
+    <dgm:linClrLst>
+      <a:schemeClr val="accent3"/>
+    </dgm:linClrLst>
+    <dgm:effectClrLst/>
+    <dgm:txLinClrLst/>
+    <dgm:txFillClrLst meth="repeat">
+      <a:schemeClr val="dk1"/>
+    </dgm:txFillClrLst>
+    <dgm:txEffectClrLst/>
+  </dgm:styleLbl>
+  <dgm:styleLbl name="fgAcc4">
+    <dgm:fillClrLst meth="repeat">
+      <a:schemeClr val="lt1">
+        <a:alpha val="90000"/>
+      </a:schemeClr>
+    </dgm:fillClrLst>
+    <dgm:linClrLst>
+      <a:schemeClr val="accent4"/>
+    </dgm:linClrLst>
+    <dgm:effectClrLst/>
+    <dgm:txLinClrLst/>
+    <dgm:txFillClrLst meth="repeat">
+      <a:schemeClr val="dk1"/>
+    </dgm:txFillClrLst>
+    <dgm:txEffectClrLst/>
+  </dgm:styleLbl>
+  <dgm:styleLbl name="bgShp">
+    <dgm:fillClrLst meth="repeat">
+      <a:schemeClr val="accent2">
+        <a:tint val="40000"/>
+      </a:schemeClr>
+    </dgm:fillClrLst>
+    <dgm:linClrLst meth="repeat">
+      <a:schemeClr val="dk1"/>
+    </dgm:linClrLst>
+    <dgm:effectClrLst/>
+    <dgm:txLinClrLst/>
+    <dgm:txFillClrLst meth="repeat">
+      <a:schemeClr val="dk1"/>
+    </dgm:txFillClrLst>
+    <dgm:txEffectClrLst/>
+  </dgm:styleLbl>
+  <dgm:styleLbl name="dkBgShp">
+    <dgm:fillClrLst meth="repeat">
+      <a:schemeClr val="accent2">
+        <a:shade val="90000"/>
+      </a:schemeClr>
+    </dgm:fillClrLst>
+    <dgm:linClrLst meth="repeat">
+      <a:schemeClr val="dk1"/>
+    </dgm:linClrLst>
+    <dgm:effectClrLst/>
+    <dgm:txLinClrLst/>
+    <dgm:txFillClrLst meth="repeat">
+      <a:schemeClr val="lt1"/>
+    </dgm:txFillClrLst>
+    <dgm:txEffectClrLst/>
+  </dgm:styleLbl>
+  <dgm:styleLbl name="trBgShp">
+    <dgm:fillClrLst meth="repeat">
+      <a:schemeClr val="accent1">
+        <a:tint val="50000"/>
+        <a:alpha val="40000"/>
+      </a:schemeClr>
+    </dgm:fillClrLst>
+    <dgm:linClrLst meth="repeat">
+      <a:schemeClr val="accent2"/>
+    </dgm:linClrLst>
+    <dgm:effectClrLst/>
+    <dgm:txLinClrLst/>
+    <dgm:txFillClrLst meth="repeat">
+      <a:schemeClr val="lt1"/>
+    </dgm:txFillClrLst>
+    <dgm:txEffectClrLst/>
+  </dgm:styleLbl>
+  <dgm:styleLbl name="fgShp">
+    <dgm:fillClrLst meth="repeat">
+      <a:schemeClr val="accent2">
+        <a:tint val="40000"/>
+      </a:schemeClr>
+    </dgm:fillClrLst>
+    <dgm:linClrLst meth="repeat">
+      <a:schemeClr val="lt1"/>
+    </dgm:linClrLst>
+    <dgm:effectClrLst/>
+    <dgm:txLinClrLst/>
+    <dgm:txFillClrLst meth="repeat">
+      <a:schemeClr val="dk1"/>
+    </dgm:txFillClrLst>
+    <dgm:txEffectClrLst/>
+  </dgm:styleLbl>
+  <dgm:styleLbl name="revTx">
+    <dgm:fillClrLst meth="repeat">
+      <a:schemeClr val="lt1">
+        <a:alpha val="0"/>
+      </a:schemeClr>
+    </dgm:fillClrLst>
+    <dgm:linClrLst meth="repeat">
+      <a:schemeClr val="dk1">
+        <a:alpha val="0"/>
+      </a:schemeClr>
+    </dgm:linClrLst>
+    <dgm:effectClrLst/>
+    <dgm:txLinClrLst/>
+    <dgm:txFillClrLst meth="repeat">
+      <a:schemeClr val="tx1"/>
+    </dgm:txFillClrLst>
+    <dgm:txEffectClrLst/>
+  </dgm:styleLbl>
+</dgm:colorsDef>
+</file>
+
+<file path=ppt/diagrams/data1.xml><?xml version="1.0" encoding="utf-8"?>
+<dgm:dataModel xmlns:dgm="http://schemas.openxmlformats.org/drawingml/2006/diagram" xmlns:a="http://schemas.openxmlformats.org/drawingml/2006/main">
+  <dgm:ptLst>
+    <dgm:pt modelId="{C020CB66-6ABA-48C6-8603-468B309DC8D8}" type="doc">
+      <dgm:prSet loTypeId="urn:microsoft.com/office/officeart/2005/8/layout/cycle2" loCatId="cycle" qsTypeId="urn:microsoft.com/office/officeart/2005/8/quickstyle/3d1" qsCatId="3D" csTypeId="urn:microsoft.com/office/officeart/2005/8/colors/colorful1" csCatId="colorful" phldr="1"/>
+      <dgm:spPr/>
+      <dgm:t>
+        <a:bodyPr/>
+        <a:lstStyle/>
+        <a:p>
+          <a:endParaRPr lang="en-US"/>
+        </a:p>
+      </dgm:t>
+    </dgm:pt>
+    <dgm:pt modelId="{A02B43BA-4551-4319-A815-4F752A741E8D}">
+      <dgm:prSet phldrT="[Text]"/>
+      <dgm:spPr/>
+      <dgm:t>
+        <a:bodyPr/>
+        <a:lstStyle/>
+        <a:p>
+          <a:r>
+            <a:rPr lang="en-US" dirty="0" smtClean="0"/>
+            <a:t>1. Identify Transactions</a:t>
+          </a:r>
+          <a:endParaRPr lang="en-US" dirty="0"/>
+        </a:p>
+      </dgm:t>
+    </dgm:pt>
+    <dgm:pt modelId="{08AE1242-81C6-4581-8C70-966A5EE91586}" type="parTrans" cxnId="{2E59DCA7-CED3-4099-B3A3-636E32CFE1FB}">
+      <dgm:prSet/>
+      <dgm:spPr/>
+      <dgm:t>
+        <a:bodyPr/>
+        <a:lstStyle/>
+        <a:p>
+          <a:endParaRPr lang="en-US"/>
+        </a:p>
+      </dgm:t>
+    </dgm:pt>
+    <dgm:pt modelId="{33773D18-B6B0-4B5E-9FD2-189EEFF6BA4C}" type="sibTrans" cxnId="{2E59DCA7-CED3-4099-B3A3-636E32CFE1FB}">
+      <dgm:prSet/>
+      <dgm:spPr/>
+      <dgm:t>
+        <a:bodyPr/>
+        <a:lstStyle/>
+        <a:p>
+          <a:endParaRPr lang="en-US"/>
+        </a:p>
+      </dgm:t>
+    </dgm:pt>
+    <dgm:pt modelId="{4821BF81-F0AA-4C7D-A412-52877A9B81DD}">
+      <dgm:prSet phldrT="[Text]"/>
+      <dgm:spPr/>
+      <dgm:t>
+        <a:bodyPr/>
+        <a:lstStyle/>
+        <a:p>
+          <a:r>
+            <a:rPr lang="en-US" dirty="0" smtClean="0"/>
+            <a:t>2. Record Journal Entries</a:t>
+          </a:r>
+          <a:endParaRPr lang="en-US" dirty="0"/>
+        </a:p>
+      </dgm:t>
+    </dgm:pt>
+    <dgm:pt modelId="{77142C5F-AF4F-4929-A9B1-EB94B379BABD}" type="parTrans" cxnId="{E76859DD-2822-44BC-BBA9-8E3D833704C4}">
+      <dgm:prSet/>
+      <dgm:spPr/>
+      <dgm:t>
+        <a:bodyPr/>
+        <a:lstStyle/>
+        <a:p>
+          <a:endParaRPr lang="en-US"/>
+        </a:p>
+      </dgm:t>
+    </dgm:pt>
+    <dgm:pt modelId="{F8735C9C-48FF-4484-8415-1DE70AF10A06}" type="sibTrans" cxnId="{E76859DD-2822-44BC-BBA9-8E3D833704C4}">
+      <dgm:prSet/>
+      <dgm:spPr/>
+      <dgm:t>
+        <a:bodyPr/>
+        <a:lstStyle/>
+        <a:p>
+          <a:endParaRPr lang="en-US"/>
+        </a:p>
+      </dgm:t>
+    </dgm:pt>
+    <dgm:pt modelId="{0EEEBE2B-A744-4843-AF1C-7E6294FD06C8}">
+      <dgm:prSet phldrT="[Text]"/>
+      <dgm:spPr/>
+      <dgm:t>
+        <a:bodyPr/>
+        <a:lstStyle/>
+        <a:p>
+          <a:r>
+            <a:rPr lang="en-US" dirty="0" smtClean="0"/>
+            <a:t>5. Financial Statements</a:t>
+          </a:r>
+          <a:endParaRPr lang="en-US" dirty="0"/>
+        </a:p>
+      </dgm:t>
+    </dgm:pt>
+    <dgm:pt modelId="{30F94723-4C03-49CD-93D9-B05CC368E156}" type="parTrans" cxnId="{137DDA34-C6D9-4480-8148-E1C016FDEBB3}">
+      <dgm:prSet/>
+      <dgm:spPr/>
+      <dgm:t>
+        <a:bodyPr/>
+        <a:lstStyle/>
+        <a:p>
+          <a:endParaRPr lang="en-US"/>
+        </a:p>
+      </dgm:t>
+    </dgm:pt>
+    <dgm:pt modelId="{1D2F7B5F-612C-43D3-BB2A-FF4A2D1885BC}" type="sibTrans" cxnId="{137DDA34-C6D9-4480-8148-E1C016FDEBB3}">
+      <dgm:prSet/>
+      <dgm:spPr/>
+      <dgm:t>
+        <a:bodyPr/>
+        <a:lstStyle/>
+        <a:p>
+          <a:endParaRPr lang="en-US"/>
+        </a:p>
+      </dgm:t>
+    </dgm:pt>
+    <dgm:pt modelId="{BC9889DD-2466-4A99-9A75-F875EF107ED1}">
+      <dgm:prSet phldrT="[Text]"/>
+      <dgm:spPr/>
+      <dgm:t>
+        <a:bodyPr/>
+        <a:lstStyle/>
+        <a:p>
+          <a:r>
+            <a:rPr lang="en-US" dirty="0" smtClean="0"/>
+            <a:t>6. Closing Entries</a:t>
+          </a:r>
+          <a:endParaRPr lang="en-US" dirty="0"/>
+        </a:p>
+      </dgm:t>
+    </dgm:pt>
+    <dgm:pt modelId="{CB2B601A-2996-4E12-8F6E-A16595F76795}" type="parTrans" cxnId="{6349565B-E55A-4482-ADCE-D356900EE254}">
+      <dgm:prSet/>
+      <dgm:spPr/>
+      <dgm:t>
+        <a:bodyPr/>
+        <a:lstStyle/>
+        <a:p>
+          <a:endParaRPr lang="en-US"/>
+        </a:p>
+      </dgm:t>
+    </dgm:pt>
+    <dgm:pt modelId="{F89DB252-9CDD-4CC9-9727-1D9924C7FC3B}" type="sibTrans" cxnId="{6349565B-E55A-4482-ADCE-D356900EE254}">
+      <dgm:prSet/>
+      <dgm:spPr/>
+      <dgm:t>
+        <a:bodyPr/>
+        <a:lstStyle/>
+        <a:p>
+          <a:endParaRPr lang="en-US"/>
+        </a:p>
+      </dgm:t>
+    </dgm:pt>
+    <dgm:pt modelId="{EFFA8977-69AE-482A-AA92-DED249DE74C7}">
+      <dgm:prSet phldrT="[Text]"/>
+      <dgm:spPr/>
+      <dgm:t>
+        <a:bodyPr/>
+        <a:lstStyle/>
+        <a:p>
+          <a:r>
+            <a:rPr lang="en-US" dirty="0" smtClean="0"/>
+            <a:t>7. Post-Closing Trial Balance</a:t>
+          </a:r>
+          <a:endParaRPr lang="en-US" dirty="0"/>
+        </a:p>
+      </dgm:t>
+    </dgm:pt>
+    <dgm:pt modelId="{CADBD1AA-4639-423B-BA9F-B1343D282A55}" type="parTrans" cxnId="{66610472-AFED-4901-AD78-434ECFBFA701}">
+      <dgm:prSet/>
+      <dgm:spPr/>
+      <dgm:t>
+        <a:bodyPr/>
+        <a:lstStyle/>
+        <a:p>
+          <a:endParaRPr lang="en-US"/>
+        </a:p>
+      </dgm:t>
+    </dgm:pt>
+    <dgm:pt modelId="{6285C9A5-5C43-43EC-9D50-99384DDB378E}" type="sibTrans" cxnId="{66610472-AFED-4901-AD78-434ECFBFA701}">
+      <dgm:prSet/>
+      <dgm:spPr/>
+      <dgm:t>
+        <a:bodyPr/>
+        <a:lstStyle/>
+        <a:p>
+          <a:endParaRPr lang="en-US"/>
+        </a:p>
+      </dgm:t>
+    </dgm:pt>
+    <dgm:pt modelId="{CDBCA17D-8CA8-4250-882C-D88342AC2FDF}">
+      <dgm:prSet/>
+      <dgm:spPr/>
+      <dgm:t>
+        <a:bodyPr/>
+        <a:lstStyle/>
+        <a:p>
+          <a:r>
+            <a:rPr lang="en-US" dirty="0" smtClean="0"/>
+            <a:t>3. Post Ledger Entries</a:t>
+          </a:r>
+          <a:endParaRPr lang="en-US" dirty="0"/>
+        </a:p>
+      </dgm:t>
+    </dgm:pt>
+    <dgm:pt modelId="{72D4007E-2416-41FD-BE06-61E02D8F4BFC}" type="parTrans" cxnId="{CC7BD72E-3526-4824-97CC-D3A463B9B8D9}">
+      <dgm:prSet/>
+      <dgm:spPr/>
+      <dgm:t>
+        <a:bodyPr/>
+        <a:lstStyle/>
+        <a:p>
+          <a:endParaRPr lang="en-US"/>
+        </a:p>
+      </dgm:t>
+    </dgm:pt>
+    <dgm:pt modelId="{4018682B-58A7-47AE-9252-95CBA259CD61}" type="sibTrans" cxnId="{CC7BD72E-3526-4824-97CC-D3A463B9B8D9}">
+      <dgm:prSet/>
+      <dgm:spPr/>
+      <dgm:t>
+        <a:bodyPr/>
+        <a:lstStyle/>
+        <a:p>
+          <a:endParaRPr lang="en-US"/>
+        </a:p>
+      </dgm:t>
+    </dgm:pt>
+    <dgm:pt modelId="{0129CEB3-B590-4086-845A-41A40D73B34E}">
+      <dgm:prSet/>
+      <dgm:spPr/>
+      <dgm:t>
+        <a:bodyPr/>
+        <a:lstStyle/>
+        <a:p>
+          <a:r>
+            <a:rPr lang="en-US" dirty="0" smtClean="0"/>
+            <a:t>4. Trial Balance</a:t>
+          </a:r>
+          <a:endParaRPr lang="en-US" dirty="0"/>
+        </a:p>
+      </dgm:t>
+    </dgm:pt>
+    <dgm:pt modelId="{46EAC884-F75D-4D94-B12D-2F56FD936505}" type="parTrans" cxnId="{B24A2701-6A60-4B80-B738-6EAE85E0FD87}">
+      <dgm:prSet/>
+      <dgm:spPr/>
+      <dgm:t>
+        <a:bodyPr/>
+        <a:lstStyle/>
+        <a:p>
+          <a:endParaRPr lang="en-US"/>
+        </a:p>
+      </dgm:t>
+    </dgm:pt>
+    <dgm:pt modelId="{263C0843-002E-48BF-9C4E-5B9BAC721BF3}" type="sibTrans" cxnId="{B24A2701-6A60-4B80-B738-6EAE85E0FD87}">
+      <dgm:prSet/>
+      <dgm:spPr/>
+      <dgm:t>
+        <a:bodyPr/>
+        <a:lstStyle/>
+        <a:p>
+          <a:endParaRPr lang="en-US"/>
+        </a:p>
+      </dgm:t>
+    </dgm:pt>
+    <dgm:pt modelId="{6713CE65-70D7-4D88-A06F-543F2447AD27}" type="pres">
+      <dgm:prSet presAssocID="{C020CB66-6ABA-48C6-8603-468B309DC8D8}" presName="cycle" presStyleCnt="0">
+        <dgm:presLayoutVars>
+          <dgm:dir/>
+          <dgm:resizeHandles val="exact"/>
+        </dgm:presLayoutVars>
+      </dgm:prSet>
+      <dgm:spPr/>
+      <dgm:t>
+        <a:bodyPr/>
+        <a:lstStyle/>
+        <a:p>
+          <a:endParaRPr lang="en-US"/>
+        </a:p>
+      </dgm:t>
+    </dgm:pt>
+    <dgm:pt modelId="{9B606B27-F599-4D5C-8AFA-B970D3E9C9E8}" type="pres">
+      <dgm:prSet presAssocID="{A02B43BA-4551-4319-A815-4F752A741E8D}" presName="node" presStyleLbl="node1" presStyleIdx="0" presStyleCnt="7">
+        <dgm:presLayoutVars>
+          <dgm:bulletEnabled val="1"/>
+        </dgm:presLayoutVars>
+      </dgm:prSet>
+      <dgm:spPr/>
+      <dgm:t>
+        <a:bodyPr/>
+        <a:lstStyle/>
+        <a:p>
+          <a:endParaRPr lang="en-US"/>
+        </a:p>
+      </dgm:t>
+    </dgm:pt>
+    <dgm:pt modelId="{2EE613E0-F7AE-4A53-AB2E-8136F2E68FD3}" type="pres">
+      <dgm:prSet presAssocID="{33773D18-B6B0-4B5E-9FD2-189EEFF6BA4C}" presName="sibTrans" presStyleLbl="sibTrans2D1" presStyleIdx="0" presStyleCnt="7"/>
+      <dgm:spPr/>
+      <dgm:t>
+        <a:bodyPr/>
+        <a:lstStyle/>
+        <a:p>
+          <a:endParaRPr lang="en-US"/>
+        </a:p>
+      </dgm:t>
+    </dgm:pt>
+    <dgm:pt modelId="{D9667D6D-C838-49DF-8624-7F00E6B4281B}" type="pres">
+      <dgm:prSet presAssocID="{33773D18-B6B0-4B5E-9FD2-189EEFF6BA4C}" presName="connectorText" presStyleLbl="sibTrans2D1" presStyleIdx="0" presStyleCnt="7"/>
+      <dgm:spPr/>
+      <dgm:t>
+        <a:bodyPr/>
+        <a:lstStyle/>
+        <a:p>
+          <a:endParaRPr lang="en-US"/>
+        </a:p>
+      </dgm:t>
+    </dgm:pt>
+    <dgm:pt modelId="{DCBC3C29-951C-4025-94ED-ACA5718E6140}" type="pres">
+      <dgm:prSet presAssocID="{4821BF81-F0AA-4C7D-A412-52877A9B81DD}" presName="node" presStyleLbl="node1" presStyleIdx="1" presStyleCnt="7">
+        <dgm:presLayoutVars>
+          <dgm:bulletEnabled val="1"/>
+        </dgm:presLayoutVars>
+      </dgm:prSet>
+      <dgm:spPr/>
+      <dgm:t>
+        <a:bodyPr/>
+        <a:lstStyle/>
+        <a:p>
+          <a:endParaRPr lang="en-US"/>
+        </a:p>
+      </dgm:t>
+    </dgm:pt>
+    <dgm:pt modelId="{6D015A45-15F8-480E-A143-B9E9F6FF9564}" type="pres">
+      <dgm:prSet presAssocID="{F8735C9C-48FF-4484-8415-1DE70AF10A06}" presName="sibTrans" presStyleLbl="sibTrans2D1" presStyleIdx="1" presStyleCnt="7"/>
+      <dgm:spPr/>
+      <dgm:t>
+        <a:bodyPr/>
+        <a:lstStyle/>
+        <a:p>
+          <a:endParaRPr lang="en-US"/>
+        </a:p>
+      </dgm:t>
+    </dgm:pt>
+    <dgm:pt modelId="{646237EF-CB98-4D95-8F5D-A57327484662}" type="pres">
+      <dgm:prSet presAssocID="{F8735C9C-48FF-4484-8415-1DE70AF10A06}" presName="connectorText" presStyleLbl="sibTrans2D1" presStyleIdx="1" presStyleCnt="7"/>
+      <dgm:spPr/>
+      <dgm:t>
+        <a:bodyPr/>
+        <a:lstStyle/>
+        <a:p>
+          <a:endParaRPr lang="en-US"/>
+        </a:p>
+      </dgm:t>
+    </dgm:pt>
+    <dgm:pt modelId="{F2EF2C98-2A6A-42FC-8DB3-AE57F2ACF16B}" type="pres">
+      <dgm:prSet presAssocID="{CDBCA17D-8CA8-4250-882C-D88342AC2FDF}" presName="node" presStyleLbl="node1" presStyleIdx="2" presStyleCnt="7">
+        <dgm:presLayoutVars>
+          <dgm:bulletEnabled val="1"/>
+        </dgm:presLayoutVars>
+      </dgm:prSet>
+      <dgm:spPr/>
+      <dgm:t>
+        <a:bodyPr/>
+        <a:lstStyle/>
+        <a:p>
+          <a:endParaRPr lang="en-US"/>
+        </a:p>
+      </dgm:t>
+    </dgm:pt>
+    <dgm:pt modelId="{33C8B533-802E-4E48-A822-D79A0FF4B3C9}" type="pres">
+      <dgm:prSet presAssocID="{4018682B-58A7-47AE-9252-95CBA259CD61}" presName="sibTrans" presStyleLbl="sibTrans2D1" presStyleIdx="2" presStyleCnt="7"/>
+      <dgm:spPr/>
+      <dgm:t>
+        <a:bodyPr/>
+        <a:lstStyle/>
+        <a:p>
+          <a:endParaRPr lang="en-US"/>
+        </a:p>
+      </dgm:t>
+    </dgm:pt>
+    <dgm:pt modelId="{9BAF3F42-E648-444A-9324-8B3585677041}" type="pres">
+      <dgm:prSet presAssocID="{4018682B-58A7-47AE-9252-95CBA259CD61}" presName="connectorText" presStyleLbl="sibTrans2D1" presStyleIdx="2" presStyleCnt="7"/>
+      <dgm:spPr/>
+      <dgm:t>
+        <a:bodyPr/>
+        <a:lstStyle/>
+        <a:p>
+          <a:endParaRPr lang="en-US"/>
+        </a:p>
+      </dgm:t>
+    </dgm:pt>
+    <dgm:pt modelId="{D430A24C-C130-439F-8A2E-61680A1154A5}" type="pres">
+      <dgm:prSet presAssocID="{0129CEB3-B590-4086-845A-41A40D73B34E}" presName="node" presStyleLbl="node1" presStyleIdx="3" presStyleCnt="7">
+        <dgm:presLayoutVars>
+          <dgm:bulletEnabled val="1"/>
+        </dgm:presLayoutVars>
+      </dgm:prSet>
+      <dgm:spPr/>
+      <dgm:t>
+        <a:bodyPr/>
+        <a:lstStyle/>
+        <a:p>
+          <a:endParaRPr lang="en-US"/>
+        </a:p>
+      </dgm:t>
+    </dgm:pt>
+    <dgm:pt modelId="{AFEB0402-D4AA-43B7-8099-CC96BA995E1E}" type="pres">
+      <dgm:prSet presAssocID="{263C0843-002E-48BF-9C4E-5B9BAC721BF3}" presName="sibTrans" presStyleLbl="sibTrans2D1" presStyleIdx="3" presStyleCnt="7"/>
+      <dgm:spPr/>
+      <dgm:t>
+        <a:bodyPr/>
+        <a:lstStyle/>
+        <a:p>
+          <a:endParaRPr lang="en-US"/>
+        </a:p>
+      </dgm:t>
+    </dgm:pt>
+    <dgm:pt modelId="{BD0A4C7C-0C99-464F-89CF-DAAB6BC4974A}" type="pres">
+      <dgm:prSet presAssocID="{263C0843-002E-48BF-9C4E-5B9BAC721BF3}" presName="connectorText" presStyleLbl="sibTrans2D1" presStyleIdx="3" presStyleCnt="7"/>
+      <dgm:spPr/>
+      <dgm:t>
+        <a:bodyPr/>
+        <a:lstStyle/>
+        <a:p>
+          <a:endParaRPr lang="en-US"/>
+        </a:p>
+      </dgm:t>
+    </dgm:pt>
+    <dgm:pt modelId="{398AC9E8-8C61-4CA2-A9D4-BF17262B0965}" type="pres">
+      <dgm:prSet presAssocID="{0EEEBE2B-A744-4843-AF1C-7E6294FD06C8}" presName="node" presStyleLbl="node1" presStyleIdx="4" presStyleCnt="7">
+        <dgm:presLayoutVars>
+          <dgm:bulletEnabled val="1"/>
+        </dgm:presLayoutVars>
+      </dgm:prSet>
+      <dgm:spPr/>
+      <dgm:t>
+        <a:bodyPr/>
+        <a:lstStyle/>
+        <a:p>
+          <a:endParaRPr lang="en-US"/>
+        </a:p>
+      </dgm:t>
+    </dgm:pt>
+    <dgm:pt modelId="{DD3E7DA7-BE41-4622-B4AC-EB4C4638739B}" type="pres">
+      <dgm:prSet presAssocID="{1D2F7B5F-612C-43D3-BB2A-FF4A2D1885BC}" presName="sibTrans" presStyleLbl="sibTrans2D1" presStyleIdx="4" presStyleCnt="7"/>
+      <dgm:spPr/>
+      <dgm:t>
+        <a:bodyPr/>
+        <a:lstStyle/>
+        <a:p>
+          <a:endParaRPr lang="en-US"/>
+        </a:p>
+      </dgm:t>
+    </dgm:pt>
+    <dgm:pt modelId="{593F6085-CF40-4F59-A583-C638750086B2}" type="pres">
+      <dgm:prSet presAssocID="{1D2F7B5F-612C-43D3-BB2A-FF4A2D1885BC}" presName="connectorText" presStyleLbl="sibTrans2D1" presStyleIdx="4" presStyleCnt="7"/>
+      <dgm:spPr/>
+      <dgm:t>
+        <a:bodyPr/>
+        <a:lstStyle/>
+        <a:p>
+          <a:endParaRPr lang="en-US"/>
+        </a:p>
+      </dgm:t>
+    </dgm:pt>
+    <dgm:pt modelId="{F4868C5F-4A0B-4CCC-882B-153BB8F85307}" type="pres">
+      <dgm:prSet presAssocID="{BC9889DD-2466-4A99-9A75-F875EF107ED1}" presName="node" presStyleLbl="node1" presStyleIdx="5" presStyleCnt="7">
+        <dgm:presLayoutVars>
+          <dgm:bulletEnabled val="1"/>
+        </dgm:presLayoutVars>
+      </dgm:prSet>
+      <dgm:spPr/>
+      <dgm:t>
+        <a:bodyPr/>
+        <a:lstStyle/>
+        <a:p>
+          <a:endParaRPr lang="en-US"/>
+        </a:p>
+      </dgm:t>
+    </dgm:pt>
+    <dgm:pt modelId="{EE89DE90-F10E-4AC7-9422-816E4D2AC3D9}" type="pres">
+      <dgm:prSet presAssocID="{F89DB252-9CDD-4CC9-9727-1D9924C7FC3B}" presName="sibTrans" presStyleLbl="sibTrans2D1" presStyleIdx="5" presStyleCnt="7"/>
+      <dgm:spPr/>
+      <dgm:t>
+        <a:bodyPr/>
+        <a:lstStyle/>
+        <a:p>
+          <a:endParaRPr lang="en-US"/>
+        </a:p>
+      </dgm:t>
+    </dgm:pt>
+    <dgm:pt modelId="{9FFE9B88-5825-430D-8AAF-76BB52E06FFD}" type="pres">
+      <dgm:prSet presAssocID="{F89DB252-9CDD-4CC9-9727-1D9924C7FC3B}" presName="connectorText" presStyleLbl="sibTrans2D1" presStyleIdx="5" presStyleCnt="7"/>
+      <dgm:spPr/>
+      <dgm:t>
+        <a:bodyPr/>
+        <a:lstStyle/>
+        <a:p>
+          <a:endParaRPr lang="en-US"/>
+        </a:p>
+      </dgm:t>
+    </dgm:pt>
+    <dgm:pt modelId="{E1F89000-22EA-4AA0-876D-12D1FEE08DD4}" type="pres">
+      <dgm:prSet presAssocID="{EFFA8977-69AE-482A-AA92-DED249DE74C7}" presName="node" presStyleLbl="node1" presStyleIdx="6" presStyleCnt="7">
+        <dgm:presLayoutVars>
+          <dgm:bulletEnabled val="1"/>
+        </dgm:presLayoutVars>
+      </dgm:prSet>
+      <dgm:spPr/>
+      <dgm:t>
+        <a:bodyPr/>
+        <a:lstStyle/>
+        <a:p>
+          <a:endParaRPr lang="en-US"/>
+        </a:p>
+      </dgm:t>
+    </dgm:pt>
+    <dgm:pt modelId="{6966B110-AED8-45AE-8CBF-A8847441A96B}" type="pres">
+      <dgm:prSet presAssocID="{6285C9A5-5C43-43EC-9D50-99384DDB378E}" presName="sibTrans" presStyleLbl="sibTrans2D1" presStyleIdx="6" presStyleCnt="7"/>
+      <dgm:spPr/>
+      <dgm:t>
+        <a:bodyPr/>
+        <a:lstStyle/>
+        <a:p>
+          <a:endParaRPr lang="en-US"/>
+        </a:p>
+      </dgm:t>
+    </dgm:pt>
+    <dgm:pt modelId="{6BC1FEBC-60A0-4636-9FCD-42775AC49B26}" type="pres">
+      <dgm:prSet presAssocID="{6285C9A5-5C43-43EC-9D50-99384DDB378E}" presName="connectorText" presStyleLbl="sibTrans2D1" presStyleIdx="6" presStyleCnt="7"/>
+      <dgm:spPr/>
+      <dgm:t>
+        <a:bodyPr/>
+        <a:lstStyle/>
+        <a:p>
+          <a:endParaRPr lang="en-US"/>
+        </a:p>
+      </dgm:t>
+    </dgm:pt>
+  </dgm:ptLst>
+  <dgm:cxnLst>
+    <dgm:cxn modelId="{91957C11-F614-482F-BB76-AD757151D3C4}" type="presOf" srcId="{263C0843-002E-48BF-9C4E-5B9BAC721BF3}" destId="{BD0A4C7C-0C99-464F-89CF-DAAB6BC4974A}" srcOrd="1" destOrd="0" presId="urn:microsoft.com/office/officeart/2005/8/layout/cycle2"/>
+    <dgm:cxn modelId="{EC8657D3-01C1-4619-B80E-6B273911690C}" type="presOf" srcId="{6285C9A5-5C43-43EC-9D50-99384DDB378E}" destId="{6966B110-AED8-45AE-8CBF-A8847441A96B}" srcOrd="0" destOrd="0" presId="urn:microsoft.com/office/officeart/2005/8/layout/cycle2"/>
+    <dgm:cxn modelId="{E76859DD-2822-44BC-BBA9-8E3D833704C4}" srcId="{C020CB66-6ABA-48C6-8603-468B309DC8D8}" destId="{4821BF81-F0AA-4C7D-A412-52877A9B81DD}" srcOrd="1" destOrd="0" parTransId="{77142C5F-AF4F-4929-A9B1-EB94B379BABD}" sibTransId="{F8735C9C-48FF-4484-8415-1DE70AF10A06}"/>
+    <dgm:cxn modelId="{CA418277-B02F-4548-88EA-736E87498902}" type="presOf" srcId="{CDBCA17D-8CA8-4250-882C-D88342AC2FDF}" destId="{F2EF2C98-2A6A-42FC-8DB3-AE57F2ACF16B}" srcOrd="0" destOrd="0" presId="urn:microsoft.com/office/officeart/2005/8/layout/cycle2"/>
+    <dgm:cxn modelId="{B24A2701-6A60-4B80-B738-6EAE85E0FD87}" srcId="{C020CB66-6ABA-48C6-8603-468B309DC8D8}" destId="{0129CEB3-B590-4086-845A-41A40D73B34E}" srcOrd="3" destOrd="0" parTransId="{46EAC884-F75D-4D94-B12D-2F56FD936505}" sibTransId="{263C0843-002E-48BF-9C4E-5B9BAC721BF3}"/>
+    <dgm:cxn modelId="{27967056-45B9-4108-9DC8-80162AE24486}" type="presOf" srcId="{F89DB252-9CDD-4CC9-9727-1D9924C7FC3B}" destId="{9FFE9B88-5825-430D-8AAF-76BB52E06FFD}" srcOrd="1" destOrd="0" presId="urn:microsoft.com/office/officeart/2005/8/layout/cycle2"/>
+    <dgm:cxn modelId="{8F8C9326-B72F-4054-A63E-28D67D5786CB}" type="presOf" srcId="{C020CB66-6ABA-48C6-8603-468B309DC8D8}" destId="{6713CE65-70D7-4D88-A06F-543F2447AD27}" srcOrd="0" destOrd="0" presId="urn:microsoft.com/office/officeart/2005/8/layout/cycle2"/>
+    <dgm:cxn modelId="{6349565B-E55A-4482-ADCE-D356900EE254}" srcId="{C020CB66-6ABA-48C6-8603-468B309DC8D8}" destId="{BC9889DD-2466-4A99-9A75-F875EF107ED1}" srcOrd="5" destOrd="0" parTransId="{CB2B601A-2996-4E12-8F6E-A16595F76795}" sibTransId="{F89DB252-9CDD-4CC9-9727-1D9924C7FC3B}"/>
+    <dgm:cxn modelId="{58F0E530-1BD0-4665-B075-685C97DAFA2F}" type="presOf" srcId="{4018682B-58A7-47AE-9252-95CBA259CD61}" destId="{33C8B533-802E-4E48-A822-D79A0FF4B3C9}" srcOrd="0" destOrd="0" presId="urn:microsoft.com/office/officeart/2005/8/layout/cycle2"/>
+    <dgm:cxn modelId="{8010E377-C953-4596-936A-C12CBA6D8770}" type="presOf" srcId="{1D2F7B5F-612C-43D3-BB2A-FF4A2D1885BC}" destId="{DD3E7DA7-BE41-4622-B4AC-EB4C4638739B}" srcOrd="0" destOrd="0" presId="urn:microsoft.com/office/officeart/2005/8/layout/cycle2"/>
+    <dgm:cxn modelId="{99CE881B-4C8B-45A3-B245-C0AB2AE8F84F}" type="presOf" srcId="{A02B43BA-4551-4319-A815-4F752A741E8D}" destId="{9B606B27-F599-4D5C-8AFA-B970D3E9C9E8}" srcOrd="0" destOrd="0" presId="urn:microsoft.com/office/officeart/2005/8/layout/cycle2"/>
+    <dgm:cxn modelId="{CAFC2F5D-F0AA-437A-8291-0E108E62A101}" type="presOf" srcId="{BC9889DD-2466-4A99-9A75-F875EF107ED1}" destId="{F4868C5F-4A0B-4CCC-882B-153BB8F85307}" srcOrd="0" destOrd="0" presId="urn:microsoft.com/office/officeart/2005/8/layout/cycle2"/>
+    <dgm:cxn modelId="{66610472-AFED-4901-AD78-434ECFBFA701}" srcId="{C020CB66-6ABA-48C6-8603-468B309DC8D8}" destId="{EFFA8977-69AE-482A-AA92-DED249DE74C7}" srcOrd="6" destOrd="0" parTransId="{CADBD1AA-4639-423B-BA9F-B1343D282A55}" sibTransId="{6285C9A5-5C43-43EC-9D50-99384DDB378E}"/>
+    <dgm:cxn modelId="{9E67D2CE-D9EA-4867-A284-92268AE111A6}" type="presOf" srcId="{263C0843-002E-48BF-9C4E-5B9BAC721BF3}" destId="{AFEB0402-D4AA-43B7-8099-CC96BA995E1E}" srcOrd="0" destOrd="0" presId="urn:microsoft.com/office/officeart/2005/8/layout/cycle2"/>
+    <dgm:cxn modelId="{137DDA34-C6D9-4480-8148-E1C016FDEBB3}" srcId="{C020CB66-6ABA-48C6-8603-468B309DC8D8}" destId="{0EEEBE2B-A744-4843-AF1C-7E6294FD06C8}" srcOrd="4" destOrd="0" parTransId="{30F94723-4C03-49CD-93D9-B05CC368E156}" sibTransId="{1D2F7B5F-612C-43D3-BB2A-FF4A2D1885BC}"/>
+    <dgm:cxn modelId="{1EA1B765-CA6B-4B04-9E05-79E7B3DF4E81}" type="presOf" srcId="{F89DB252-9CDD-4CC9-9727-1D9924C7FC3B}" destId="{EE89DE90-F10E-4AC7-9422-816E4D2AC3D9}" srcOrd="0" destOrd="0" presId="urn:microsoft.com/office/officeart/2005/8/layout/cycle2"/>
+    <dgm:cxn modelId="{A938D363-C03F-47BC-B8F0-658BFE8D3401}" type="presOf" srcId="{6285C9A5-5C43-43EC-9D50-99384DDB378E}" destId="{6BC1FEBC-60A0-4636-9FCD-42775AC49B26}" srcOrd="1" destOrd="0" presId="urn:microsoft.com/office/officeart/2005/8/layout/cycle2"/>
+    <dgm:cxn modelId="{0373B340-831A-4733-B4B9-C53C5A0364ED}" type="presOf" srcId="{1D2F7B5F-612C-43D3-BB2A-FF4A2D1885BC}" destId="{593F6085-CF40-4F59-A583-C638750086B2}" srcOrd="1" destOrd="0" presId="urn:microsoft.com/office/officeart/2005/8/layout/cycle2"/>
+    <dgm:cxn modelId="{A7656F33-347C-41DD-9FB1-441467BE671A}" type="presOf" srcId="{33773D18-B6B0-4B5E-9FD2-189EEFF6BA4C}" destId="{2EE613E0-F7AE-4A53-AB2E-8136F2E68FD3}" srcOrd="0" destOrd="0" presId="urn:microsoft.com/office/officeart/2005/8/layout/cycle2"/>
+    <dgm:cxn modelId="{CC7BD72E-3526-4824-97CC-D3A463B9B8D9}" srcId="{C020CB66-6ABA-48C6-8603-468B309DC8D8}" destId="{CDBCA17D-8CA8-4250-882C-D88342AC2FDF}" srcOrd="2" destOrd="0" parTransId="{72D4007E-2416-41FD-BE06-61E02D8F4BFC}" sibTransId="{4018682B-58A7-47AE-9252-95CBA259CD61}"/>
+    <dgm:cxn modelId="{AEF48152-2ED1-4B16-A201-342740E168BF}" type="presOf" srcId="{F8735C9C-48FF-4484-8415-1DE70AF10A06}" destId="{6D015A45-15F8-480E-A143-B9E9F6FF9564}" srcOrd="0" destOrd="0" presId="urn:microsoft.com/office/officeart/2005/8/layout/cycle2"/>
+    <dgm:cxn modelId="{823661FC-3588-4B3B-A32A-58F02FF12861}" type="presOf" srcId="{4018682B-58A7-47AE-9252-95CBA259CD61}" destId="{9BAF3F42-E648-444A-9324-8B3585677041}" srcOrd="1" destOrd="0" presId="urn:microsoft.com/office/officeart/2005/8/layout/cycle2"/>
+    <dgm:cxn modelId="{0ADBE10C-33A0-4D36-B95D-FE0FB3ECA1CA}" type="presOf" srcId="{4821BF81-F0AA-4C7D-A412-52877A9B81DD}" destId="{DCBC3C29-951C-4025-94ED-ACA5718E6140}" srcOrd="0" destOrd="0" presId="urn:microsoft.com/office/officeart/2005/8/layout/cycle2"/>
+    <dgm:cxn modelId="{FD31B06C-16BC-4EF1-9440-821DDF58BD5F}" type="presOf" srcId="{EFFA8977-69AE-482A-AA92-DED249DE74C7}" destId="{E1F89000-22EA-4AA0-876D-12D1FEE08DD4}" srcOrd="0" destOrd="0" presId="urn:microsoft.com/office/officeart/2005/8/layout/cycle2"/>
+    <dgm:cxn modelId="{2E59DCA7-CED3-4099-B3A3-636E32CFE1FB}" srcId="{C020CB66-6ABA-48C6-8603-468B309DC8D8}" destId="{A02B43BA-4551-4319-A815-4F752A741E8D}" srcOrd="0" destOrd="0" parTransId="{08AE1242-81C6-4581-8C70-966A5EE91586}" sibTransId="{33773D18-B6B0-4B5E-9FD2-189EEFF6BA4C}"/>
+    <dgm:cxn modelId="{712B9F6C-671B-4761-8621-287FE34EFD0A}" type="presOf" srcId="{0129CEB3-B590-4086-845A-41A40D73B34E}" destId="{D430A24C-C130-439F-8A2E-61680A1154A5}" srcOrd="0" destOrd="0" presId="urn:microsoft.com/office/officeart/2005/8/layout/cycle2"/>
+    <dgm:cxn modelId="{BD4D75AD-8A46-4D2F-80AD-EC0EA403FCFF}" type="presOf" srcId="{33773D18-B6B0-4B5E-9FD2-189EEFF6BA4C}" destId="{D9667D6D-C838-49DF-8624-7F00E6B4281B}" srcOrd="1" destOrd="0" presId="urn:microsoft.com/office/officeart/2005/8/layout/cycle2"/>
+    <dgm:cxn modelId="{C0F51123-09FB-48C1-BEE0-6BECBA9C83B9}" type="presOf" srcId="{F8735C9C-48FF-4484-8415-1DE70AF10A06}" destId="{646237EF-CB98-4D95-8F5D-A57327484662}" srcOrd="1" destOrd="0" presId="urn:microsoft.com/office/officeart/2005/8/layout/cycle2"/>
+    <dgm:cxn modelId="{3DE9DFA0-39BA-40BC-805B-62FE774B2ACD}" type="presOf" srcId="{0EEEBE2B-A744-4843-AF1C-7E6294FD06C8}" destId="{398AC9E8-8C61-4CA2-A9D4-BF17262B0965}" srcOrd="0" destOrd="0" presId="urn:microsoft.com/office/officeart/2005/8/layout/cycle2"/>
+    <dgm:cxn modelId="{70D11182-270D-4A2D-88D5-AA3EB5B3A255}" type="presParOf" srcId="{6713CE65-70D7-4D88-A06F-543F2447AD27}" destId="{9B606B27-F599-4D5C-8AFA-B970D3E9C9E8}" srcOrd="0" destOrd="0" presId="urn:microsoft.com/office/officeart/2005/8/layout/cycle2"/>
+    <dgm:cxn modelId="{5909F8E7-67BD-411D-8E09-C055322FFA99}" type="presParOf" srcId="{6713CE65-70D7-4D88-A06F-543F2447AD27}" destId="{2EE613E0-F7AE-4A53-AB2E-8136F2E68FD3}" srcOrd="1" destOrd="0" presId="urn:microsoft.com/office/officeart/2005/8/layout/cycle2"/>
+    <dgm:cxn modelId="{9EF68453-EBF2-4C39-8878-B1C4A20A71DE}" type="presParOf" srcId="{2EE613E0-F7AE-4A53-AB2E-8136F2E68FD3}" destId="{D9667D6D-C838-49DF-8624-7F00E6B4281B}" srcOrd="0" destOrd="0" presId="urn:microsoft.com/office/officeart/2005/8/layout/cycle2"/>
+    <dgm:cxn modelId="{C5A98187-D141-4929-9B40-F4C1A7D47BB5}" type="presParOf" srcId="{6713CE65-70D7-4D88-A06F-543F2447AD27}" destId="{DCBC3C29-951C-4025-94ED-ACA5718E6140}" srcOrd="2" destOrd="0" presId="urn:microsoft.com/office/officeart/2005/8/layout/cycle2"/>
+    <dgm:cxn modelId="{30C746EA-5DEB-41DE-80A3-D9A42BB373CC}" type="presParOf" srcId="{6713CE65-70D7-4D88-A06F-543F2447AD27}" destId="{6D015A45-15F8-480E-A143-B9E9F6FF9564}" srcOrd="3" destOrd="0" presId="urn:microsoft.com/office/officeart/2005/8/layout/cycle2"/>
+    <dgm:cxn modelId="{3CAE7341-4E7E-4AD6-B476-2F92B8FA5BD4}" type="presParOf" srcId="{6D015A45-15F8-480E-A143-B9E9F6FF9564}" destId="{646237EF-CB98-4D95-8F5D-A57327484662}" srcOrd="0" destOrd="0" presId="urn:microsoft.com/office/officeart/2005/8/layout/cycle2"/>
+    <dgm:cxn modelId="{55CFEE2B-65C7-4FF0-9B0B-3154BF38ABEC}" type="presParOf" srcId="{6713CE65-70D7-4D88-A06F-543F2447AD27}" destId="{F2EF2C98-2A6A-42FC-8DB3-AE57F2ACF16B}" srcOrd="4" destOrd="0" presId="urn:microsoft.com/office/officeart/2005/8/layout/cycle2"/>
+    <dgm:cxn modelId="{195C088E-76C2-4F21-9A6A-2365E0D53C51}" type="presParOf" srcId="{6713CE65-70D7-4D88-A06F-543F2447AD27}" destId="{33C8B533-802E-4E48-A822-D79A0FF4B3C9}" srcOrd="5" destOrd="0" presId="urn:microsoft.com/office/officeart/2005/8/layout/cycle2"/>
+    <dgm:cxn modelId="{8D5CA9A0-595F-49C4-A25C-19509125DB43}" type="presParOf" srcId="{33C8B533-802E-4E48-A822-D79A0FF4B3C9}" destId="{9BAF3F42-E648-444A-9324-8B3585677041}" srcOrd="0" destOrd="0" presId="urn:microsoft.com/office/officeart/2005/8/layout/cycle2"/>
+    <dgm:cxn modelId="{218B253B-B8E3-4CF7-B5E9-A0FA6AAB6E65}" type="presParOf" srcId="{6713CE65-70D7-4D88-A06F-543F2447AD27}" destId="{D430A24C-C130-439F-8A2E-61680A1154A5}" srcOrd="6" destOrd="0" presId="urn:microsoft.com/office/officeart/2005/8/layout/cycle2"/>
+    <dgm:cxn modelId="{FD11C446-44D1-4192-8012-2BE503267DAC}" type="presParOf" srcId="{6713CE65-70D7-4D88-A06F-543F2447AD27}" destId="{AFEB0402-D4AA-43B7-8099-CC96BA995E1E}" srcOrd="7" destOrd="0" presId="urn:microsoft.com/office/officeart/2005/8/layout/cycle2"/>
+    <dgm:cxn modelId="{EC10E2C1-7930-4271-9320-E696E03D6819}" type="presParOf" srcId="{AFEB0402-D4AA-43B7-8099-CC96BA995E1E}" destId="{BD0A4C7C-0C99-464F-89CF-DAAB6BC4974A}" srcOrd="0" destOrd="0" presId="urn:microsoft.com/office/officeart/2005/8/layout/cycle2"/>
+    <dgm:cxn modelId="{93F1FA8A-3BE2-4D8F-93C2-8821DD56B5F4}" type="presParOf" srcId="{6713CE65-70D7-4D88-A06F-543F2447AD27}" destId="{398AC9E8-8C61-4CA2-A9D4-BF17262B0965}" srcOrd="8" destOrd="0" presId="urn:microsoft.com/office/officeart/2005/8/layout/cycle2"/>
+    <dgm:cxn modelId="{9B461120-9FED-4A32-9404-4415C202FA19}" type="presParOf" srcId="{6713CE65-70D7-4D88-A06F-543F2447AD27}" destId="{DD3E7DA7-BE41-4622-B4AC-EB4C4638739B}" srcOrd="9" destOrd="0" presId="urn:microsoft.com/office/officeart/2005/8/layout/cycle2"/>
+    <dgm:cxn modelId="{E550B686-25BB-41CE-B0D9-CB5F279292B4}" type="presParOf" srcId="{DD3E7DA7-BE41-4622-B4AC-EB4C4638739B}" destId="{593F6085-CF40-4F59-A583-C638750086B2}" srcOrd="0" destOrd="0" presId="urn:microsoft.com/office/officeart/2005/8/layout/cycle2"/>
+    <dgm:cxn modelId="{51157897-D4B2-4AA9-8555-32F53B6F761C}" type="presParOf" srcId="{6713CE65-70D7-4D88-A06F-543F2447AD27}" destId="{F4868C5F-4A0B-4CCC-882B-153BB8F85307}" srcOrd="10" destOrd="0" presId="urn:microsoft.com/office/officeart/2005/8/layout/cycle2"/>
+    <dgm:cxn modelId="{4847B00C-E061-44A3-875D-E587637D7137}" type="presParOf" srcId="{6713CE65-70D7-4D88-A06F-543F2447AD27}" destId="{EE89DE90-F10E-4AC7-9422-816E4D2AC3D9}" srcOrd="11" destOrd="0" presId="urn:microsoft.com/office/officeart/2005/8/layout/cycle2"/>
+    <dgm:cxn modelId="{2ECDB62C-C2F9-4AB8-B533-ED4FD9767ED1}" type="presParOf" srcId="{EE89DE90-F10E-4AC7-9422-816E4D2AC3D9}" destId="{9FFE9B88-5825-430D-8AAF-76BB52E06FFD}" srcOrd="0" destOrd="0" presId="urn:microsoft.com/office/officeart/2005/8/layout/cycle2"/>
+    <dgm:cxn modelId="{C9876595-0EF8-4A19-ACC7-04C91BEE1836}" type="presParOf" srcId="{6713CE65-70D7-4D88-A06F-543F2447AD27}" destId="{E1F89000-22EA-4AA0-876D-12D1FEE08DD4}" srcOrd="12" destOrd="0" presId="urn:microsoft.com/office/officeart/2005/8/layout/cycle2"/>
+    <dgm:cxn modelId="{6DBD04AB-0D09-48A8-8641-6EB799320481}" type="presParOf" srcId="{6713CE65-70D7-4D88-A06F-543F2447AD27}" destId="{6966B110-AED8-45AE-8CBF-A8847441A96B}" srcOrd="13" destOrd="0" presId="urn:microsoft.com/office/officeart/2005/8/layout/cycle2"/>
+    <dgm:cxn modelId="{B6B4417D-CE2F-4893-869C-6A9728865BD3}" type="presParOf" srcId="{6966B110-AED8-45AE-8CBF-A8847441A96B}" destId="{6BC1FEBC-60A0-4636-9FCD-42775AC49B26}" srcOrd="0" destOrd="0" presId="urn:microsoft.com/office/officeart/2005/8/layout/cycle2"/>
+  </dgm:cxnLst>
+  <dgm:bg>
+    <a:effectLst>
+      <a:softEdge rad="508000"/>
+    </a:effectLst>
+  </dgm:bg>
+  <dgm:whole/>
+  <dgm:extLst>
+    <a:ext uri="http://schemas.microsoft.com/office/drawing/2008/diagram">
+      <dsp:dataModelExt xmlns:dsp="http://schemas.microsoft.com/office/drawing/2008/diagram" relId="rId6" minVer="http://schemas.openxmlformats.org/drawingml/2006/diagram"/>
+    </a:ext>
+    <a:ext uri="{C62137D5-CB1D-491B-B009-E17868A290BF}">
+      <dgm14:recolorImg xmlns:dgm14="http://schemas.microsoft.com/office/drawing/2010/diagram" val="1"/>
+    </a:ext>
+  </dgm:extLst>
+</dgm:dataModel>
+</file>
+
+<file path=ppt/diagrams/drawing1.xml><?xml version="1.0" encoding="utf-8"?>
+<dsp:drawing xmlns:dgm="http://schemas.openxmlformats.org/drawingml/2006/diagram" xmlns:dsp="http://schemas.microsoft.com/office/drawing/2008/diagram" xmlns:a="http://schemas.openxmlformats.org/drawingml/2006/main">
+  <dsp:spTree>
+    <dsp:nvGrpSpPr>
+      <dsp:cNvPr id="0" name=""/>
+      <dsp:cNvGrpSpPr/>
+    </dsp:nvGrpSpPr>
+    <dsp:grpSpPr/>
+    <dsp:sp modelId="{9B606B27-F599-4D5C-8AFA-B970D3E9C9E8}">
+      <dsp:nvSpPr>
+        <dsp:cNvPr id="0" name=""/>
+        <dsp:cNvSpPr/>
+      </dsp:nvSpPr>
+      <dsp:spPr>
+        <a:xfrm>
+          <a:off x="3432968" y="215"/>
+          <a:ext cx="1262062" cy="1262062"/>
+        </a:xfrm>
+        <a:prstGeom prst="ellipse">
+          <a:avLst/>
+        </a:prstGeom>
+        <a:gradFill rotWithShape="0">
+          <a:gsLst>
+            <a:gs pos="0">
+              <a:schemeClr val="accent2">
+                <a:hueOff val="0"/>
+                <a:satOff val="0"/>
+                <a:lumOff val="0"/>
+                <a:alphaOff val="0"/>
+                <a:satMod val="103000"/>
+                <a:lumMod val="102000"/>
+                <a:tint val="94000"/>
+              </a:schemeClr>
+            </a:gs>
+            <a:gs pos="50000">
+              <a:schemeClr val="accent2">
+                <a:hueOff val="0"/>
+                <a:satOff val="0"/>
+                <a:lumOff val="0"/>
+                <a:alphaOff val="0"/>
+                <a:satMod val="110000"/>
+                <a:lumMod val="100000"/>
+                <a:shade val="100000"/>
+              </a:schemeClr>
+            </a:gs>
+            <a:gs pos="100000">
+              <a:schemeClr val="accent2">
+                <a:hueOff val="0"/>
+                <a:satOff val="0"/>
+                <a:lumOff val="0"/>
+                <a:alphaOff val="0"/>
+                <a:lumMod val="99000"/>
+                <a:satMod val="120000"/>
+                <a:shade val="78000"/>
+              </a:schemeClr>
+            </a:gs>
+          </a:gsLst>
+          <a:lin ang="5400000" scaled="0"/>
+        </a:gradFill>
+        <a:ln>
+          <a:noFill/>
+        </a:ln>
+        <a:effectLst/>
+        <a:scene3d>
+          <a:camera prst="orthographicFront"/>
+          <a:lightRig rig="flat" dir="t"/>
+        </a:scene3d>
+        <a:sp3d prstMaterial="plastic">
+          <a:bevelT w="120900" h="88900"/>
+          <a:bevelB w="88900" h="31750" prst="angle"/>
+        </a:sp3d>
+      </dsp:spPr>
+      <dsp:style>
+        <a:lnRef idx="0">
+          <a:scrgbClr r="0" g="0" b="0"/>
+        </a:lnRef>
+        <a:fillRef idx="3">
+          <a:scrgbClr r="0" g="0" b="0"/>
+        </a:fillRef>
+        <a:effectRef idx="2">
+          <a:scrgbClr r="0" g="0" b="0"/>
+        </a:effectRef>
+        <a:fontRef idx="minor">
+          <a:schemeClr val="lt1"/>
+        </a:fontRef>
+      </dsp:style>
+      <dsp:txBody>
+        <a:bodyPr spcFirstLastPara="0" vert="horz" wrap="square" lIns="16510" tIns="16510" rIns="16510" bIns="16510" numCol="1" spcCol="1270" anchor="ctr" anchorCtr="0">
+          <a:noAutofit/>
+        </a:bodyPr>
+        <a:lstStyle/>
+        <a:p>
+          <a:pPr lvl="0" algn="ctr" defTabSz="577850">
+            <a:lnSpc>
+              <a:spcPct val="90000"/>
+            </a:lnSpc>
+            <a:spcBef>
+              <a:spcPct val="0"/>
+            </a:spcBef>
+            <a:spcAft>
+              <a:spcPct val="35000"/>
+            </a:spcAft>
+          </a:pPr>
+          <a:r>
+            <a:rPr lang="en-US" sz="1300" kern="1200" dirty="0" smtClean="0"/>
+            <a:t>1. Identify Transactions</a:t>
+          </a:r>
+          <a:endParaRPr lang="en-US" sz="1300" kern="1200" dirty="0"/>
+        </a:p>
+      </dsp:txBody>
+      <dsp:txXfrm>
+        <a:off x="3617793" y="185040"/>
+        <a:ext cx="892412" cy="892412"/>
+      </dsp:txXfrm>
+    </dsp:sp>
+    <dsp:sp modelId="{2EE613E0-F7AE-4A53-AB2E-8136F2E68FD3}">
+      <dsp:nvSpPr>
+        <dsp:cNvPr id="0" name=""/>
+        <dsp:cNvSpPr/>
+      </dsp:nvSpPr>
+      <dsp:spPr>
+        <a:xfrm rot="1542857">
+          <a:off x="4741770" y="825730"/>
+          <a:ext cx="336643" cy="425946"/>
+        </a:xfrm>
+        <a:prstGeom prst="rightArrow">
+          <a:avLst>
+            <a:gd name="adj1" fmla="val 60000"/>
+            <a:gd name="adj2" fmla="val 50000"/>
+          </a:avLst>
+        </a:prstGeom>
+        <a:gradFill rotWithShape="0">
+          <a:gsLst>
+            <a:gs pos="0">
+              <a:schemeClr val="accent2">
+                <a:hueOff val="0"/>
+                <a:satOff val="0"/>
+                <a:lumOff val="0"/>
+                <a:alphaOff val="0"/>
+                <a:satMod val="103000"/>
+                <a:lumMod val="102000"/>
+                <a:tint val="94000"/>
+              </a:schemeClr>
+            </a:gs>
+            <a:gs pos="50000">
+              <a:schemeClr val="accent2">
+                <a:hueOff val="0"/>
+                <a:satOff val="0"/>
+                <a:lumOff val="0"/>
+                <a:alphaOff val="0"/>
+                <a:satMod val="110000"/>
+                <a:lumMod val="100000"/>
+                <a:shade val="100000"/>
+              </a:schemeClr>
+            </a:gs>
+            <a:gs pos="100000">
+              <a:schemeClr val="accent2">
+                <a:hueOff val="0"/>
+                <a:satOff val="0"/>
+                <a:lumOff val="0"/>
+                <a:alphaOff val="0"/>
+                <a:lumMod val="99000"/>
+                <a:satMod val="120000"/>
+                <a:shade val="78000"/>
+              </a:schemeClr>
+            </a:gs>
+          </a:gsLst>
+          <a:lin ang="5400000" scaled="0"/>
+        </a:gradFill>
+        <a:ln>
+          <a:noFill/>
+        </a:ln>
+        <a:effectLst/>
+        <a:scene3d>
+          <a:camera prst="orthographicFront"/>
+          <a:lightRig rig="flat" dir="t"/>
+        </a:scene3d>
+        <a:sp3d z="-80000" prstMaterial="plastic">
+          <a:bevelT w="50800" h="50800"/>
+          <a:bevelB w="25400" h="25400" prst="angle"/>
+        </a:sp3d>
+      </dsp:spPr>
+      <dsp:style>
+        <a:lnRef idx="0">
+          <a:scrgbClr r="0" g="0" b="0"/>
+        </a:lnRef>
+        <a:fillRef idx="3">
+          <a:scrgbClr r="0" g="0" b="0"/>
+        </a:fillRef>
+        <a:effectRef idx="2">
+          <a:scrgbClr r="0" g="0" b="0"/>
+        </a:effectRef>
+        <a:fontRef idx="minor">
+          <a:schemeClr val="lt1"/>
+        </a:fontRef>
+      </dsp:style>
+      <dsp:txBody>
+        <a:bodyPr spcFirstLastPara="0" vert="horz" wrap="square" lIns="0" tIns="0" rIns="0" bIns="0" numCol="1" spcCol="1270" anchor="ctr" anchorCtr="0">
+          <a:noAutofit/>
+        </a:bodyPr>
+        <a:lstStyle/>
+        <a:p>
+          <a:pPr lvl="0" algn="ctr" defTabSz="488950">
+            <a:lnSpc>
+              <a:spcPct val="90000"/>
+            </a:lnSpc>
+            <a:spcBef>
+              <a:spcPct val="0"/>
+            </a:spcBef>
+            <a:spcAft>
+              <a:spcPct val="35000"/>
+            </a:spcAft>
+          </a:pPr>
+          <a:endParaRPr lang="en-US" sz="1100" kern="1200"/>
+        </a:p>
+      </dsp:txBody>
+      <dsp:txXfrm>
+        <a:off x="4746771" y="889009"/>
+        <a:ext cx="235650" cy="255568"/>
+      </dsp:txXfrm>
+    </dsp:sp>
+    <dsp:sp modelId="{DCBC3C29-951C-4025-94ED-ACA5718E6140}">
+      <dsp:nvSpPr>
+        <dsp:cNvPr id="0" name=""/>
+        <dsp:cNvSpPr/>
+      </dsp:nvSpPr>
+      <dsp:spPr>
+        <a:xfrm>
+          <a:off x="5142322" y="823396"/>
+          <a:ext cx="1262062" cy="1262062"/>
+        </a:xfrm>
+        <a:prstGeom prst="ellipse">
+          <a:avLst/>
+        </a:prstGeom>
+        <a:gradFill rotWithShape="0">
+          <a:gsLst>
+            <a:gs pos="0">
+              <a:schemeClr val="accent3">
+                <a:hueOff val="0"/>
+                <a:satOff val="0"/>
+                <a:lumOff val="0"/>
+                <a:alphaOff val="0"/>
+                <a:satMod val="103000"/>
+                <a:lumMod val="102000"/>
+                <a:tint val="94000"/>
+              </a:schemeClr>
+            </a:gs>
+            <a:gs pos="50000">
+              <a:schemeClr val="accent3">
+                <a:hueOff val="0"/>
+                <a:satOff val="0"/>
+                <a:lumOff val="0"/>
+                <a:alphaOff val="0"/>
+                <a:satMod val="110000"/>
+                <a:lumMod val="100000"/>
+                <a:shade val="100000"/>
+              </a:schemeClr>
+            </a:gs>
+            <a:gs pos="100000">
+              <a:schemeClr val="accent3">
+                <a:hueOff val="0"/>
+                <a:satOff val="0"/>
+                <a:lumOff val="0"/>
+                <a:alphaOff val="0"/>
+                <a:lumMod val="99000"/>
+                <a:satMod val="120000"/>
+                <a:shade val="78000"/>
+              </a:schemeClr>
+            </a:gs>
+          </a:gsLst>
+          <a:lin ang="5400000" scaled="0"/>
+        </a:gradFill>
+        <a:ln>
+          <a:noFill/>
+        </a:ln>
+        <a:effectLst/>
+        <a:scene3d>
+          <a:camera prst="orthographicFront"/>
+          <a:lightRig rig="flat" dir="t"/>
+        </a:scene3d>
+        <a:sp3d prstMaterial="plastic">
+          <a:bevelT w="120900" h="88900"/>
+          <a:bevelB w="88900" h="31750" prst="angle"/>
+        </a:sp3d>
+      </dsp:spPr>
+      <dsp:style>
+        <a:lnRef idx="0">
+          <a:scrgbClr r="0" g="0" b="0"/>
+        </a:lnRef>
+        <a:fillRef idx="3">
+          <a:scrgbClr r="0" g="0" b="0"/>
+        </a:fillRef>
+        <a:effectRef idx="2">
+          <a:scrgbClr r="0" g="0" b="0"/>
+        </a:effectRef>
+        <a:fontRef idx="minor">
+          <a:schemeClr val="lt1"/>
+        </a:fontRef>
+      </dsp:style>
+      <dsp:txBody>
+        <a:bodyPr spcFirstLastPara="0" vert="horz" wrap="square" lIns="16510" tIns="16510" rIns="16510" bIns="16510" numCol="1" spcCol="1270" anchor="ctr" anchorCtr="0">
+          <a:noAutofit/>
+        </a:bodyPr>
+        <a:lstStyle/>
+        <a:p>
+          <a:pPr lvl="0" algn="ctr" defTabSz="577850">
+            <a:lnSpc>
+              <a:spcPct val="90000"/>
+            </a:lnSpc>
+            <a:spcBef>
+              <a:spcPct val="0"/>
+            </a:spcBef>
+            <a:spcAft>
+              <a:spcPct val="35000"/>
+            </a:spcAft>
+          </a:pPr>
+          <a:r>
+            <a:rPr lang="en-US" sz="1300" kern="1200" dirty="0" smtClean="0"/>
+            <a:t>2. Record Journal Entries</a:t>
+          </a:r>
+          <a:endParaRPr lang="en-US" sz="1300" kern="1200" dirty="0"/>
+        </a:p>
+      </dsp:txBody>
+      <dsp:txXfrm>
+        <a:off x="5327147" y="1008221"/>
+        <a:ext cx="892412" cy="892412"/>
+      </dsp:txXfrm>
+    </dsp:sp>
+    <dsp:sp modelId="{6D015A45-15F8-480E-A143-B9E9F6FF9564}">
+      <dsp:nvSpPr>
+        <dsp:cNvPr id="0" name=""/>
+        <dsp:cNvSpPr/>
+      </dsp:nvSpPr>
+      <dsp:spPr>
+        <a:xfrm rot="4628571">
+          <a:off x="5813999" y="2157001"/>
+          <a:ext cx="336643" cy="425946"/>
+        </a:xfrm>
+        <a:prstGeom prst="rightArrow">
+          <a:avLst>
+            <a:gd name="adj1" fmla="val 60000"/>
+            <a:gd name="adj2" fmla="val 50000"/>
+          </a:avLst>
+        </a:prstGeom>
+        <a:gradFill rotWithShape="0">
+          <a:gsLst>
+            <a:gs pos="0">
+              <a:schemeClr val="accent3">
+                <a:hueOff val="0"/>
+                <a:satOff val="0"/>
+                <a:lumOff val="0"/>
+                <a:alphaOff val="0"/>
+                <a:satMod val="103000"/>
+                <a:lumMod val="102000"/>
+                <a:tint val="94000"/>
+              </a:schemeClr>
+            </a:gs>
+            <a:gs pos="50000">
+              <a:schemeClr val="accent3">
+                <a:hueOff val="0"/>
+                <a:satOff val="0"/>
+                <a:lumOff val="0"/>
+                <a:alphaOff val="0"/>
+                <a:satMod val="110000"/>
+                <a:lumMod val="100000"/>
+                <a:shade val="100000"/>
+              </a:schemeClr>
+            </a:gs>
+            <a:gs pos="100000">
+              <a:schemeClr val="accent3">
+                <a:hueOff val="0"/>
+                <a:satOff val="0"/>
+                <a:lumOff val="0"/>
+                <a:alphaOff val="0"/>
+                <a:lumMod val="99000"/>
+                <a:satMod val="120000"/>
+                <a:shade val="78000"/>
+              </a:schemeClr>
+            </a:gs>
+          </a:gsLst>
+          <a:lin ang="5400000" scaled="0"/>
+        </a:gradFill>
+        <a:ln>
+          <a:noFill/>
+        </a:ln>
+        <a:effectLst/>
+        <a:scene3d>
+          <a:camera prst="orthographicFront"/>
+          <a:lightRig rig="flat" dir="t"/>
+        </a:scene3d>
+        <a:sp3d z="-80000" prstMaterial="plastic">
+          <a:bevelT w="50800" h="50800"/>
+          <a:bevelB w="25400" h="25400" prst="angle"/>
+        </a:sp3d>
+      </dsp:spPr>
+      <dsp:style>
+        <a:lnRef idx="0">
+          <a:scrgbClr r="0" g="0" b="0"/>
+        </a:lnRef>
+        <a:fillRef idx="3">
+          <a:scrgbClr r="0" g="0" b="0"/>
+        </a:fillRef>
+        <a:effectRef idx="2">
+          <a:scrgbClr r="0" g="0" b="0"/>
+        </a:effectRef>
+        <a:fontRef idx="minor">
+          <a:schemeClr val="lt1"/>
+        </a:fontRef>
+      </dsp:style>
+      <dsp:txBody>
+        <a:bodyPr spcFirstLastPara="0" vert="horz" wrap="square" lIns="0" tIns="0" rIns="0" bIns="0" numCol="1" spcCol="1270" anchor="ctr" anchorCtr="0">
+          <a:noAutofit/>
+        </a:bodyPr>
+        <a:lstStyle/>
+        <a:p>
+          <a:pPr lvl="0" algn="ctr" defTabSz="488950">
+            <a:lnSpc>
+              <a:spcPct val="90000"/>
+            </a:lnSpc>
+            <a:spcBef>
+              <a:spcPct val="0"/>
+            </a:spcBef>
+            <a:spcAft>
+              <a:spcPct val="35000"/>
+            </a:spcAft>
+          </a:pPr>
+          <a:endParaRPr lang="en-US" sz="1100" kern="1200"/>
+        </a:p>
+      </dsp:txBody>
+      <dsp:txXfrm>
+        <a:off x="5853259" y="2192960"/>
+        <a:ext cx="235650" cy="255568"/>
+      </dsp:txXfrm>
+    </dsp:sp>
+    <dsp:sp modelId="{F2EF2C98-2A6A-42FC-8DB3-AE57F2ACF16B}">
+      <dsp:nvSpPr>
+        <dsp:cNvPr id="0" name=""/>
+        <dsp:cNvSpPr/>
+      </dsp:nvSpPr>
+      <dsp:spPr>
+        <a:xfrm>
+          <a:off x="5564497" y="2673067"/>
+          <a:ext cx="1262062" cy="1262062"/>
+        </a:xfrm>
+        <a:prstGeom prst="ellipse">
+          <a:avLst/>
+        </a:prstGeom>
+        <a:gradFill rotWithShape="0">
+          <a:gsLst>
+            <a:gs pos="0">
+              <a:schemeClr val="accent4">
+                <a:hueOff val="0"/>
+                <a:satOff val="0"/>
+                <a:lumOff val="0"/>
+                <a:alphaOff val="0"/>
+                <a:satMod val="103000"/>
+                <a:lumMod val="102000"/>
+                <a:tint val="94000"/>
+              </a:schemeClr>
+            </a:gs>
+            <a:gs pos="50000">
+              <a:schemeClr val="accent4">
+                <a:hueOff val="0"/>
+                <a:satOff val="0"/>
+                <a:lumOff val="0"/>
+                <a:alphaOff val="0"/>
+                <a:satMod val="110000"/>
+                <a:lumMod val="100000"/>
+                <a:shade val="100000"/>
+              </a:schemeClr>
+            </a:gs>
+            <a:gs pos="100000">
+              <a:schemeClr val="accent4">
+                <a:hueOff val="0"/>
+                <a:satOff val="0"/>
+                <a:lumOff val="0"/>
+                <a:alphaOff val="0"/>
+                <a:lumMod val="99000"/>
+                <a:satMod val="120000"/>
+                <a:shade val="78000"/>
+              </a:schemeClr>
+            </a:gs>
+          </a:gsLst>
+          <a:lin ang="5400000" scaled="0"/>
+        </a:gradFill>
+        <a:ln>
+          <a:noFill/>
+        </a:ln>
+        <a:effectLst/>
+        <a:scene3d>
+          <a:camera prst="orthographicFront"/>
+          <a:lightRig rig="flat" dir="t"/>
+        </a:scene3d>
+        <a:sp3d prstMaterial="plastic">
+          <a:bevelT w="120900" h="88900"/>
+          <a:bevelB w="88900" h="31750" prst="angle"/>
+        </a:sp3d>
+      </dsp:spPr>
+      <dsp:style>
+        <a:lnRef idx="0">
+          <a:scrgbClr r="0" g="0" b="0"/>
+        </a:lnRef>
+        <a:fillRef idx="3">
+          <a:scrgbClr r="0" g="0" b="0"/>
+        </a:fillRef>
+        <a:effectRef idx="2">
+          <a:scrgbClr r="0" g="0" b="0"/>
+        </a:effectRef>
+        <a:fontRef idx="minor">
+          <a:schemeClr val="lt1"/>
+        </a:fontRef>
+      </dsp:style>
+      <dsp:txBody>
+        <a:bodyPr spcFirstLastPara="0" vert="horz" wrap="square" lIns="16510" tIns="16510" rIns="16510" bIns="16510" numCol="1" spcCol="1270" anchor="ctr" anchorCtr="0">
+          <a:noAutofit/>
+        </a:bodyPr>
+        <a:lstStyle/>
+        <a:p>
+          <a:pPr lvl="0" algn="ctr" defTabSz="577850">
+            <a:lnSpc>
+              <a:spcPct val="90000"/>
+            </a:lnSpc>
+            <a:spcBef>
+              <a:spcPct val="0"/>
+            </a:spcBef>
+            <a:spcAft>
+              <a:spcPct val="35000"/>
+            </a:spcAft>
+          </a:pPr>
+          <a:r>
+            <a:rPr lang="en-US" sz="1300" kern="1200" dirty="0" smtClean="0"/>
+            <a:t>3. Post Ledger Entries</a:t>
+          </a:r>
+          <a:endParaRPr lang="en-US" sz="1300" kern="1200" dirty="0"/>
+        </a:p>
+      </dsp:txBody>
+      <dsp:txXfrm>
+        <a:off x="5749322" y="2857892"/>
+        <a:ext cx="892412" cy="892412"/>
+      </dsp:txXfrm>
+    </dsp:sp>
+    <dsp:sp modelId="{33C8B533-802E-4E48-A822-D79A0FF4B3C9}">
+      <dsp:nvSpPr>
+        <dsp:cNvPr id="0" name=""/>
+        <dsp:cNvSpPr/>
+      </dsp:nvSpPr>
+      <dsp:spPr>
+        <a:xfrm rot="7714286">
+          <a:off x="5441692" y="3825337"/>
+          <a:ext cx="336643" cy="425946"/>
+        </a:xfrm>
+        <a:prstGeom prst="rightArrow">
+          <a:avLst>
+            <a:gd name="adj1" fmla="val 60000"/>
+            <a:gd name="adj2" fmla="val 50000"/>
+          </a:avLst>
+        </a:prstGeom>
+        <a:gradFill rotWithShape="0">
+          <a:gsLst>
+            <a:gs pos="0">
+              <a:schemeClr val="accent4">
+                <a:hueOff val="0"/>
+                <a:satOff val="0"/>
+                <a:lumOff val="0"/>
+                <a:alphaOff val="0"/>
+                <a:satMod val="103000"/>
+                <a:lumMod val="102000"/>
+                <a:tint val="94000"/>
+              </a:schemeClr>
+            </a:gs>
+            <a:gs pos="50000">
+              <a:schemeClr val="accent4">
+                <a:hueOff val="0"/>
+                <a:satOff val="0"/>
+                <a:lumOff val="0"/>
+                <a:alphaOff val="0"/>
+                <a:satMod val="110000"/>
+                <a:lumMod val="100000"/>
+                <a:shade val="100000"/>
+              </a:schemeClr>
+            </a:gs>
+            <a:gs pos="100000">
+              <a:schemeClr val="accent4">
+                <a:hueOff val="0"/>
+                <a:satOff val="0"/>
+                <a:lumOff val="0"/>
+                <a:alphaOff val="0"/>
+                <a:lumMod val="99000"/>
+                <a:satMod val="120000"/>
+                <a:shade val="78000"/>
+              </a:schemeClr>
+            </a:gs>
+          </a:gsLst>
+          <a:lin ang="5400000" scaled="0"/>
+        </a:gradFill>
+        <a:ln>
+          <a:noFill/>
+        </a:ln>
+        <a:effectLst/>
+        <a:scene3d>
+          <a:camera prst="orthographicFront"/>
+          <a:lightRig rig="flat" dir="t"/>
+        </a:scene3d>
+        <a:sp3d z="-80000" prstMaterial="plastic">
+          <a:bevelT w="50800" h="50800"/>
+          <a:bevelB w="25400" h="25400" prst="angle"/>
+        </a:sp3d>
+      </dsp:spPr>
+      <dsp:style>
+        <a:lnRef idx="0">
+          <a:scrgbClr r="0" g="0" b="0"/>
+        </a:lnRef>
+        <a:fillRef idx="3">
+          <a:scrgbClr r="0" g="0" b="0"/>
+        </a:fillRef>
+        <a:effectRef idx="2">
+          <a:scrgbClr r="0" g="0" b="0"/>
+        </a:effectRef>
+        <a:fontRef idx="minor">
+          <a:schemeClr val="lt1"/>
+        </a:fontRef>
+      </dsp:style>
+      <dsp:txBody>
+        <a:bodyPr spcFirstLastPara="0" vert="horz" wrap="square" lIns="0" tIns="0" rIns="0" bIns="0" numCol="1" spcCol="1270" anchor="ctr" anchorCtr="0">
+          <a:noAutofit/>
+        </a:bodyPr>
+        <a:lstStyle/>
+        <a:p>
+          <a:pPr lvl="0" algn="ctr" defTabSz="488950">
+            <a:lnSpc>
+              <a:spcPct val="90000"/>
+            </a:lnSpc>
+            <a:spcBef>
+              <a:spcPct val="0"/>
+            </a:spcBef>
+            <a:spcAft>
+              <a:spcPct val="35000"/>
+            </a:spcAft>
+          </a:pPr>
+          <a:endParaRPr lang="en-US" sz="1100" kern="1200"/>
+        </a:p>
+      </dsp:txBody>
+      <dsp:txXfrm rot="10800000">
+        <a:off x="5523673" y="3871046"/>
+        <a:ext cx="235650" cy="255568"/>
+      </dsp:txXfrm>
+    </dsp:sp>
+    <dsp:sp modelId="{D430A24C-C130-439F-8A2E-61680A1154A5}">
+      <dsp:nvSpPr>
+        <dsp:cNvPr id="0" name=""/>
+        <dsp:cNvSpPr/>
+      </dsp:nvSpPr>
+      <dsp:spPr>
+        <a:xfrm>
+          <a:off x="4381588" y="4156389"/>
+          <a:ext cx="1262062" cy="1262062"/>
+        </a:xfrm>
+        <a:prstGeom prst="ellipse">
+          <a:avLst/>
+        </a:prstGeom>
+        <a:gradFill rotWithShape="0">
+          <a:gsLst>
+            <a:gs pos="0">
+              <a:schemeClr val="accent5">
+                <a:hueOff val="0"/>
+                <a:satOff val="0"/>
+                <a:lumOff val="0"/>
+                <a:alphaOff val="0"/>
+                <a:satMod val="103000"/>
+                <a:lumMod val="102000"/>
+                <a:tint val="94000"/>
+              </a:schemeClr>
+            </a:gs>
+            <a:gs pos="50000">
+              <a:schemeClr val="accent5">
+                <a:hueOff val="0"/>
+                <a:satOff val="0"/>
+                <a:lumOff val="0"/>
+                <a:alphaOff val="0"/>
+                <a:satMod val="110000"/>
+                <a:lumMod val="100000"/>
+                <a:shade val="100000"/>
+              </a:schemeClr>
+            </a:gs>
+            <a:gs pos="100000">
+              <a:schemeClr val="accent5">
+                <a:hueOff val="0"/>
+                <a:satOff val="0"/>
+                <a:lumOff val="0"/>
+                <a:alphaOff val="0"/>
+                <a:lumMod val="99000"/>
+                <a:satMod val="120000"/>
+                <a:shade val="78000"/>
+              </a:schemeClr>
+            </a:gs>
+          </a:gsLst>
+          <a:lin ang="5400000" scaled="0"/>
+        </a:gradFill>
+        <a:ln>
+          <a:noFill/>
+        </a:ln>
+        <a:effectLst/>
+        <a:scene3d>
+          <a:camera prst="orthographicFront"/>
+          <a:lightRig rig="flat" dir="t"/>
+        </a:scene3d>
+        <a:sp3d prstMaterial="plastic">
+          <a:bevelT w="120900" h="88900"/>
+          <a:bevelB w="88900" h="31750" prst="angle"/>
+        </a:sp3d>
+      </dsp:spPr>
+      <dsp:style>
+        <a:lnRef idx="0">
+          <a:scrgbClr r="0" g="0" b="0"/>
+        </a:lnRef>
+        <a:fillRef idx="3">
+          <a:scrgbClr r="0" g="0" b="0"/>
+        </a:fillRef>
+        <a:effectRef idx="2">
+          <a:scrgbClr r="0" g="0" b="0"/>
+        </a:effectRef>
+        <a:fontRef idx="minor">
+          <a:schemeClr val="lt1"/>
+        </a:fontRef>
+      </dsp:style>
+      <dsp:txBody>
+        <a:bodyPr spcFirstLastPara="0" vert="horz" wrap="square" lIns="16510" tIns="16510" rIns="16510" bIns="16510" numCol="1" spcCol="1270" anchor="ctr" anchorCtr="0">
+          <a:noAutofit/>
+        </a:bodyPr>
+        <a:lstStyle/>
+        <a:p>
+          <a:pPr lvl="0" algn="ctr" defTabSz="577850">
+            <a:lnSpc>
+              <a:spcPct val="90000"/>
+            </a:lnSpc>
+            <a:spcBef>
+              <a:spcPct val="0"/>
+            </a:spcBef>
+            <a:spcAft>
+              <a:spcPct val="35000"/>
+            </a:spcAft>
+          </a:pPr>
+          <a:r>
+            <a:rPr lang="en-US" sz="1300" kern="1200" dirty="0" smtClean="0"/>
+            <a:t>4. Trial Balance</a:t>
+          </a:r>
+          <a:endParaRPr lang="en-US" sz="1300" kern="1200" dirty="0"/>
+        </a:p>
+      </dsp:txBody>
+      <dsp:txXfrm>
+        <a:off x="4566413" y="4341214"/>
+        <a:ext cx="892412" cy="892412"/>
+      </dsp:txXfrm>
+    </dsp:sp>
+    <dsp:sp modelId="{AFEB0402-D4AA-43B7-8099-CC96BA995E1E}">
+      <dsp:nvSpPr>
+        <dsp:cNvPr id="0" name=""/>
+        <dsp:cNvSpPr/>
+      </dsp:nvSpPr>
+      <dsp:spPr>
+        <a:xfrm rot="10800000">
+          <a:off x="3905205" y="4574447"/>
+          <a:ext cx="336643" cy="425946"/>
+        </a:xfrm>
+        <a:prstGeom prst="rightArrow">
+          <a:avLst>
+            <a:gd name="adj1" fmla="val 60000"/>
+            <a:gd name="adj2" fmla="val 50000"/>
+          </a:avLst>
+        </a:prstGeom>
+        <a:gradFill rotWithShape="0">
+          <a:gsLst>
+            <a:gs pos="0">
+              <a:schemeClr val="accent5">
+                <a:hueOff val="0"/>
+                <a:satOff val="0"/>
+                <a:lumOff val="0"/>
+                <a:alphaOff val="0"/>
+                <a:satMod val="103000"/>
+                <a:lumMod val="102000"/>
+                <a:tint val="94000"/>
+              </a:schemeClr>
+            </a:gs>
+            <a:gs pos="50000">
+              <a:schemeClr val="accent5">
+                <a:hueOff val="0"/>
+                <a:satOff val="0"/>
+                <a:lumOff val="0"/>
+                <a:alphaOff val="0"/>
+                <a:satMod val="110000"/>
+                <a:lumMod val="100000"/>
+                <a:shade val="100000"/>
+              </a:schemeClr>
+            </a:gs>
+            <a:gs pos="100000">
+              <a:schemeClr val="accent5">
+                <a:hueOff val="0"/>
+                <a:satOff val="0"/>
+                <a:lumOff val="0"/>
+                <a:alphaOff val="0"/>
+                <a:lumMod val="99000"/>
+                <a:satMod val="120000"/>
+                <a:shade val="78000"/>
+              </a:schemeClr>
+            </a:gs>
+          </a:gsLst>
+          <a:lin ang="5400000" scaled="0"/>
+        </a:gradFill>
+        <a:ln>
+          <a:noFill/>
+        </a:ln>
+        <a:effectLst/>
+        <a:scene3d>
+          <a:camera prst="orthographicFront"/>
+          <a:lightRig rig="flat" dir="t"/>
+        </a:scene3d>
+        <a:sp3d z="-80000" prstMaterial="plastic">
+          <a:bevelT w="50800" h="50800"/>
+          <a:bevelB w="25400" h="25400" prst="angle"/>
+        </a:sp3d>
+      </dsp:spPr>
+      <dsp:style>
+        <a:lnRef idx="0">
+          <a:scrgbClr r="0" g="0" b="0"/>
+        </a:lnRef>
+        <a:fillRef idx="3">
+          <a:scrgbClr r="0" g="0" b="0"/>
+        </a:fillRef>
+        <a:effectRef idx="2">
+          <a:scrgbClr r="0" g="0" b="0"/>
+        </a:effectRef>
+        <a:fontRef idx="minor">
+          <a:schemeClr val="lt1"/>
+        </a:fontRef>
+      </dsp:style>
+      <dsp:txBody>
+        <a:bodyPr spcFirstLastPara="0" vert="horz" wrap="square" lIns="0" tIns="0" rIns="0" bIns="0" numCol="1" spcCol="1270" anchor="ctr" anchorCtr="0">
+          <a:noAutofit/>
+        </a:bodyPr>
+        <a:lstStyle/>
+        <a:p>
+          <a:pPr lvl="0" algn="ctr" defTabSz="488950">
+            <a:lnSpc>
+              <a:spcPct val="90000"/>
+            </a:lnSpc>
+            <a:spcBef>
+              <a:spcPct val="0"/>
+            </a:spcBef>
+            <a:spcAft>
+              <a:spcPct val="35000"/>
+            </a:spcAft>
+          </a:pPr>
+          <a:endParaRPr lang="en-US" sz="1100" kern="1200"/>
+        </a:p>
+      </dsp:txBody>
+      <dsp:txXfrm rot="10800000">
+        <a:off x="4006198" y="4659636"/>
+        <a:ext cx="235650" cy="255568"/>
+      </dsp:txXfrm>
+    </dsp:sp>
+    <dsp:sp modelId="{398AC9E8-8C61-4CA2-A9D4-BF17262B0965}">
+      <dsp:nvSpPr>
+        <dsp:cNvPr id="0" name=""/>
+        <dsp:cNvSpPr/>
+      </dsp:nvSpPr>
+      <dsp:spPr>
+        <a:xfrm>
+          <a:off x="2484349" y="4156389"/>
+          <a:ext cx="1262062" cy="1262062"/>
+        </a:xfrm>
+        <a:prstGeom prst="ellipse">
+          <a:avLst/>
+        </a:prstGeom>
+        <a:gradFill rotWithShape="0">
+          <a:gsLst>
+            <a:gs pos="0">
+              <a:schemeClr val="accent6">
+                <a:hueOff val="0"/>
+                <a:satOff val="0"/>
+                <a:lumOff val="0"/>
+                <a:alphaOff val="0"/>
+                <a:satMod val="103000"/>
+                <a:lumMod val="102000"/>
+                <a:tint val="94000"/>
+              </a:schemeClr>
+            </a:gs>
+            <a:gs pos="50000">
+              <a:schemeClr val="accent6">
+                <a:hueOff val="0"/>
+                <a:satOff val="0"/>
+                <a:lumOff val="0"/>
+                <a:alphaOff val="0"/>
+                <a:satMod val="110000"/>
+                <a:lumMod val="100000"/>
+                <a:shade val="100000"/>
+              </a:schemeClr>
+            </a:gs>
+            <a:gs pos="100000">
+              <a:schemeClr val="accent6">
+                <a:hueOff val="0"/>
+                <a:satOff val="0"/>
+                <a:lumOff val="0"/>
+                <a:alphaOff val="0"/>
+                <a:lumMod val="99000"/>
+                <a:satMod val="120000"/>
+                <a:shade val="78000"/>
+              </a:schemeClr>
+            </a:gs>
+          </a:gsLst>
+          <a:lin ang="5400000" scaled="0"/>
+        </a:gradFill>
+        <a:ln>
+          <a:noFill/>
+        </a:ln>
+        <a:effectLst/>
+        <a:scene3d>
+          <a:camera prst="orthographicFront"/>
+          <a:lightRig rig="flat" dir="t"/>
+        </a:scene3d>
+        <a:sp3d prstMaterial="plastic">
+          <a:bevelT w="120900" h="88900"/>
+          <a:bevelB w="88900" h="31750" prst="angle"/>
+        </a:sp3d>
+      </dsp:spPr>
+      <dsp:style>
+        <a:lnRef idx="0">
+          <a:scrgbClr r="0" g="0" b="0"/>
+        </a:lnRef>
+        <a:fillRef idx="3">
+          <a:scrgbClr r="0" g="0" b="0"/>
+        </a:fillRef>
+        <a:effectRef idx="2">
+          <a:scrgbClr r="0" g="0" b="0"/>
+        </a:effectRef>
+        <a:fontRef idx="minor">
+          <a:schemeClr val="lt1"/>
+        </a:fontRef>
+      </dsp:style>
+      <dsp:txBody>
+        <a:bodyPr spcFirstLastPara="0" vert="horz" wrap="square" lIns="16510" tIns="16510" rIns="16510" bIns="16510" numCol="1" spcCol="1270" anchor="ctr" anchorCtr="0">
+          <a:noAutofit/>
+        </a:bodyPr>
+        <a:lstStyle/>
+        <a:p>
+          <a:pPr lvl="0" algn="ctr" defTabSz="577850">
+            <a:lnSpc>
+              <a:spcPct val="90000"/>
+            </a:lnSpc>
+            <a:spcBef>
+              <a:spcPct val="0"/>
+            </a:spcBef>
+            <a:spcAft>
+              <a:spcPct val="35000"/>
+            </a:spcAft>
+          </a:pPr>
+          <a:r>
+            <a:rPr lang="en-US" sz="1300" kern="1200" dirty="0" smtClean="0"/>
+            <a:t>5. Financial Statements</a:t>
+          </a:r>
+          <a:endParaRPr lang="en-US" sz="1300" kern="1200" dirty="0"/>
+        </a:p>
+      </dsp:txBody>
+      <dsp:txXfrm>
+        <a:off x="2669174" y="4341214"/>
+        <a:ext cx="892412" cy="892412"/>
+      </dsp:txXfrm>
+    </dsp:sp>
+    <dsp:sp modelId="{DD3E7DA7-BE41-4622-B4AC-EB4C4638739B}">
+      <dsp:nvSpPr>
+        <dsp:cNvPr id="0" name=""/>
+        <dsp:cNvSpPr/>
+      </dsp:nvSpPr>
+      <dsp:spPr>
+        <a:xfrm rot="13885714">
+          <a:off x="2361544" y="3840235"/>
+          <a:ext cx="336643" cy="425946"/>
+        </a:xfrm>
+        <a:prstGeom prst="rightArrow">
+          <a:avLst>
+            <a:gd name="adj1" fmla="val 60000"/>
+            <a:gd name="adj2" fmla="val 50000"/>
+          </a:avLst>
+        </a:prstGeom>
+        <a:gradFill rotWithShape="0">
+          <a:gsLst>
+            <a:gs pos="0">
+              <a:schemeClr val="accent6">
+                <a:hueOff val="0"/>
+                <a:satOff val="0"/>
+                <a:lumOff val="0"/>
+                <a:alphaOff val="0"/>
+                <a:satMod val="103000"/>
+                <a:lumMod val="102000"/>
+                <a:tint val="94000"/>
+              </a:schemeClr>
+            </a:gs>
+            <a:gs pos="50000">
+              <a:schemeClr val="accent6">
+                <a:hueOff val="0"/>
+                <a:satOff val="0"/>
+                <a:lumOff val="0"/>
+                <a:alphaOff val="0"/>
+                <a:satMod val="110000"/>
+                <a:lumMod val="100000"/>
+                <a:shade val="100000"/>
+              </a:schemeClr>
+            </a:gs>
+            <a:gs pos="100000">
+              <a:schemeClr val="accent6">
+                <a:hueOff val="0"/>
+                <a:satOff val="0"/>
+                <a:lumOff val="0"/>
+                <a:alphaOff val="0"/>
+                <a:lumMod val="99000"/>
+                <a:satMod val="120000"/>
+                <a:shade val="78000"/>
+              </a:schemeClr>
+            </a:gs>
+          </a:gsLst>
+          <a:lin ang="5400000" scaled="0"/>
+        </a:gradFill>
+        <a:ln>
+          <a:noFill/>
+        </a:ln>
+        <a:effectLst/>
+        <a:scene3d>
+          <a:camera prst="orthographicFront"/>
+          <a:lightRig rig="flat" dir="t"/>
+        </a:scene3d>
+        <a:sp3d z="-80000" prstMaterial="plastic">
+          <a:bevelT w="50800" h="50800"/>
+          <a:bevelB w="25400" h="25400" prst="angle"/>
+        </a:sp3d>
+      </dsp:spPr>
+      <dsp:style>
+        <a:lnRef idx="0">
+          <a:scrgbClr r="0" g="0" b="0"/>
+        </a:lnRef>
+        <a:fillRef idx="3">
+          <a:scrgbClr r="0" g="0" b="0"/>
+        </a:fillRef>
+        <a:effectRef idx="2">
+          <a:scrgbClr r="0" g="0" b="0"/>
+        </a:effectRef>
+        <a:fontRef idx="minor">
+          <a:schemeClr val="lt1"/>
+        </a:fontRef>
+      </dsp:style>
+      <dsp:txBody>
+        <a:bodyPr spcFirstLastPara="0" vert="horz" wrap="square" lIns="0" tIns="0" rIns="0" bIns="0" numCol="1" spcCol="1270" anchor="ctr" anchorCtr="0">
+          <a:noAutofit/>
+        </a:bodyPr>
+        <a:lstStyle/>
+        <a:p>
+          <a:pPr lvl="0" algn="ctr" defTabSz="488950">
+            <a:lnSpc>
+              <a:spcPct val="90000"/>
+            </a:lnSpc>
+            <a:spcBef>
+              <a:spcPct val="0"/>
+            </a:spcBef>
+            <a:spcAft>
+              <a:spcPct val="35000"/>
+            </a:spcAft>
+          </a:pPr>
+          <a:endParaRPr lang="en-US" sz="1100" kern="1200"/>
+        </a:p>
+      </dsp:txBody>
+      <dsp:txXfrm rot="10800000">
+        <a:off x="2443525" y="3964904"/>
+        <a:ext cx="235650" cy="255568"/>
+      </dsp:txXfrm>
+    </dsp:sp>
+    <dsp:sp modelId="{F4868C5F-4A0B-4CCC-882B-153BB8F85307}">
+      <dsp:nvSpPr>
+        <dsp:cNvPr id="0" name=""/>
+        <dsp:cNvSpPr/>
+      </dsp:nvSpPr>
+      <dsp:spPr>
+        <a:xfrm>
+          <a:off x="1301440" y="2673067"/>
+          <a:ext cx="1262062" cy="1262062"/>
+        </a:xfrm>
+        <a:prstGeom prst="ellipse">
+          <a:avLst/>
+        </a:prstGeom>
+        <a:gradFill rotWithShape="0">
+          <a:gsLst>
+            <a:gs pos="0">
+              <a:schemeClr val="accent2">
+                <a:hueOff val="0"/>
+                <a:satOff val="0"/>
+                <a:lumOff val="0"/>
+                <a:alphaOff val="0"/>
+                <a:satMod val="103000"/>
+                <a:lumMod val="102000"/>
+                <a:tint val="94000"/>
+              </a:schemeClr>
+            </a:gs>
+            <a:gs pos="50000">
+              <a:schemeClr val="accent2">
+                <a:hueOff val="0"/>
+                <a:satOff val="0"/>
+                <a:lumOff val="0"/>
+                <a:alphaOff val="0"/>
+                <a:satMod val="110000"/>
+                <a:lumMod val="100000"/>
+                <a:shade val="100000"/>
+              </a:schemeClr>
+            </a:gs>
+            <a:gs pos="100000">
+              <a:schemeClr val="accent2">
+                <a:hueOff val="0"/>
+                <a:satOff val="0"/>
+                <a:lumOff val="0"/>
+                <a:alphaOff val="0"/>
+                <a:lumMod val="99000"/>
+                <a:satMod val="120000"/>
+                <a:shade val="78000"/>
+              </a:schemeClr>
+            </a:gs>
+          </a:gsLst>
+          <a:lin ang="5400000" scaled="0"/>
+        </a:gradFill>
+        <a:ln>
+          <a:noFill/>
+        </a:ln>
+        <a:effectLst/>
+        <a:scene3d>
+          <a:camera prst="orthographicFront"/>
+          <a:lightRig rig="flat" dir="t"/>
+        </a:scene3d>
+        <a:sp3d prstMaterial="plastic">
+          <a:bevelT w="120900" h="88900"/>
+          <a:bevelB w="88900" h="31750" prst="angle"/>
+        </a:sp3d>
+      </dsp:spPr>
+      <dsp:style>
+        <a:lnRef idx="0">
+          <a:scrgbClr r="0" g="0" b="0"/>
+        </a:lnRef>
+        <a:fillRef idx="3">
+          <a:scrgbClr r="0" g="0" b="0"/>
+        </a:fillRef>
+        <a:effectRef idx="2">
+          <a:scrgbClr r="0" g="0" b="0"/>
+        </a:effectRef>
+        <a:fontRef idx="minor">
+          <a:schemeClr val="lt1"/>
+        </a:fontRef>
+      </dsp:style>
+      <dsp:txBody>
+        <a:bodyPr spcFirstLastPara="0" vert="horz" wrap="square" lIns="16510" tIns="16510" rIns="16510" bIns="16510" numCol="1" spcCol="1270" anchor="ctr" anchorCtr="0">
+          <a:noAutofit/>
+        </a:bodyPr>
+        <a:lstStyle/>
+        <a:p>
+          <a:pPr lvl="0" algn="ctr" defTabSz="577850">
+            <a:lnSpc>
+              <a:spcPct val="90000"/>
+            </a:lnSpc>
+            <a:spcBef>
+              <a:spcPct val="0"/>
+            </a:spcBef>
+            <a:spcAft>
+              <a:spcPct val="35000"/>
+            </a:spcAft>
+          </a:pPr>
+          <a:r>
+            <a:rPr lang="en-US" sz="1300" kern="1200" dirty="0" smtClean="0"/>
+            <a:t>6. Closing Entries</a:t>
+          </a:r>
+          <a:endParaRPr lang="en-US" sz="1300" kern="1200" dirty="0"/>
+        </a:p>
+      </dsp:txBody>
+      <dsp:txXfrm>
+        <a:off x="1486265" y="2857892"/>
+        <a:ext cx="892412" cy="892412"/>
+      </dsp:txXfrm>
+    </dsp:sp>
+    <dsp:sp modelId="{EE89DE90-F10E-4AC7-9422-816E4D2AC3D9}">
+      <dsp:nvSpPr>
+        <dsp:cNvPr id="0" name=""/>
+        <dsp:cNvSpPr/>
+      </dsp:nvSpPr>
+      <dsp:spPr>
+        <a:xfrm rot="16971429">
+          <a:off x="1973117" y="2175579"/>
+          <a:ext cx="336643" cy="425946"/>
+        </a:xfrm>
+        <a:prstGeom prst="rightArrow">
+          <a:avLst>
+            <a:gd name="adj1" fmla="val 60000"/>
+            <a:gd name="adj2" fmla="val 50000"/>
+          </a:avLst>
+        </a:prstGeom>
+        <a:gradFill rotWithShape="0">
+          <a:gsLst>
+            <a:gs pos="0">
+              <a:schemeClr val="accent2">
+                <a:hueOff val="0"/>
+                <a:satOff val="0"/>
+                <a:lumOff val="0"/>
+                <a:alphaOff val="0"/>
+                <a:satMod val="103000"/>
+                <a:lumMod val="102000"/>
+                <a:tint val="94000"/>
+              </a:schemeClr>
+            </a:gs>
+            <a:gs pos="50000">
+              <a:schemeClr val="accent2">
+                <a:hueOff val="0"/>
+                <a:satOff val="0"/>
+                <a:lumOff val="0"/>
+                <a:alphaOff val="0"/>
+                <a:satMod val="110000"/>
+                <a:lumMod val="100000"/>
+                <a:shade val="100000"/>
+              </a:schemeClr>
+            </a:gs>
+            <a:gs pos="100000">
+              <a:schemeClr val="accent2">
+                <a:hueOff val="0"/>
+                <a:satOff val="0"/>
+                <a:lumOff val="0"/>
+                <a:alphaOff val="0"/>
+                <a:lumMod val="99000"/>
+                <a:satMod val="120000"/>
+                <a:shade val="78000"/>
+              </a:schemeClr>
+            </a:gs>
+          </a:gsLst>
+          <a:lin ang="5400000" scaled="0"/>
+        </a:gradFill>
+        <a:ln>
+          <a:noFill/>
+        </a:ln>
+        <a:effectLst/>
+        <a:scene3d>
+          <a:camera prst="orthographicFront"/>
+          <a:lightRig rig="flat" dir="t"/>
+        </a:scene3d>
+        <a:sp3d z="-80000" prstMaterial="plastic">
+          <a:bevelT w="50800" h="50800"/>
+          <a:bevelB w="25400" h="25400" prst="angle"/>
+        </a:sp3d>
+      </dsp:spPr>
+      <dsp:style>
+        <a:lnRef idx="0">
+          <a:scrgbClr r="0" g="0" b="0"/>
+        </a:lnRef>
+        <a:fillRef idx="3">
+          <a:scrgbClr r="0" g="0" b="0"/>
+        </a:fillRef>
+        <a:effectRef idx="2">
+          <a:scrgbClr r="0" g="0" b="0"/>
+        </a:effectRef>
+        <a:fontRef idx="minor">
+          <a:schemeClr val="lt1"/>
+        </a:fontRef>
+      </dsp:style>
+      <dsp:txBody>
+        <a:bodyPr spcFirstLastPara="0" vert="horz" wrap="square" lIns="0" tIns="0" rIns="0" bIns="0" numCol="1" spcCol="1270" anchor="ctr" anchorCtr="0">
+          <a:noAutofit/>
+        </a:bodyPr>
+        <a:lstStyle/>
+        <a:p>
+          <a:pPr lvl="0" algn="ctr" defTabSz="488950">
+            <a:lnSpc>
+              <a:spcPct val="90000"/>
+            </a:lnSpc>
+            <a:spcBef>
+              <a:spcPct val="0"/>
+            </a:spcBef>
+            <a:spcAft>
+              <a:spcPct val="35000"/>
+            </a:spcAft>
+          </a:pPr>
+          <a:endParaRPr lang="en-US" sz="1100" kern="1200"/>
+        </a:p>
+      </dsp:txBody>
+      <dsp:txXfrm>
+        <a:off x="2012377" y="2309998"/>
+        <a:ext cx="235650" cy="255568"/>
+      </dsp:txXfrm>
+    </dsp:sp>
+    <dsp:sp modelId="{E1F89000-22EA-4AA0-876D-12D1FEE08DD4}">
+      <dsp:nvSpPr>
+        <dsp:cNvPr id="0" name=""/>
+        <dsp:cNvSpPr/>
+      </dsp:nvSpPr>
+      <dsp:spPr>
+        <a:xfrm>
+          <a:off x="1723615" y="823396"/>
+          <a:ext cx="1262062" cy="1262062"/>
+        </a:xfrm>
+        <a:prstGeom prst="ellipse">
+          <a:avLst/>
+        </a:prstGeom>
+        <a:gradFill rotWithShape="0">
+          <a:gsLst>
+            <a:gs pos="0">
+              <a:schemeClr val="accent3">
+                <a:hueOff val="0"/>
+                <a:satOff val="0"/>
+                <a:lumOff val="0"/>
+                <a:alphaOff val="0"/>
+                <a:satMod val="103000"/>
+                <a:lumMod val="102000"/>
+                <a:tint val="94000"/>
+              </a:schemeClr>
+            </a:gs>
+            <a:gs pos="50000">
+              <a:schemeClr val="accent3">
+                <a:hueOff val="0"/>
+                <a:satOff val="0"/>
+                <a:lumOff val="0"/>
+                <a:alphaOff val="0"/>
+                <a:satMod val="110000"/>
+                <a:lumMod val="100000"/>
+                <a:shade val="100000"/>
+              </a:schemeClr>
+            </a:gs>
+            <a:gs pos="100000">
+              <a:schemeClr val="accent3">
+                <a:hueOff val="0"/>
+                <a:satOff val="0"/>
+                <a:lumOff val="0"/>
+                <a:alphaOff val="0"/>
+                <a:lumMod val="99000"/>
+                <a:satMod val="120000"/>
+                <a:shade val="78000"/>
+              </a:schemeClr>
+            </a:gs>
+          </a:gsLst>
+          <a:lin ang="5400000" scaled="0"/>
+        </a:gradFill>
+        <a:ln>
+          <a:noFill/>
+        </a:ln>
+        <a:effectLst/>
+        <a:scene3d>
+          <a:camera prst="orthographicFront"/>
+          <a:lightRig rig="flat" dir="t"/>
+        </a:scene3d>
+        <a:sp3d prstMaterial="plastic">
+          <a:bevelT w="120900" h="88900"/>
+          <a:bevelB w="88900" h="31750" prst="angle"/>
+        </a:sp3d>
+      </dsp:spPr>
+      <dsp:style>
+        <a:lnRef idx="0">
+          <a:scrgbClr r="0" g="0" b="0"/>
+        </a:lnRef>
+        <a:fillRef idx="3">
+          <a:scrgbClr r="0" g="0" b="0"/>
+        </a:fillRef>
+        <a:effectRef idx="2">
+          <a:scrgbClr r="0" g="0" b="0"/>
+        </a:effectRef>
+        <a:fontRef idx="minor">
+          <a:schemeClr val="lt1"/>
+        </a:fontRef>
+      </dsp:style>
+      <dsp:txBody>
+        <a:bodyPr spcFirstLastPara="0" vert="horz" wrap="square" lIns="16510" tIns="16510" rIns="16510" bIns="16510" numCol="1" spcCol="1270" anchor="ctr" anchorCtr="0">
+          <a:noAutofit/>
+        </a:bodyPr>
+        <a:lstStyle/>
+        <a:p>
+          <a:pPr lvl="0" algn="ctr" defTabSz="577850">
+            <a:lnSpc>
+              <a:spcPct val="90000"/>
+            </a:lnSpc>
+            <a:spcBef>
+              <a:spcPct val="0"/>
+            </a:spcBef>
+            <a:spcAft>
+              <a:spcPct val="35000"/>
+            </a:spcAft>
+          </a:pPr>
+          <a:r>
+            <a:rPr lang="en-US" sz="1300" kern="1200" dirty="0" smtClean="0"/>
+            <a:t>7. Post-Closing Trial Balance</a:t>
+          </a:r>
+          <a:endParaRPr lang="en-US" sz="1300" kern="1200" dirty="0"/>
+        </a:p>
+      </dsp:txBody>
+      <dsp:txXfrm>
+        <a:off x="1908440" y="1008221"/>
+        <a:ext cx="892412" cy="892412"/>
+      </dsp:txXfrm>
+    </dsp:sp>
+    <dsp:sp modelId="{6966B110-AED8-45AE-8CBF-A8847441A96B}">
+      <dsp:nvSpPr>
+        <dsp:cNvPr id="0" name=""/>
+        <dsp:cNvSpPr/>
+      </dsp:nvSpPr>
+      <dsp:spPr>
+        <a:xfrm rot="20057143">
+          <a:off x="3032417" y="833998"/>
+          <a:ext cx="336643" cy="425946"/>
+        </a:xfrm>
+        <a:prstGeom prst="rightArrow">
+          <a:avLst>
+            <a:gd name="adj1" fmla="val 60000"/>
+            <a:gd name="adj2" fmla="val 50000"/>
+          </a:avLst>
+        </a:prstGeom>
+        <a:gradFill rotWithShape="0">
+          <a:gsLst>
+            <a:gs pos="0">
+              <a:schemeClr val="accent3">
+                <a:hueOff val="0"/>
+                <a:satOff val="0"/>
+                <a:lumOff val="0"/>
+                <a:alphaOff val="0"/>
+                <a:satMod val="103000"/>
+                <a:lumMod val="102000"/>
+                <a:tint val="94000"/>
+              </a:schemeClr>
+            </a:gs>
+            <a:gs pos="50000">
+              <a:schemeClr val="accent3">
+                <a:hueOff val="0"/>
+                <a:satOff val="0"/>
+                <a:lumOff val="0"/>
+                <a:alphaOff val="0"/>
+                <a:satMod val="110000"/>
+                <a:lumMod val="100000"/>
+                <a:shade val="100000"/>
+              </a:schemeClr>
+            </a:gs>
+            <a:gs pos="100000">
+              <a:schemeClr val="accent3">
+                <a:hueOff val="0"/>
+                <a:satOff val="0"/>
+                <a:lumOff val="0"/>
+                <a:alphaOff val="0"/>
+                <a:lumMod val="99000"/>
+                <a:satMod val="120000"/>
+                <a:shade val="78000"/>
+              </a:schemeClr>
+            </a:gs>
+          </a:gsLst>
+          <a:lin ang="5400000" scaled="0"/>
+        </a:gradFill>
+        <a:ln>
+          <a:noFill/>
+        </a:ln>
+        <a:effectLst/>
+        <a:scene3d>
+          <a:camera prst="orthographicFront"/>
+          <a:lightRig rig="flat" dir="t"/>
+        </a:scene3d>
+        <a:sp3d z="-80000" prstMaterial="plastic">
+          <a:bevelT w="50800" h="50800"/>
+          <a:bevelB w="25400" h="25400" prst="angle"/>
+        </a:sp3d>
+      </dsp:spPr>
+      <dsp:style>
+        <a:lnRef idx="0">
+          <a:scrgbClr r="0" g="0" b="0"/>
+        </a:lnRef>
+        <a:fillRef idx="3">
+          <a:scrgbClr r="0" g="0" b="0"/>
+        </a:fillRef>
+        <a:effectRef idx="2">
+          <a:scrgbClr r="0" g="0" b="0"/>
+        </a:effectRef>
+        <a:fontRef idx="minor">
+          <a:schemeClr val="lt1"/>
+        </a:fontRef>
+      </dsp:style>
+      <dsp:txBody>
+        <a:bodyPr spcFirstLastPara="0" vert="horz" wrap="square" lIns="0" tIns="0" rIns="0" bIns="0" numCol="1" spcCol="1270" anchor="ctr" anchorCtr="0">
+          <a:noAutofit/>
+        </a:bodyPr>
+        <a:lstStyle/>
+        <a:p>
+          <a:pPr lvl="0" algn="ctr" defTabSz="488950">
+            <a:lnSpc>
+              <a:spcPct val="90000"/>
+            </a:lnSpc>
+            <a:spcBef>
+              <a:spcPct val="0"/>
+            </a:spcBef>
+            <a:spcAft>
+              <a:spcPct val="35000"/>
+            </a:spcAft>
+          </a:pPr>
+          <a:endParaRPr lang="en-US" sz="1100" kern="1200"/>
+        </a:p>
+      </dsp:txBody>
+      <dsp:txXfrm>
+        <a:off x="3037418" y="941097"/>
+        <a:ext cx="235650" cy="255568"/>
+      </dsp:txXfrm>
+    </dsp:sp>
+  </dsp:spTree>
+</dsp:drawing>
+</file>
+
+<file path=ppt/diagrams/layout1.xml><?xml version="1.0" encoding="utf-8"?>
+<dgm:layoutDef xmlns:dgm="http://schemas.openxmlformats.org/drawingml/2006/diagram" xmlns:a="http://schemas.openxmlformats.org/drawingml/2006/main" uniqueId="urn:microsoft.com/office/officeart/2005/8/layout/cycle2">
+  <dgm:title val=""/>
+  <dgm:desc val=""/>
+  <dgm:catLst>
+    <dgm:cat type="cycle" pri="1000"/>
+    <dgm:cat type="convert" pri="10000"/>
+  </dgm:catLst>
+  <dgm:sampData>
+    <dgm:dataModel>
+      <dgm:ptLst>
+        <dgm:pt modelId="0" type="doc"/>
+        <dgm:pt modelId="1">
+          <dgm:prSet phldr="1"/>
+        </dgm:pt>
+        <dgm:pt modelId="2">
+          <dgm:prSet phldr="1"/>
+        </dgm:pt>
+        <dgm:pt modelId="3">
+          <dgm:prSet phldr="1"/>
+        </dgm:pt>
+        <dgm:pt modelId="4">
+          <dgm:prSet phldr="1"/>
+        </dgm:pt>
+        <dgm:pt modelId="5">
+          <dgm:prSet phldr="1"/>
+        </dgm:pt>
+      </dgm:ptLst>
+      <dgm:cxnLst>
+        <dgm:cxn modelId="6" srcId="0" destId="1" srcOrd="0" destOrd="0"/>
+        <dgm:cxn modelId="7" srcId="0" destId="2" srcOrd="1" destOrd="0"/>
+        <dgm:cxn modelId="8" srcId="0" destId="3" srcOrd="2" destOrd="0"/>
+        <dgm:cxn modelId="9" srcId="0" destId="4" srcOrd="3" destOrd="0"/>
+        <dgm:cxn modelId="10" srcId="0" destId="5" srcOrd="4" destOrd="0"/>
+      </dgm:cxnLst>
+      <dgm:bg/>
+      <dgm:whole/>
+    </dgm:dataModel>
+  </dgm:sampData>
+  <dgm:styleData>
+    <dgm:dataModel>
+      <dgm:ptLst>
+        <dgm:pt modelId="0" type="doc"/>
+        <dgm:pt modelId="1"/>
+        <dgm:pt modelId="2"/>
+        <dgm:pt modelId="3"/>
+      </dgm:ptLst>
+      <dgm:cxnLst>
+        <dgm:cxn modelId="4" srcId="0" destId="1" srcOrd="0" destOrd="0"/>
+        <dgm:cxn modelId="5" srcId="0" destId="2" srcOrd="1" destOrd="0"/>
+        <dgm:cxn modelId="6" srcId="0" destId="3" srcOrd="2" destOrd="0"/>
+      </dgm:cxnLst>
+      <dgm:bg/>
+      <dgm:whole/>
+    </dgm:dataModel>
+  </dgm:styleData>
+  <dgm:clrData>
+    <dgm:dataModel>
+      <dgm:ptLst>
+        <dgm:pt modelId="0" type="doc"/>
+        <dgm:pt modelId="1"/>
+        <dgm:pt modelId="2"/>
+        <dgm:pt modelId="3"/>
+        <dgm:pt modelId="4"/>
+        <dgm:pt modelId="5"/>
+        <dgm:pt modelId="6"/>
+      </dgm:ptLst>
+      <dgm:cxnLst>
+        <dgm:cxn modelId="7" srcId="0" destId="1" srcOrd="0" destOrd="0"/>
+        <dgm:cxn modelId="8" srcId="0" destId="2" srcOrd="1" destOrd="0"/>
+        <dgm:cxn modelId="9" srcId="0" destId="3" srcOrd="2" destOrd="0"/>
+        <dgm:cxn modelId="10" srcId="0" destId="4" srcOrd="3" destOrd="0"/>
+        <dgm:cxn modelId="11" srcId="0" destId="5" srcOrd="4" destOrd="0"/>
+        <dgm:cxn modelId="12" srcId="0" destId="6" srcOrd="5" destOrd="0"/>
+      </dgm:cxnLst>
+      <dgm:bg/>
+      <dgm:whole/>
+    </dgm:dataModel>
+  </dgm:clrData>
+  <dgm:layoutNode name="cycle">
+    <dgm:varLst>
+      <dgm:dir/>
+      <dgm:resizeHandles val="exact"/>
+    </dgm:varLst>
+    <dgm:choose name="Name0">
+      <dgm:if name="Name1" func="var" arg="dir" op="equ" val="norm">
+        <dgm:choose name="Name2">
+          <dgm:if name="Name3" axis="ch" ptType="node" func="cnt" op="gt" val="2">
+            <dgm:alg type="cycle">
+              <dgm:param type="stAng" val="0"/>
+              <dgm:param type="spanAng" val="360"/>
+            </dgm:alg>
+          </dgm:if>
+          <dgm:else name="Name4">
+            <dgm:alg type="cycle">
+              <dgm:param type="stAng" val="-90"/>
+              <dgm:param type="spanAng" val="360"/>
+            </dgm:alg>
+          </dgm:else>
+        </dgm:choose>
+      </dgm:if>
+      <dgm:else name="Name5">
+        <dgm:choose name="Name6">
+          <dgm:if name="Name7" axis="ch" ptType="node" func="cnt" op="gt" val="2">
+            <dgm:alg type="cycle">
+              <dgm:param type="stAng" val="0"/>
+              <dgm:param type="spanAng" val="-360"/>
+            </dgm:alg>
+          </dgm:if>
+          <dgm:else name="Name8">
+            <dgm:alg type="cycle">
+              <dgm:param type="stAng" val="90"/>
+              <dgm:param type="spanAng" val="-360"/>
+            </dgm:alg>
+          </dgm:else>
+        </dgm:choose>
+      </dgm:else>
+    </dgm:choose>
+    <dgm:shape xmlns:r="http://schemas.openxmlformats.org/officeDocument/2006/relationships" r:blip="">
+      <dgm:adjLst/>
+    </dgm:shape>
+    <dgm:presOf/>
+    <dgm:constrLst>
+      <dgm:constr type="w" for="ch" ptType="node" refType="w"/>
+      <dgm:constr type="w" for="ch" ptType="sibTrans" refType="w" refFor="ch" refPtType="node" op="equ" fact="0.25"/>
+      <dgm:constr type="sibSp" refType="w" refFor="ch" refPtType="node" fact="0.5"/>
+      <dgm:constr type="primFontSz" for="ch" ptType="node" op="equ" val="65"/>
+      <dgm:constr type="primFontSz" for="des" forName="connectorText" op="equ" val="55"/>
+      <dgm:constr type="primFontSz" for="des" forName="connectorText" refType="primFontSz" refFor="ch" refPtType="node" op="lte" fact="0.8"/>
+    </dgm:constrLst>
+    <dgm:ruleLst/>
+    <dgm:forEach name="nodesForEach" axis="ch" ptType="node">
+      <dgm:layoutNode name="node">
+        <dgm:varLst>
+          <dgm:bulletEnabled val="1"/>
+        </dgm:varLst>
+        <dgm:alg type="tx">
+          <dgm:param type="txAnchorVertCh" val="mid"/>
+        </dgm:alg>
+        <dgm:shape xmlns:r="http://schemas.openxmlformats.org/officeDocument/2006/relationships" type="ellipse" r:blip="">
+          <dgm:adjLst/>
+        </dgm:shape>
+        <dgm:presOf axis="desOrSelf" ptType="node"/>
+        <dgm:constrLst>
+          <dgm:constr type="h" refType="w"/>
+          <dgm:constr type="lMarg" refType="primFontSz" fact="0.1"/>
+          <dgm:constr type="rMarg" refType="primFontSz" fact="0.1"/>
+          <dgm:constr type="tMarg" refType="primFontSz" fact="0.1"/>
+          <dgm:constr type="bMarg" refType="primFontSz" fact="0.1"/>
+        </dgm:constrLst>
+        <dgm:ruleLst>
+          <dgm:rule type="primFontSz" val="5" fact="NaN" max="NaN"/>
+        </dgm:ruleLst>
+      </dgm:layoutNode>
+      <dgm:choose name="Name9">
+        <dgm:if name="Name10" axis="par ch" ptType="doc node" func="cnt" op="gt" val="1">
+          <dgm:forEach name="sibTransForEach" axis="followSib" ptType="sibTrans" hideLastTrans="0" cnt="1">
+            <dgm:layoutNode name="sibTrans">
+              <dgm:choose name="Name11">
+                <dgm:if name="Name12" axis="par ch" ptType="doc node" func="cnt" op="lt" val="3">
+                  <dgm:alg type="conn">
+                    <dgm:param type="begPts" val="radial"/>
+                    <dgm:param type="endPts" val="radial"/>
+                  </dgm:alg>
+                </dgm:if>
+                <dgm:else name="Name13">
+                  <dgm:alg type="conn">
+                    <dgm:param type="begPts" val="auto"/>
+                    <dgm:param type="endPts" val="auto"/>
+                  </dgm:alg>
+                </dgm:else>
+              </dgm:choose>
+              <dgm:shape xmlns:r="http://schemas.openxmlformats.org/officeDocument/2006/relationships" type="conn" r:blip="">
+                <dgm:adjLst/>
+              </dgm:shape>
+              <dgm:presOf axis="self"/>
+              <dgm:constrLst>
+                <dgm:constr type="h" refType="w" fact="1.35"/>
+                <dgm:constr type="connDist"/>
+                <dgm:constr type="w" for="ch" refType="connDist" fact="0.45"/>
+                <dgm:constr type="h" for="ch" refType="h"/>
+              </dgm:constrLst>
+              <dgm:ruleLst/>
+              <dgm:layoutNode name="connectorText">
+                <dgm:alg type="tx">
+                  <dgm:param type="autoTxRot" val="grav"/>
+                </dgm:alg>
+                <dgm:shape xmlns:r="http://schemas.openxmlformats.org/officeDocument/2006/relationships" type="conn" r:blip="" hideGeom="1">
+                  <dgm:adjLst/>
+                </dgm:shape>
+                <dgm:presOf axis="self"/>
+                <dgm:constrLst>
+                  <dgm:constr type="lMarg"/>
+                  <dgm:constr type="rMarg"/>
+                  <dgm:constr type="tMarg"/>
+                  <dgm:constr type="bMarg"/>
+                </dgm:constrLst>
+                <dgm:ruleLst>
+                  <dgm:rule type="primFontSz" val="5" fact="NaN" max="NaN"/>
+                </dgm:ruleLst>
+              </dgm:layoutNode>
+            </dgm:layoutNode>
+          </dgm:forEach>
+        </dgm:if>
+        <dgm:else name="Name14"/>
+      </dgm:choose>
+    </dgm:forEach>
+  </dgm:layoutNode>
+</dgm:layoutDef>
+</file>
+
+<file path=ppt/diagrams/quickStyle1.xml><?xml version="1.0" encoding="utf-8"?>
+<dgm:styleDef xmlns:dgm="http://schemas.openxmlformats.org/drawingml/2006/diagram" xmlns:a="http://schemas.openxmlformats.org/drawingml/2006/main" uniqueId="urn:microsoft.com/office/officeart/2005/8/quickstyle/3d1">
+  <dgm:title val=""/>
+  <dgm:desc val=""/>
+  <dgm:catLst>
+    <dgm:cat type="3D" pri="11100"/>
+  </dgm:catLst>
+  <dgm:scene3d>
+    <a:camera prst="orthographicFront"/>
+    <a:lightRig rig="threePt" dir="t"/>
+  </dgm:scene3d>
+  <dgm:styleLbl name="node0">
+    <dgm:scene3d>
+      <a:camera prst="orthographicFront"/>
+      <a:lightRig rig="flat" dir="t"/>
+    </dgm:scene3d>
+    <dgm:sp3d prstMaterial="plastic">
+      <a:bevelT w="120900" h="88900"/>
+      <a:bevelB w="88900" h="31750" prst="angle"/>
+    </dgm:sp3d>
+    <dgm:txPr/>
+    <dgm:style>
+      <a:lnRef idx="0">
+        <a:scrgbClr r="0" g="0" b="0"/>
+      </a:lnRef>
+      <a:fillRef idx="3">
+        <a:scrgbClr r="0" g="0" b="0"/>
+      </a:fillRef>
+      <a:effectRef idx="2">
+        <a:scrgbClr r="0" g="0" b="0"/>
+      </a:effectRef>
+      <a:fontRef idx="minor">
+        <a:schemeClr val="lt1"/>
+      </a:fontRef>
+    </dgm:style>
+  </dgm:styleLbl>
+  <dgm:styleLbl name="lnNode1">
+    <dgm:scene3d>
+      <a:camera prst="orthographicFront"/>
+      <a:lightRig rig="flat" dir="t"/>
+    </dgm:scene3d>
+    <dgm:sp3d prstMaterial="plastic">
+      <a:bevelT w="120900" h="88900"/>
+      <a:bevelB w="88900" h="31750" prst="angle"/>
+    </dgm:sp3d>
+    <dgm:txPr/>
+    <dgm:style>
+      <a:lnRef idx="0">
+        <a:scrgbClr r="0" g="0" b="0"/>
+      </a:lnRef>
+      <a:fillRef idx="3">
+        <a:scrgbClr r="0" g="0" b="0"/>
+      </a:fillRef>
+      <a:effectRef idx="1">
+        <a:scrgbClr r="0" g="0" b="0"/>
+      </a:effectRef>
+      <a:fontRef idx="minor">
+        <a:schemeClr val="lt1"/>
+      </a:fontRef>
+    </dgm:style>
+  </dgm:styleLbl>
+  <dgm:styleLbl name="vennNode1">
+    <dgm:scene3d>
+      <a:camera prst="orthographicFront"/>
+      <a:lightRig rig="flat" dir="t"/>
+    </dgm:scene3d>
+    <dgm:sp3d prstMaterial="plastic">
+      <a:bevelT w="120900" h="88900"/>
+      <a:bevelB w="88900" h="31750" prst="angle"/>
+    </dgm:sp3d>
+    <dgm:txPr/>
+    <dgm:style>
+      <a:lnRef idx="0">
+        <a:scrgbClr r="0" g="0" b="0"/>
+      </a:lnRef>
+      <a:fillRef idx="1">
+        <a:scrgbClr r="0" g="0" b="0"/>
+      </a:fillRef>
+      <a:effectRef idx="1">
+        <a:scrgbClr r="0" g="0" b="0"/>
+      </a:effectRef>
+      <a:fontRef idx="minor">
+        <a:schemeClr val="tx1"/>
+      </a:fontRef>
+    </dgm:style>
+  </dgm:styleLbl>
+  <dgm:styleLbl name="alignNode1">
+    <dgm:scene3d>
+      <a:camera prst="orthographicFront"/>
+      <a:lightRig rig="flat" dir="t"/>
+    </dgm:scene3d>
+    <dgm:sp3d prstMaterial="plastic">
+      <a:bevelT w="120900" h="88900"/>
+      <a:bevelB w="88900" h="31750" prst="angle"/>
+    </dgm:sp3d>
+    <dgm:txPr/>
+    <dgm:style>
+      <a:lnRef idx="1">
+        <a:scrgbClr r="0" g="0" b="0"/>
+      </a:lnRef>
+      <a:fillRef idx="3">
+        <a:scrgbClr r="0" g="0" b="0"/>
+      </a:fillRef>
+      <a:effectRef idx="2">
+        <a:scrgbClr r="0" g="0" b="0"/>
+      </a:effectRef>
+      <a:fontRef idx="minor">
+        <a:schemeClr val="lt1"/>
+      </a:fontRef>
+    </dgm:style>
+  </dgm:styleLbl>
+  <dgm:styleLbl name="node1">
+    <dgm:scene3d>
+      <a:camera prst="orthographicFront"/>
+      <a:lightRig rig="flat" dir="t"/>
+    </dgm:scene3d>
+    <dgm:sp3d prstMaterial="plastic">
+      <a:bevelT w="120900" h="88900"/>
+      <a:bevelB w="88900" h="31750" prst="angle"/>
+    </dgm:sp3d>
+    <dgm:txPr/>
+    <dgm:style>
+      <a:lnRef idx="0">
+        <a:scrgbClr r="0" g="0" b="0"/>
+      </a:lnRef>
+      <a:fillRef idx="3">
+        <a:scrgbClr r="0" g="0" b="0"/>
+      </a:fillRef>
+      <a:effectRef idx="2">
+        <a:scrgbClr r="0" g="0" b="0"/>
+      </a:effectRef>
+      <a:fontRef idx="minor">
+        <a:schemeClr val="lt1"/>
+      </a:fontRef>
+    </dgm:style>
+  </dgm:styleLbl>
+  <dgm:styleLbl name="node2">
+    <dgm:scene3d>
+      <a:camera prst="orthographicFront"/>
+      <a:lightRig rig="flat" dir="t"/>
+    </dgm:scene3d>
+    <dgm:sp3d prstMaterial="plastic">
+      <a:bevelT w="120900" h="88900"/>
+      <a:bevelB w="88900" h="31750" prst="angle"/>
+    </dgm:sp3d>
+    <dgm:txPr/>
+    <dgm:style>
+      <a:lnRef idx="0">
+        <a:scrgbClr r="0" g="0" b="0"/>
+      </a:lnRef>
+      <a:fillRef idx="3">
+        <a:scrgbClr r="0" g="0" b="0"/>
+      </a:fillRef>
+      <a:effectRef idx="1">
+        <a:scrgbClr r="0" g="0" b="0"/>
+      </a:effectRef>
+      <a:fontRef idx="minor">
+        <a:schemeClr val="lt1"/>
+      </a:fontRef>
+    </dgm:style>
+  </dgm:styleLbl>
+  <dgm:styleLbl name="node3">
+    <dgm:scene3d>
+      <a:camera prst="orthographicFront"/>
+      <a:lightRig rig="flat" dir="t"/>
+    </dgm:scene3d>
+    <dgm:sp3d prstMaterial="plastic">
+      <a:bevelT w="120900" h="88900"/>
+      <a:bevelB w="88900" h="31750" prst="angle"/>
+    </dgm:sp3d>
+    <dgm:txPr/>
+    <dgm:style>
+      <a:lnRef idx="0">
+        <a:scrgbClr r="0" g="0" b="0"/>
+      </a:lnRef>
+      <a:fillRef idx="3">
+        <a:scrgbClr r="0" g="0" b="0"/>
+      </a:fillRef>
+      <a:effectRef idx="1">
+        <a:scrgbClr r="0" g="0" b="0"/>
+      </a:effectRef>
+      <a:fontRef idx="minor">
+        <a:schemeClr val="lt1"/>
+      </a:fontRef>
+    </dgm:style>
+  </dgm:styleLbl>
+  <dgm:styleLbl name="node4">
+    <dgm:scene3d>
+      <a:camera prst="orthographicFront"/>
+      <a:lightRig rig="flat" dir="t"/>
+    </dgm:scene3d>
+    <dgm:sp3d prstMaterial="plastic">
+      <a:bevelT w="120900" h="88900"/>
+      <a:bevelB w="88900" h="31750" prst="angle"/>
+    </dgm:sp3d>
+    <dgm:txPr/>
+    <dgm:style>
+      <a:lnRef idx="0">
+        <a:scrgbClr r="0" g="0" b="0"/>
+      </a:lnRef>
+      <a:fillRef idx="3">
+        <a:scrgbClr r="0" g="0" b="0"/>
+      </a:fillRef>
+      <a:effectRef idx="1">
+        <a:scrgbClr r="0" g="0" b="0"/>
+      </a:effectRef>
+      <a:fontRef idx="minor">
+        <a:schemeClr val="lt1"/>
+      </a:fontRef>
+    </dgm:style>
+  </dgm:styleLbl>
+  <dgm:styleLbl name="fgImgPlace1">
+    <dgm:scene3d>
+      <a:camera prst="orthographicFront"/>
+      <a:lightRig rig="flat" dir="t"/>
+    </dgm:scene3d>
+    <dgm:sp3d z="127000" prstMaterial="plastic">
+      <a:bevelT w="88900" h="88900"/>
+      <a:bevelB w="88900" h="31750" prst="angle"/>
+    </dgm:sp3d>
+    <dgm:txPr/>
+    <dgm:style>
+      <a:lnRef idx="0">
+        <a:scrgbClr r="0" g="0" b="0"/>
+      </a:lnRef>
+      <a:fillRef idx="3">
+        <a:scrgbClr r="0" g="0" b="0"/>
+      </a:fillRef>
+      <a:effectRef idx="2">
+        <a:scrgbClr r="0" g="0" b="0"/>
+      </a:effectRef>
+      <a:fontRef idx="minor"/>
+    </dgm:style>
+  </dgm:styleLbl>
+  <dgm:styleLbl name="alignImgPlace1">
+    <dgm:scene3d>
+      <a:camera prst="orthographicFront"/>
+      <a:lightRig rig="flat" dir="t"/>
+    </dgm:scene3d>
+    <dgm:sp3d prstMaterial="plastic">
+      <a:bevelT w="88900" h="88900"/>
+      <a:bevelB w="88900" h="31750" prst="angle"/>
+    </dgm:sp3d>
+    <dgm:txPr/>
+    <dgm:style>
+      <a:lnRef idx="0">
+        <a:scrgbClr r="0" g="0" b="0"/>
+      </a:lnRef>
+      <a:fillRef idx="3">
+        <a:scrgbClr r="0" g="0" b="0"/>
+      </a:fillRef>
+      <a:effectRef idx="2">
+        <a:scrgbClr r="0" g="0" b="0"/>
+      </a:effectRef>
+      <a:fontRef idx="minor"/>
+    </dgm:style>
+  </dgm:styleLbl>
+  <dgm:styleLbl name="bgImgPlace1">
+    <dgm:scene3d>
+      <a:camera prst="orthographicFront"/>
+      <a:lightRig rig="flat" dir="t"/>
+    </dgm:scene3d>
+    <dgm:sp3d z="-190500" prstMaterial="plastic">
+      <a:bevelT w="88900" h="88900"/>
+      <a:bevelB w="88900" h="31750" prst="angle"/>
+    </dgm:sp3d>
+    <dgm:txPr/>
+    <dgm:style>
+      <a:lnRef idx="0">
+        <a:scrgbClr r="0" g="0" b="0"/>
+      </a:lnRef>
+      <a:fillRef idx="3">
+        <a:scrgbClr r="0" g="0" b="0"/>
+      </a:fillRef>
+      <a:effectRef idx="2">
+        <a:scrgbClr r="0" g="0" b="0"/>
+      </a:effectRef>
+      <a:fontRef idx="minor"/>
+    </dgm:style>
+  </dgm:styleLbl>
+  <dgm:styleLbl name="sibTrans2D1">
+    <dgm:scene3d>
+      <a:camera prst="orthographicFront"/>
+      <a:lightRig rig="flat" dir="t"/>
+    </dgm:scene3d>
+    <dgm:sp3d z="-80000" prstMaterial="plastic">
+      <a:bevelT w="50800" h="50800"/>
+      <a:bevelB w="25400" h="25400" prst="angle"/>
+    </dgm:sp3d>
+    <dgm:txPr/>
+    <dgm:style>
+      <a:lnRef idx="0">
+        <a:scrgbClr r="0" g="0" b="0"/>
+      </a:lnRef>
+      <a:fillRef idx="3">
+        <a:scrgbClr r="0" g="0" b="0"/>
+      </a:fillRef>
+      <a:effectRef idx="2">
+        <a:scrgbClr r="0" g="0" b="0"/>
+      </a:effectRef>
+      <a:fontRef idx="minor">
+        <a:schemeClr val="lt1"/>
+      </a:fontRef>
+    </dgm:style>
+  </dgm:styleLbl>
+  <dgm:styleLbl name="fgSibTrans2D1">
+    <dgm:scene3d>
+      <a:camera prst="orthographicFront"/>
+      <a:lightRig rig="flat" dir="t"/>
+    </dgm:scene3d>
+    <dgm:sp3d z="127000" prstMaterial="plastic">
+      <a:bevelT w="50800" h="50800"/>
+      <a:bevelB w="25400" h="25400" prst="angle"/>
+    </dgm:sp3d>
+    <dgm:txPr/>
+    <dgm:style>
+      <a:lnRef idx="0">
+        <a:scrgbClr r="0" g="0" b="0"/>
+      </a:lnRef>
+      <a:fillRef idx="3">
+        <a:scrgbClr r="0" g="0" b="0"/>
+      </a:fillRef>
+      <a:effectRef idx="2">
+        <a:scrgbClr r="0" g="0" b="0"/>
+      </a:effectRef>
+      <a:fontRef idx="minor">
+        <a:schemeClr val="lt1"/>
+      </a:fontRef>
+    </dgm:style>
+  </dgm:styleLbl>
+  <dgm:styleLbl name="bgSibTrans2D1">
+    <dgm:scene3d>
+      <a:camera prst="orthographicFront"/>
+      <a:lightRig rig="flat" dir="t"/>
+    </dgm:scene3d>
+    <dgm:sp3d z="-190500" prstMaterial="plastic">
+      <a:bevelT w="50800" h="50800"/>
+      <a:bevelB w="25400" h="25400" prst="angle"/>
+    </dgm:sp3d>
+    <dgm:txPr/>
+    <dgm:style>
+      <a:lnRef idx="0">
+        <a:scrgbClr r="0" g="0" b="0"/>
+      </a:lnRef>
+      <a:fillRef idx="3">
+        <a:scrgbClr r="0" g="0" b="0"/>
+      </a:fillRef>
+      <a:effectRef idx="2">
+        <a:scrgbClr r="0" g="0" b="0"/>
+      </a:effectRef>
+      <a:fontRef idx="minor">
+        <a:schemeClr val="lt1"/>
+      </a:fontRef>
+    </dgm:style>
+  </dgm:styleLbl>
+  <dgm:styleLbl name="sibTrans1D1">
+    <dgm:scene3d>
+      <a:camera prst="orthographicFront"/>
+      <a:lightRig rig="flat" dir="t"/>
+    </dgm:scene3d>
+    <dgm:sp3d z="-40000" prstMaterial="matte"/>
+    <dgm:txPr/>
+    <dgm:style>
+      <a:lnRef idx="1">
+        <a:scrgbClr r="0" g="0" b="0"/>
+      </a:lnRef>
+      <a:fillRef idx="0">
+        <a:scrgbClr r="0" g="0" b="0"/>
+      </a:fillRef>
+      <a:effectRef idx="0">
+        <a:scrgbClr r="0" g="0" b="0"/>
+      </a:effectRef>
+      <a:fontRef idx="minor"/>
+    </dgm:style>
+  </dgm:styleLbl>
+  <dgm:styleLbl name="callout">
+    <dgm:scene3d>
+      <a:camera prst="orthographicFront"/>
+      <a:lightRig rig="threePt" dir="t"/>
+    </dgm:scene3d>
+    <dgm:sp3d z="127000" prstMaterial="matte"/>
+    <dgm:txPr/>
+    <dgm:style>
+      <a:lnRef idx="2">
+        <a:scrgbClr r="0" g="0" b="0"/>
+      </a:lnRef>
+      <a:fillRef idx="1">
+        <a:scrgbClr r="0" g="0" b="0"/>
+      </a:fillRef>
+      <a:effectRef idx="0">
+        <a:scrgbClr r="0" g="0" b="0"/>
+      </a:effectRef>
+      <a:fontRef idx="minor"/>
+    </dgm:style>
+  </dgm:styleLbl>
+  <dgm:styleLbl name="asst0">
+    <dgm:scene3d>
+      <a:camera prst="orthographicFront"/>
+      <a:lightRig rig="flat" dir="t"/>
+    </dgm:scene3d>
+    <dgm:sp3d prstMaterial="plastic">
+      <a:bevelT w="120900" h="88900"/>
+      <a:bevelB w="88900" h="31750" prst="angle"/>
+    </dgm:sp3d>
+    <dgm:txPr/>
+    <dgm:style>
+      <a:lnRef idx="0">
+        <a:scrgbClr r="0" g="0" b="0"/>
+      </a:lnRef>
+      <a:fillRef idx="3">
+        <a:scrgbClr r="0" g="0" b="0"/>
+      </a:fillRef>
+      <a:effectRef idx="1">
+        <a:scrgbClr r="0" g="0" b="0"/>
+      </a:effectRef>
+      <a:fontRef idx="minor">
+        <a:schemeClr val="lt1"/>
+      </a:fontRef>
+    </dgm:style>
+  </dgm:styleLbl>
+  <dgm:styleLbl name="asst1">
+    <dgm:scene3d>
+      <a:camera prst="orthographicFront"/>
+      <a:lightRig rig="flat" dir="t"/>
+    </dgm:scene3d>
+    <dgm:sp3d prstMaterial="plastic">
+      <a:bevelT w="120900" h="88900"/>
+      <a:bevelB w="88900" h="31750" prst="angle"/>
+    </dgm:sp3d>
+    <dgm:txPr/>
+    <dgm:style>
+      <a:lnRef idx="0">
+        <a:scrgbClr r="0" g="0" b="0"/>
+      </a:lnRef>
+      <a:fillRef idx="3">
+        <a:scrgbClr r="0" g="0" b="0"/>
+      </a:fillRef>
+      <a:effectRef idx="1">
+        <a:scrgbClr r="0" g="0" b="0"/>
+      </a:effectRef>
+      <a:fontRef idx="minor">
+        <a:schemeClr val="lt1"/>
+      </a:fontRef>
+    </dgm:style>
+  </dgm:styleLbl>
+  <dgm:styleLbl name="asst2">
+    <dgm:scene3d>
+      <a:camera prst="orthographicFront"/>
+      <a:lightRig rig="flat" dir="t"/>
+    </dgm:scene3d>
+    <dgm:sp3d prstMaterial="plastic">
+      <a:bevelT w="120900" h="88900"/>
+      <a:bevelB w="88900" h="31750" prst="angle"/>
+    </dgm:sp3d>
+    <dgm:txPr/>
+    <dgm:style>
+      <a:lnRef idx="0">
+        <a:scrgbClr r="0" g="0" b="0"/>
+      </a:lnRef>
+      <a:fillRef idx="3">
+        <a:scrgbClr r="0" g="0" b="0"/>
+      </a:fillRef>
+      <a:effectRef idx="1">
+        <a:scrgbClr r="0" g="0" b="0"/>
+      </a:effectRef>
+      <a:fontRef idx="minor">
+        <a:schemeClr val="lt1"/>
+      </a:fontRef>
+    </dgm:style>
+  </dgm:styleLbl>
+  <dgm:styleLbl name="asst3">
+    <dgm:scene3d>
+      <a:camera prst="orthographicFront"/>
+      <a:lightRig rig="flat" dir="t"/>
+    </dgm:scene3d>
+    <dgm:sp3d prstMaterial="plastic">
+      <a:bevelT w="120900" h="88900"/>
+      <a:bevelB w="88900" h="31750" prst="angle"/>
+    </dgm:sp3d>
+    <dgm:txPr/>
+    <dgm:style>
+      <a:lnRef idx="0">
+        <a:scrgbClr r="0" g="0" b="0"/>
+      </a:lnRef>
+      <a:fillRef idx="3">
+        <a:scrgbClr r="0" g="0" b="0"/>
+      </a:fillRef>
+      <a:effectRef idx="1">
+        <a:scrgbClr r="0" g="0" b="0"/>
+      </a:effectRef>
+      <a:fontRef idx="minor">
+        <a:schemeClr val="lt1"/>
+      </a:fontRef>
+    </dgm:style>
+  </dgm:styleLbl>
+  <dgm:styleLbl name="parChTrans2D1">
+    <dgm:scene3d>
+      <a:camera prst="orthographicFront"/>
+      <a:lightRig rig="flat" dir="t"/>
+    </dgm:scene3d>
+    <dgm:sp3d z="-100000" prstMaterial="plastic">
+      <a:bevelT w="120900" h="88900"/>
+      <a:bevelB w="88900" h="31750" prst="angle"/>
+    </dgm:sp3d>
+    <dgm:txPr/>
+    <dgm:style>
+      <a:lnRef idx="0">
+        <a:scrgbClr r="0" g="0" b="0"/>
+      </a:lnRef>
+      <a:fillRef idx="3">
+        <a:scrgbClr r="0" g="0" b="0"/>
+      </a:fillRef>
+      <a:effectRef idx="1">
+        <a:scrgbClr r="0" g="0" b="0"/>
+      </a:effectRef>
+      <a:fontRef idx="minor">
+        <a:schemeClr val="lt1"/>
+      </a:fontRef>
+    </dgm:style>
+  </dgm:styleLbl>
+  <dgm:styleLbl name="parChTrans2D2">
+    <dgm:scene3d>
+      <a:camera prst="orthographicFront"/>
+      <a:lightRig rig="flat" dir="t"/>
+    </dgm:scene3d>
+    <dgm:sp3d z="-60000" prstMaterial="plastic">
+      <a:bevelT w="120900" h="88900"/>
+      <a:bevelB w="88900" h="31750" prst="angle"/>
+    </dgm:sp3d>
+    <dgm:txPr/>
+    <dgm:style>
+      <a:lnRef idx="0">
+        <a:scrgbClr r="0" g="0" b="0"/>
+      </a:lnRef>
+      <a:fillRef idx="3">
+        <a:scrgbClr r="0" g="0" b="0"/>
+      </a:fillRef>
+      <a:effectRef idx="1">
+        <a:scrgbClr r="0" g="0" b="0"/>
+      </a:effectRef>
+      <a:fontRef idx="minor">
+        <a:schemeClr val="lt1"/>
+      </a:fontRef>
+    </dgm:style>
+  </dgm:styleLbl>
+  <dgm:styleLbl name="parChTrans2D3">
+    <dgm:scene3d>
+      <a:camera prst="orthographicFront"/>
+      <a:lightRig rig="flat" dir="t"/>
+    </dgm:scene3d>
+    <dgm:sp3d z="-60000" prstMaterial="plastic">
+      <a:bevelT w="120900" h="88900"/>
+      <a:bevelB w="88900" h="31750" prst="angle"/>
+    </dgm:sp3d>
+    <dgm:txPr/>
+    <dgm:style>
+      <a:lnRef idx="0">
+        <a:scrgbClr r="0" g="0" b="0"/>
+      </a:lnRef>
+      <a:fillRef idx="3">
+        <a:scrgbClr r="0" g="0" b="0"/>
+      </a:fillRef>
+      <a:effectRef idx="1">
+        <a:scrgbClr r="0" g="0" b="0"/>
+      </a:effectRef>
+      <a:fontRef idx="minor">
+        <a:schemeClr val="lt1"/>
+      </a:fontRef>
+    </dgm:style>
+  </dgm:styleLbl>
+  <dgm:styleLbl name="parChTrans2D4">
+    <dgm:scene3d>
+      <a:camera prst="orthographicFront"/>
+      <a:lightRig rig="flat" dir="t"/>
+    </dgm:scene3d>
+    <dgm:sp3d z="-60000" prstMaterial="plastic">
+      <a:bevelT w="120900" h="88900"/>
+      <a:bevelB w="88900" h="31750" prst="angle"/>
+    </dgm:sp3d>
+    <dgm:txPr/>
+    <dgm:style>
+      <a:lnRef idx="0">
+        <a:scrgbClr r="0" g="0" b="0"/>
+      </a:lnRef>
+      <a:fillRef idx="3">
+        <a:scrgbClr r="0" g="0" b="0"/>
+      </a:fillRef>
+      <a:effectRef idx="1">
+        <a:scrgbClr r="0" g="0" b="0"/>
+      </a:effectRef>
+      <a:fontRef idx="minor">
+        <a:schemeClr val="lt1"/>
+      </a:fontRef>
+    </dgm:style>
+  </dgm:styleLbl>
+  <dgm:styleLbl name="parChTrans1D1">
+    <dgm:scene3d>
+      <a:camera prst="orthographicFront"/>
+      <a:lightRig rig="flat" dir="t"/>
+    </dgm:scene3d>
+    <dgm:sp3d prstMaterial="matte"/>
+    <dgm:txPr/>
+    <dgm:style>
+      <a:lnRef idx="2">
+        <a:scrgbClr r="0" g="0" b="0"/>
+      </a:lnRef>
+      <a:fillRef idx="0">
+        <a:scrgbClr r="0" g="0" b="0"/>
+      </a:fillRef>
+      <a:effectRef idx="0">
+        <a:scrgbClr r="0" g="0" b="0"/>
+      </a:effectRef>
+      <a:fontRef idx="minor"/>
+    </dgm:style>
+  </dgm:styleLbl>
+  <dgm:styleLbl name="parChTrans1D2">
+    <dgm:scene3d>
+      <a:camera prst="orthographicFront"/>
+      <a:lightRig rig="flat" dir="t"/>
+    </dgm:scene3d>
+    <dgm:sp3d prstMaterial="matte"/>
+    <dgm:txPr/>
+    <dgm:style>
+      <a:lnRef idx="2">
+        <a:scrgbClr r="0" g="0" b="0"/>
+      </a:lnRef>
+      <a:fillRef idx="0">
+        <a:scrgbClr r="0" g="0" b="0"/>
+      </a:fillRef>
+      <a:effectRef idx="0">
+        <a:scrgbClr r="0" g="0" b="0"/>
+      </a:effectRef>
+      <a:fontRef idx="minor"/>
+    </dgm:style>
+  </dgm:styleLbl>
+  <dgm:styleLbl name="parChTrans1D3">
+    <dgm:scene3d>
+      <a:camera prst="orthographicFront"/>
+      <a:lightRig rig="flat" dir="t"/>
+    </dgm:scene3d>
+    <dgm:sp3d prstMaterial="matte"/>
+    <dgm:txPr/>
+    <dgm:style>
+      <a:lnRef idx="2">
+        <a:scrgbClr r="0" g="0" b="0"/>
+      </a:lnRef>
+      <a:fillRef idx="0">
+        <a:scrgbClr r="0" g="0" b="0"/>
+      </a:fillRef>
+      <a:effectRef idx="0">
+        <a:scrgbClr r="0" g="0" b="0"/>
+      </a:effectRef>
+      <a:fontRef idx="minor"/>
+    </dgm:style>
+  </dgm:styleLbl>
+  <dgm:styleLbl name="parChTrans1D4">
+    <dgm:scene3d>
+      <a:camera prst="orthographicFront"/>
+      <a:lightRig rig="flat" dir="t"/>
+    </dgm:scene3d>
+    <dgm:sp3d prstMaterial="matte"/>
+    <dgm:txPr/>
+    <dgm:style>
+      <a:lnRef idx="2">
+        <a:scrgbClr r="0" g="0" b="0"/>
+      </a:lnRef>
+      <a:fillRef idx="0">
+        <a:scrgbClr r="0" g="0" b="0"/>
+      </a:fillRef>
+      <a:effectRef idx="0">
+        <a:scrgbClr r="0" g="0" b="0"/>
+      </a:effectRef>
+      <a:fontRef idx="minor"/>
+    </dgm:style>
+  </dgm:styleLbl>
+  <dgm:styleLbl name="fgAcc1">
+    <dgm:scene3d>
+      <a:camera prst="orthographicFront"/>
+      <a:lightRig rig="flat" dir="t"/>
+    </dgm:scene3d>
+    <dgm:sp3d z="190500" extrusionH="12700" prstMaterial="plastic">
+      <a:bevelT w="50800" h="50800"/>
+    </dgm:sp3d>
+    <dgm:txPr/>
+    <dgm:style>
+      <a:lnRef idx="1">
+        <a:scrgbClr r="0" g="0" b="0"/>
+      </a:lnRef>
+      <a:fillRef idx="1">
+        <a:scrgbClr r="0" g="0" b="0"/>
+      </a:fillRef>
+      <a:effectRef idx="2">
+        <a:scrgbClr r="0" g="0" b="0"/>
+      </a:effectRef>
+      <a:fontRef idx="minor"/>
+    </dgm:style>
+  </dgm:styleLbl>
+  <dgm:styleLbl name="conFgAcc1">
+    <dgm:scene3d>
+      <a:camera prst="orthographicFront"/>
+      <a:lightRig rig="flat" dir="t"/>
+    </dgm:scene3d>
+    <dgm:sp3d z="190500" extrusionH="12700" prstMaterial="plastic">
+      <a:bevelT w="50800" h="50800"/>
+    </dgm:sp3d>
+    <dgm:txPr/>
+    <dgm:style>
+      <a:lnRef idx="1">
+        <a:scrgbClr r="0" g="0" b="0"/>
+      </a:lnRef>
+      <a:fillRef idx="1">
+        <a:scrgbClr r="0" g="0" b="0"/>
+      </a:fillRef>
+      <a:effectRef idx="2">
+        <a:scrgbClr r="0" g="0" b="0"/>
+      </a:effectRef>
+      <a:fontRef idx="minor"/>
+    </dgm:style>
+  </dgm:styleLbl>
+  <dgm:styleLbl name="alignAcc1">
+    <dgm:scene3d>
+      <a:camera prst="orthographicFront"/>
+      <a:lightRig rig="flat" dir="t"/>
+    </dgm:scene3d>
+    <dgm:sp3d extrusionH="12700" prstMaterial="plastic">
+      <a:bevelT w="50800" h="50800"/>
+    </dgm:sp3d>
+    <dgm:txPr/>
+    <dgm:style>
+      <a:lnRef idx="1">
+        <a:scrgbClr r="0" g="0" b="0"/>
+      </a:lnRef>
+      <a:fillRef idx="1">
+        <a:scrgbClr r="0" g="0" b="0"/>
+      </a:fillRef>
+      <a:effectRef idx="2">
+        <a:scrgbClr r="0" g="0" b="0"/>
+      </a:effectRef>
+      <a:fontRef idx="minor"/>
+    </dgm:style>
+  </dgm:styleLbl>
+  <dgm:styleLbl name="trAlignAcc1">
+    <dgm:scene3d>
+      <a:camera prst="orthographicFront"/>
+      <a:lightRig rig="flat" dir="t"/>
+    </dgm:scene3d>
+    <dgm:sp3d extrusionH="12700" prstMaterial="plastic">
+      <a:bevelT w="50800" h="50800"/>
+    </dgm:sp3d>
+    <dgm:txPr/>
+    <dgm:style>
+      <a:lnRef idx="1">
+        <a:scrgbClr r="0" g="0" b="0"/>
+      </a:lnRef>
+      <a:fillRef idx="1">
+        <a:scrgbClr r="0" g="0" b="0"/>
+      </a:fillRef>
+      <a:effectRef idx="2">
+        <a:scrgbClr r="0" g="0" b="0"/>
+      </a:effectRef>
+      <a:fontRef idx="minor"/>
+    </dgm:style>
+  </dgm:styleLbl>
+  <dgm:styleLbl name="bgAcc1">
+    <dgm:scene3d>
+      <a:camera prst="orthographicFront"/>
+      <a:lightRig rig="flat" dir="t"/>
+    </dgm:scene3d>
+    <dgm:sp3d z="-190500" extrusionH="12700" prstMaterial="plastic">
+      <a:bevelT w="50800" h="50800"/>
+    </dgm:sp3d>
+    <dgm:txPr/>
+    <dgm:style>
+      <a:lnRef idx="1">
+        <a:scrgbClr r="0" g="0" b="0"/>
+      </a:lnRef>
+      <a:fillRef idx="1">
+        <a:scrgbClr r="0" g="0" b="0"/>
+      </a:fillRef>
+      <a:effectRef idx="2">
+        <a:scrgbClr r="0" g="0" b="0"/>
+      </a:effectRef>
+      <a:fontRef idx="minor"/>
+    </dgm:style>
+  </dgm:styleLbl>
+  <dgm:styleLbl name="solidFgAcc1">
+    <dgm:scene3d>
+      <a:camera prst="orthographicFront"/>
+      <a:lightRig rig="flat" dir="t"/>
+    </dgm:scene3d>
+    <dgm:sp3d z="190500" extrusionH="12700" prstMaterial="plastic">
+      <a:bevelT w="50800" h="50800"/>
+    </dgm:sp3d>
+    <dgm:txPr/>
+    <dgm:style>
+      <a:lnRef idx="1">
+        <a:scrgbClr r="0" g="0" b="0"/>
+      </a:lnRef>
+      <a:fillRef idx="1">
+        <a:scrgbClr r="0" g="0" b="0"/>
+      </a:fillRef>
+      <a:effectRef idx="2">
+        <a:scrgbClr r="0" g="0" b="0"/>
+      </a:effectRef>
+      <a:fontRef idx="minor"/>
+    </dgm:style>
+  </dgm:styleLbl>
+  <dgm:styleLbl name="solidAlignAcc1">
+    <dgm:scene3d>
+      <a:camera prst="orthographicFront"/>
+      <a:lightRig rig="flat" dir="t"/>
+    </dgm:scene3d>
+    <dgm:sp3d extrusionH="12700" prstMaterial="plastic">
+      <a:bevelT w="50800" h="50800"/>
+    </dgm:sp3d>
+    <dgm:txPr/>
+    <dgm:style>
+      <a:lnRef idx="1">
+        <a:scrgbClr r="0" g="0" b="0"/>
+      </a:lnRef>
+      <a:fillRef idx="1">
+        <a:scrgbClr r="0" g="0" b="0"/>
+      </a:fillRef>
+      <a:effectRef idx="2">
+        <a:scrgbClr r="0" g="0" b="0"/>
+      </a:effectRef>
+      <a:fontRef idx="minor"/>
+    </dgm:style>
+  </dgm:styleLbl>
+  <dgm:styleLbl name="solidBgAcc1">
+    <dgm:scene3d>
+      <a:camera prst="orthographicFront"/>
+      <a:lightRig rig="flat" dir="t"/>
+    </dgm:scene3d>
+    <dgm:sp3d z="-190500" extrusionH="12700" prstMaterial="plastic">
+      <a:bevelT w="50800" h="50800"/>
+    </dgm:sp3d>
+    <dgm:txPr/>
+    <dgm:style>
+      <a:lnRef idx="1">
+        <a:scrgbClr r="0" g="0" b="0"/>
+      </a:lnRef>
+      <a:fillRef idx="1">
+        <a:scrgbClr r="0" g="0" b="0"/>
+      </a:fillRef>
+      <a:effectRef idx="2">
+        <a:scrgbClr r="0" g="0" b="0"/>
+      </a:effectRef>
+      <a:fontRef idx="minor"/>
+    </dgm:style>
+  </dgm:styleLbl>
+  <dgm:styleLbl name="fgAccFollowNode1">
+    <dgm:scene3d>
+      <a:camera prst="orthographicFront"/>
+      <a:lightRig rig="flat" dir="t"/>
+    </dgm:scene3d>
+    <dgm:sp3d z="190500" extrusionH="12700" prstMaterial="plastic">
+      <a:bevelT w="50800" h="50800"/>
+    </dgm:sp3d>
+    <dgm:txPr/>
+    <dgm:style>
+      <a:lnRef idx="1">
+        <a:scrgbClr r="0" g="0" b="0"/>
+      </a:lnRef>
+      <a:fillRef idx="1">
+        <a:scrgbClr r="0" g="0" b="0"/>
+      </a:fillRef>
+      <a:effectRef idx="2">
+        <a:scrgbClr r="0" g="0" b="0"/>
+      </a:effectRef>
+      <a:fontRef idx="minor"/>
+    </dgm:style>
+  </dgm:styleLbl>
+  <dgm:styleLbl name="alignAccFollowNode1">
+    <dgm:scene3d>
+      <a:camera prst="orthographicFront"/>
+      <a:lightRig rig="flat" dir="t"/>
+    </dgm:scene3d>
+    <dgm:sp3d extrusionH="12700" prstMaterial="plastic">
+      <a:bevelT w="50800" h="50800"/>
+    </dgm:sp3d>
+    <dgm:txPr/>
+    <dgm:style>
+      <a:lnRef idx="1">
+        <a:scrgbClr r="0" g="0" b="0"/>
+      </a:lnRef>
+      <a:fillRef idx="1">
+        <a:scrgbClr r="0" g="0" b="0"/>
+      </a:fillRef>
+      <a:effectRef idx="2">
+        <a:scrgbClr r="0" g="0" b="0"/>
+      </a:effectRef>
+      <a:fontRef idx="minor"/>
+    </dgm:style>
+  </dgm:styleLbl>
+  <dgm:styleLbl name="bgAccFollowNode1">
+    <dgm:scene3d>
+      <a:camera prst="orthographicFront"/>
+      <a:lightRig rig="flat" dir="t"/>
+    </dgm:scene3d>
+    <dgm:sp3d z="-190500" extrusionH="12700" prstMaterial="plastic">
+      <a:bevelT w="50800" h="50800"/>
+    </dgm:sp3d>
+    <dgm:txPr/>
+    <dgm:style>
+      <a:lnRef idx="1">
+        <a:scrgbClr r="0" g="0" b="0"/>
+      </a:lnRef>
+      <a:fillRef idx="1">
+        <a:scrgbClr r="0" g="0" b="0"/>
+      </a:fillRef>
+      <a:effectRef idx="2">
+        <a:scrgbClr r="0" g="0" b="0"/>
+      </a:effectRef>
+      <a:fontRef idx="minor"/>
+    </dgm:style>
+  </dgm:styleLbl>
+  <dgm:styleLbl name="fgAcc0">
+    <dgm:scene3d>
+      <a:camera prst="orthographicFront"/>
+      <a:lightRig rig="flat" dir="t"/>
+    </dgm:scene3d>
+    <dgm:sp3d z="190500" extrusionH="12700" prstMaterial="plastic">
+      <a:bevelT w="50800" h="50800"/>
+    </dgm:sp3d>
+    <dgm:txPr/>
+    <dgm:style>
+      <a:lnRef idx="1">
+        <a:scrgbClr r="0" g="0" b="0"/>
+      </a:lnRef>
+      <a:fillRef idx="1">
+        <a:scrgbClr r="0" g="0" b="0"/>
+      </a:fillRef>
+      <a:effectRef idx="2">
+        <a:scrgbClr r="0" g="0" b="0"/>
+      </a:effectRef>
+      <a:fontRef idx="minor"/>
+    </dgm:style>
+  </dgm:styleLbl>
+  <dgm:styleLbl name="fgAcc2">
+    <dgm:scene3d>
+      <a:camera prst="orthographicFront"/>
+      <a:lightRig rig="flat" dir="t"/>
+    </dgm:scene3d>
+    <dgm:sp3d z="190500" extrusionH="12700" prstMaterial="plastic">
+      <a:bevelT w="50800" h="50800"/>
+    </dgm:sp3d>
+    <dgm:txPr/>
+    <dgm:style>
+      <a:lnRef idx="1">
+        <a:scrgbClr r="0" g="0" b="0"/>
+      </a:lnRef>
+      <a:fillRef idx="1">
+        <a:scrgbClr r="0" g="0" b="0"/>
+      </a:fillRef>
+      <a:effectRef idx="2">
+        <a:scrgbClr r="0" g="0" b="0"/>
+      </a:effectRef>
+      <a:fontRef idx="minor"/>
+    </dgm:style>
+  </dgm:styleLbl>
+  <dgm:styleLbl name="fgAcc3">
+    <dgm:scene3d>
+      <a:camera prst="orthographicFront"/>
+      <a:lightRig rig="flat" dir="t"/>
+    </dgm:scene3d>
+    <dgm:sp3d z="190500" extrusionH="12700" prstMaterial="plastic">
+      <a:bevelT w="50800" h="50800"/>
+    </dgm:sp3d>
+    <dgm:txPr/>
+    <dgm:style>
+      <a:lnRef idx="1">
+        <a:scrgbClr r="0" g="0" b="0"/>
+      </a:lnRef>
+      <a:fillRef idx="1">
+        <a:scrgbClr r="0" g="0" b="0"/>
+      </a:fillRef>
+      <a:effectRef idx="2">
+        <a:scrgbClr r="0" g="0" b="0"/>
+      </a:effectRef>
+      <a:fontRef idx="minor"/>
+    </dgm:style>
+  </dgm:styleLbl>
+  <dgm:styleLbl name="fgAcc4">
+    <dgm:scene3d>
+      <a:camera prst="orthographicFront"/>
+      <a:lightRig rig="flat" dir="t"/>
+    </dgm:scene3d>
+    <dgm:sp3d z="190500" extrusionH="12700" prstMaterial="plastic">
+      <a:bevelT w="50800" h="50800"/>
+    </dgm:sp3d>
+    <dgm:txPr/>
+    <dgm:style>
+      <a:lnRef idx="1">
+        <a:scrgbClr r="0" g="0" b="0"/>
+      </a:lnRef>
+      <a:fillRef idx="1">
+        <a:scrgbClr r="0" g="0" b="0"/>
+      </a:fillRef>
+      <a:effectRef idx="2">
+        <a:scrgbClr r="0" g="0" b="0"/>
+      </a:effectRef>
+      <a:fontRef idx="minor"/>
+    </dgm:style>
+  </dgm:styleLbl>
+  <dgm:styleLbl name="bgShp">
+    <dgm:scene3d>
+      <a:camera prst="orthographicFront"/>
+      <a:lightRig rig="flat" dir="t"/>
+    </dgm:scene3d>
+    <dgm:sp3d z="-190500" extrusionH="12700" prstMaterial="plastic">
+      <a:bevelT w="50800" h="50800"/>
+    </dgm:sp3d>
+    <dgm:txPr/>
+    <dgm:style>
+      <a:lnRef idx="0">
+        <a:scrgbClr r="0" g="0" b="0"/>
+      </a:lnRef>
+      <a:fillRef idx="3">
+        <a:scrgbClr r="0" g="0" b="0"/>
+      </a:fillRef>
+      <a:effectRef idx="0">
+        <a:scrgbClr r="0" g="0" b="0"/>
+      </a:effectRef>
+      <a:fontRef idx="minor"/>
+    </dgm:style>
+  </dgm:styleLbl>
+  <dgm:styleLbl name="dkBgShp">
+    <dgm:scene3d>
+      <a:camera prst="orthographicFront"/>
+      <a:lightRig rig="flat" dir="t"/>
+    </dgm:scene3d>
+    <dgm:sp3d z="-190500" extrusionH="12700" prstMaterial="plastic">
+      <a:bevelT w="50800" h="50800"/>
+    </dgm:sp3d>
+    <dgm:txPr/>
+    <dgm:style>
+      <a:lnRef idx="0">
+        <a:scrgbClr r="0" g="0" b="0"/>
+      </a:lnRef>
+      <a:fillRef idx="2">
+        <a:scrgbClr r="0" g="0" b="0"/>
+      </a:fillRef>
+      <a:effectRef idx="0">
+        <a:scrgbClr r="0" g="0" b="0"/>
+      </a:effectRef>
+      <a:fontRef idx="minor"/>
+    </dgm:style>
+  </dgm:styleLbl>
+  <dgm:styleLbl name="trBgShp">
+    <dgm:scene3d>
+      <a:camera prst="orthographicFront"/>
+      <a:lightRig rig="flat" dir="t"/>
+    </dgm:scene3d>
+    <dgm:sp3d z="-190500" extrusionH="12700" prstMaterial="matte"/>
+    <dgm:txPr/>
+    <dgm:style>
+      <a:lnRef idx="0">
+        <a:scrgbClr r="0" g="0" b="0"/>
+      </a:lnRef>
+      <a:fillRef idx="1">
+        <a:scrgbClr r="0" g="0" b="0"/>
+      </a:fillRef>
+      <a:effectRef idx="0">
+        <a:scrgbClr r="0" g="0" b="0"/>
+      </a:effectRef>
+      <a:fontRef idx="minor"/>
+    </dgm:style>
+  </dgm:styleLbl>
+  <dgm:styleLbl name="fgShp">
+    <dgm:scene3d>
+      <a:camera prst="orthographicFront"/>
+      <a:lightRig rig="flat" dir="t"/>
+    </dgm:scene3d>
+    <dgm:sp3d z="190500" prstMaterial="plastic">
+      <a:bevelT w="120900" h="88900"/>
+      <a:bevelB w="88900" h="31750" prst="angle"/>
+    </dgm:sp3d>
+    <dgm:txPr/>
+    <dgm:style>
+      <a:lnRef idx="0">
+        <a:scrgbClr r="0" g="0" b="0"/>
+      </a:lnRef>
+      <a:fillRef idx="1">
+        <a:scrgbClr r="0" g="0" b="0"/>
+      </a:fillRef>
+      <a:effectRef idx="3">
+        <a:scrgbClr r="0" g="0" b="0"/>
+      </a:effectRef>
+      <a:fontRef idx="minor">
+        <a:schemeClr val="lt1"/>
+      </a:fontRef>
+    </dgm:style>
+  </dgm:styleLbl>
+  <dgm:styleLbl name="revTx">
+    <dgm:scene3d>
+      <a:camera prst="orthographicFront"/>
+      <a:lightRig rig="threePt" dir="t"/>
+    </dgm:scene3d>
+    <dgm:sp3d/>
+    <dgm:txPr/>
+    <dgm:style>
+      <a:lnRef idx="0">
+        <a:scrgbClr r="0" g="0" b="0"/>
+      </a:lnRef>
+      <a:fillRef idx="0">
+        <a:scrgbClr r="0" g="0" b="0"/>
+      </a:fillRef>
+      <a:effectRef idx="0">
+        <a:scrgbClr r="0" g="0" b="0"/>
+      </a:effectRef>
+      <a:fontRef idx="minor"/>
+    </dgm:style>
+  </dgm:styleLbl>
+</dgm:styleDef>
+</file>
+
 <file path=ppt/slideLayouts/slideLayout1.xml><?xml version="1.0" encoding="utf-8"?>
 <p:sldLayout xmlns:a="http://schemas.openxmlformats.org/drawingml/2006/main" xmlns:r="http://schemas.openxmlformats.org/officeDocument/2006/relationships" xmlns:p="http://schemas.openxmlformats.org/presentationml/2006/main" type="title" preserve="1">
   <p:cSld name="Title Slide">
@@ -244,7 +4613,7 @@
           <a:p>
             <a:fld id="{9D8FFB7D-DD01-4AC1-AF71-ECA9A4F6FF1C}" type="datetimeFigureOut">
               <a:rPr lang="en-US" smtClean="0"/>
-              <a:t>11/19/19</a:t>
+              <a:t>11/21/2019</a:t>
             </a:fld>
             <a:endParaRPr lang="en-US"/>
           </a:p>
@@ -412,7 +4781,7 @@
           <a:p>
             <a:fld id="{9D8FFB7D-DD01-4AC1-AF71-ECA9A4F6FF1C}" type="datetimeFigureOut">
               <a:rPr lang="en-US" smtClean="0"/>
-              <a:t>11/19/19</a:t>
+              <a:t>11/21/2019</a:t>
             </a:fld>
             <a:endParaRPr lang="en-US"/>
           </a:p>
@@ -590,7 +4959,7 @@
           <a:p>
             <a:fld id="{9D8FFB7D-DD01-4AC1-AF71-ECA9A4F6FF1C}" type="datetimeFigureOut">
               <a:rPr lang="en-US" smtClean="0"/>
-              <a:t>11/19/19</a:t>
+              <a:t>11/21/2019</a:t>
             </a:fld>
             <a:endParaRPr lang="en-US"/>
           </a:p>
@@ -758,7 +5127,7 @@
           <a:p>
             <a:fld id="{9D8FFB7D-DD01-4AC1-AF71-ECA9A4F6FF1C}" type="datetimeFigureOut">
               <a:rPr lang="en-US" smtClean="0"/>
-              <a:t>11/19/19</a:t>
+              <a:t>11/21/2019</a:t>
             </a:fld>
             <a:endParaRPr lang="en-US"/>
           </a:p>
@@ -1003,7 +5372,7 @@
           <a:p>
             <a:fld id="{9D8FFB7D-DD01-4AC1-AF71-ECA9A4F6FF1C}" type="datetimeFigureOut">
               <a:rPr lang="en-US" smtClean="0"/>
-              <a:t>11/19/19</a:t>
+              <a:t>11/21/2019</a:t>
             </a:fld>
             <a:endParaRPr lang="en-US"/>
           </a:p>
@@ -1232,7 +5601,7 @@
           <a:p>
             <a:fld id="{9D8FFB7D-DD01-4AC1-AF71-ECA9A4F6FF1C}" type="datetimeFigureOut">
               <a:rPr lang="en-US" smtClean="0"/>
-              <a:t>11/19/19</a:t>
+              <a:t>11/21/2019</a:t>
             </a:fld>
             <a:endParaRPr lang="en-US"/>
           </a:p>
@@ -1596,7 +5965,7 @@
           <a:p>
             <a:fld id="{9D8FFB7D-DD01-4AC1-AF71-ECA9A4F6FF1C}" type="datetimeFigureOut">
               <a:rPr lang="en-US" smtClean="0"/>
-              <a:t>11/19/19</a:t>
+              <a:t>11/21/2019</a:t>
             </a:fld>
             <a:endParaRPr lang="en-US"/>
           </a:p>
@@ -1713,7 +6082,7 @@
           <a:p>
             <a:fld id="{9D8FFB7D-DD01-4AC1-AF71-ECA9A4F6FF1C}" type="datetimeFigureOut">
               <a:rPr lang="en-US" smtClean="0"/>
-              <a:t>11/19/19</a:t>
+              <a:t>11/21/2019</a:t>
             </a:fld>
             <a:endParaRPr lang="en-US"/>
           </a:p>
@@ -1808,7 +6177,7 @@
           <a:p>
             <a:fld id="{9D8FFB7D-DD01-4AC1-AF71-ECA9A4F6FF1C}" type="datetimeFigureOut">
               <a:rPr lang="en-US" smtClean="0"/>
-              <a:t>11/19/19</a:t>
+              <a:t>11/21/2019</a:t>
             </a:fld>
             <a:endParaRPr lang="en-US"/>
           </a:p>
@@ -2083,7 +6452,7 @@
           <a:p>
             <a:fld id="{9D8FFB7D-DD01-4AC1-AF71-ECA9A4F6FF1C}" type="datetimeFigureOut">
               <a:rPr lang="en-US" smtClean="0"/>
-              <a:t>11/19/19</a:t>
+              <a:t>11/21/2019</a:t>
             </a:fld>
             <a:endParaRPr lang="en-US"/>
           </a:p>
@@ -2335,7 +6704,7 @@
           <a:p>
             <a:fld id="{9D8FFB7D-DD01-4AC1-AF71-ECA9A4F6FF1C}" type="datetimeFigureOut">
               <a:rPr lang="en-US" smtClean="0"/>
-              <a:t>11/19/19</a:t>
+              <a:t>11/21/2019</a:t>
             </a:fld>
             <a:endParaRPr lang="en-US"/>
           </a:p>
@@ -2546,7 +6915,7 @@
           <a:p>
             <a:fld id="{9D8FFB7D-DD01-4AC1-AF71-ECA9A4F6FF1C}" type="datetimeFigureOut">
               <a:rPr lang="en-US" smtClean="0"/>
-              <a:t>11/19/19</a:t>
+              <a:t>11/21/2019</a:t>
             </a:fld>
             <a:endParaRPr lang="en-US"/>
           </a:p>
@@ -3562,7 +7931,7 @@
         </p:nvSpPr>
         <p:spPr>
           <a:xfrm>
-            <a:off x="6151418" y="1679171"/>
+            <a:off x="8246026" y="2252362"/>
             <a:ext cx="897774" cy="3158836"/>
           </a:xfrm>
           <a:prstGeom prst="downArrow">
@@ -3615,7 +7984,7 @@
         </p:nvSpPr>
         <p:spPr>
           <a:xfrm rot="10800000">
-            <a:off x="2538350" y="1695406"/>
+            <a:off x="2538350" y="2318859"/>
             <a:ext cx="897774" cy="3075709"/>
           </a:xfrm>
           <a:prstGeom prst="downArrow">
@@ -3668,7 +8037,7 @@
         </p:nvSpPr>
         <p:spPr>
           <a:xfrm>
-            <a:off x="1443839" y="2094156"/>
+            <a:off x="1443839" y="2717609"/>
             <a:ext cx="1080655" cy="2862322"/>
           </a:xfrm>
           <a:prstGeom prst="rect">
@@ -3832,7 +8201,7 @@
         </p:nvSpPr>
         <p:spPr>
           <a:xfrm>
-            <a:off x="3449979" y="2077661"/>
+            <a:off x="3449979" y="2701114"/>
             <a:ext cx="1080655" cy="2862322"/>
           </a:xfrm>
           <a:prstGeom prst="rect">
@@ -3996,7 +8365,7 @@
         </p:nvSpPr>
         <p:spPr>
           <a:xfrm>
-            <a:off x="5095700" y="2086104"/>
+            <a:off x="7190308" y="2659295"/>
             <a:ext cx="1080655" cy="2862322"/>
           </a:xfrm>
           <a:prstGeom prst="rect">
@@ -4160,7 +8529,7 @@
         </p:nvSpPr>
         <p:spPr>
           <a:xfrm>
-            <a:off x="7074129" y="2169492"/>
+            <a:off x="9168737" y="2742683"/>
             <a:ext cx="1080655" cy="2862322"/>
           </a:xfrm>
           <a:prstGeom prst="rect">
@@ -4324,7 +8693,7 @@
         </p:nvSpPr>
         <p:spPr>
           <a:xfrm rot="16200000">
-            <a:off x="2398706" y="3167643"/>
+            <a:off x="2398706" y="3699653"/>
             <a:ext cx="1196049" cy="369332"/>
           </a:xfrm>
           <a:prstGeom prst="rect">
@@ -4363,7 +8732,7 @@
         </p:nvSpPr>
         <p:spPr>
           <a:xfrm rot="16200000">
-            <a:off x="6014749" y="3167643"/>
+            <a:off x="8096889" y="3738061"/>
             <a:ext cx="1196049" cy="369332"/>
           </a:xfrm>
           <a:prstGeom prst="rect">
@@ -4391,6 +8760,618 @@
               <a:t>DECREASE</a:t>
             </a:r>
             <a:endParaRPr lang="en-US" dirty="0"/>
+          </a:p>
+        </p:txBody>
+      </p:sp>
+      <p:sp>
+        <p:nvSpPr>
+          <p:cNvPr id="2" name="Rectangle 1"/>
+          <p:cNvSpPr/>
+          <p:nvPr/>
+        </p:nvSpPr>
+        <p:spPr>
+          <a:xfrm>
+            <a:off x="1040672" y="495077"/>
+            <a:ext cx="3893128" cy="1200329"/>
+          </a:xfrm>
+          <a:prstGeom prst="rect">
+            <a:avLst/>
+          </a:prstGeom>
+        </p:spPr>
+        <p:txBody>
+          <a:bodyPr wrap="square">
+            <a:spAutoFit/>
+          </a:bodyPr>
+          <a:lstStyle/>
+          <a:p>
+            <a:r>
+              <a:rPr lang="en-IN" sz="1200" dirty="0">
+                <a:solidFill>
+                  <a:srgbClr val="000000"/>
+                </a:solidFill>
+                <a:latin typeface="Arial" panose="020B0604020202020204" pitchFamily="34" charset="0"/>
+                <a:ea typeface="Times New Roman" panose="02020603050405020304" pitchFamily="18" charset="0"/>
+                <a:cs typeface="Times New Roman" panose="02020603050405020304" pitchFamily="18" charset="0"/>
+              </a:rPr>
+              <a:t>If an </a:t>
+            </a:r>
+            <a:r>
+              <a:rPr lang="en-IN" sz="1200" b="1" dirty="0">
+                <a:solidFill>
+                  <a:srgbClr val="4F81BD"/>
+                </a:solidFill>
+                <a:latin typeface="Arial" panose="020B0604020202020204" pitchFamily="34" charset="0"/>
+                <a:ea typeface="Times New Roman" panose="02020603050405020304" pitchFamily="18" charset="0"/>
+                <a:cs typeface="Times New Roman" panose="02020603050405020304" pitchFamily="18" charset="0"/>
+              </a:rPr>
+              <a:t>ASSET</a:t>
+            </a:r>
+            <a:r>
+              <a:rPr lang="en-IN" sz="1200" dirty="0">
+                <a:solidFill>
+                  <a:srgbClr val="000000"/>
+                </a:solidFill>
+                <a:latin typeface="Arial" panose="020B0604020202020204" pitchFamily="34" charset="0"/>
+                <a:ea typeface="Times New Roman" panose="02020603050405020304" pitchFamily="18" charset="0"/>
+                <a:cs typeface="Times New Roman" panose="02020603050405020304" pitchFamily="18" charset="0"/>
+              </a:rPr>
+              <a:t> or </a:t>
+            </a:r>
+            <a:r>
+              <a:rPr lang="en-IN" sz="1200" b="1" dirty="0">
+                <a:solidFill>
+                  <a:srgbClr val="4F81BD"/>
+                </a:solidFill>
+                <a:latin typeface="Arial" panose="020B0604020202020204" pitchFamily="34" charset="0"/>
+                <a:ea typeface="Times New Roman" panose="02020603050405020304" pitchFamily="18" charset="0"/>
+                <a:cs typeface="Times New Roman" panose="02020603050405020304" pitchFamily="18" charset="0"/>
+              </a:rPr>
+              <a:t>EXPENSE</a:t>
+            </a:r>
+            <a:r>
+              <a:rPr lang="en-IN" sz="1200" dirty="0">
+                <a:solidFill>
+                  <a:srgbClr val="000000"/>
+                </a:solidFill>
+                <a:latin typeface="Arial" panose="020B0604020202020204" pitchFamily="34" charset="0"/>
+                <a:ea typeface="Times New Roman" panose="02020603050405020304" pitchFamily="18" charset="0"/>
+                <a:cs typeface="Times New Roman" panose="02020603050405020304" pitchFamily="18" charset="0"/>
+              </a:rPr>
+              <a:t> is </a:t>
+            </a:r>
+            <a:r>
+              <a:rPr lang="en-IN" sz="1200" b="1" dirty="0">
+                <a:solidFill>
+                  <a:srgbClr val="9BBB59"/>
+                </a:solidFill>
+                <a:latin typeface="Arial" panose="020B0604020202020204" pitchFamily="34" charset="0"/>
+                <a:ea typeface="Times New Roman" panose="02020603050405020304" pitchFamily="18" charset="0"/>
+                <a:cs typeface="Times New Roman" panose="02020603050405020304" pitchFamily="18" charset="0"/>
+              </a:rPr>
+              <a:t>INCREASING</a:t>
+            </a:r>
+            <a:r>
+              <a:rPr lang="en-IN" sz="1200" dirty="0">
+                <a:solidFill>
+                  <a:srgbClr val="000000"/>
+                </a:solidFill>
+                <a:latin typeface="Arial" panose="020B0604020202020204" pitchFamily="34" charset="0"/>
+                <a:ea typeface="Times New Roman" panose="02020603050405020304" pitchFamily="18" charset="0"/>
+                <a:cs typeface="Times New Roman" panose="02020603050405020304" pitchFamily="18" charset="0"/>
+              </a:rPr>
+              <a:t>, it goes in the </a:t>
+            </a:r>
+            <a:r>
+              <a:rPr lang="en-IN" sz="1200" b="1" dirty="0">
+                <a:solidFill>
+                  <a:srgbClr val="4F81BD"/>
+                </a:solidFill>
+                <a:latin typeface="Arial" panose="020B0604020202020204" pitchFamily="34" charset="0"/>
+                <a:ea typeface="Times New Roman" panose="02020603050405020304" pitchFamily="18" charset="0"/>
+                <a:cs typeface="Times New Roman" panose="02020603050405020304" pitchFamily="18" charset="0"/>
+              </a:rPr>
+              <a:t>DEBIT</a:t>
+            </a:r>
+            <a:r>
+              <a:rPr lang="en-IN" sz="1200" dirty="0">
+                <a:solidFill>
+                  <a:srgbClr val="000000"/>
+                </a:solidFill>
+                <a:latin typeface="Arial" panose="020B0604020202020204" pitchFamily="34" charset="0"/>
+                <a:ea typeface="Times New Roman" panose="02020603050405020304" pitchFamily="18" charset="0"/>
+                <a:cs typeface="Times New Roman" panose="02020603050405020304" pitchFamily="18" charset="0"/>
+              </a:rPr>
+              <a:t> column. </a:t>
+            </a:r>
+            <a:endParaRPr lang="en-US" dirty="0">
+              <a:latin typeface="Cambria" panose="02040503050406030204" pitchFamily="18" charset="0"/>
+              <a:ea typeface="MS Mincho"/>
+              <a:cs typeface="Times New Roman" panose="02020603050405020304" pitchFamily="18" charset="0"/>
+            </a:endParaRPr>
+          </a:p>
+          <a:p>
+            <a:r>
+              <a:rPr lang="en-IN" sz="1200" dirty="0">
+                <a:solidFill>
+                  <a:srgbClr val="000000"/>
+                </a:solidFill>
+                <a:latin typeface="Arial" panose="020B0604020202020204" pitchFamily="34" charset="0"/>
+                <a:ea typeface="Times New Roman" panose="02020603050405020304" pitchFamily="18" charset="0"/>
+                <a:cs typeface="Times New Roman" panose="02020603050405020304" pitchFamily="18" charset="0"/>
+              </a:rPr>
+              <a:t> </a:t>
+            </a:r>
+            <a:endParaRPr lang="en-US" dirty="0">
+              <a:latin typeface="Cambria" panose="02040503050406030204" pitchFamily="18" charset="0"/>
+              <a:ea typeface="MS Mincho"/>
+              <a:cs typeface="Times New Roman" panose="02020603050405020304" pitchFamily="18" charset="0"/>
+            </a:endParaRPr>
+          </a:p>
+          <a:p>
+            <a:r>
+              <a:rPr lang="en-IN" sz="1200" dirty="0">
+                <a:solidFill>
+                  <a:srgbClr val="000000"/>
+                </a:solidFill>
+                <a:latin typeface="Arial" panose="020B0604020202020204" pitchFamily="34" charset="0"/>
+                <a:ea typeface="Times New Roman" panose="02020603050405020304" pitchFamily="18" charset="0"/>
+                <a:cs typeface="Times New Roman" panose="02020603050405020304" pitchFamily="18" charset="0"/>
+              </a:rPr>
+              <a:t>If a </a:t>
+            </a:r>
+            <a:r>
+              <a:rPr lang="en-IN" sz="1200" b="1" dirty="0">
+                <a:solidFill>
+                  <a:srgbClr val="984806"/>
+                </a:solidFill>
+                <a:latin typeface="Arial" panose="020B0604020202020204" pitchFamily="34" charset="0"/>
+                <a:ea typeface="Times New Roman" panose="02020603050405020304" pitchFamily="18" charset="0"/>
+                <a:cs typeface="Times New Roman" panose="02020603050405020304" pitchFamily="18" charset="0"/>
+              </a:rPr>
+              <a:t>LIABILITY</a:t>
+            </a:r>
+            <a:r>
+              <a:rPr lang="en-IN" sz="1200" dirty="0">
+                <a:solidFill>
+                  <a:srgbClr val="000000"/>
+                </a:solidFill>
+                <a:latin typeface="Arial" panose="020B0604020202020204" pitchFamily="34" charset="0"/>
+                <a:ea typeface="Times New Roman" panose="02020603050405020304" pitchFamily="18" charset="0"/>
+                <a:cs typeface="Times New Roman" panose="02020603050405020304" pitchFamily="18" charset="0"/>
+              </a:rPr>
+              <a:t>, </a:t>
+            </a:r>
+            <a:r>
+              <a:rPr lang="en-IN" sz="1200" b="1" dirty="0">
+                <a:solidFill>
+                  <a:srgbClr val="984806"/>
+                </a:solidFill>
+                <a:latin typeface="Arial" panose="020B0604020202020204" pitchFamily="34" charset="0"/>
+                <a:ea typeface="Times New Roman" panose="02020603050405020304" pitchFamily="18" charset="0"/>
+                <a:cs typeface="Times New Roman" panose="02020603050405020304" pitchFamily="18" charset="0"/>
+              </a:rPr>
+              <a:t>STOCKHOLDERS</a:t>
+            </a:r>
+            <a:r>
+              <a:rPr lang="en-IN" sz="1200" b="1" dirty="0">
+                <a:solidFill>
+                  <a:srgbClr val="000000"/>
+                </a:solidFill>
+                <a:latin typeface="Arial" panose="020B0604020202020204" pitchFamily="34" charset="0"/>
+                <a:ea typeface="Times New Roman" panose="02020603050405020304" pitchFamily="18" charset="0"/>
+                <a:cs typeface="Times New Roman" panose="02020603050405020304" pitchFamily="18" charset="0"/>
+              </a:rPr>
+              <a:t>’ </a:t>
+            </a:r>
+            <a:r>
+              <a:rPr lang="en-IN" sz="1200" b="1" dirty="0">
+                <a:solidFill>
+                  <a:srgbClr val="984806"/>
+                </a:solidFill>
+                <a:latin typeface="Arial" panose="020B0604020202020204" pitchFamily="34" charset="0"/>
+                <a:ea typeface="Times New Roman" panose="02020603050405020304" pitchFamily="18" charset="0"/>
+                <a:cs typeface="Times New Roman" panose="02020603050405020304" pitchFamily="18" charset="0"/>
+              </a:rPr>
+              <a:t>EQUITY</a:t>
+            </a:r>
+            <a:r>
+              <a:rPr lang="en-IN" sz="1200" dirty="0">
+                <a:solidFill>
+                  <a:srgbClr val="000000"/>
+                </a:solidFill>
+                <a:latin typeface="Arial" panose="020B0604020202020204" pitchFamily="34" charset="0"/>
+                <a:ea typeface="Times New Roman" panose="02020603050405020304" pitchFamily="18" charset="0"/>
+                <a:cs typeface="Times New Roman" panose="02020603050405020304" pitchFamily="18" charset="0"/>
+              </a:rPr>
+              <a:t> or </a:t>
+            </a:r>
+            <a:r>
+              <a:rPr lang="en-IN" sz="1200" b="1" dirty="0">
+                <a:solidFill>
+                  <a:srgbClr val="984806"/>
+                </a:solidFill>
+                <a:latin typeface="Arial" panose="020B0604020202020204" pitchFamily="34" charset="0"/>
+                <a:ea typeface="Times New Roman" panose="02020603050405020304" pitchFamily="18" charset="0"/>
+                <a:cs typeface="Times New Roman" panose="02020603050405020304" pitchFamily="18" charset="0"/>
+              </a:rPr>
+              <a:t>REVENUE</a:t>
+            </a:r>
+            <a:r>
+              <a:rPr lang="en-IN" sz="1200" dirty="0">
+                <a:solidFill>
+                  <a:srgbClr val="000000"/>
+                </a:solidFill>
+                <a:latin typeface="Arial" panose="020B0604020202020204" pitchFamily="34" charset="0"/>
+                <a:ea typeface="Times New Roman" panose="02020603050405020304" pitchFamily="18" charset="0"/>
+                <a:cs typeface="Times New Roman" panose="02020603050405020304" pitchFamily="18" charset="0"/>
+              </a:rPr>
+              <a:t> is </a:t>
+            </a:r>
+            <a:r>
+              <a:rPr lang="en-IN" sz="1200" b="1" dirty="0">
+                <a:solidFill>
+                  <a:srgbClr val="9BBB59"/>
+                </a:solidFill>
+                <a:latin typeface="Arial" panose="020B0604020202020204" pitchFamily="34" charset="0"/>
+                <a:ea typeface="Times New Roman" panose="02020603050405020304" pitchFamily="18" charset="0"/>
+                <a:cs typeface="Times New Roman" panose="02020603050405020304" pitchFamily="18" charset="0"/>
+              </a:rPr>
+              <a:t>INCREASING</a:t>
+            </a:r>
+            <a:r>
+              <a:rPr lang="en-IN" sz="1200" dirty="0">
+                <a:solidFill>
+                  <a:srgbClr val="000000"/>
+                </a:solidFill>
+                <a:latin typeface="Arial" panose="020B0604020202020204" pitchFamily="34" charset="0"/>
+                <a:ea typeface="Times New Roman" panose="02020603050405020304" pitchFamily="18" charset="0"/>
+                <a:cs typeface="Times New Roman" panose="02020603050405020304" pitchFamily="18" charset="0"/>
+              </a:rPr>
+              <a:t>, it goes in the </a:t>
+            </a:r>
+            <a:r>
+              <a:rPr lang="en-IN" sz="1200" b="1" dirty="0">
+                <a:solidFill>
+                  <a:srgbClr val="984806"/>
+                </a:solidFill>
+                <a:latin typeface="Arial" panose="020B0604020202020204" pitchFamily="34" charset="0"/>
+                <a:ea typeface="Times New Roman" panose="02020603050405020304" pitchFamily="18" charset="0"/>
+                <a:cs typeface="Times New Roman" panose="02020603050405020304" pitchFamily="18" charset="0"/>
+              </a:rPr>
+              <a:t>CREDIT</a:t>
+            </a:r>
+            <a:r>
+              <a:rPr lang="en-IN" sz="1200" dirty="0">
+                <a:solidFill>
+                  <a:srgbClr val="000000"/>
+                </a:solidFill>
+                <a:latin typeface="Arial" panose="020B0604020202020204" pitchFamily="34" charset="0"/>
+                <a:ea typeface="Times New Roman" panose="02020603050405020304" pitchFamily="18" charset="0"/>
+                <a:cs typeface="Times New Roman" panose="02020603050405020304" pitchFamily="18" charset="0"/>
+              </a:rPr>
+              <a:t> column.  </a:t>
+            </a:r>
+            <a:endParaRPr lang="en-US" dirty="0">
+              <a:effectLst/>
+              <a:latin typeface="Cambria" panose="02040503050406030204" pitchFamily="18" charset="0"/>
+              <a:ea typeface="MS Mincho"/>
+              <a:cs typeface="Times New Roman" panose="02020603050405020304" pitchFamily="18" charset="0"/>
+            </a:endParaRPr>
+          </a:p>
+        </p:txBody>
+      </p:sp>
+      <p:sp>
+        <p:nvSpPr>
+          <p:cNvPr id="3" name="Rectangle 2"/>
+          <p:cNvSpPr/>
+          <p:nvPr/>
+        </p:nvSpPr>
+        <p:spPr>
+          <a:xfrm>
+            <a:off x="6367049" y="432097"/>
+            <a:ext cx="4098675" cy="1384995"/>
+          </a:xfrm>
+          <a:prstGeom prst="rect">
+            <a:avLst/>
+          </a:prstGeom>
+        </p:spPr>
+        <p:txBody>
+          <a:bodyPr wrap="square">
+            <a:spAutoFit/>
+          </a:bodyPr>
+          <a:lstStyle/>
+          <a:p>
+            <a:r>
+              <a:rPr lang="en-IN" sz="1200" dirty="0">
+                <a:solidFill>
+                  <a:srgbClr val="000000"/>
+                </a:solidFill>
+                <a:latin typeface="Arial" panose="020B0604020202020204" pitchFamily="34" charset="0"/>
+                <a:ea typeface="Times New Roman" panose="02020603050405020304" pitchFamily="18" charset="0"/>
+                <a:cs typeface="Times New Roman" panose="02020603050405020304" pitchFamily="18" charset="0"/>
+              </a:rPr>
+              <a:t>If an </a:t>
+            </a:r>
+            <a:r>
+              <a:rPr lang="en-IN" sz="1200" b="1" dirty="0">
+                <a:solidFill>
+                  <a:srgbClr val="4F81BD"/>
+                </a:solidFill>
+                <a:latin typeface="Arial" panose="020B0604020202020204" pitchFamily="34" charset="0"/>
+                <a:ea typeface="Times New Roman" panose="02020603050405020304" pitchFamily="18" charset="0"/>
+                <a:cs typeface="Times New Roman" panose="02020603050405020304" pitchFamily="18" charset="0"/>
+              </a:rPr>
+              <a:t>ASSET</a:t>
+            </a:r>
+            <a:r>
+              <a:rPr lang="en-IN" sz="1200" dirty="0">
+                <a:solidFill>
+                  <a:srgbClr val="000000"/>
+                </a:solidFill>
+                <a:latin typeface="Arial" panose="020B0604020202020204" pitchFamily="34" charset="0"/>
+                <a:ea typeface="Times New Roman" panose="02020603050405020304" pitchFamily="18" charset="0"/>
+                <a:cs typeface="Times New Roman" panose="02020603050405020304" pitchFamily="18" charset="0"/>
+              </a:rPr>
+              <a:t> or </a:t>
+            </a:r>
+            <a:r>
+              <a:rPr lang="en-IN" sz="1200" b="1" dirty="0">
+                <a:solidFill>
+                  <a:srgbClr val="4F81BD"/>
+                </a:solidFill>
+                <a:latin typeface="Arial" panose="020B0604020202020204" pitchFamily="34" charset="0"/>
+                <a:ea typeface="Times New Roman" panose="02020603050405020304" pitchFamily="18" charset="0"/>
+                <a:cs typeface="Times New Roman" panose="02020603050405020304" pitchFamily="18" charset="0"/>
+              </a:rPr>
+              <a:t>EXPENSE</a:t>
+            </a:r>
+            <a:r>
+              <a:rPr lang="en-IN" sz="1200" dirty="0">
+                <a:solidFill>
+                  <a:srgbClr val="000000"/>
+                </a:solidFill>
+                <a:latin typeface="Arial" panose="020B0604020202020204" pitchFamily="34" charset="0"/>
+                <a:ea typeface="Times New Roman" panose="02020603050405020304" pitchFamily="18" charset="0"/>
+                <a:cs typeface="Times New Roman" panose="02020603050405020304" pitchFamily="18" charset="0"/>
+              </a:rPr>
+              <a:t> is </a:t>
+            </a:r>
+            <a:r>
+              <a:rPr lang="en-IN" sz="1200" b="1" dirty="0">
+                <a:solidFill>
+                  <a:srgbClr val="F79646"/>
+                </a:solidFill>
+                <a:latin typeface="Arial" panose="020B0604020202020204" pitchFamily="34" charset="0"/>
+                <a:ea typeface="Times New Roman" panose="02020603050405020304" pitchFamily="18" charset="0"/>
+                <a:cs typeface="Times New Roman" panose="02020603050405020304" pitchFamily="18" charset="0"/>
+              </a:rPr>
+              <a:t>DECREASING</a:t>
+            </a:r>
+            <a:r>
+              <a:rPr lang="en-IN" sz="1200" dirty="0">
+                <a:solidFill>
+                  <a:srgbClr val="000000"/>
+                </a:solidFill>
+                <a:latin typeface="Arial" panose="020B0604020202020204" pitchFamily="34" charset="0"/>
+                <a:ea typeface="Times New Roman" panose="02020603050405020304" pitchFamily="18" charset="0"/>
+                <a:cs typeface="Times New Roman" panose="02020603050405020304" pitchFamily="18" charset="0"/>
+              </a:rPr>
+              <a:t> it goes in the </a:t>
+            </a:r>
+            <a:r>
+              <a:rPr lang="en-IN" sz="1200" b="1" dirty="0">
+                <a:solidFill>
+                  <a:srgbClr val="4F81BD"/>
+                </a:solidFill>
+                <a:latin typeface="Arial" panose="020B0604020202020204" pitchFamily="34" charset="0"/>
+                <a:ea typeface="Times New Roman" panose="02020603050405020304" pitchFamily="18" charset="0"/>
+                <a:cs typeface="Times New Roman" panose="02020603050405020304" pitchFamily="18" charset="0"/>
+              </a:rPr>
+              <a:t>CREDIT</a:t>
+            </a:r>
+            <a:r>
+              <a:rPr lang="en-IN" sz="1200" dirty="0">
+                <a:solidFill>
+                  <a:srgbClr val="000000"/>
+                </a:solidFill>
+                <a:latin typeface="Arial" panose="020B0604020202020204" pitchFamily="34" charset="0"/>
+                <a:ea typeface="Times New Roman" panose="02020603050405020304" pitchFamily="18" charset="0"/>
+                <a:cs typeface="Times New Roman" panose="02020603050405020304" pitchFamily="18" charset="0"/>
+              </a:rPr>
+              <a:t> column.</a:t>
+            </a:r>
+            <a:endParaRPr lang="en-US" dirty="0">
+              <a:latin typeface="Cambria" panose="02040503050406030204" pitchFamily="18" charset="0"/>
+              <a:ea typeface="MS Mincho"/>
+              <a:cs typeface="Times New Roman" panose="02020603050405020304" pitchFamily="18" charset="0"/>
+            </a:endParaRPr>
+          </a:p>
+          <a:p>
+            <a:r>
+              <a:rPr lang="en-IN" sz="1200" dirty="0">
+                <a:solidFill>
+                  <a:srgbClr val="000000"/>
+                </a:solidFill>
+                <a:latin typeface="Arial" panose="020B0604020202020204" pitchFamily="34" charset="0"/>
+                <a:ea typeface="Times New Roman" panose="02020603050405020304" pitchFamily="18" charset="0"/>
+                <a:cs typeface="Times New Roman" panose="02020603050405020304" pitchFamily="18" charset="0"/>
+              </a:rPr>
+              <a:t> </a:t>
+            </a:r>
+            <a:endParaRPr lang="en-US" dirty="0">
+              <a:latin typeface="Cambria" panose="02040503050406030204" pitchFamily="18" charset="0"/>
+              <a:ea typeface="MS Mincho"/>
+              <a:cs typeface="Times New Roman" panose="02020603050405020304" pitchFamily="18" charset="0"/>
+            </a:endParaRPr>
+          </a:p>
+          <a:p>
+            <a:r>
+              <a:rPr lang="en-IN" sz="1200" dirty="0">
+                <a:solidFill>
+                  <a:srgbClr val="000000"/>
+                </a:solidFill>
+                <a:latin typeface="Arial" panose="020B0604020202020204" pitchFamily="34" charset="0"/>
+                <a:ea typeface="Times New Roman" panose="02020603050405020304" pitchFamily="18" charset="0"/>
+                <a:cs typeface="Times New Roman" panose="02020603050405020304" pitchFamily="18" charset="0"/>
+              </a:rPr>
+              <a:t> </a:t>
+            </a:r>
+            <a:endParaRPr lang="en-US" dirty="0">
+              <a:latin typeface="Cambria" panose="02040503050406030204" pitchFamily="18" charset="0"/>
+              <a:ea typeface="MS Mincho"/>
+              <a:cs typeface="Times New Roman" panose="02020603050405020304" pitchFamily="18" charset="0"/>
+            </a:endParaRPr>
+          </a:p>
+          <a:p>
+            <a:r>
+              <a:rPr lang="en-IN" sz="1200" dirty="0">
+                <a:solidFill>
+                  <a:srgbClr val="000000"/>
+                </a:solidFill>
+                <a:latin typeface="Arial" panose="020B0604020202020204" pitchFamily="34" charset="0"/>
+                <a:ea typeface="Times New Roman" panose="02020603050405020304" pitchFamily="18" charset="0"/>
+                <a:cs typeface="Times New Roman" panose="02020603050405020304" pitchFamily="18" charset="0"/>
+              </a:rPr>
+              <a:t>If a </a:t>
+            </a:r>
+            <a:r>
+              <a:rPr lang="en-IN" sz="1200" b="1" dirty="0">
+                <a:solidFill>
+                  <a:srgbClr val="984806"/>
+                </a:solidFill>
+                <a:latin typeface="Arial" panose="020B0604020202020204" pitchFamily="34" charset="0"/>
+                <a:ea typeface="Times New Roman" panose="02020603050405020304" pitchFamily="18" charset="0"/>
+                <a:cs typeface="Times New Roman" panose="02020603050405020304" pitchFamily="18" charset="0"/>
+              </a:rPr>
+              <a:t>LIABILITY</a:t>
+            </a:r>
+            <a:r>
+              <a:rPr lang="en-IN" sz="1200" dirty="0">
+                <a:solidFill>
+                  <a:srgbClr val="000000"/>
+                </a:solidFill>
+                <a:latin typeface="Arial" panose="020B0604020202020204" pitchFamily="34" charset="0"/>
+                <a:ea typeface="Times New Roman" panose="02020603050405020304" pitchFamily="18" charset="0"/>
+                <a:cs typeface="Times New Roman" panose="02020603050405020304" pitchFamily="18" charset="0"/>
+              </a:rPr>
+              <a:t>, </a:t>
+            </a:r>
+            <a:r>
+              <a:rPr lang="en-IN" sz="1200" b="1" dirty="0">
+                <a:solidFill>
+                  <a:srgbClr val="984806"/>
+                </a:solidFill>
+                <a:latin typeface="Arial" panose="020B0604020202020204" pitchFamily="34" charset="0"/>
+                <a:ea typeface="Times New Roman" panose="02020603050405020304" pitchFamily="18" charset="0"/>
+                <a:cs typeface="Times New Roman" panose="02020603050405020304" pitchFamily="18" charset="0"/>
+              </a:rPr>
+              <a:t>STOCKHOLDERS</a:t>
+            </a:r>
+            <a:r>
+              <a:rPr lang="en-IN" sz="1200" b="1" dirty="0">
+                <a:solidFill>
+                  <a:srgbClr val="000000"/>
+                </a:solidFill>
+                <a:latin typeface="Arial" panose="020B0604020202020204" pitchFamily="34" charset="0"/>
+                <a:ea typeface="Times New Roman" panose="02020603050405020304" pitchFamily="18" charset="0"/>
+                <a:cs typeface="Times New Roman" panose="02020603050405020304" pitchFamily="18" charset="0"/>
+              </a:rPr>
+              <a:t>’ </a:t>
+            </a:r>
+            <a:r>
+              <a:rPr lang="en-IN" sz="1200" b="1" dirty="0">
+                <a:solidFill>
+                  <a:srgbClr val="984806"/>
+                </a:solidFill>
+                <a:latin typeface="Arial" panose="020B0604020202020204" pitchFamily="34" charset="0"/>
+                <a:ea typeface="Times New Roman" panose="02020603050405020304" pitchFamily="18" charset="0"/>
+                <a:cs typeface="Times New Roman" panose="02020603050405020304" pitchFamily="18" charset="0"/>
+              </a:rPr>
+              <a:t>EQUITY</a:t>
+            </a:r>
+            <a:r>
+              <a:rPr lang="en-IN" sz="1200" dirty="0">
+                <a:solidFill>
+                  <a:srgbClr val="000000"/>
+                </a:solidFill>
+                <a:latin typeface="Arial" panose="020B0604020202020204" pitchFamily="34" charset="0"/>
+                <a:ea typeface="Times New Roman" panose="02020603050405020304" pitchFamily="18" charset="0"/>
+                <a:cs typeface="Times New Roman" panose="02020603050405020304" pitchFamily="18" charset="0"/>
+              </a:rPr>
+              <a:t> or </a:t>
+            </a:r>
+            <a:r>
+              <a:rPr lang="en-IN" sz="1200" b="1" dirty="0">
+                <a:solidFill>
+                  <a:srgbClr val="984806"/>
+                </a:solidFill>
+                <a:latin typeface="Arial" panose="020B0604020202020204" pitchFamily="34" charset="0"/>
+                <a:ea typeface="Times New Roman" panose="02020603050405020304" pitchFamily="18" charset="0"/>
+                <a:cs typeface="Times New Roman" panose="02020603050405020304" pitchFamily="18" charset="0"/>
+              </a:rPr>
+              <a:t>REVENUE</a:t>
+            </a:r>
+            <a:r>
+              <a:rPr lang="en-IN" sz="1200" dirty="0">
+                <a:solidFill>
+                  <a:srgbClr val="000000"/>
+                </a:solidFill>
+                <a:latin typeface="Arial" panose="020B0604020202020204" pitchFamily="34" charset="0"/>
+                <a:ea typeface="Times New Roman" panose="02020603050405020304" pitchFamily="18" charset="0"/>
+                <a:cs typeface="Times New Roman" panose="02020603050405020304" pitchFamily="18" charset="0"/>
+              </a:rPr>
+              <a:t> is </a:t>
+            </a:r>
+            <a:r>
+              <a:rPr lang="en-IN" sz="1200" b="1" dirty="0">
+                <a:solidFill>
+                  <a:srgbClr val="F79646"/>
+                </a:solidFill>
+                <a:latin typeface="Arial" panose="020B0604020202020204" pitchFamily="34" charset="0"/>
+                <a:ea typeface="Times New Roman" panose="02020603050405020304" pitchFamily="18" charset="0"/>
+                <a:cs typeface="Times New Roman" panose="02020603050405020304" pitchFamily="18" charset="0"/>
+              </a:rPr>
+              <a:t>DECREASING</a:t>
+            </a:r>
+            <a:r>
+              <a:rPr lang="en-IN" sz="1200" dirty="0">
+                <a:solidFill>
+                  <a:srgbClr val="000000"/>
+                </a:solidFill>
+                <a:latin typeface="Arial" panose="020B0604020202020204" pitchFamily="34" charset="0"/>
+                <a:ea typeface="Times New Roman" panose="02020603050405020304" pitchFamily="18" charset="0"/>
+                <a:cs typeface="Times New Roman" panose="02020603050405020304" pitchFamily="18" charset="0"/>
+              </a:rPr>
+              <a:t>, it goes in the </a:t>
+            </a:r>
+            <a:r>
+              <a:rPr lang="en-IN" sz="1200" b="1" dirty="0">
+                <a:solidFill>
+                  <a:srgbClr val="984806"/>
+                </a:solidFill>
+                <a:latin typeface="Arial" panose="020B0604020202020204" pitchFamily="34" charset="0"/>
+                <a:ea typeface="Times New Roman" panose="02020603050405020304" pitchFamily="18" charset="0"/>
+                <a:cs typeface="Times New Roman" panose="02020603050405020304" pitchFamily="18" charset="0"/>
+              </a:rPr>
+              <a:t>DEBIT</a:t>
+            </a:r>
+            <a:r>
+              <a:rPr lang="en-IN" sz="1200" dirty="0">
+                <a:solidFill>
+                  <a:srgbClr val="000000"/>
+                </a:solidFill>
+                <a:latin typeface="Arial" panose="020B0604020202020204" pitchFamily="34" charset="0"/>
+                <a:ea typeface="Times New Roman" panose="02020603050405020304" pitchFamily="18" charset="0"/>
+                <a:cs typeface="Times New Roman" panose="02020603050405020304" pitchFamily="18" charset="0"/>
+              </a:rPr>
+              <a:t> column, and vice versa. </a:t>
+            </a:r>
+            <a:endParaRPr lang="en-US" dirty="0">
+              <a:effectLst/>
+              <a:latin typeface="Cambria" panose="02040503050406030204" pitchFamily="18" charset="0"/>
+              <a:ea typeface="MS Mincho"/>
+              <a:cs typeface="Times New Roman" panose="02020603050405020304" pitchFamily="18" charset="0"/>
+            </a:endParaRPr>
           </a:p>
         </p:txBody>
       </p:sp>
@@ -5114,9 +10095,16 @@
             <p:ph type="title"/>
           </p:nvPr>
         </p:nvSpPr>
-        <p:spPr/>
+        <p:spPr>
+          <a:xfrm>
+            <a:off x="838200" y="365125"/>
+            <a:ext cx="10515600" cy="97111"/>
+          </a:xfrm>
+        </p:spPr>
         <p:txBody>
-          <a:bodyPr/>
+          <a:bodyPr>
+            <a:normAutofit fontScale="90000"/>
+          </a:bodyPr>
           <a:lstStyle/>
           <a:p>
             <a:r>
@@ -5143,13 +10131,13 @@
           </p:nvPr>
         </p:nvPicPr>
         <p:blipFill>
-          <a:blip r:embed="rId2">
+          <a:blip r:embed="rId2" cstate="print">
             <a:extLst>
               <a:ext uri="{28A0092B-C50C-407E-A947-70E740481C1C}">
                 <a14:useLocalDpi xmlns:a14="http://schemas.microsoft.com/office/drawing/2010/main" val="0"/>
               </a:ext>
               <a:ext uri="{837473B0-CC2E-450A-ABE3-18F120FF3D39}">
-                <a1611:picAttrSrcUrl xmlns:a1611="http://schemas.microsoft.com/office/drawing/2016/11/main" r:id="rId3"/>
+                <a1611:picAttrSrcUrl xmlns="" xmlns:a1611="http://schemas.microsoft.com/office/drawing/2016/11/main" r:id="rId3"/>
               </a:ext>
             </a:extLst>
           </a:blip>
@@ -5354,7 +10342,7 @@
                 <a14:useLocalDpi xmlns:a14="http://schemas.microsoft.com/office/drawing/2010/main" val="0"/>
               </a:ext>
               <a:ext uri="{837473B0-CC2E-450A-ABE3-18F120FF3D39}">
-                <a1611:picAttrSrcUrl xmlns:a1611="http://schemas.microsoft.com/office/drawing/2016/11/main" r:id="rId5"/>
+                <a1611:picAttrSrcUrl xmlns="" xmlns:a1611="http://schemas.microsoft.com/office/drawing/2016/11/main" r:id="rId5"/>
               </a:ext>
             </a:extLst>
           </a:blip>
@@ -5364,7 +10352,7 @@
         </p:blipFill>
         <p:spPr>
           <a:xfrm>
-            <a:off x="3052018" y="2698409"/>
+            <a:off x="3060331" y="2698409"/>
             <a:ext cx="952500" cy="889000"/>
           </a:xfrm>
           <a:prstGeom prst="rect">
@@ -5387,13 +10375,13 @@
           <p:nvPr/>
         </p:nvPicPr>
         <p:blipFill>
-          <a:blip r:embed="rId6">
+          <a:blip r:embed="rId6" cstate="print">
             <a:extLst>
               <a:ext uri="{28A0092B-C50C-407E-A947-70E740481C1C}">
                 <a14:useLocalDpi xmlns:a14="http://schemas.microsoft.com/office/drawing/2010/main" val="0"/>
               </a:ext>
               <a:ext uri="{837473B0-CC2E-450A-ABE3-18F120FF3D39}">
-                <a1611:picAttrSrcUrl xmlns:a1611="http://schemas.microsoft.com/office/drawing/2016/11/main" r:id="rId7"/>
+                <a1611:picAttrSrcUrl xmlns="" xmlns:a1611="http://schemas.microsoft.com/office/drawing/2016/11/main" r:id="rId7"/>
               </a:ext>
             </a:extLst>
           </a:blip>
@@ -5426,13 +10414,13 @@
           <p:nvPr/>
         </p:nvPicPr>
         <p:blipFill>
-          <a:blip r:embed="rId2">
+          <a:blip r:embed="rId2" cstate="print">
             <a:extLst>
               <a:ext uri="{28A0092B-C50C-407E-A947-70E740481C1C}">
                 <a14:useLocalDpi xmlns:a14="http://schemas.microsoft.com/office/drawing/2010/main" val="0"/>
               </a:ext>
               <a:ext uri="{837473B0-CC2E-450A-ABE3-18F120FF3D39}">
-                <a1611:picAttrSrcUrl xmlns:a1611="http://schemas.microsoft.com/office/drawing/2016/11/main" r:id="rId3"/>
+                <a1611:picAttrSrcUrl xmlns="" xmlns:a1611="http://schemas.microsoft.com/office/drawing/2016/11/main" r:id="rId3"/>
               </a:ext>
             </a:extLst>
           </a:blip>
@@ -5465,13 +10453,13 @@
           <p:nvPr/>
         </p:nvPicPr>
         <p:blipFill>
-          <a:blip r:embed="rId2">
+          <a:blip r:embed="rId2" cstate="print">
             <a:extLst>
               <a:ext uri="{28A0092B-C50C-407E-A947-70E740481C1C}">
                 <a14:useLocalDpi xmlns:a14="http://schemas.microsoft.com/office/drawing/2010/main" val="0"/>
               </a:ext>
               <a:ext uri="{837473B0-CC2E-450A-ABE3-18F120FF3D39}">
-                <a1611:picAttrSrcUrl xmlns:a1611="http://schemas.microsoft.com/office/drawing/2016/11/main" r:id="rId3"/>
+                <a1611:picAttrSrcUrl xmlns="" xmlns:a1611="http://schemas.microsoft.com/office/drawing/2016/11/main" r:id="rId3"/>
               </a:ext>
             </a:extLst>
           </a:blip>
@@ -5510,7 +10498,7 @@
                 <a14:useLocalDpi xmlns:a14="http://schemas.microsoft.com/office/drawing/2010/main" val="0"/>
               </a:ext>
               <a:ext uri="{837473B0-CC2E-450A-ABE3-18F120FF3D39}">
-                <a1611:picAttrSrcUrl xmlns:a1611="http://schemas.microsoft.com/office/drawing/2016/11/main" r:id="rId9"/>
+                <a1611:picAttrSrcUrl xmlns="" xmlns:a1611="http://schemas.microsoft.com/office/drawing/2016/11/main" r:id="rId9"/>
               </a:ext>
             </a:extLst>
           </a:blip>
@@ -5712,8 +10700,8 @@
         </p:nvCxnSpPr>
         <p:spPr>
           <a:xfrm flipV="1">
-            <a:off x="7515901" y="3798288"/>
-            <a:ext cx="1234916" cy="73318"/>
+            <a:off x="7515901" y="3868608"/>
+            <a:ext cx="1024860" cy="2998"/>
           </a:xfrm>
           <a:prstGeom prst="straightConnector1">
             <a:avLst/>
@@ -5833,8 +10821,8 @@
         </p:nvCxnSpPr>
         <p:spPr>
           <a:xfrm>
-            <a:off x="7499614" y="4597694"/>
-            <a:ext cx="1203981" cy="307422"/>
+            <a:off x="7515901" y="4488873"/>
+            <a:ext cx="874459" cy="603619"/>
           </a:xfrm>
           <a:prstGeom prst="straightConnector1">
             <a:avLst/>
@@ -5872,7 +10860,7 @@
         </p:nvSpPr>
         <p:spPr>
           <a:xfrm>
-            <a:off x="8703594" y="4793377"/>
+            <a:off x="8404529" y="5015548"/>
             <a:ext cx="2679999" cy="523220"/>
           </a:xfrm>
           <a:prstGeom prst="rect">
@@ -5924,7 +10912,7 @@
         <p:spPr>
           <a:xfrm>
             <a:off x="6810135" y="4934760"/>
-            <a:ext cx="1203981" cy="307422"/>
+            <a:ext cx="817455" cy="834273"/>
           </a:xfrm>
           <a:prstGeom prst="straightConnector1">
             <a:avLst/>
@@ -5962,7 +10950,7 @@
         </p:nvSpPr>
         <p:spPr>
           <a:xfrm>
-            <a:off x="8014115" y="5130443"/>
+            <a:off x="7713386" y="5752653"/>
             <a:ext cx="2679999" cy="523220"/>
           </a:xfrm>
           <a:prstGeom prst="rect">
@@ -6101,13 +11089,13 @@
           <p:nvPr/>
         </p:nvPicPr>
         <p:blipFill>
-          <a:blip r:embed="rId6">
+          <a:blip r:embed="rId6" cstate="print">
             <a:extLst>
               <a:ext uri="{28A0092B-C50C-407E-A947-70E740481C1C}">
                 <a14:useLocalDpi xmlns:a14="http://schemas.microsoft.com/office/drawing/2010/main" val="0"/>
               </a:ext>
               <a:ext uri="{837473B0-CC2E-450A-ABE3-18F120FF3D39}">
-                <a1611:picAttrSrcUrl xmlns:a1611="http://schemas.microsoft.com/office/drawing/2016/11/main" r:id="rId7"/>
+                <a1611:picAttrSrcUrl xmlns="" xmlns:a1611="http://schemas.microsoft.com/office/drawing/2016/11/main" r:id="rId7"/>
               </a:ext>
             </a:extLst>
           </a:blip>
@@ -6135,6 +11123,128 @@
   <p:clrMapOvr>
     <a:masterClrMapping/>
   </p:clrMapOvr>
+  <p:timing>
+    <p:tnLst>
+      <p:par>
+        <p:cTn id="1" dur="indefinite" restart="never" nodeType="tmRoot"/>
+      </p:par>
+    </p:tnLst>
+  </p:timing>
+</p:sld>
+</file>
+
+<file path=ppt/slides/slide5.xml><?xml version="1.0" encoding="utf-8"?>
+<p:sld xmlns:a="http://schemas.openxmlformats.org/drawingml/2006/main" xmlns:r="http://schemas.openxmlformats.org/officeDocument/2006/relationships" xmlns:p="http://schemas.openxmlformats.org/presentationml/2006/main">
+  <p:cSld>
+    <p:spTree>
+      <p:nvGrpSpPr>
+        <p:cNvPr id="1" name=""/>
+        <p:cNvGrpSpPr/>
+        <p:nvPr/>
+      </p:nvGrpSpPr>
+      <p:grpSpPr>
+        <a:xfrm>
+          <a:off x="0" y="0"/>
+          <a:ext cx="0" cy="0"/>
+          <a:chOff x="0" y="0"/>
+          <a:chExt cx="0" cy="0"/>
+        </a:xfrm>
+      </p:grpSpPr>
+      <p:graphicFrame>
+        <p:nvGraphicFramePr>
+          <p:cNvPr id="2" name="Diagram 1"/>
+          <p:cNvGraphicFramePr/>
+          <p:nvPr>
+            <p:extLst>
+              <p:ext uri="{D42A27DB-BD31-4B8C-83A1-F6EECF244321}">
+                <p14:modId xmlns:p14="http://schemas.microsoft.com/office/powerpoint/2010/main" val="707816397"/>
+              </p:ext>
+            </p:extLst>
+          </p:nvPr>
+        </p:nvGraphicFramePr>
+        <p:xfrm>
+          <a:off x="2032000" y="719666"/>
+          <a:ext cx="8128000" cy="5418667"/>
+        </p:xfrm>
+        <a:graphic>
+          <a:graphicData uri="http://schemas.openxmlformats.org/drawingml/2006/diagram">
+            <dgm:relIds xmlns:dgm="http://schemas.openxmlformats.org/drawingml/2006/diagram" xmlns:r="http://schemas.openxmlformats.org/officeDocument/2006/relationships" r:dm="rId2" r:lo="rId3" r:qs="rId4" r:cs="rId5"/>
+          </a:graphicData>
+        </a:graphic>
+      </p:graphicFrame>
+      <p:sp>
+        <p:nvSpPr>
+          <p:cNvPr id="3" name="Rectangle 2"/>
+          <p:cNvSpPr/>
+          <p:nvPr/>
+        </p:nvSpPr>
+        <p:spPr>
+          <a:xfrm>
+            <a:off x="4683902" y="2552007"/>
+            <a:ext cx="2954215" cy="2133174"/>
+          </a:xfrm>
+          <a:prstGeom prst="rect">
+            <a:avLst/>
+          </a:prstGeom>
+          <a:noFill/>
+          <a:ln>
+            <a:noFill/>
+          </a:ln>
+        </p:spPr>
+        <p:style>
+          <a:lnRef idx="2">
+            <a:schemeClr val="accent1">
+              <a:shade val="50000"/>
+            </a:schemeClr>
+          </a:lnRef>
+          <a:fillRef idx="1">
+            <a:schemeClr val="accent1"/>
+          </a:fillRef>
+          <a:effectRef idx="0">
+            <a:schemeClr val="accent1"/>
+          </a:effectRef>
+          <a:fontRef idx="minor">
+            <a:schemeClr val="lt1"/>
+          </a:fontRef>
+        </p:style>
+        <p:txBody>
+          <a:bodyPr rtlCol="0" anchor="ctr"/>
+          <a:lstStyle/>
+          <a:p>
+            <a:pPr algn="ctr"/>
+            <a:r>
+              <a:rPr lang="en-US" sz="3600" dirty="0" smtClean="0">
+                <a:solidFill>
+                  <a:schemeClr val="tx1"/>
+                </a:solidFill>
+              </a:rPr>
+              <a:t>Accounting Cycle</a:t>
+            </a:r>
+            <a:endParaRPr lang="en-US" sz="3600" dirty="0">
+              <a:solidFill>
+                <a:schemeClr val="tx1"/>
+              </a:solidFill>
+            </a:endParaRPr>
+          </a:p>
+        </p:txBody>
+      </p:sp>
+    </p:spTree>
+    <p:extLst>
+      <p:ext uri="{BB962C8B-B14F-4D97-AF65-F5344CB8AC3E}">
+        <p14:creationId xmlns:p14="http://schemas.microsoft.com/office/powerpoint/2010/main" val="1060935714"/>
+      </p:ext>
+    </p:extLst>
+  </p:cSld>
+  <p:clrMapOvr>
+    <a:masterClrMapping/>
+  </p:clrMapOvr>
+  <p:timing>
+    <p:tnLst>
+      <p:par>
+        <p:cTn id="1" dur="indefinite" restart="never" nodeType="tmRoot"/>
+      </p:par>
+    </p:tnLst>
+  </p:timing>
 </p:sld>
 </file>
 

--- a/assets/public/Chapter_2_Recording_accounting_transactions/documents/resources/Media/2.1.pptx
+++ b/assets/public/Chapter_2_Recording_accounting_transactions/documents/resources/Media/2.1.pptx
@@ -8771,7 +8771,7 @@
         </p:nvSpPr>
         <p:spPr>
           <a:xfrm>
-            <a:off x="1040672" y="495077"/>
+            <a:off x="1050166" y="566722"/>
             <a:ext cx="3893128" cy="1200329"/>
           </a:xfrm>
           <a:prstGeom prst="rect">
@@ -9068,7 +9068,7 @@
         </p:nvSpPr>
         <p:spPr>
           <a:xfrm>
-            <a:off x="6367049" y="432097"/>
+            <a:off x="6460909" y="474388"/>
             <a:ext cx="4098675" cy="1384995"/>
           </a:xfrm>
           <a:prstGeom prst="rect">
@@ -10137,7 +10137,7 @@
                 <a14:useLocalDpi xmlns:a14="http://schemas.microsoft.com/office/drawing/2010/main" val="0"/>
               </a:ext>
               <a:ext uri="{837473B0-CC2E-450A-ABE3-18F120FF3D39}">
-                <a1611:picAttrSrcUrl xmlns="" xmlns:a1611="http://schemas.microsoft.com/office/drawing/2016/11/main" r:id="rId3"/>
+                <a1611:picAttrSrcUrl xmlns:a1611="http://schemas.microsoft.com/office/drawing/2016/11/main" xmlns="" r:id="rId3"/>
               </a:ext>
             </a:extLst>
           </a:blip>
@@ -10342,7 +10342,7 @@
                 <a14:useLocalDpi xmlns:a14="http://schemas.microsoft.com/office/drawing/2010/main" val="0"/>
               </a:ext>
               <a:ext uri="{837473B0-CC2E-450A-ABE3-18F120FF3D39}">
-                <a1611:picAttrSrcUrl xmlns="" xmlns:a1611="http://schemas.microsoft.com/office/drawing/2016/11/main" r:id="rId5"/>
+                <a1611:picAttrSrcUrl xmlns:a1611="http://schemas.microsoft.com/office/drawing/2016/11/main" xmlns="" r:id="rId5"/>
               </a:ext>
             </a:extLst>
           </a:blip>
@@ -10381,7 +10381,7 @@
                 <a14:useLocalDpi xmlns:a14="http://schemas.microsoft.com/office/drawing/2010/main" val="0"/>
               </a:ext>
               <a:ext uri="{837473B0-CC2E-450A-ABE3-18F120FF3D39}">
-                <a1611:picAttrSrcUrl xmlns="" xmlns:a1611="http://schemas.microsoft.com/office/drawing/2016/11/main" r:id="rId7"/>
+                <a1611:picAttrSrcUrl xmlns:a1611="http://schemas.microsoft.com/office/drawing/2016/11/main" xmlns="" r:id="rId7"/>
               </a:ext>
             </a:extLst>
           </a:blip>
@@ -10420,7 +10420,7 @@
                 <a14:useLocalDpi xmlns:a14="http://schemas.microsoft.com/office/drawing/2010/main" val="0"/>
               </a:ext>
               <a:ext uri="{837473B0-CC2E-450A-ABE3-18F120FF3D39}">
-                <a1611:picAttrSrcUrl xmlns="" xmlns:a1611="http://schemas.microsoft.com/office/drawing/2016/11/main" r:id="rId3"/>
+                <a1611:picAttrSrcUrl xmlns:a1611="http://schemas.microsoft.com/office/drawing/2016/11/main" xmlns="" r:id="rId3"/>
               </a:ext>
             </a:extLst>
           </a:blip>
@@ -10459,7 +10459,7 @@
                 <a14:useLocalDpi xmlns:a14="http://schemas.microsoft.com/office/drawing/2010/main" val="0"/>
               </a:ext>
               <a:ext uri="{837473B0-CC2E-450A-ABE3-18F120FF3D39}">
-                <a1611:picAttrSrcUrl xmlns="" xmlns:a1611="http://schemas.microsoft.com/office/drawing/2016/11/main" r:id="rId3"/>
+                <a1611:picAttrSrcUrl xmlns:a1611="http://schemas.microsoft.com/office/drawing/2016/11/main" xmlns="" r:id="rId3"/>
               </a:ext>
             </a:extLst>
           </a:blip>
@@ -10498,7 +10498,7 @@
                 <a14:useLocalDpi xmlns:a14="http://schemas.microsoft.com/office/drawing/2010/main" val="0"/>
               </a:ext>
               <a:ext uri="{837473B0-CC2E-450A-ABE3-18F120FF3D39}">
-                <a1611:picAttrSrcUrl xmlns="" xmlns:a1611="http://schemas.microsoft.com/office/drawing/2016/11/main" r:id="rId9"/>
+                <a1611:picAttrSrcUrl xmlns:a1611="http://schemas.microsoft.com/office/drawing/2016/11/main" xmlns="" r:id="rId9"/>
               </a:ext>
             </a:extLst>
           </a:blip>
@@ -11095,7 +11095,7 @@
                 <a14:useLocalDpi xmlns:a14="http://schemas.microsoft.com/office/drawing/2010/main" val="0"/>
               </a:ext>
               <a:ext uri="{837473B0-CC2E-450A-ABE3-18F120FF3D39}">
-                <a1611:picAttrSrcUrl xmlns="" xmlns:a1611="http://schemas.microsoft.com/office/drawing/2016/11/main" r:id="rId7"/>
+                <a1611:picAttrSrcUrl xmlns:a1611="http://schemas.microsoft.com/office/drawing/2016/11/main" xmlns="" r:id="rId7"/>
               </a:ext>
             </a:extLst>
           </a:blip>

--- a/assets/public/Chapter_2_Recording_accounting_transactions/documents/resources/Media/2.1.pptx
+++ b/assets/public/Chapter_2_Recording_accounting_transactions/documents/resources/Media/2.1.pptx
@@ -8,8 +8,9 @@
     <p:sldId id="257" r:id="rId2"/>
     <p:sldId id="256" r:id="rId3"/>
     <p:sldId id="258" r:id="rId4"/>
-    <p:sldId id="259" r:id="rId5"/>
-    <p:sldId id="260" r:id="rId6"/>
+    <p:sldId id="261" r:id="rId5"/>
+    <p:sldId id="259" r:id="rId6"/>
+    <p:sldId id="260" r:id="rId7"/>
   </p:sldIdLst>
   <p:sldSz cx="12192000" cy="6858000"/>
   <p:notesSz cx="6858000" cy="9144000"/>
@@ -1057,10 +1058,9 @@
         <a:lstStyle/>
         <a:p>
           <a:r>
-            <a:rPr lang="en-US" dirty="0" smtClean="0"/>
+            <a:rPr lang="en-US" dirty="0"/>
             <a:t>1. Identify Transactions</a:t>
           </a:r>
-          <a:endParaRPr lang="en-US" dirty="0"/>
         </a:p>
       </dgm:t>
     </dgm:pt>
@@ -1094,10 +1094,9 @@
         <a:lstStyle/>
         <a:p>
           <a:r>
-            <a:rPr lang="en-US" dirty="0" smtClean="0"/>
+            <a:rPr lang="en-US" dirty="0"/>
             <a:t>2. Record Journal Entries</a:t>
           </a:r>
-          <a:endParaRPr lang="en-US" dirty="0"/>
         </a:p>
       </dgm:t>
     </dgm:pt>
@@ -1131,10 +1130,9 @@
         <a:lstStyle/>
         <a:p>
           <a:r>
-            <a:rPr lang="en-US" dirty="0" smtClean="0"/>
+            <a:rPr lang="en-US" dirty="0"/>
             <a:t>5. Financial Statements</a:t>
           </a:r>
-          <a:endParaRPr lang="en-US" dirty="0"/>
         </a:p>
       </dgm:t>
     </dgm:pt>
@@ -1168,10 +1166,9 @@
         <a:lstStyle/>
         <a:p>
           <a:r>
-            <a:rPr lang="en-US" dirty="0" smtClean="0"/>
+            <a:rPr lang="en-US" dirty="0"/>
             <a:t>6. Closing Entries</a:t>
           </a:r>
-          <a:endParaRPr lang="en-US" dirty="0"/>
         </a:p>
       </dgm:t>
     </dgm:pt>
@@ -1205,10 +1202,9 @@
         <a:lstStyle/>
         <a:p>
           <a:r>
-            <a:rPr lang="en-US" dirty="0" smtClean="0"/>
+            <a:rPr lang="en-US" dirty="0"/>
             <a:t>7. Post-Closing Trial Balance</a:t>
           </a:r>
-          <a:endParaRPr lang="en-US" dirty="0"/>
         </a:p>
       </dgm:t>
     </dgm:pt>
@@ -1242,10 +1238,9 @@
         <a:lstStyle/>
         <a:p>
           <a:r>
-            <a:rPr lang="en-US" dirty="0" smtClean="0"/>
+            <a:rPr lang="en-US" dirty="0"/>
             <a:t>3. Post Ledger Entries</a:t>
           </a:r>
-          <a:endParaRPr lang="en-US" dirty="0"/>
         </a:p>
       </dgm:t>
     </dgm:pt>
@@ -1279,10 +1274,9 @@
         <a:lstStyle/>
         <a:p>
           <a:r>
-            <a:rPr lang="en-US" dirty="0" smtClean="0"/>
+            <a:rPr lang="en-US" dirty="0"/>
             <a:t>4. Trial Balance</a:t>
           </a:r>
-          <a:endParaRPr lang="en-US" dirty="0"/>
         </a:p>
       </dgm:t>
     </dgm:pt>
@@ -1316,13 +1310,6 @@
         </dgm:presLayoutVars>
       </dgm:prSet>
       <dgm:spPr/>
-      <dgm:t>
-        <a:bodyPr/>
-        <a:lstStyle/>
-        <a:p>
-          <a:endParaRPr lang="en-US"/>
-        </a:p>
-      </dgm:t>
     </dgm:pt>
     <dgm:pt modelId="{9B606B27-F599-4D5C-8AFA-B970D3E9C9E8}" type="pres">
       <dgm:prSet presAssocID="{A02B43BA-4551-4319-A815-4F752A741E8D}" presName="node" presStyleLbl="node1" presStyleIdx="0" presStyleCnt="7">
@@ -1331,35 +1318,14 @@
         </dgm:presLayoutVars>
       </dgm:prSet>
       <dgm:spPr/>
-      <dgm:t>
-        <a:bodyPr/>
-        <a:lstStyle/>
-        <a:p>
-          <a:endParaRPr lang="en-US"/>
-        </a:p>
-      </dgm:t>
     </dgm:pt>
     <dgm:pt modelId="{2EE613E0-F7AE-4A53-AB2E-8136F2E68FD3}" type="pres">
       <dgm:prSet presAssocID="{33773D18-B6B0-4B5E-9FD2-189EEFF6BA4C}" presName="sibTrans" presStyleLbl="sibTrans2D1" presStyleIdx="0" presStyleCnt="7"/>
       <dgm:spPr/>
-      <dgm:t>
-        <a:bodyPr/>
-        <a:lstStyle/>
-        <a:p>
-          <a:endParaRPr lang="en-US"/>
-        </a:p>
-      </dgm:t>
     </dgm:pt>
     <dgm:pt modelId="{D9667D6D-C838-49DF-8624-7F00E6B4281B}" type="pres">
       <dgm:prSet presAssocID="{33773D18-B6B0-4B5E-9FD2-189EEFF6BA4C}" presName="connectorText" presStyleLbl="sibTrans2D1" presStyleIdx="0" presStyleCnt="7"/>
       <dgm:spPr/>
-      <dgm:t>
-        <a:bodyPr/>
-        <a:lstStyle/>
-        <a:p>
-          <a:endParaRPr lang="en-US"/>
-        </a:p>
-      </dgm:t>
     </dgm:pt>
     <dgm:pt modelId="{DCBC3C29-951C-4025-94ED-ACA5718E6140}" type="pres">
       <dgm:prSet presAssocID="{4821BF81-F0AA-4C7D-A412-52877A9B81DD}" presName="node" presStyleLbl="node1" presStyleIdx="1" presStyleCnt="7">
@@ -1368,35 +1334,14 @@
         </dgm:presLayoutVars>
       </dgm:prSet>
       <dgm:spPr/>
-      <dgm:t>
-        <a:bodyPr/>
-        <a:lstStyle/>
-        <a:p>
-          <a:endParaRPr lang="en-US"/>
-        </a:p>
-      </dgm:t>
     </dgm:pt>
     <dgm:pt modelId="{6D015A45-15F8-480E-A143-B9E9F6FF9564}" type="pres">
       <dgm:prSet presAssocID="{F8735C9C-48FF-4484-8415-1DE70AF10A06}" presName="sibTrans" presStyleLbl="sibTrans2D1" presStyleIdx="1" presStyleCnt="7"/>
       <dgm:spPr/>
-      <dgm:t>
-        <a:bodyPr/>
-        <a:lstStyle/>
-        <a:p>
-          <a:endParaRPr lang="en-US"/>
-        </a:p>
-      </dgm:t>
     </dgm:pt>
     <dgm:pt modelId="{646237EF-CB98-4D95-8F5D-A57327484662}" type="pres">
       <dgm:prSet presAssocID="{F8735C9C-48FF-4484-8415-1DE70AF10A06}" presName="connectorText" presStyleLbl="sibTrans2D1" presStyleIdx="1" presStyleCnt="7"/>
       <dgm:spPr/>
-      <dgm:t>
-        <a:bodyPr/>
-        <a:lstStyle/>
-        <a:p>
-          <a:endParaRPr lang="en-US"/>
-        </a:p>
-      </dgm:t>
     </dgm:pt>
     <dgm:pt modelId="{F2EF2C98-2A6A-42FC-8DB3-AE57F2ACF16B}" type="pres">
       <dgm:prSet presAssocID="{CDBCA17D-8CA8-4250-882C-D88342AC2FDF}" presName="node" presStyleLbl="node1" presStyleIdx="2" presStyleCnt="7">
@@ -1405,35 +1350,14 @@
         </dgm:presLayoutVars>
       </dgm:prSet>
       <dgm:spPr/>
-      <dgm:t>
-        <a:bodyPr/>
-        <a:lstStyle/>
-        <a:p>
-          <a:endParaRPr lang="en-US"/>
-        </a:p>
-      </dgm:t>
     </dgm:pt>
     <dgm:pt modelId="{33C8B533-802E-4E48-A822-D79A0FF4B3C9}" type="pres">
       <dgm:prSet presAssocID="{4018682B-58A7-47AE-9252-95CBA259CD61}" presName="sibTrans" presStyleLbl="sibTrans2D1" presStyleIdx="2" presStyleCnt="7"/>
       <dgm:spPr/>
-      <dgm:t>
-        <a:bodyPr/>
-        <a:lstStyle/>
-        <a:p>
-          <a:endParaRPr lang="en-US"/>
-        </a:p>
-      </dgm:t>
     </dgm:pt>
     <dgm:pt modelId="{9BAF3F42-E648-444A-9324-8B3585677041}" type="pres">
       <dgm:prSet presAssocID="{4018682B-58A7-47AE-9252-95CBA259CD61}" presName="connectorText" presStyleLbl="sibTrans2D1" presStyleIdx="2" presStyleCnt="7"/>
       <dgm:spPr/>
-      <dgm:t>
-        <a:bodyPr/>
-        <a:lstStyle/>
-        <a:p>
-          <a:endParaRPr lang="en-US"/>
-        </a:p>
-      </dgm:t>
     </dgm:pt>
     <dgm:pt modelId="{D430A24C-C130-439F-8A2E-61680A1154A5}" type="pres">
       <dgm:prSet presAssocID="{0129CEB3-B590-4086-845A-41A40D73B34E}" presName="node" presStyleLbl="node1" presStyleIdx="3" presStyleCnt="7">
@@ -1442,35 +1366,14 @@
         </dgm:presLayoutVars>
       </dgm:prSet>
       <dgm:spPr/>
-      <dgm:t>
-        <a:bodyPr/>
-        <a:lstStyle/>
-        <a:p>
-          <a:endParaRPr lang="en-US"/>
-        </a:p>
-      </dgm:t>
     </dgm:pt>
     <dgm:pt modelId="{AFEB0402-D4AA-43B7-8099-CC96BA995E1E}" type="pres">
       <dgm:prSet presAssocID="{263C0843-002E-48BF-9C4E-5B9BAC721BF3}" presName="sibTrans" presStyleLbl="sibTrans2D1" presStyleIdx="3" presStyleCnt="7"/>
       <dgm:spPr/>
-      <dgm:t>
-        <a:bodyPr/>
-        <a:lstStyle/>
-        <a:p>
-          <a:endParaRPr lang="en-US"/>
-        </a:p>
-      </dgm:t>
     </dgm:pt>
     <dgm:pt modelId="{BD0A4C7C-0C99-464F-89CF-DAAB6BC4974A}" type="pres">
       <dgm:prSet presAssocID="{263C0843-002E-48BF-9C4E-5B9BAC721BF3}" presName="connectorText" presStyleLbl="sibTrans2D1" presStyleIdx="3" presStyleCnt="7"/>
       <dgm:spPr/>
-      <dgm:t>
-        <a:bodyPr/>
-        <a:lstStyle/>
-        <a:p>
-          <a:endParaRPr lang="en-US"/>
-        </a:p>
-      </dgm:t>
     </dgm:pt>
     <dgm:pt modelId="{398AC9E8-8C61-4CA2-A9D4-BF17262B0965}" type="pres">
       <dgm:prSet presAssocID="{0EEEBE2B-A744-4843-AF1C-7E6294FD06C8}" presName="node" presStyleLbl="node1" presStyleIdx="4" presStyleCnt="7">
@@ -1479,35 +1382,14 @@
         </dgm:presLayoutVars>
       </dgm:prSet>
       <dgm:spPr/>
-      <dgm:t>
-        <a:bodyPr/>
-        <a:lstStyle/>
-        <a:p>
-          <a:endParaRPr lang="en-US"/>
-        </a:p>
-      </dgm:t>
     </dgm:pt>
     <dgm:pt modelId="{DD3E7DA7-BE41-4622-B4AC-EB4C4638739B}" type="pres">
       <dgm:prSet presAssocID="{1D2F7B5F-612C-43D3-BB2A-FF4A2D1885BC}" presName="sibTrans" presStyleLbl="sibTrans2D1" presStyleIdx="4" presStyleCnt="7"/>
       <dgm:spPr/>
-      <dgm:t>
-        <a:bodyPr/>
-        <a:lstStyle/>
-        <a:p>
-          <a:endParaRPr lang="en-US"/>
-        </a:p>
-      </dgm:t>
     </dgm:pt>
     <dgm:pt modelId="{593F6085-CF40-4F59-A583-C638750086B2}" type="pres">
       <dgm:prSet presAssocID="{1D2F7B5F-612C-43D3-BB2A-FF4A2D1885BC}" presName="connectorText" presStyleLbl="sibTrans2D1" presStyleIdx="4" presStyleCnt="7"/>
       <dgm:spPr/>
-      <dgm:t>
-        <a:bodyPr/>
-        <a:lstStyle/>
-        <a:p>
-          <a:endParaRPr lang="en-US"/>
-        </a:p>
-      </dgm:t>
     </dgm:pt>
     <dgm:pt modelId="{F4868C5F-4A0B-4CCC-882B-153BB8F85307}" type="pres">
       <dgm:prSet presAssocID="{BC9889DD-2466-4A99-9A75-F875EF107ED1}" presName="node" presStyleLbl="node1" presStyleIdx="5" presStyleCnt="7">
@@ -1516,35 +1398,14 @@
         </dgm:presLayoutVars>
       </dgm:prSet>
       <dgm:spPr/>
-      <dgm:t>
-        <a:bodyPr/>
-        <a:lstStyle/>
-        <a:p>
-          <a:endParaRPr lang="en-US"/>
-        </a:p>
-      </dgm:t>
     </dgm:pt>
     <dgm:pt modelId="{EE89DE90-F10E-4AC7-9422-816E4D2AC3D9}" type="pres">
       <dgm:prSet presAssocID="{F89DB252-9CDD-4CC9-9727-1D9924C7FC3B}" presName="sibTrans" presStyleLbl="sibTrans2D1" presStyleIdx="5" presStyleCnt="7"/>
       <dgm:spPr/>
-      <dgm:t>
-        <a:bodyPr/>
-        <a:lstStyle/>
-        <a:p>
-          <a:endParaRPr lang="en-US"/>
-        </a:p>
-      </dgm:t>
     </dgm:pt>
     <dgm:pt modelId="{9FFE9B88-5825-430D-8AAF-76BB52E06FFD}" type="pres">
       <dgm:prSet presAssocID="{F89DB252-9CDD-4CC9-9727-1D9924C7FC3B}" presName="connectorText" presStyleLbl="sibTrans2D1" presStyleIdx="5" presStyleCnt="7"/>
       <dgm:spPr/>
-      <dgm:t>
-        <a:bodyPr/>
-        <a:lstStyle/>
-        <a:p>
-          <a:endParaRPr lang="en-US"/>
-        </a:p>
-      </dgm:t>
     </dgm:pt>
     <dgm:pt modelId="{E1F89000-22EA-4AA0-876D-12D1FEE08DD4}" type="pres">
       <dgm:prSet presAssocID="{EFFA8977-69AE-482A-AA92-DED249DE74C7}" presName="node" presStyleLbl="node1" presStyleIdx="6" presStyleCnt="7">
@@ -1553,67 +1414,46 @@
         </dgm:presLayoutVars>
       </dgm:prSet>
       <dgm:spPr/>
-      <dgm:t>
-        <a:bodyPr/>
-        <a:lstStyle/>
-        <a:p>
-          <a:endParaRPr lang="en-US"/>
-        </a:p>
-      </dgm:t>
     </dgm:pt>
     <dgm:pt modelId="{6966B110-AED8-45AE-8CBF-A8847441A96B}" type="pres">
       <dgm:prSet presAssocID="{6285C9A5-5C43-43EC-9D50-99384DDB378E}" presName="sibTrans" presStyleLbl="sibTrans2D1" presStyleIdx="6" presStyleCnt="7"/>
       <dgm:spPr/>
-      <dgm:t>
-        <a:bodyPr/>
-        <a:lstStyle/>
-        <a:p>
-          <a:endParaRPr lang="en-US"/>
-        </a:p>
-      </dgm:t>
     </dgm:pt>
     <dgm:pt modelId="{6BC1FEBC-60A0-4636-9FCD-42775AC49B26}" type="pres">
       <dgm:prSet presAssocID="{6285C9A5-5C43-43EC-9D50-99384DDB378E}" presName="connectorText" presStyleLbl="sibTrans2D1" presStyleIdx="6" presStyleCnt="7"/>
       <dgm:spPr/>
-      <dgm:t>
-        <a:bodyPr/>
-        <a:lstStyle/>
-        <a:p>
-          <a:endParaRPr lang="en-US"/>
-        </a:p>
-      </dgm:t>
     </dgm:pt>
   </dgm:ptLst>
   <dgm:cxnLst>
+    <dgm:cxn modelId="{B24A2701-6A60-4B80-B738-6EAE85E0FD87}" srcId="{C020CB66-6ABA-48C6-8603-468B309DC8D8}" destId="{0129CEB3-B590-4086-845A-41A40D73B34E}" srcOrd="3" destOrd="0" parTransId="{46EAC884-F75D-4D94-B12D-2F56FD936505}" sibTransId="{263C0843-002E-48BF-9C4E-5B9BAC721BF3}"/>
+    <dgm:cxn modelId="{0ADBE10C-33A0-4D36-B95D-FE0FB3ECA1CA}" type="presOf" srcId="{4821BF81-F0AA-4C7D-A412-52877A9B81DD}" destId="{DCBC3C29-951C-4025-94ED-ACA5718E6140}" srcOrd="0" destOrd="0" presId="urn:microsoft.com/office/officeart/2005/8/layout/cycle2"/>
     <dgm:cxn modelId="{91957C11-F614-482F-BB76-AD757151D3C4}" type="presOf" srcId="{263C0843-002E-48BF-9C4E-5B9BAC721BF3}" destId="{BD0A4C7C-0C99-464F-89CF-DAAB6BC4974A}" srcOrd="1" destOrd="0" presId="urn:microsoft.com/office/officeart/2005/8/layout/cycle2"/>
+    <dgm:cxn modelId="{99CE881B-4C8B-45A3-B245-C0AB2AE8F84F}" type="presOf" srcId="{A02B43BA-4551-4319-A815-4F752A741E8D}" destId="{9B606B27-F599-4D5C-8AFA-B970D3E9C9E8}" srcOrd="0" destOrd="0" presId="urn:microsoft.com/office/officeart/2005/8/layout/cycle2"/>
+    <dgm:cxn modelId="{C0F51123-09FB-48C1-BEE0-6BECBA9C83B9}" type="presOf" srcId="{F8735C9C-48FF-4484-8415-1DE70AF10A06}" destId="{646237EF-CB98-4D95-8F5D-A57327484662}" srcOrd="1" destOrd="0" presId="urn:microsoft.com/office/officeart/2005/8/layout/cycle2"/>
+    <dgm:cxn modelId="{8F8C9326-B72F-4054-A63E-28D67D5786CB}" type="presOf" srcId="{C020CB66-6ABA-48C6-8603-468B309DC8D8}" destId="{6713CE65-70D7-4D88-A06F-543F2447AD27}" srcOrd="0" destOrd="0" presId="urn:microsoft.com/office/officeart/2005/8/layout/cycle2"/>
+    <dgm:cxn modelId="{CC7BD72E-3526-4824-97CC-D3A463B9B8D9}" srcId="{C020CB66-6ABA-48C6-8603-468B309DC8D8}" destId="{CDBCA17D-8CA8-4250-882C-D88342AC2FDF}" srcOrd="2" destOrd="0" parTransId="{72D4007E-2416-41FD-BE06-61E02D8F4BFC}" sibTransId="{4018682B-58A7-47AE-9252-95CBA259CD61}"/>
+    <dgm:cxn modelId="{58F0E530-1BD0-4665-B075-685C97DAFA2F}" type="presOf" srcId="{4018682B-58A7-47AE-9252-95CBA259CD61}" destId="{33C8B533-802E-4E48-A822-D79A0FF4B3C9}" srcOrd="0" destOrd="0" presId="urn:microsoft.com/office/officeart/2005/8/layout/cycle2"/>
+    <dgm:cxn modelId="{A7656F33-347C-41DD-9FB1-441467BE671A}" type="presOf" srcId="{33773D18-B6B0-4B5E-9FD2-189EEFF6BA4C}" destId="{2EE613E0-F7AE-4A53-AB2E-8136F2E68FD3}" srcOrd="0" destOrd="0" presId="urn:microsoft.com/office/officeart/2005/8/layout/cycle2"/>
+    <dgm:cxn modelId="{137DDA34-C6D9-4480-8148-E1C016FDEBB3}" srcId="{C020CB66-6ABA-48C6-8603-468B309DC8D8}" destId="{0EEEBE2B-A744-4843-AF1C-7E6294FD06C8}" srcOrd="4" destOrd="0" parTransId="{30F94723-4C03-49CD-93D9-B05CC368E156}" sibTransId="{1D2F7B5F-612C-43D3-BB2A-FF4A2D1885BC}"/>
+    <dgm:cxn modelId="{0373B340-831A-4733-B4B9-C53C5A0364ED}" type="presOf" srcId="{1D2F7B5F-612C-43D3-BB2A-FF4A2D1885BC}" destId="{593F6085-CF40-4F59-A583-C638750086B2}" srcOrd="1" destOrd="0" presId="urn:microsoft.com/office/officeart/2005/8/layout/cycle2"/>
+    <dgm:cxn modelId="{AEF48152-2ED1-4B16-A201-342740E168BF}" type="presOf" srcId="{F8735C9C-48FF-4484-8415-1DE70AF10A06}" destId="{6D015A45-15F8-480E-A143-B9E9F6FF9564}" srcOrd="0" destOrd="0" presId="urn:microsoft.com/office/officeart/2005/8/layout/cycle2"/>
+    <dgm:cxn modelId="{27967056-45B9-4108-9DC8-80162AE24486}" type="presOf" srcId="{F89DB252-9CDD-4CC9-9727-1D9924C7FC3B}" destId="{9FFE9B88-5825-430D-8AAF-76BB52E06FFD}" srcOrd="1" destOrd="0" presId="urn:microsoft.com/office/officeart/2005/8/layout/cycle2"/>
+    <dgm:cxn modelId="{6349565B-E55A-4482-ADCE-D356900EE254}" srcId="{C020CB66-6ABA-48C6-8603-468B309DC8D8}" destId="{BC9889DD-2466-4A99-9A75-F875EF107ED1}" srcOrd="5" destOrd="0" parTransId="{CB2B601A-2996-4E12-8F6E-A16595F76795}" sibTransId="{F89DB252-9CDD-4CC9-9727-1D9924C7FC3B}"/>
+    <dgm:cxn modelId="{CAFC2F5D-F0AA-437A-8291-0E108E62A101}" type="presOf" srcId="{BC9889DD-2466-4A99-9A75-F875EF107ED1}" destId="{F4868C5F-4A0B-4CCC-882B-153BB8F85307}" srcOrd="0" destOrd="0" presId="urn:microsoft.com/office/officeart/2005/8/layout/cycle2"/>
+    <dgm:cxn modelId="{A938D363-C03F-47BC-B8F0-658BFE8D3401}" type="presOf" srcId="{6285C9A5-5C43-43EC-9D50-99384DDB378E}" destId="{6BC1FEBC-60A0-4636-9FCD-42775AC49B26}" srcOrd="1" destOrd="0" presId="urn:microsoft.com/office/officeart/2005/8/layout/cycle2"/>
+    <dgm:cxn modelId="{1EA1B765-CA6B-4B04-9E05-79E7B3DF4E81}" type="presOf" srcId="{F89DB252-9CDD-4CC9-9727-1D9924C7FC3B}" destId="{EE89DE90-F10E-4AC7-9422-816E4D2AC3D9}" srcOrd="0" destOrd="0" presId="urn:microsoft.com/office/officeart/2005/8/layout/cycle2"/>
+    <dgm:cxn modelId="{712B9F6C-671B-4761-8621-287FE34EFD0A}" type="presOf" srcId="{0129CEB3-B590-4086-845A-41A40D73B34E}" destId="{D430A24C-C130-439F-8A2E-61680A1154A5}" srcOrd="0" destOrd="0" presId="urn:microsoft.com/office/officeart/2005/8/layout/cycle2"/>
+    <dgm:cxn modelId="{FD31B06C-16BC-4EF1-9440-821DDF58BD5F}" type="presOf" srcId="{EFFA8977-69AE-482A-AA92-DED249DE74C7}" destId="{E1F89000-22EA-4AA0-876D-12D1FEE08DD4}" srcOrd="0" destOrd="0" presId="urn:microsoft.com/office/officeart/2005/8/layout/cycle2"/>
+    <dgm:cxn modelId="{66610472-AFED-4901-AD78-434ECFBFA701}" srcId="{C020CB66-6ABA-48C6-8603-468B309DC8D8}" destId="{EFFA8977-69AE-482A-AA92-DED249DE74C7}" srcOrd="6" destOrd="0" parTransId="{CADBD1AA-4639-423B-BA9F-B1343D282A55}" sibTransId="{6285C9A5-5C43-43EC-9D50-99384DDB378E}"/>
+    <dgm:cxn modelId="{CA418277-B02F-4548-88EA-736E87498902}" type="presOf" srcId="{CDBCA17D-8CA8-4250-882C-D88342AC2FDF}" destId="{F2EF2C98-2A6A-42FC-8DB3-AE57F2ACF16B}" srcOrd="0" destOrd="0" presId="urn:microsoft.com/office/officeart/2005/8/layout/cycle2"/>
+    <dgm:cxn modelId="{8010E377-C953-4596-936A-C12CBA6D8770}" type="presOf" srcId="{1D2F7B5F-612C-43D3-BB2A-FF4A2D1885BC}" destId="{DD3E7DA7-BE41-4622-B4AC-EB4C4638739B}" srcOrd="0" destOrd="0" presId="urn:microsoft.com/office/officeart/2005/8/layout/cycle2"/>
+    <dgm:cxn modelId="{3DE9DFA0-39BA-40BC-805B-62FE774B2ACD}" type="presOf" srcId="{0EEEBE2B-A744-4843-AF1C-7E6294FD06C8}" destId="{398AC9E8-8C61-4CA2-A9D4-BF17262B0965}" srcOrd="0" destOrd="0" presId="urn:microsoft.com/office/officeart/2005/8/layout/cycle2"/>
+    <dgm:cxn modelId="{2E59DCA7-CED3-4099-B3A3-636E32CFE1FB}" srcId="{C020CB66-6ABA-48C6-8603-468B309DC8D8}" destId="{A02B43BA-4551-4319-A815-4F752A741E8D}" srcOrd="0" destOrd="0" parTransId="{08AE1242-81C6-4581-8C70-966A5EE91586}" sibTransId="{33773D18-B6B0-4B5E-9FD2-189EEFF6BA4C}"/>
+    <dgm:cxn modelId="{BD4D75AD-8A46-4D2F-80AD-EC0EA403FCFF}" type="presOf" srcId="{33773D18-B6B0-4B5E-9FD2-189EEFF6BA4C}" destId="{D9667D6D-C838-49DF-8624-7F00E6B4281B}" srcOrd="1" destOrd="0" presId="urn:microsoft.com/office/officeart/2005/8/layout/cycle2"/>
+    <dgm:cxn modelId="{9E67D2CE-D9EA-4867-A284-92268AE111A6}" type="presOf" srcId="{263C0843-002E-48BF-9C4E-5B9BAC721BF3}" destId="{AFEB0402-D4AA-43B7-8099-CC96BA995E1E}" srcOrd="0" destOrd="0" presId="urn:microsoft.com/office/officeart/2005/8/layout/cycle2"/>
     <dgm:cxn modelId="{EC8657D3-01C1-4619-B80E-6B273911690C}" type="presOf" srcId="{6285C9A5-5C43-43EC-9D50-99384DDB378E}" destId="{6966B110-AED8-45AE-8CBF-A8847441A96B}" srcOrd="0" destOrd="0" presId="urn:microsoft.com/office/officeart/2005/8/layout/cycle2"/>
     <dgm:cxn modelId="{E76859DD-2822-44BC-BBA9-8E3D833704C4}" srcId="{C020CB66-6ABA-48C6-8603-468B309DC8D8}" destId="{4821BF81-F0AA-4C7D-A412-52877A9B81DD}" srcOrd="1" destOrd="0" parTransId="{77142C5F-AF4F-4929-A9B1-EB94B379BABD}" sibTransId="{F8735C9C-48FF-4484-8415-1DE70AF10A06}"/>
-    <dgm:cxn modelId="{CA418277-B02F-4548-88EA-736E87498902}" type="presOf" srcId="{CDBCA17D-8CA8-4250-882C-D88342AC2FDF}" destId="{F2EF2C98-2A6A-42FC-8DB3-AE57F2ACF16B}" srcOrd="0" destOrd="0" presId="urn:microsoft.com/office/officeart/2005/8/layout/cycle2"/>
-    <dgm:cxn modelId="{B24A2701-6A60-4B80-B738-6EAE85E0FD87}" srcId="{C020CB66-6ABA-48C6-8603-468B309DC8D8}" destId="{0129CEB3-B590-4086-845A-41A40D73B34E}" srcOrd="3" destOrd="0" parTransId="{46EAC884-F75D-4D94-B12D-2F56FD936505}" sibTransId="{263C0843-002E-48BF-9C4E-5B9BAC721BF3}"/>
-    <dgm:cxn modelId="{27967056-45B9-4108-9DC8-80162AE24486}" type="presOf" srcId="{F89DB252-9CDD-4CC9-9727-1D9924C7FC3B}" destId="{9FFE9B88-5825-430D-8AAF-76BB52E06FFD}" srcOrd="1" destOrd="0" presId="urn:microsoft.com/office/officeart/2005/8/layout/cycle2"/>
-    <dgm:cxn modelId="{8F8C9326-B72F-4054-A63E-28D67D5786CB}" type="presOf" srcId="{C020CB66-6ABA-48C6-8603-468B309DC8D8}" destId="{6713CE65-70D7-4D88-A06F-543F2447AD27}" srcOrd="0" destOrd="0" presId="urn:microsoft.com/office/officeart/2005/8/layout/cycle2"/>
-    <dgm:cxn modelId="{6349565B-E55A-4482-ADCE-D356900EE254}" srcId="{C020CB66-6ABA-48C6-8603-468B309DC8D8}" destId="{BC9889DD-2466-4A99-9A75-F875EF107ED1}" srcOrd="5" destOrd="0" parTransId="{CB2B601A-2996-4E12-8F6E-A16595F76795}" sibTransId="{F89DB252-9CDD-4CC9-9727-1D9924C7FC3B}"/>
-    <dgm:cxn modelId="{58F0E530-1BD0-4665-B075-685C97DAFA2F}" type="presOf" srcId="{4018682B-58A7-47AE-9252-95CBA259CD61}" destId="{33C8B533-802E-4E48-A822-D79A0FF4B3C9}" srcOrd="0" destOrd="0" presId="urn:microsoft.com/office/officeart/2005/8/layout/cycle2"/>
-    <dgm:cxn modelId="{8010E377-C953-4596-936A-C12CBA6D8770}" type="presOf" srcId="{1D2F7B5F-612C-43D3-BB2A-FF4A2D1885BC}" destId="{DD3E7DA7-BE41-4622-B4AC-EB4C4638739B}" srcOrd="0" destOrd="0" presId="urn:microsoft.com/office/officeart/2005/8/layout/cycle2"/>
-    <dgm:cxn modelId="{99CE881B-4C8B-45A3-B245-C0AB2AE8F84F}" type="presOf" srcId="{A02B43BA-4551-4319-A815-4F752A741E8D}" destId="{9B606B27-F599-4D5C-8AFA-B970D3E9C9E8}" srcOrd="0" destOrd="0" presId="urn:microsoft.com/office/officeart/2005/8/layout/cycle2"/>
-    <dgm:cxn modelId="{CAFC2F5D-F0AA-437A-8291-0E108E62A101}" type="presOf" srcId="{BC9889DD-2466-4A99-9A75-F875EF107ED1}" destId="{F4868C5F-4A0B-4CCC-882B-153BB8F85307}" srcOrd="0" destOrd="0" presId="urn:microsoft.com/office/officeart/2005/8/layout/cycle2"/>
-    <dgm:cxn modelId="{66610472-AFED-4901-AD78-434ECFBFA701}" srcId="{C020CB66-6ABA-48C6-8603-468B309DC8D8}" destId="{EFFA8977-69AE-482A-AA92-DED249DE74C7}" srcOrd="6" destOrd="0" parTransId="{CADBD1AA-4639-423B-BA9F-B1343D282A55}" sibTransId="{6285C9A5-5C43-43EC-9D50-99384DDB378E}"/>
-    <dgm:cxn modelId="{9E67D2CE-D9EA-4867-A284-92268AE111A6}" type="presOf" srcId="{263C0843-002E-48BF-9C4E-5B9BAC721BF3}" destId="{AFEB0402-D4AA-43B7-8099-CC96BA995E1E}" srcOrd="0" destOrd="0" presId="urn:microsoft.com/office/officeart/2005/8/layout/cycle2"/>
-    <dgm:cxn modelId="{137DDA34-C6D9-4480-8148-E1C016FDEBB3}" srcId="{C020CB66-6ABA-48C6-8603-468B309DC8D8}" destId="{0EEEBE2B-A744-4843-AF1C-7E6294FD06C8}" srcOrd="4" destOrd="0" parTransId="{30F94723-4C03-49CD-93D9-B05CC368E156}" sibTransId="{1D2F7B5F-612C-43D3-BB2A-FF4A2D1885BC}"/>
-    <dgm:cxn modelId="{1EA1B765-CA6B-4B04-9E05-79E7B3DF4E81}" type="presOf" srcId="{F89DB252-9CDD-4CC9-9727-1D9924C7FC3B}" destId="{EE89DE90-F10E-4AC7-9422-816E4D2AC3D9}" srcOrd="0" destOrd="0" presId="urn:microsoft.com/office/officeart/2005/8/layout/cycle2"/>
-    <dgm:cxn modelId="{A938D363-C03F-47BC-B8F0-658BFE8D3401}" type="presOf" srcId="{6285C9A5-5C43-43EC-9D50-99384DDB378E}" destId="{6BC1FEBC-60A0-4636-9FCD-42775AC49B26}" srcOrd="1" destOrd="0" presId="urn:microsoft.com/office/officeart/2005/8/layout/cycle2"/>
-    <dgm:cxn modelId="{0373B340-831A-4733-B4B9-C53C5A0364ED}" type="presOf" srcId="{1D2F7B5F-612C-43D3-BB2A-FF4A2D1885BC}" destId="{593F6085-CF40-4F59-A583-C638750086B2}" srcOrd="1" destOrd="0" presId="urn:microsoft.com/office/officeart/2005/8/layout/cycle2"/>
-    <dgm:cxn modelId="{A7656F33-347C-41DD-9FB1-441467BE671A}" type="presOf" srcId="{33773D18-B6B0-4B5E-9FD2-189EEFF6BA4C}" destId="{2EE613E0-F7AE-4A53-AB2E-8136F2E68FD3}" srcOrd="0" destOrd="0" presId="urn:microsoft.com/office/officeart/2005/8/layout/cycle2"/>
-    <dgm:cxn modelId="{CC7BD72E-3526-4824-97CC-D3A463B9B8D9}" srcId="{C020CB66-6ABA-48C6-8603-468B309DC8D8}" destId="{CDBCA17D-8CA8-4250-882C-D88342AC2FDF}" srcOrd="2" destOrd="0" parTransId="{72D4007E-2416-41FD-BE06-61E02D8F4BFC}" sibTransId="{4018682B-58A7-47AE-9252-95CBA259CD61}"/>
-    <dgm:cxn modelId="{AEF48152-2ED1-4B16-A201-342740E168BF}" type="presOf" srcId="{F8735C9C-48FF-4484-8415-1DE70AF10A06}" destId="{6D015A45-15F8-480E-A143-B9E9F6FF9564}" srcOrd="0" destOrd="0" presId="urn:microsoft.com/office/officeart/2005/8/layout/cycle2"/>
     <dgm:cxn modelId="{823661FC-3588-4B3B-A32A-58F02FF12861}" type="presOf" srcId="{4018682B-58A7-47AE-9252-95CBA259CD61}" destId="{9BAF3F42-E648-444A-9324-8B3585677041}" srcOrd="1" destOrd="0" presId="urn:microsoft.com/office/officeart/2005/8/layout/cycle2"/>
-    <dgm:cxn modelId="{0ADBE10C-33A0-4D36-B95D-FE0FB3ECA1CA}" type="presOf" srcId="{4821BF81-F0AA-4C7D-A412-52877A9B81DD}" destId="{DCBC3C29-951C-4025-94ED-ACA5718E6140}" srcOrd="0" destOrd="0" presId="urn:microsoft.com/office/officeart/2005/8/layout/cycle2"/>
-    <dgm:cxn modelId="{FD31B06C-16BC-4EF1-9440-821DDF58BD5F}" type="presOf" srcId="{EFFA8977-69AE-482A-AA92-DED249DE74C7}" destId="{E1F89000-22EA-4AA0-876D-12D1FEE08DD4}" srcOrd="0" destOrd="0" presId="urn:microsoft.com/office/officeart/2005/8/layout/cycle2"/>
-    <dgm:cxn modelId="{2E59DCA7-CED3-4099-B3A3-636E32CFE1FB}" srcId="{C020CB66-6ABA-48C6-8603-468B309DC8D8}" destId="{A02B43BA-4551-4319-A815-4F752A741E8D}" srcOrd="0" destOrd="0" parTransId="{08AE1242-81C6-4581-8C70-966A5EE91586}" sibTransId="{33773D18-B6B0-4B5E-9FD2-189EEFF6BA4C}"/>
-    <dgm:cxn modelId="{712B9F6C-671B-4761-8621-287FE34EFD0A}" type="presOf" srcId="{0129CEB3-B590-4086-845A-41A40D73B34E}" destId="{D430A24C-C130-439F-8A2E-61680A1154A5}" srcOrd="0" destOrd="0" presId="urn:microsoft.com/office/officeart/2005/8/layout/cycle2"/>
-    <dgm:cxn modelId="{BD4D75AD-8A46-4D2F-80AD-EC0EA403FCFF}" type="presOf" srcId="{33773D18-B6B0-4B5E-9FD2-189EEFF6BA4C}" destId="{D9667D6D-C838-49DF-8624-7F00E6B4281B}" srcOrd="1" destOrd="0" presId="urn:microsoft.com/office/officeart/2005/8/layout/cycle2"/>
-    <dgm:cxn modelId="{C0F51123-09FB-48C1-BEE0-6BECBA9C83B9}" type="presOf" srcId="{F8735C9C-48FF-4484-8415-1DE70AF10A06}" destId="{646237EF-CB98-4D95-8F5D-A57327484662}" srcOrd="1" destOrd="0" presId="urn:microsoft.com/office/officeart/2005/8/layout/cycle2"/>
-    <dgm:cxn modelId="{3DE9DFA0-39BA-40BC-805B-62FE774B2ACD}" type="presOf" srcId="{0EEEBE2B-A744-4843-AF1C-7E6294FD06C8}" destId="{398AC9E8-8C61-4CA2-A9D4-BF17262B0965}" srcOrd="0" destOrd="0" presId="urn:microsoft.com/office/officeart/2005/8/layout/cycle2"/>
     <dgm:cxn modelId="{70D11182-270D-4A2D-88D5-AA3EB5B3A255}" type="presParOf" srcId="{6713CE65-70D7-4D88-A06F-543F2447AD27}" destId="{9B606B27-F599-4D5C-8AFA-B970D3E9C9E8}" srcOrd="0" destOrd="0" presId="urn:microsoft.com/office/officeart/2005/8/layout/cycle2"/>
     <dgm:cxn modelId="{5909F8E7-67BD-411D-8E09-C055322FFA99}" type="presParOf" srcId="{6713CE65-70D7-4D88-A06F-543F2447AD27}" destId="{2EE613E0-F7AE-4A53-AB2E-8136F2E68FD3}" srcOrd="1" destOrd="0" presId="urn:microsoft.com/office/officeart/2005/8/layout/cycle2"/>
     <dgm:cxn modelId="{9EF68453-EBF2-4C39-8878-B1C4A20A71DE}" type="presParOf" srcId="{2EE613E0-F7AE-4A53-AB2E-8136F2E68FD3}" destId="{D9667D6D-C838-49DF-8624-7F00E6B4281B}" srcOrd="0" destOrd="0" presId="urn:microsoft.com/office/officeart/2005/8/layout/cycle2"/>
@@ -1745,7 +1585,7 @@
         </a:bodyPr>
         <a:lstStyle/>
         <a:p>
-          <a:pPr lvl="0" algn="ctr" defTabSz="577850">
+          <a:pPr marL="0" lvl="0" indent="0" algn="ctr" defTabSz="577850">
             <a:lnSpc>
               <a:spcPct val="90000"/>
             </a:lnSpc>
@@ -1755,12 +1595,12 @@
             <a:spcAft>
               <a:spcPct val="35000"/>
             </a:spcAft>
+            <a:buNone/>
           </a:pPr>
           <a:r>
-            <a:rPr lang="en-US" sz="1300" kern="1200" dirty="0" smtClean="0"/>
+            <a:rPr lang="en-US" sz="1300" kern="1200" dirty="0"/>
             <a:t>1. Identify Transactions</a:t>
           </a:r>
-          <a:endParaRPr lang="en-US" sz="1300" kern="1200" dirty="0"/>
         </a:p>
       </dsp:txBody>
       <dsp:txXfrm>
@@ -1855,7 +1695,7 @@
         </a:bodyPr>
         <a:lstStyle/>
         <a:p>
-          <a:pPr lvl="0" algn="ctr" defTabSz="488950">
+          <a:pPr marL="0" lvl="0" indent="0" algn="ctr" defTabSz="488950">
             <a:lnSpc>
               <a:spcPct val="90000"/>
             </a:lnSpc>
@@ -1865,6 +1705,7 @@
             <a:spcAft>
               <a:spcPct val="35000"/>
             </a:spcAft>
+            <a:buNone/>
           </a:pPr>
           <a:endParaRPr lang="en-US" sz="1100" kern="1200"/>
         </a:p>
@@ -1958,7 +1799,7 @@
         </a:bodyPr>
         <a:lstStyle/>
         <a:p>
-          <a:pPr lvl="0" algn="ctr" defTabSz="577850">
+          <a:pPr marL="0" lvl="0" indent="0" algn="ctr" defTabSz="577850">
             <a:lnSpc>
               <a:spcPct val="90000"/>
             </a:lnSpc>
@@ -1968,12 +1809,12 @@
             <a:spcAft>
               <a:spcPct val="35000"/>
             </a:spcAft>
+            <a:buNone/>
           </a:pPr>
           <a:r>
-            <a:rPr lang="en-US" sz="1300" kern="1200" dirty="0" smtClean="0"/>
+            <a:rPr lang="en-US" sz="1300" kern="1200" dirty="0"/>
             <a:t>2. Record Journal Entries</a:t>
           </a:r>
-          <a:endParaRPr lang="en-US" sz="1300" kern="1200" dirty="0"/>
         </a:p>
       </dsp:txBody>
       <dsp:txXfrm>
@@ -2068,7 +1909,7 @@
         </a:bodyPr>
         <a:lstStyle/>
         <a:p>
-          <a:pPr lvl="0" algn="ctr" defTabSz="488950">
+          <a:pPr marL="0" lvl="0" indent="0" algn="ctr" defTabSz="488950">
             <a:lnSpc>
               <a:spcPct val="90000"/>
             </a:lnSpc>
@@ -2078,6 +1919,7 @@
             <a:spcAft>
               <a:spcPct val="35000"/>
             </a:spcAft>
+            <a:buNone/>
           </a:pPr>
           <a:endParaRPr lang="en-US" sz="1100" kern="1200"/>
         </a:p>
@@ -2171,7 +2013,7 @@
         </a:bodyPr>
         <a:lstStyle/>
         <a:p>
-          <a:pPr lvl="0" algn="ctr" defTabSz="577850">
+          <a:pPr marL="0" lvl="0" indent="0" algn="ctr" defTabSz="577850">
             <a:lnSpc>
               <a:spcPct val="90000"/>
             </a:lnSpc>
@@ -2181,12 +2023,12 @@
             <a:spcAft>
               <a:spcPct val="35000"/>
             </a:spcAft>
+            <a:buNone/>
           </a:pPr>
           <a:r>
-            <a:rPr lang="en-US" sz="1300" kern="1200" dirty="0" smtClean="0"/>
+            <a:rPr lang="en-US" sz="1300" kern="1200" dirty="0"/>
             <a:t>3. Post Ledger Entries</a:t>
           </a:r>
-          <a:endParaRPr lang="en-US" sz="1300" kern="1200" dirty="0"/>
         </a:p>
       </dsp:txBody>
       <dsp:txXfrm>
@@ -2281,7 +2123,7 @@
         </a:bodyPr>
         <a:lstStyle/>
         <a:p>
-          <a:pPr lvl="0" algn="ctr" defTabSz="488950">
+          <a:pPr marL="0" lvl="0" indent="0" algn="ctr" defTabSz="488950">
             <a:lnSpc>
               <a:spcPct val="90000"/>
             </a:lnSpc>
@@ -2291,6 +2133,7 @@
             <a:spcAft>
               <a:spcPct val="35000"/>
             </a:spcAft>
+            <a:buNone/>
           </a:pPr>
           <a:endParaRPr lang="en-US" sz="1100" kern="1200"/>
         </a:p>
@@ -2384,7 +2227,7 @@
         </a:bodyPr>
         <a:lstStyle/>
         <a:p>
-          <a:pPr lvl="0" algn="ctr" defTabSz="577850">
+          <a:pPr marL="0" lvl="0" indent="0" algn="ctr" defTabSz="577850">
             <a:lnSpc>
               <a:spcPct val="90000"/>
             </a:lnSpc>
@@ -2394,12 +2237,12 @@
             <a:spcAft>
               <a:spcPct val="35000"/>
             </a:spcAft>
+            <a:buNone/>
           </a:pPr>
           <a:r>
-            <a:rPr lang="en-US" sz="1300" kern="1200" dirty="0" smtClean="0"/>
+            <a:rPr lang="en-US" sz="1300" kern="1200" dirty="0"/>
             <a:t>4. Trial Balance</a:t>
           </a:r>
-          <a:endParaRPr lang="en-US" sz="1300" kern="1200" dirty="0"/>
         </a:p>
       </dsp:txBody>
       <dsp:txXfrm>
@@ -2494,7 +2337,7 @@
         </a:bodyPr>
         <a:lstStyle/>
         <a:p>
-          <a:pPr lvl="0" algn="ctr" defTabSz="488950">
+          <a:pPr marL="0" lvl="0" indent="0" algn="ctr" defTabSz="488950">
             <a:lnSpc>
               <a:spcPct val="90000"/>
             </a:lnSpc>
@@ -2504,6 +2347,7 @@
             <a:spcAft>
               <a:spcPct val="35000"/>
             </a:spcAft>
+            <a:buNone/>
           </a:pPr>
           <a:endParaRPr lang="en-US" sz="1100" kern="1200"/>
         </a:p>
@@ -2597,7 +2441,7 @@
         </a:bodyPr>
         <a:lstStyle/>
         <a:p>
-          <a:pPr lvl="0" algn="ctr" defTabSz="577850">
+          <a:pPr marL="0" lvl="0" indent="0" algn="ctr" defTabSz="577850">
             <a:lnSpc>
               <a:spcPct val="90000"/>
             </a:lnSpc>
@@ -2607,12 +2451,12 @@
             <a:spcAft>
               <a:spcPct val="35000"/>
             </a:spcAft>
+            <a:buNone/>
           </a:pPr>
           <a:r>
-            <a:rPr lang="en-US" sz="1300" kern="1200" dirty="0" smtClean="0"/>
+            <a:rPr lang="en-US" sz="1300" kern="1200" dirty="0"/>
             <a:t>5. Financial Statements</a:t>
           </a:r>
-          <a:endParaRPr lang="en-US" sz="1300" kern="1200" dirty="0"/>
         </a:p>
       </dsp:txBody>
       <dsp:txXfrm>
@@ -2707,7 +2551,7 @@
         </a:bodyPr>
         <a:lstStyle/>
         <a:p>
-          <a:pPr lvl="0" algn="ctr" defTabSz="488950">
+          <a:pPr marL="0" lvl="0" indent="0" algn="ctr" defTabSz="488950">
             <a:lnSpc>
               <a:spcPct val="90000"/>
             </a:lnSpc>
@@ -2717,6 +2561,7 @@
             <a:spcAft>
               <a:spcPct val="35000"/>
             </a:spcAft>
+            <a:buNone/>
           </a:pPr>
           <a:endParaRPr lang="en-US" sz="1100" kern="1200"/>
         </a:p>
@@ -2810,7 +2655,7 @@
         </a:bodyPr>
         <a:lstStyle/>
         <a:p>
-          <a:pPr lvl="0" algn="ctr" defTabSz="577850">
+          <a:pPr marL="0" lvl="0" indent="0" algn="ctr" defTabSz="577850">
             <a:lnSpc>
               <a:spcPct val="90000"/>
             </a:lnSpc>
@@ -2820,12 +2665,12 @@
             <a:spcAft>
               <a:spcPct val="35000"/>
             </a:spcAft>
+            <a:buNone/>
           </a:pPr>
           <a:r>
-            <a:rPr lang="en-US" sz="1300" kern="1200" dirty="0" smtClean="0"/>
+            <a:rPr lang="en-US" sz="1300" kern="1200" dirty="0"/>
             <a:t>6. Closing Entries</a:t>
           </a:r>
-          <a:endParaRPr lang="en-US" sz="1300" kern="1200" dirty="0"/>
         </a:p>
       </dsp:txBody>
       <dsp:txXfrm>
@@ -2920,7 +2765,7 @@
         </a:bodyPr>
         <a:lstStyle/>
         <a:p>
-          <a:pPr lvl="0" algn="ctr" defTabSz="488950">
+          <a:pPr marL="0" lvl="0" indent="0" algn="ctr" defTabSz="488950">
             <a:lnSpc>
               <a:spcPct val="90000"/>
             </a:lnSpc>
@@ -2930,6 +2775,7 @@
             <a:spcAft>
               <a:spcPct val="35000"/>
             </a:spcAft>
+            <a:buNone/>
           </a:pPr>
           <a:endParaRPr lang="en-US" sz="1100" kern="1200"/>
         </a:p>
@@ -3023,7 +2869,7 @@
         </a:bodyPr>
         <a:lstStyle/>
         <a:p>
-          <a:pPr lvl="0" algn="ctr" defTabSz="577850">
+          <a:pPr marL="0" lvl="0" indent="0" algn="ctr" defTabSz="577850">
             <a:lnSpc>
               <a:spcPct val="90000"/>
             </a:lnSpc>
@@ -3033,12 +2879,12 @@
             <a:spcAft>
               <a:spcPct val="35000"/>
             </a:spcAft>
+            <a:buNone/>
           </a:pPr>
           <a:r>
-            <a:rPr lang="en-US" sz="1300" kern="1200" dirty="0" smtClean="0"/>
+            <a:rPr lang="en-US" sz="1300" kern="1200" dirty="0"/>
             <a:t>7. Post-Closing Trial Balance</a:t>
           </a:r>
-          <a:endParaRPr lang="en-US" sz="1300" kern="1200" dirty="0"/>
         </a:p>
       </dsp:txBody>
       <dsp:txXfrm>
@@ -3133,7 +2979,7 @@
         </a:bodyPr>
         <a:lstStyle/>
         <a:p>
-          <a:pPr lvl="0" algn="ctr" defTabSz="488950">
+          <a:pPr marL="0" lvl="0" indent="0" algn="ctr" defTabSz="488950">
             <a:lnSpc>
               <a:spcPct val="90000"/>
             </a:lnSpc>
@@ -3143,6 +2989,7 @@
             <a:spcAft>
               <a:spcPct val="35000"/>
             </a:spcAft>
+            <a:buNone/>
           </a:pPr>
           <a:endParaRPr lang="en-US" sz="1100" kern="1200"/>
         </a:p>
@@ -4613,7 +4460,7 @@
           <a:p>
             <a:fld id="{9D8FFB7D-DD01-4AC1-AF71-ECA9A4F6FF1C}" type="datetimeFigureOut">
               <a:rPr lang="en-US" smtClean="0"/>
-              <a:t>11/21/2019</a:t>
+              <a:t>11/27/19</a:t>
             </a:fld>
             <a:endParaRPr lang="en-US"/>
           </a:p>
@@ -4781,7 +4628,7 @@
           <a:p>
             <a:fld id="{9D8FFB7D-DD01-4AC1-AF71-ECA9A4F6FF1C}" type="datetimeFigureOut">
               <a:rPr lang="en-US" smtClean="0"/>
-              <a:t>11/21/2019</a:t>
+              <a:t>11/27/19</a:t>
             </a:fld>
             <a:endParaRPr lang="en-US"/>
           </a:p>
@@ -4959,7 +4806,7 @@
           <a:p>
             <a:fld id="{9D8FFB7D-DD01-4AC1-AF71-ECA9A4F6FF1C}" type="datetimeFigureOut">
               <a:rPr lang="en-US" smtClean="0"/>
-              <a:t>11/21/2019</a:t>
+              <a:t>11/27/19</a:t>
             </a:fld>
             <a:endParaRPr lang="en-US"/>
           </a:p>
@@ -5127,7 +4974,7 @@
           <a:p>
             <a:fld id="{9D8FFB7D-DD01-4AC1-AF71-ECA9A4F6FF1C}" type="datetimeFigureOut">
               <a:rPr lang="en-US" smtClean="0"/>
-              <a:t>11/21/2019</a:t>
+              <a:t>11/27/19</a:t>
             </a:fld>
             <a:endParaRPr lang="en-US"/>
           </a:p>
@@ -5372,7 +5219,7 @@
           <a:p>
             <a:fld id="{9D8FFB7D-DD01-4AC1-AF71-ECA9A4F6FF1C}" type="datetimeFigureOut">
               <a:rPr lang="en-US" smtClean="0"/>
-              <a:t>11/21/2019</a:t>
+              <a:t>11/27/19</a:t>
             </a:fld>
             <a:endParaRPr lang="en-US"/>
           </a:p>
@@ -5601,7 +5448,7 @@
           <a:p>
             <a:fld id="{9D8FFB7D-DD01-4AC1-AF71-ECA9A4F6FF1C}" type="datetimeFigureOut">
               <a:rPr lang="en-US" smtClean="0"/>
-              <a:t>11/21/2019</a:t>
+              <a:t>11/27/19</a:t>
             </a:fld>
             <a:endParaRPr lang="en-US"/>
           </a:p>
@@ -5965,7 +5812,7 @@
           <a:p>
             <a:fld id="{9D8FFB7D-DD01-4AC1-AF71-ECA9A4F6FF1C}" type="datetimeFigureOut">
               <a:rPr lang="en-US" smtClean="0"/>
-              <a:t>11/21/2019</a:t>
+              <a:t>11/27/19</a:t>
             </a:fld>
             <a:endParaRPr lang="en-US"/>
           </a:p>
@@ -6082,7 +5929,7 @@
           <a:p>
             <a:fld id="{9D8FFB7D-DD01-4AC1-AF71-ECA9A4F6FF1C}" type="datetimeFigureOut">
               <a:rPr lang="en-US" smtClean="0"/>
-              <a:t>11/21/2019</a:t>
+              <a:t>11/27/19</a:t>
             </a:fld>
             <a:endParaRPr lang="en-US"/>
           </a:p>
@@ -6177,7 +6024,7 @@
           <a:p>
             <a:fld id="{9D8FFB7D-DD01-4AC1-AF71-ECA9A4F6FF1C}" type="datetimeFigureOut">
               <a:rPr lang="en-US" smtClean="0"/>
-              <a:t>11/21/2019</a:t>
+              <a:t>11/27/19</a:t>
             </a:fld>
             <a:endParaRPr lang="en-US"/>
           </a:p>
@@ -6452,7 +6299,7 @@
           <a:p>
             <a:fld id="{9D8FFB7D-DD01-4AC1-AF71-ECA9A4F6FF1C}" type="datetimeFigureOut">
               <a:rPr lang="en-US" smtClean="0"/>
-              <a:t>11/21/2019</a:t>
+              <a:t>11/27/19</a:t>
             </a:fld>
             <a:endParaRPr lang="en-US"/>
           </a:p>
@@ -6704,7 +6551,7 @@
           <a:p>
             <a:fld id="{9D8FFB7D-DD01-4AC1-AF71-ECA9A4F6FF1C}" type="datetimeFigureOut">
               <a:rPr lang="en-US" smtClean="0"/>
-              <a:t>11/21/2019</a:t>
+              <a:t>11/27/19</a:t>
             </a:fld>
             <a:endParaRPr lang="en-US"/>
           </a:p>
@@ -6915,7 +6762,7 @@
           <a:p>
             <a:fld id="{9D8FFB7D-DD01-4AC1-AF71-ECA9A4F6FF1C}" type="datetimeFigureOut">
               <a:rPr lang="en-US" smtClean="0"/>
-              <a:t>11/21/2019</a:t>
+              <a:t>11/27/19</a:t>
             </a:fld>
             <a:endParaRPr lang="en-US"/>
           </a:p>
@@ -9977,7 +9824,7 @@
         </p:nvCxnSpPr>
         <p:spPr>
           <a:xfrm>
-            <a:off x="6026206" y="1816997"/>
+            <a:off x="6026206" y="1827883"/>
             <a:ext cx="0" cy="363618"/>
           </a:xfrm>
           <a:prstGeom prst="straightConnector1">
@@ -10081,6 +9928,846 @@
       </p:grpSpPr>
       <p:sp>
         <p:nvSpPr>
+          <p:cNvPr id="10" name="Rectangle 9">
+            <a:extLst>
+              <a:ext uri="{FF2B5EF4-FFF2-40B4-BE49-F238E27FC236}">
+                <a16:creationId xmlns:a16="http://schemas.microsoft.com/office/drawing/2014/main" id="{64956BE4-0B6E-4787-A19A-8D5B068EA001}"/>
+              </a:ext>
+            </a:extLst>
+          </p:cNvPr>
+          <p:cNvSpPr/>
+          <p:nvPr/>
+        </p:nvSpPr>
+        <p:spPr>
+          <a:xfrm>
+            <a:off x="3871244" y="4101228"/>
+            <a:ext cx="4324173" cy="369332"/>
+          </a:xfrm>
+          <a:prstGeom prst="rect">
+            <a:avLst/>
+          </a:prstGeom>
+          <a:solidFill>
+            <a:schemeClr val="bg1">
+              <a:lumMod val="85000"/>
+            </a:schemeClr>
+          </a:solidFill>
+          <a:ln>
+            <a:noFill/>
+          </a:ln>
+        </p:spPr>
+        <p:style>
+          <a:lnRef idx="1">
+            <a:schemeClr val="accent1"/>
+          </a:lnRef>
+          <a:fillRef idx="2">
+            <a:schemeClr val="accent1"/>
+          </a:fillRef>
+          <a:effectRef idx="1">
+            <a:schemeClr val="accent1"/>
+          </a:effectRef>
+          <a:fontRef idx="minor">
+            <a:schemeClr val="dk1"/>
+          </a:fontRef>
+        </p:style>
+        <p:txBody>
+          <a:bodyPr rtlCol="0" anchor="ctr"/>
+          <a:lstStyle/>
+          <a:p>
+            <a:pPr algn="ctr"/>
+            <a:r>
+              <a:rPr lang="en-US" sz="1600" dirty="0"/>
+              <a:t>Trial balance</a:t>
+            </a:r>
+          </a:p>
+        </p:txBody>
+      </p:sp>
+      <p:sp>
+        <p:nvSpPr>
+          <p:cNvPr id="11" name="Isosceles Triangle 10">
+            <a:extLst>
+              <a:ext uri="{FF2B5EF4-FFF2-40B4-BE49-F238E27FC236}">
+                <a16:creationId xmlns:a16="http://schemas.microsoft.com/office/drawing/2014/main" id="{6AD11A63-33BF-4499-8F94-23EF26DEC903}"/>
+              </a:ext>
+            </a:extLst>
+          </p:cNvPr>
+          <p:cNvSpPr/>
+          <p:nvPr/>
+        </p:nvSpPr>
+        <p:spPr>
+          <a:xfrm>
+            <a:off x="5660968" y="4497592"/>
+            <a:ext cx="661496" cy="980495"/>
+          </a:xfrm>
+          <a:prstGeom prst="triangle">
+            <a:avLst/>
+          </a:prstGeom>
+          <a:solidFill>
+            <a:schemeClr val="bg1">
+              <a:lumMod val="85000"/>
+            </a:schemeClr>
+          </a:solidFill>
+          <a:ln>
+            <a:noFill/>
+          </a:ln>
+        </p:spPr>
+        <p:style>
+          <a:lnRef idx="2">
+            <a:schemeClr val="accent1">
+              <a:shade val="50000"/>
+            </a:schemeClr>
+          </a:lnRef>
+          <a:fillRef idx="1">
+            <a:schemeClr val="accent1"/>
+          </a:fillRef>
+          <a:effectRef idx="0">
+            <a:schemeClr val="accent1"/>
+          </a:effectRef>
+          <a:fontRef idx="minor">
+            <a:schemeClr val="lt1"/>
+          </a:fontRef>
+        </p:style>
+        <p:txBody>
+          <a:bodyPr rtlCol="0" anchor="ctr"/>
+          <a:lstStyle/>
+          <a:p>
+            <a:pPr algn="ctr"/>
+            <a:endParaRPr lang="en-US"/>
+          </a:p>
+        </p:txBody>
+      </p:sp>
+      <p:sp>
+        <p:nvSpPr>
+          <p:cNvPr id="2" name="Cube 1">
+            <a:extLst>
+              <a:ext uri="{FF2B5EF4-FFF2-40B4-BE49-F238E27FC236}">
+                <a16:creationId xmlns:a16="http://schemas.microsoft.com/office/drawing/2014/main" id="{225BD7F1-CAFC-6F47-AA52-0940E41D044E}"/>
+              </a:ext>
+            </a:extLst>
+          </p:cNvPr>
+          <p:cNvSpPr/>
+          <p:nvPr/>
+        </p:nvSpPr>
+        <p:spPr>
+          <a:xfrm rot="21012880">
+            <a:off x="3951514" y="3429000"/>
+            <a:ext cx="489857" cy="566057"/>
+          </a:xfrm>
+          <a:prstGeom prst="cube">
+            <a:avLst/>
+          </a:prstGeom>
+        </p:spPr>
+        <p:style>
+          <a:lnRef idx="2">
+            <a:schemeClr val="accent1">
+              <a:shade val="50000"/>
+            </a:schemeClr>
+          </a:lnRef>
+          <a:fillRef idx="1">
+            <a:schemeClr val="accent1"/>
+          </a:fillRef>
+          <a:effectRef idx="0">
+            <a:schemeClr val="accent1"/>
+          </a:effectRef>
+          <a:fontRef idx="minor">
+            <a:schemeClr val="lt1"/>
+          </a:fontRef>
+        </p:style>
+        <p:txBody>
+          <a:bodyPr rtlCol="0" anchor="ctr"/>
+          <a:lstStyle/>
+          <a:p>
+            <a:pPr algn="ctr"/>
+            <a:r>
+              <a:rPr lang="en-US" sz="1200" dirty="0"/>
+              <a:t>50</a:t>
+            </a:r>
+          </a:p>
+        </p:txBody>
+      </p:sp>
+      <p:sp>
+        <p:nvSpPr>
+          <p:cNvPr id="19" name="Cube 18">
+            <a:extLst>
+              <a:ext uri="{FF2B5EF4-FFF2-40B4-BE49-F238E27FC236}">
+                <a16:creationId xmlns:a16="http://schemas.microsoft.com/office/drawing/2014/main" id="{891BF6CF-B1D7-8445-90C2-F90949E9844A}"/>
+              </a:ext>
+            </a:extLst>
+          </p:cNvPr>
+          <p:cNvSpPr/>
+          <p:nvPr/>
+        </p:nvSpPr>
+        <p:spPr>
+          <a:xfrm rot="17026751">
+            <a:off x="4386942" y="3537802"/>
+            <a:ext cx="489857" cy="566057"/>
+          </a:xfrm>
+          <a:prstGeom prst="cube">
+            <a:avLst/>
+          </a:prstGeom>
+        </p:spPr>
+        <p:style>
+          <a:lnRef idx="2">
+            <a:schemeClr val="accent1">
+              <a:shade val="50000"/>
+            </a:schemeClr>
+          </a:lnRef>
+          <a:fillRef idx="1">
+            <a:schemeClr val="accent1"/>
+          </a:fillRef>
+          <a:effectRef idx="0">
+            <a:schemeClr val="accent1"/>
+          </a:effectRef>
+          <a:fontRef idx="minor">
+            <a:schemeClr val="lt1"/>
+          </a:fontRef>
+        </p:style>
+        <p:txBody>
+          <a:bodyPr rtlCol="0" anchor="ctr"/>
+          <a:lstStyle/>
+          <a:p>
+            <a:pPr algn="ctr"/>
+            <a:r>
+              <a:rPr lang="en-US" sz="1200" dirty="0"/>
+              <a:t>40</a:t>
+            </a:r>
+          </a:p>
+        </p:txBody>
+      </p:sp>
+      <p:sp>
+        <p:nvSpPr>
+          <p:cNvPr id="20" name="Cube 19">
+            <a:extLst>
+              <a:ext uri="{FF2B5EF4-FFF2-40B4-BE49-F238E27FC236}">
+                <a16:creationId xmlns:a16="http://schemas.microsoft.com/office/drawing/2014/main" id="{F36BE3FD-432C-1645-8BB3-576ADD81F851}"/>
+              </a:ext>
+            </a:extLst>
+          </p:cNvPr>
+          <p:cNvSpPr/>
+          <p:nvPr/>
+        </p:nvSpPr>
+        <p:spPr>
+          <a:xfrm rot="537677">
+            <a:off x="4517571" y="2988257"/>
+            <a:ext cx="489857" cy="566057"/>
+          </a:xfrm>
+          <a:prstGeom prst="cube">
+            <a:avLst/>
+          </a:prstGeom>
+        </p:spPr>
+        <p:style>
+          <a:lnRef idx="2">
+            <a:schemeClr val="accent1">
+              <a:shade val="50000"/>
+            </a:schemeClr>
+          </a:lnRef>
+          <a:fillRef idx="1">
+            <a:schemeClr val="accent1"/>
+          </a:fillRef>
+          <a:effectRef idx="0">
+            <a:schemeClr val="accent1"/>
+          </a:effectRef>
+          <a:fontRef idx="minor">
+            <a:schemeClr val="lt1"/>
+          </a:fontRef>
+        </p:style>
+        <p:txBody>
+          <a:bodyPr rtlCol="0" anchor="ctr"/>
+          <a:lstStyle/>
+          <a:p>
+            <a:pPr algn="ctr"/>
+            <a:r>
+              <a:rPr lang="en-US" sz="1200" dirty="0"/>
+              <a:t>20</a:t>
+            </a:r>
+          </a:p>
+        </p:txBody>
+      </p:sp>
+      <p:sp>
+        <p:nvSpPr>
+          <p:cNvPr id="23" name="Cube 22">
+            <a:extLst>
+              <a:ext uri="{FF2B5EF4-FFF2-40B4-BE49-F238E27FC236}">
+                <a16:creationId xmlns:a16="http://schemas.microsoft.com/office/drawing/2014/main" id="{C79D78A2-FDB1-4442-90E0-51D565192443}"/>
+              </a:ext>
+            </a:extLst>
+          </p:cNvPr>
+          <p:cNvSpPr/>
+          <p:nvPr/>
+        </p:nvSpPr>
+        <p:spPr>
+          <a:xfrm rot="21407194">
+            <a:off x="4913525" y="3429000"/>
+            <a:ext cx="489857" cy="566057"/>
+          </a:xfrm>
+          <a:prstGeom prst="cube">
+            <a:avLst/>
+          </a:prstGeom>
+        </p:spPr>
+        <p:style>
+          <a:lnRef idx="2">
+            <a:schemeClr val="accent1">
+              <a:shade val="50000"/>
+            </a:schemeClr>
+          </a:lnRef>
+          <a:fillRef idx="1">
+            <a:schemeClr val="accent1"/>
+          </a:fillRef>
+          <a:effectRef idx="0">
+            <a:schemeClr val="accent1"/>
+          </a:effectRef>
+          <a:fontRef idx="minor">
+            <a:schemeClr val="lt1"/>
+          </a:fontRef>
+        </p:style>
+        <p:txBody>
+          <a:bodyPr rtlCol="0" anchor="ctr"/>
+          <a:lstStyle/>
+          <a:p>
+            <a:pPr algn="ctr"/>
+            <a:r>
+              <a:rPr lang="en-US" sz="1200" dirty="0"/>
+              <a:t>60</a:t>
+            </a:r>
+          </a:p>
+        </p:txBody>
+      </p:sp>
+      <p:sp>
+        <p:nvSpPr>
+          <p:cNvPr id="3" name="TextBox 2">
+            <a:extLst>
+              <a:ext uri="{FF2B5EF4-FFF2-40B4-BE49-F238E27FC236}">
+                <a16:creationId xmlns:a16="http://schemas.microsoft.com/office/drawing/2014/main" id="{B06AED23-A413-C841-86C4-7E106BE8659E}"/>
+              </a:ext>
+            </a:extLst>
+          </p:cNvPr>
+          <p:cNvSpPr txBox="1"/>
+          <p:nvPr/>
+        </p:nvSpPr>
+        <p:spPr>
+          <a:xfrm>
+            <a:off x="6863292" y="2660566"/>
+            <a:ext cx="1430099" cy="369332"/>
+          </a:xfrm>
+          <a:prstGeom prst="rect">
+            <a:avLst/>
+          </a:prstGeom>
+          <a:noFill/>
+        </p:spPr>
+        <p:txBody>
+          <a:bodyPr wrap="square" rtlCol="0">
+            <a:spAutoFit/>
+          </a:bodyPr>
+          <a:lstStyle/>
+          <a:p>
+            <a:pPr algn="ctr"/>
+            <a:r>
+              <a:rPr lang="en-US" dirty="0"/>
+              <a:t>Credits</a:t>
+            </a:r>
+          </a:p>
+        </p:txBody>
+      </p:sp>
+      <p:sp>
+        <p:nvSpPr>
+          <p:cNvPr id="24" name="TextBox 23">
+            <a:extLst>
+              <a:ext uri="{FF2B5EF4-FFF2-40B4-BE49-F238E27FC236}">
+                <a16:creationId xmlns:a16="http://schemas.microsoft.com/office/drawing/2014/main" id="{F40124CD-EA9A-0343-8DA5-913CA57C4D05}"/>
+              </a:ext>
+            </a:extLst>
+          </p:cNvPr>
+          <p:cNvSpPr txBox="1"/>
+          <p:nvPr/>
+        </p:nvSpPr>
+        <p:spPr>
+          <a:xfrm>
+            <a:off x="4078072" y="2618145"/>
+            <a:ext cx="1430099" cy="369332"/>
+          </a:xfrm>
+          <a:prstGeom prst="rect">
+            <a:avLst/>
+          </a:prstGeom>
+          <a:noFill/>
+        </p:spPr>
+        <p:txBody>
+          <a:bodyPr wrap="square" rtlCol="0">
+            <a:spAutoFit/>
+          </a:bodyPr>
+          <a:lstStyle/>
+          <a:p>
+            <a:pPr algn="ctr"/>
+            <a:r>
+              <a:rPr lang="en-US" dirty="0"/>
+              <a:t>Debits</a:t>
+            </a:r>
+          </a:p>
+        </p:txBody>
+      </p:sp>
+      <p:sp>
+        <p:nvSpPr>
+          <p:cNvPr id="5" name="Can 4">
+            <a:extLst>
+              <a:ext uri="{FF2B5EF4-FFF2-40B4-BE49-F238E27FC236}">
+                <a16:creationId xmlns:a16="http://schemas.microsoft.com/office/drawing/2014/main" id="{F2CE52D9-EC8B-ED4E-A832-BEA9B41CE294}"/>
+              </a:ext>
+            </a:extLst>
+          </p:cNvPr>
+          <p:cNvSpPr/>
+          <p:nvPr/>
+        </p:nvSpPr>
+        <p:spPr>
+          <a:xfrm rot="2056049">
+            <a:off x="6934200" y="3554314"/>
+            <a:ext cx="468086" cy="386316"/>
+          </a:xfrm>
+          <a:prstGeom prst="can">
+            <a:avLst/>
+          </a:prstGeom>
+          <a:solidFill>
+            <a:schemeClr val="accent2">
+              <a:lumMod val="60000"/>
+              <a:lumOff val="40000"/>
+            </a:schemeClr>
+          </a:solidFill>
+        </p:spPr>
+        <p:style>
+          <a:lnRef idx="2">
+            <a:schemeClr val="accent1">
+              <a:shade val="50000"/>
+            </a:schemeClr>
+          </a:lnRef>
+          <a:fillRef idx="1">
+            <a:schemeClr val="accent1"/>
+          </a:fillRef>
+          <a:effectRef idx="0">
+            <a:schemeClr val="accent1"/>
+          </a:effectRef>
+          <a:fontRef idx="minor">
+            <a:schemeClr val="lt1"/>
+          </a:fontRef>
+        </p:style>
+        <p:txBody>
+          <a:bodyPr rtlCol="0" anchor="ctr"/>
+          <a:lstStyle/>
+          <a:p>
+            <a:pPr algn="ctr"/>
+            <a:r>
+              <a:rPr lang="en-US" sz="1200" dirty="0"/>
+              <a:t>10</a:t>
+            </a:r>
+          </a:p>
+        </p:txBody>
+      </p:sp>
+      <p:sp>
+        <p:nvSpPr>
+          <p:cNvPr id="25" name="Can 24">
+            <a:extLst>
+              <a:ext uri="{FF2B5EF4-FFF2-40B4-BE49-F238E27FC236}">
+                <a16:creationId xmlns:a16="http://schemas.microsoft.com/office/drawing/2014/main" id="{AB754E7E-4F9D-0F43-A458-BFD6678121C3}"/>
+              </a:ext>
+            </a:extLst>
+          </p:cNvPr>
+          <p:cNvSpPr/>
+          <p:nvPr/>
+        </p:nvSpPr>
+        <p:spPr>
+          <a:xfrm rot="185934">
+            <a:off x="7419307" y="3687263"/>
+            <a:ext cx="468086" cy="386316"/>
+          </a:xfrm>
+          <a:prstGeom prst="can">
+            <a:avLst/>
+          </a:prstGeom>
+          <a:solidFill>
+            <a:schemeClr val="accent2">
+              <a:lumMod val="60000"/>
+              <a:lumOff val="40000"/>
+            </a:schemeClr>
+          </a:solidFill>
+        </p:spPr>
+        <p:style>
+          <a:lnRef idx="2">
+            <a:schemeClr val="accent1">
+              <a:shade val="50000"/>
+            </a:schemeClr>
+          </a:lnRef>
+          <a:fillRef idx="1">
+            <a:schemeClr val="accent1"/>
+          </a:fillRef>
+          <a:effectRef idx="0">
+            <a:schemeClr val="accent1"/>
+          </a:effectRef>
+          <a:fontRef idx="minor">
+            <a:schemeClr val="lt1"/>
+          </a:fontRef>
+        </p:style>
+        <p:txBody>
+          <a:bodyPr rtlCol="0" anchor="ctr"/>
+          <a:lstStyle/>
+          <a:p>
+            <a:pPr algn="ctr"/>
+            <a:r>
+              <a:rPr lang="en-US" sz="1200" dirty="0"/>
+              <a:t>80</a:t>
+            </a:r>
+          </a:p>
+        </p:txBody>
+      </p:sp>
+      <p:sp>
+        <p:nvSpPr>
+          <p:cNvPr id="26" name="Can 25">
+            <a:extLst>
+              <a:ext uri="{FF2B5EF4-FFF2-40B4-BE49-F238E27FC236}">
+                <a16:creationId xmlns:a16="http://schemas.microsoft.com/office/drawing/2014/main" id="{09590AEB-5E50-0042-BE66-8229B9DA1F5D}"/>
+              </a:ext>
+            </a:extLst>
+          </p:cNvPr>
+          <p:cNvSpPr/>
+          <p:nvPr/>
+        </p:nvSpPr>
+        <p:spPr>
+          <a:xfrm rot="185934">
+            <a:off x="7246325" y="3262905"/>
+            <a:ext cx="468086" cy="386316"/>
+          </a:xfrm>
+          <a:prstGeom prst="can">
+            <a:avLst/>
+          </a:prstGeom>
+          <a:solidFill>
+            <a:schemeClr val="accent2">
+              <a:lumMod val="60000"/>
+              <a:lumOff val="40000"/>
+            </a:schemeClr>
+          </a:solidFill>
+        </p:spPr>
+        <p:style>
+          <a:lnRef idx="2">
+            <a:schemeClr val="accent1">
+              <a:shade val="50000"/>
+            </a:schemeClr>
+          </a:lnRef>
+          <a:fillRef idx="1">
+            <a:schemeClr val="accent1"/>
+          </a:fillRef>
+          <a:effectRef idx="0">
+            <a:schemeClr val="accent1"/>
+          </a:effectRef>
+          <a:fontRef idx="minor">
+            <a:schemeClr val="lt1"/>
+          </a:fontRef>
+        </p:style>
+        <p:txBody>
+          <a:bodyPr rtlCol="0" anchor="ctr"/>
+          <a:lstStyle/>
+          <a:p>
+            <a:pPr algn="ctr"/>
+            <a:r>
+              <a:rPr lang="en-US" sz="1200" dirty="0"/>
+              <a:t>30</a:t>
+            </a:r>
+          </a:p>
+        </p:txBody>
+      </p:sp>
+      <p:sp>
+        <p:nvSpPr>
+          <p:cNvPr id="27" name="Can 26">
+            <a:extLst>
+              <a:ext uri="{FF2B5EF4-FFF2-40B4-BE49-F238E27FC236}">
+                <a16:creationId xmlns:a16="http://schemas.microsoft.com/office/drawing/2014/main" id="{A2C621D3-4431-3A40-88E1-B8BA2D4E4980}"/>
+              </a:ext>
+            </a:extLst>
+          </p:cNvPr>
+          <p:cNvSpPr/>
+          <p:nvPr/>
+        </p:nvSpPr>
+        <p:spPr>
+          <a:xfrm rot="1731156">
+            <a:off x="7680181" y="3219331"/>
+            <a:ext cx="468086" cy="386316"/>
+          </a:xfrm>
+          <a:prstGeom prst="can">
+            <a:avLst/>
+          </a:prstGeom>
+          <a:solidFill>
+            <a:schemeClr val="accent2">
+              <a:lumMod val="60000"/>
+              <a:lumOff val="40000"/>
+            </a:schemeClr>
+          </a:solidFill>
+        </p:spPr>
+        <p:style>
+          <a:lnRef idx="2">
+            <a:schemeClr val="accent1">
+              <a:shade val="50000"/>
+            </a:schemeClr>
+          </a:lnRef>
+          <a:fillRef idx="1">
+            <a:schemeClr val="accent1"/>
+          </a:fillRef>
+          <a:effectRef idx="0">
+            <a:schemeClr val="accent1"/>
+          </a:effectRef>
+          <a:fontRef idx="minor">
+            <a:schemeClr val="lt1"/>
+          </a:fontRef>
+        </p:style>
+        <p:txBody>
+          <a:bodyPr rtlCol="0" anchor="ctr"/>
+          <a:lstStyle/>
+          <a:p>
+            <a:pPr algn="ctr"/>
+            <a:r>
+              <a:rPr lang="en-US" sz="1200" dirty="0"/>
+              <a:t>20</a:t>
+            </a:r>
+          </a:p>
+        </p:txBody>
+      </p:sp>
+      <p:sp>
+        <p:nvSpPr>
+          <p:cNvPr id="28" name="Can 27">
+            <a:extLst>
+              <a:ext uri="{FF2B5EF4-FFF2-40B4-BE49-F238E27FC236}">
+                <a16:creationId xmlns:a16="http://schemas.microsoft.com/office/drawing/2014/main" id="{5EAF55ED-4FB8-9646-A51F-64C9637C5520}"/>
+              </a:ext>
+            </a:extLst>
+          </p:cNvPr>
+          <p:cNvSpPr/>
+          <p:nvPr/>
+        </p:nvSpPr>
+        <p:spPr>
+          <a:xfrm rot="648860">
+            <a:off x="7789467" y="3616962"/>
+            <a:ext cx="468086" cy="386316"/>
+          </a:xfrm>
+          <a:prstGeom prst="can">
+            <a:avLst/>
+          </a:prstGeom>
+          <a:solidFill>
+            <a:schemeClr val="accent2">
+              <a:lumMod val="60000"/>
+              <a:lumOff val="40000"/>
+            </a:schemeClr>
+          </a:solidFill>
+        </p:spPr>
+        <p:style>
+          <a:lnRef idx="2">
+            <a:schemeClr val="accent1">
+              <a:shade val="50000"/>
+            </a:schemeClr>
+          </a:lnRef>
+          <a:fillRef idx="1">
+            <a:schemeClr val="accent1"/>
+          </a:fillRef>
+          <a:effectRef idx="0">
+            <a:schemeClr val="accent1"/>
+          </a:effectRef>
+          <a:fontRef idx="minor">
+            <a:schemeClr val="lt1"/>
+          </a:fontRef>
+        </p:style>
+        <p:txBody>
+          <a:bodyPr rtlCol="0" anchor="ctr"/>
+          <a:lstStyle/>
+          <a:p>
+            <a:pPr algn="ctr"/>
+            <a:r>
+              <a:rPr lang="en-US" sz="1200" dirty="0"/>
+              <a:t>30</a:t>
+            </a:r>
+          </a:p>
+        </p:txBody>
+      </p:sp>
+      <p:sp>
+        <p:nvSpPr>
+          <p:cNvPr id="12" name="Rounded Rectangle 11">
+            <a:extLst>
+              <a:ext uri="{FF2B5EF4-FFF2-40B4-BE49-F238E27FC236}">
+                <a16:creationId xmlns:a16="http://schemas.microsoft.com/office/drawing/2014/main" id="{DFAB436E-72B9-0A4E-AFA8-113312F1AC1D}"/>
+              </a:ext>
+            </a:extLst>
+          </p:cNvPr>
+          <p:cNvSpPr/>
+          <p:nvPr/>
+        </p:nvSpPr>
+        <p:spPr>
+          <a:xfrm>
+            <a:off x="3871244" y="598717"/>
+            <a:ext cx="4341180" cy="1066800"/>
+          </a:xfrm>
+          <a:prstGeom prst="roundRect">
+            <a:avLst/>
+          </a:prstGeom>
+          <a:solidFill>
+            <a:schemeClr val="accent6">
+              <a:lumMod val="60000"/>
+              <a:lumOff val="40000"/>
+            </a:schemeClr>
+          </a:solidFill>
+        </p:spPr>
+        <p:style>
+          <a:lnRef idx="2">
+            <a:schemeClr val="accent1">
+              <a:shade val="50000"/>
+            </a:schemeClr>
+          </a:lnRef>
+          <a:fillRef idx="1">
+            <a:schemeClr val="accent1"/>
+          </a:fillRef>
+          <a:effectRef idx="0">
+            <a:schemeClr val="accent1"/>
+          </a:effectRef>
+          <a:fontRef idx="minor">
+            <a:schemeClr val="lt1"/>
+          </a:fontRef>
+        </p:style>
+        <p:txBody>
+          <a:bodyPr rtlCol="0" anchor="ctr"/>
+          <a:lstStyle/>
+          <a:p>
+            <a:pPr algn="ctr"/>
+            <a:r>
+              <a:rPr lang="en-US" dirty="0">
+                <a:solidFill>
+                  <a:schemeClr val="tx1"/>
+                </a:solidFill>
+              </a:rPr>
+              <a:t>Ledger Accounts:</a:t>
+            </a:r>
+          </a:p>
+          <a:p>
+            <a:pPr algn="ctr"/>
+            <a:r>
+              <a:rPr lang="en-US" dirty="0">
+                <a:solidFill>
+                  <a:schemeClr val="tx1"/>
+                </a:solidFill>
+              </a:rPr>
+              <a:t>Assets, Liabilities, Shareholders’ Equity, Fees Earned, Expenses</a:t>
+            </a:r>
+          </a:p>
+        </p:txBody>
+      </p:sp>
+      <p:cxnSp>
+        <p:nvCxnSpPr>
+          <p:cNvPr id="29" name="Straight Arrow Connector 28">
+            <a:extLst>
+              <a:ext uri="{FF2B5EF4-FFF2-40B4-BE49-F238E27FC236}">
+                <a16:creationId xmlns:a16="http://schemas.microsoft.com/office/drawing/2014/main" id="{F8ED7CC1-127B-FD44-97B0-C69BE0BE9CA9}"/>
+              </a:ext>
+            </a:extLst>
+          </p:cNvPr>
+          <p:cNvCxnSpPr>
+            <a:cxnSpLocks/>
+          </p:cNvCxnSpPr>
+          <p:nvPr/>
+        </p:nvCxnSpPr>
+        <p:spPr>
+          <a:xfrm>
+            <a:off x="4730806" y="1884412"/>
+            <a:ext cx="0" cy="733733"/>
+          </a:xfrm>
+          <a:prstGeom prst="straightConnector1">
+            <a:avLst/>
+          </a:prstGeom>
+          <a:ln>
+            <a:solidFill>
+              <a:schemeClr val="tx1"/>
+            </a:solidFill>
+            <a:tailEnd type="triangle"/>
+          </a:ln>
+        </p:spPr>
+        <p:style>
+          <a:lnRef idx="1">
+            <a:schemeClr val="accent1"/>
+          </a:lnRef>
+          <a:fillRef idx="0">
+            <a:schemeClr val="accent1"/>
+          </a:fillRef>
+          <a:effectRef idx="0">
+            <a:schemeClr val="accent1"/>
+          </a:effectRef>
+          <a:fontRef idx="minor">
+            <a:schemeClr val="tx1"/>
+          </a:fontRef>
+        </p:style>
+      </p:cxnSp>
+      <p:cxnSp>
+        <p:nvCxnSpPr>
+          <p:cNvPr id="30" name="Straight Arrow Connector 29">
+            <a:extLst>
+              <a:ext uri="{FF2B5EF4-FFF2-40B4-BE49-F238E27FC236}">
+                <a16:creationId xmlns:a16="http://schemas.microsoft.com/office/drawing/2014/main" id="{2F2BFCAE-444F-6647-92BD-FA7696D78FD9}"/>
+              </a:ext>
+            </a:extLst>
+          </p:cNvPr>
+          <p:cNvCxnSpPr>
+            <a:cxnSpLocks/>
+          </p:cNvCxnSpPr>
+          <p:nvPr/>
+        </p:nvCxnSpPr>
+        <p:spPr>
+          <a:xfrm>
+            <a:off x="7476826" y="1862642"/>
+            <a:ext cx="0" cy="733733"/>
+          </a:xfrm>
+          <a:prstGeom prst="straightConnector1">
+            <a:avLst/>
+          </a:prstGeom>
+          <a:ln>
+            <a:solidFill>
+              <a:schemeClr val="tx1"/>
+            </a:solidFill>
+            <a:tailEnd type="triangle"/>
+          </a:ln>
+        </p:spPr>
+        <p:style>
+          <a:lnRef idx="1">
+            <a:schemeClr val="accent1"/>
+          </a:lnRef>
+          <a:fillRef idx="0">
+            <a:schemeClr val="accent1"/>
+          </a:fillRef>
+          <a:effectRef idx="0">
+            <a:schemeClr val="accent1"/>
+          </a:effectRef>
+          <a:fontRef idx="minor">
+            <a:schemeClr val="tx1"/>
+          </a:fontRef>
+        </p:style>
+      </p:cxnSp>
+    </p:spTree>
+    <p:extLst>
+      <p:ext uri="{BB962C8B-B14F-4D97-AF65-F5344CB8AC3E}">
+        <p14:creationId xmlns:p14="http://schemas.microsoft.com/office/powerpoint/2010/main" val="3788421818"/>
+      </p:ext>
+    </p:extLst>
+  </p:cSld>
+  <p:clrMapOvr>
+    <a:masterClrMapping/>
+  </p:clrMapOvr>
+</p:sld>
+</file>
+
+<file path=ppt/slides/slide5.xml><?xml version="1.0" encoding="utf-8"?>
+<p:sld xmlns:a="http://schemas.openxmlformats.org/drawingml/2006/main" xmlns:r="http://schemas.openxmlformats.org/officeDocument/2006/relationships" xmlns:p="http://schemas.openxmlformats.org/presentationml/2006/main">
+  <p:cSld>
+    <p:spTree>
+      <p:nvGrpSpPr>
+        <p:cNvPr id="1" name=""/>
+        <p:cNvGrpSpPr/>
+        <p:nvPr/>
+      </p:nvGrpSpPr>
+      <p:grpSpPr>
+        <a:xfrm>
+          <a:off x="0" y="0"/>
+          <a:ext cx="0" cy="0"/>
+          <a:chOff x="0" y="0"/>
+          <a:chExt cx="0" cy="0"/>
+        </a:xfrm>
+      </p:grpSpPr>
+      <p:sp>
+        <p:nvSpPr>
           <p:cNvPr id="2" name="Title 1">
             <a:extLst>
               <a:ext uri="{FF2B5EF4-FFF2-40B4-BE49-F238E27FC236}">
@@ -10137,7 +10824,7 @@
                 <a14:useLocalDpi xmlns:a14="http://schemas.microsoft.com/office/drawing/2010/main" val="0"/>
               </a:ext>
               <a:ext uri="{837473B0-CC2E-450A-ABE3-18F120FF3D39}">
-                <a1611:picAttrSrcUrl xmlns:a1611="http://schemas.microsoft.com/office/drawing/2016/11/main" xmlns="" r:id="rId3"/>
+                <a1611:picAttrSrcUrl xmlns:a1611="http://schemas.microsoft.com/office/drawing/2016/11/main" r:id="rId3"/>
               </a:ext>
             </a:extLst>
           </a:blip>
@@ -10342,7 +11029,7 @@
                 <a14:useLocalDpi xmlns:a14="http://schemas.microsoft.com/office/drawing/2010/main" val="0"/>
               </a:ext>
               <a:ext uri="{837473B0-CC2E-450A-ABE3-18F120FF3D39}">
-                <a1611:picAttrSrcUrl xmlns:a1611="http://schemas.microsoft.com/office/drawing/2016/11/main" xmlns="" r:id="rId5"/>
+                <a1611:picAttrSrcUrl xmlns:a1611="http://schemas.microsoft.com/office/drawing/2016/11/main" r:id="rId5"/>
               </a:ext>
             </a:extLst>
           </a:blip>
@@ -10381,7 +11068,7 @@
                 <a14:useLocalDpi xmlns:a14="http://schemas.microsoft.com/office/drawing/2010/main" val="0"/>
               </a:ext>
               <a:ext uri="{837473B0-CC2E-450A-ABE3-18F120FF3D39}">
-                <a1611:picAttrSrcUrl xmlns:a1611="http://schemas.microsoft.com/office/drawing/2016/11/main" xmlns="" r:id="rId7"/>
+                <a1611:picAttrSrcUrl xmlns:a1611="http://schemas.microsoft.com/office/drawing/2016/11/main" r:id="rId7"/>
               </a:ext>
             </a:extLst>
           </a:blip>
@@ -10420,7 +11107,7 @@
                 <a14:useLocalDpi xmlns:a14="http://schemas.microsoft.com/office/drawing/2010/main" val="0"/>
               </a:ext>
               <a:ext uri="{837473B0-CC2E-450A-ABE3-18F120FF3D39}">
-                <a1611:picAttrSrcUrl xmlns:a1611="http://schemas.microsoft.com/office/drawing/2016/11/main" xmlns="" r:id="rId3"/>
+                <a1611:picAttrSrcUrl xmlns:a1611="http://schemas.microsoft.com/office/drawing/2016/11/main" r:id="rId3"/>
               </a:ext>
             </a:extLst>
           </a:blip>
@@ -10459,7 +11146,7 @@
                 <a14:useLocalDpi xmlns:a14="http://schemas.microsoft.com/office/drawing/2010/main" val="0"/>
               </a:ext>
               <a:ext uri="{837473B0-CC2E-450A-ABE3-18F120FF3D39}">
-                <a1611:picAttrSrcUrl xmlns:a1611="http://schemas.microsoft.com/office/drawing/2016/11/main" xmlns="" r:id="rId3"/>
+                <a1611:picAttrSrcUrl xmlns:a1611="http://schemas.microsoft.com/office/drawing/2016/11/main" r:id="rId3"/>
               </a:ext>
             </a:extLst>
           </a:blip>
@@ -10498,7 +11185,7 @@
                 <a14:useLocalDpi xmlns:a14="http://schemas.microsoft.com/office/drawing/2010/main" val="0"/>
               </a:ext>
               <a:ext uri="{837473B0-CC2E-450A-ABE3-18F120FF3D39}">
-                <a1611:picAttrSrcUrl xmlns:a1611="http://schemas.microsoft.com/office/drawing/2016/11/main" xmlns="" r:id="rId9"/>
+                <a1611:picAttrSrcUrl xmlns:a1611="http://schemas.microsoft.com/office/drawing/2016/11/main" r:id="rId9"/>
               </a:ext>
             </a:extLst>
           </a:blip>
@@ -11095,7 +11782,7 @@
                 <a14:useLocalDpi xmlns:a14="http://schemas.microsoft.com/office/drawing/2010/main" val="0"/>
               </a:ext>
               <a:ext uri="{837473B0-CC2E-450A-ABE3-18F120FF3D39}">
-                <a1611:picAttrSrcUrl xmlns:a1611="http://schemas.microsoft.com/office/drawing/2016/11/main" xmlns="" r:id="rId7"/>
+                <a1611:picAttrSrcUrl xmlns:a1611="http://schemas.microsoft.com/office/drawing/2016/11/main" r:id="rId7"/>
               </a:ext>
             </a:extLst>
           </a:blip>
@@ -11123,17 +11810,10 @@
   <p:clrMapOvr>
     <a:masterClrMapping/>
   </p:clrMapOvr>
-  <p:timing>
-    <p:tnLst>
-      <p:par>
-        <p:cTn id="1" dur="indefinite" restart="never" nodeType="tmRoot"/>
-      </p:par>
-    </p:tnLst>
-  </p:timing>
 </p:sld>
 </file>
 
-<file path=ppt/slides/slide5.xml><?xml version="1.0" encoding="utf-8"?>
+<file path=ppt/slides/slide6.xml><?xml version="1.0" encoding="utf-8"?>
 <p:sld xmlns:a="http://schemas.openxmlformats.org/drawingml/2006/main" xmlns:r="http://schemas.openxmlformats.org/officeDocument/2006/relationships" xmlns:p="http://schemas.openxmlformats.org/presentationml/2006/main">
   <p:cSld>
     <p:spTree>
@@ -11213,18 +11893,13 @@
           <a:p>
             <a:pPr algn="ctr"/>
             <a:r>
-              <a:rPr lang="en-US" sz="3600" dirty="0" smtClean="0">
+              <a:rPr lang="en-US" sz="3600" dirty="0">
                 <a:solidFill>
                   <a:schemeClr val="tx1"/>
                 </a:solidFill>
               </a:rPr>
               <a:t>Accounting Cycle</a:t>
             </a:r>
-            <a:endParaRPr lang="en-US" sz="3600" dirty="0">
-              <a:solidFill>
-                <a:schemeClr val="tx1"/>
-              </a:solidFill>
-            </a:endParaRPr>
           </a:p>
         </p:txBody>
       </p:sp>
@@ -11238,13 +11913,6 @@
   <p:clrMapOvr>
     <a:masterClrMapping/>
   </p:clrMapOvr>
-  <p:timing>
-    <p:tnLst>
-      <p:par>
-        <p:cTn id="1" dur="indefinite" restart="never" nodeType="tmRoot"/>
-      </p:par>
-    </p:tnLst>
-  </p:timing>
 </p:sld>
 </file>
 
